--- a/Poster.pptx
+++ b/Poster.pptx
@@ -197,7 +197,7 @@
           <a:p>
             <a:fld id="{29E37857-226D-4CCF-AA19-1158A5C8DCFA}" type="datetimeFigureOut">
               <a:rPr lang="ru-RU" smtClean="0"/>
-              <a:t>29.01.2019</a:t>
+              <a:t>30.01.2019</a:t>
             </a:fld>
             <a:endParaRPr lang="ru-RU"/>
           </a:p>
@@ -698,7 +698,7 @@
           <a:p>
             <a:fld id="{5B93D758-17FF-452C-8428-2406E710DDE8}" type="datetimeFigureOut">
               <a:rPr lang="ru-RU" smtClean="0"/>
-              <a:t>29.01.2019</a:t>
+              <a:t>30.01.2019</a:t>
             </a:fld>
             <a:endParaRPr lang="ru-RU"/>
           </a:p>
@@ -898,7 +898,7 @@
           <a:p>
             <a:fld id="{5B93D758-17FF-452C-8428-2406E710DDE8}" type="datetimeFigureOut">
               <a:rPr lang="ru-RU" smtClean="0"/>
-              <a:t>29.01.2019</a:t>
+              <a:t>30.01.2019</a:t>
             </a:fld>
             <a:endParaRPr lang="ru-RU"/>
           </a:p>
@@ -1108,7 +1108,7 @@
           <a:p>
             <a:fld id="{5B93D758-17FF-452C-8428-2406E710DDE8}" type="datetimeFigureOut">
               <a:rPr lang="ru-RU" smtClean="0"/>
-              <a:t>29.01.2019</a:t>
+              <a:t>30.01.2019</a:t>
             </a:fld>
             <a:endParaRPr lang="ru-RU"/>
           </a:p>
@@ -1308,7 +1308,7 @@
           <a:p>
             <a:fld id="{5B93D758-17FF-452C-8428-2406E710DDE8}" type="datetimeFigureOut">
               <a:rPr lang="ru-RU" smtClean="0"/>
-              <a:t>29.01.2019</a:t>
+              <a:t>30.01.2019</a:t>
             </a:fld>
             <a:endParaRPr lang="ru-RU"/>
           </a:p>
@@ -1584,7 +1584,7 @@
           <a:p>
             <a:fld id="{5B93D758-17FF-452C-8428-2406E710DDE8}" type="datetimeFigureOut">
               <a:rPr lang="ru-RU" smtClean="0"/>
-              <a:t>29.01.2019</a:t>
+              <a:t>30.01.2019</a:t>
             </a:fld>
             <a:endParaRPr lang="ru-RU"/>
           </a:p>
@@ -1852,7 +1852,7 @@
           <a:p>
             <a:fld id="{5B93D758-17FF-452C-8428-2406E710DDE8}" type="datetimeFigureOut">
               <a:rPr lang="ru-RU" smtClean="0"/>
-              <a:t>29.01.2019</a:t>
+              <a:t>30.01.2019</a:t>
             </a:fld>
             <a:endParaRPr lang="ru-RU"/>
           </a:p>
@@ -2267,7 +2267,7 @@
           <a:p>
             <a:fld id="{5B93D758-17FF-452C-8428-2406E710DDE8}" type="datetimeFigureOut">
               <a:rPr lang="ru-RU" smtClean="0"/>
-              <a:t>29.01.2019</a:t>
+              <a:t>30.01.2019</a:t>
             </a:fld>
             <a:endParaRPr lang="ru-RU"/>
           </a:p>
@@ -2409,7 +2409,7 @@
           <a:p>
             <a:fld id="{5B93D758-17FF-452C-8428-2406E710DDE8}" type="datetimeFigureOut">
               <a:rPr lang="ru-RU" smtClean="0"/>
-              <a:t>29.01.2019</a:t>
+              <a:t>30.01.2019</a:t>
             </a:fld>
             <a:endParaRPr lang="ru-RU"/>
           </a:p>
@@ -2522,7 +2522,7 @@
           <a:p>
             <a:fld id="{5B93D758-17FF-452C-8428-2406E710DDE8}" type="datetimeFigureOut">
               <a:rPr lang="ru-RU" smtClean="0"/>
-              <a:t>29.01.2019</a:t>
+              <a:t>30.01.2019</a:t>
             </a:fld>
             <a:endParaRPr lang="ru-RU"/>
           </a:p>
@@ -2835,7 +2835,7 @@
           <a:p>
             <a:fld id="{5B93D758-17FF-452C-8428-2406E710DDE8}" type="datetimeFigureOut">
               <a:rPr lang="ru-RU" smtClean="0"/>
-              <a:t>29.01.2019</a:t>
+              <a:t>30.01.2019</a:t>
             </a:fld>
             <a:endParaRPr lang="ru-RU"/>
           </a:p>
@@ -3124,7 +3124,7 @@
           <a:p>
             <a:fld id="{5B93D758-17FF-452C-8428-2406E710DDE8}" type="datetimeFigureOut">
               <a:rPr lang="ru-RU" smtClean="0"/>
-              <a:t>29.01.2019</a:t>
+              <a:t>30.01.2019</a:t>
             </a:fld>
             <a:endParaRPr lang="ru-RU"/>
           </a:p>
@@ -3367,7 +3367,7 @@
           <a:p>
             <a:fld id="{5B93D758-17FF-452C-8428-2406E710DDE8}" type="datetimeFigureOut">
               <a:rPr lang="ru-RU" smtClean="0"/>
-              <a:t>29.01.2019</a:t>
+              <a:t>30.01.2019</a:t>
             </a:fld>
             <a:endParaRPr lang="ru-RU"/>
           </a:p>
@@ -4135,7 +4135,7 @@
           <p:spPr>
             <a:xfrm>
               <a:off x="2971800" y="5178822"/>
-              <a:ext cx="5740400" cy="1021556"/>
+              <a:ext cx="5740400" cy="1040183"/>
             </a:xfrm>
             <a:prstGeom prst="roundRect">
               <a:avLst/>
@@ -4169,11 +4169,25 @@
               <a:pPr algn="ctr"/>
               <a:r>
                 <a:rPr lang="en-GB" sz="5400" dirty="0">
+                  <a:effectLst>
+                    <a:outerShdw blurRad="38100" dist="38100" dir="2700000" algn="tl">
+                      <a:srgbClr val="000000">
+                        <a:alpha val="43137"/>
+                      </a:srgbClr>
+                    </a:outerShdw>
+                  </a:effectLst>
                   <a:latin typeface="+mj-lt"/>
                 </a:rPr>
                 <a:t>Introduction</a:t>
               </a:r>
               <a:endParaRPr lang="ru-RU" sz="5400" dirty="0">
+                <a:effectLst>
+                  <a:outerShdw blurRad="38100" dist="38100" dir="2700000" algn="tl">
+                    <a:srgbClr val="000000">
+                      <a:alpha val="43137"/>
+                    </a:srgbClr>
+                  </a:outerShdw>
+                </a:effectLst>
                 <a:latin typeface="+mj-lt"/>
               </a:endParaRPr>
             </a:p>
@@ -6274,14 +6288,14 @@
           <p:nvPr>
             <p:extLst>
               <p:ext uri="{D42A27DB-BD31-4B8C-83A1-F6EECF244321}">
-                <p14:modId xmlns:p14="http://schemas.microsoft.com/office/powerpoint/2010/main" val="3646748817"/>
+                <p14:modId xmlns:p14="http://schemas.microsoft.com/office/powerpoint/2010/main" val="1775215276"/>
               </p:ext>
             </p:extLst>
           </p:nvPr>
         </p:nvGraphicFramePr>
         <p:xfrm>
-          <a:off x="10857982" y="6944866"/>
-          <a:ext cx="9032794" cy="3021602"/>
+          <a:off x="9664470" y="7015749"/>
+          <a:ext cx="7938628" cy="2586340"/>
         </p:xfrm>
         <a:graphic>
           <a:graphicData uri="http://schemas.openxmlformats.org/drawingml/2006/table">
@@ -6290,21 +6304,21 @@
                 <a:tableStyleId>{21E4AEA4-8DFA-4A89-87EB-49C32662AFE0}</a:tableStyleId>
               </a:tblPr>
               <a:tblGrid>
-                <a:gridCol w="2089441">
+                <a:gridCol w="1836341">
                   <a:extLst>
                     <a:ext uri="{9D8B030D-6E8A-4147-A177-3AD203B41FA5}">
                       <a16:colId xmlns:a16="http://schemas.microsoft.com/office/drawing/2014/main" val="1718616828"/>
                     </a:ext>
                   </a:extLst>
                 </a:gridCol>
-                <a:gridCol w="3492932">
+                <a:gridCol w="3069825">
                   <a:extLst>
                     <a:ext uri="{9D8B030D-6E8A-4147-A177-3AD203B41FA5}">
                       <a16:colId xmlns:a16="http://schemas.microsoft.com/office/drawing/2014/main" val="4130545199"/>
                     </a:ext>
                   </a:extLst>
                 </a:gridCol>
-                <a:gridCol w="3450421">
+                <a:gridCol w="3032462">
                   <a:extLst>
                     <a:ext uri="{9D8B030D-6E8A-4147-A177-3AD203B41FA5}">
                       <a16:colId xmlns:a16="http://schemas.microsoft.com/office/drawing/2014/main" val="4150303046"/>
@@ -6312,7 +6326,7 @@
                   </a:extLst>
                 </a:gridCol>
               </a:tblGrid>
-              <a:tr h="958845">
+              <a:tr h="722734">
                 <a:tc>
                   <a:txBody>
                     <a:bodyPr/>
@@ -6558,7 +6572,7 @@
                   </a:ext>
                 </a:extLst>
               </a:tr>
-              <a:tr h="776731">
+              <a:tr h="527646">
                 <a:tc>
                   <a:txBody>
                     <a:bodyPr/>
@@ -6877,7 +6891,7 @@
             </p:nvSpPr>
             <p:spPr>
               <a:xfrm>
-                <a:off x="11187004" y="10333422"/>
+                <a:off x="9902407" y="10310118"/>
                 <a:ext cx="8139814" cy="562846"/>
               </a:xfrm>
               <a:prstGeom prst="rect">
@@ -7116,7 +7130,7 @@
             </p:nvSpPr>
             <p:spPr>
               <a:xfrm>
-                <a:off x="11187004" y="10333422"/>
+                <a:off x="9902407" y="10310118"/>
                 <a:ext cx="8139814" cy="562846"/>
               </a:xfrm>
               <a:prstGeom prst="rect">
@@ -7180,8 +7194,8 @@
           </a:p>
         </p:txBody>
       </p:sp>
-      <mc:AlternateContent xmlns:mc="http://schemas.openxmlformats.org/markup-compatibility/2006">
-        <mc:Choice xmlns:a14="http://schemas.microsoft.com/office/drawing/2010/main" Requires="a14">
+      <mc:AlternateContent xmlns:mc="http://schemas.openxmlformats.org/markup-compatibility/2006" xmlns:a14="http://schemas.microsoft.com/office/drawing/2010/main">
+        <mc:Choice Requires="a14">
           <p:sp>
             <p:nvSpPr>
               <p:cNvPr id="111" name="TextBox 110">
@@ -7277,7 +7291,7 @@
             </p:txBody>
           </p:sp>
         </mc:Choice>
-        <mc:Fallback>
+        <mc:Fallback xmlns="">
           <p:sp>
             <p:nvSpPr>
               <p:cNvPr id="111" name="TextBox 110">
@@ -7322,1430 +7336,6 @@
           </p:sp>
         </mc:Fallback>
       </mc:AlternateContent>
-      <p:grpSp>
-        <p:nvGrpSpPr>
-          <p:cNvPr id="118" name="Group 117">
-            <a:extLst>
-              <a:ext uri="{FF2B5EF4-FFF2-40B4-BE49-F238E27FC236}">
-                <a16:creationId xmlns:a16="http://schemas.microsoft.com/office/drawing/2014/main" id="{262FCB76-CB23-400B-B570-3B53DA7E4501}"/>
-              </a:ext>
-            </a:extLst>
-          </p:cNvPr>
-          <p:cNvGrpSpPr/>
-          <p:nvPr/>
-        </p:nvGrpSpPr>
-        <p:grpSpPr>
-          <a:xfrm>
-            <a:off x="21905067" y="7085244"/>
-            <a:ext cx="7465614" cy="2906102"/>
-            <a:chOff x="417251" y="983235"/>
-            <a:chExt cx="7465614" cy="2906102"/>
-          </a:xfrm>
-        </p:grpSpPr>
-        <p:grpSp>
-          <p:nvGrpSpPr>
-            <p:cNvPr id="119" name="Группа 1">
-              <a:extLst>
-                <a:ext uri="{FF2B5EF4-FFF2-40B4-BE49-F238E27FC236}">
-                  <a16:creationId xmlns:a16="http://schemas.microsoft.com/office/drawing/2014/main" id="{5FC198F9-6186-4C60-B966-E7D46ABE7F2E}"/>
-                </a:ext>
-              </a:extLst>
-            </p:cNvPr>
-            <p:cNvGrpSpPr>
-              <a:grpSpLocks noChangeAspect="1"/>
-            </p:cNvGrpSpPr>
-            <p:nvPr/>
-          </p:nvGrpSpPr>
-          <p:grpSpPr>
-            <a:xfrm rot="16200000">
-              <a:off x="1165913" y="519716"/>
-              <a:ext cx="1359411" cy="2856736"/>
-              <a:chOff x="4257241" y="1381197"/>
-              <a:chExt cx="744889" cy="1565348"/>
-            </a:xfrm>
-          </p:grpSpPr>
-          <p:cxnSp>
-            <p:nvCxnSpPr>
-              <p:cNvPr id="131" name="Прямая соединительная линия 38">
-                <a:extLst>
-                  <a:ext uri="{FF2B5EF4-FFF2-40B4-BE49-F238E27FC236}">
-                    <a16:creationId xmlns:a16="http://schemas.microsoft.com/office/drawing/2014/main" id="{A11FE3D4-023B-406C-ACB8-236AFA090AAF}"/>
-                  </a:ext>
-                </a:extLst>
-              </p:cNvPr>
-              <p:cNvCxnSpPr>
-                <a:cxnSpLocks/>
-              </p:cNvCxnSpPr>
-              <p:nvPr/>
-            </p:nvCxnSpPr>
-            <p:spPr>
-              <a:xfrm flipH="1">
-                <a:off x="4590102" y="2111692"/>
-                <a:ext cx="233902" cy="640533"/>
-              </a:xfrm>
-              <a:prstGeom prst="line">
-                <a:avLst/>
-              </a:prstGeom>
-              <a:ln w="57150"/>
-            </p:spPr>
-            <p:style>
-              <a:lnRef idx="1">
-                <a:schemeClr val="dk1"/>
-              </a:lnRef>
-              <a:fillRef idx="0">
-                <a:schemeClr val="dk1"/>
-              </a:fillRef>
-              <a:effectRef idx="0">
-                <a:schemeClr val="dk1"/>
-              </a:effectRef>
-              <a:fontRef idx="minor">
-                <a:schemeClr val="tx1"/>
-              </a:fontRef>
-            </p:style>
-          </p:cxnSp>
-          <p:cxnSp>
-            <p:nvCxnSpPr>
-              <p:cNvPr id="164" name="Прямая соединительная линия 38">
-                <a:extLst>
-                  <a:ext uri="{FF2B5EF4-FFF2-40B4-BE49-F238E27FC236}">
-                    <a16:creationId xmlns:a16="http://schemas.microsoft.com/office/drawing/2014/main" id="{B82D7F73-6E4A-441E-AC07-2F9ABC660BEB}"/>
-                  </a:ext>
-                </a:extLst>
-              </p:cNvPr>
-              <p:cNvCxnSpPr>
-                <a:cxnSpLocks/>
-              </p:cNvCxnSpPr>
-              <p:nvPr/>
-            </p:nvCxnSpPr>
-            <p:spPr>
-              <a:xfrm flipH="1">
-                <a:off x="4590101" y="2111692"/>
-                <a:ext cx="233902" cy="640533"/>
-              </a:xfrm>
-              <a:prstGeom prst="line">
-                <a:avLst/>
-              </a:prstGeom>
-              <a:ln w="57150"/>
-            </p:spPr>
-            <p:style>
-              <a:lnRef idx="1">
-                <a:schemeClr val="dk1"/>
-              </a:lnRef>
-              <a:fillRef idx="0">
-                <a:schemeClr val="dk1"/>
-              </a:fillRef>
-              <a:effectRef idx="0">
-                <a:schemeClr val="dk1"/>
-              </a:effectRef>
-              <a:fontRef idx="minor">
-                <a:schemeClr val="tx1"/>
-              </a:fontRef>
-            </p:style>
-          </p:cxnSp>
-          <p:sp>
-            <p:nvSpPr>
-              <p:cNvPr id="132" name="Овал 39">
-                <a:extLst>
-                  <a:ext uri="{FF2B5EF4-FFF2-40B4-BE49-F238E27FC236}">
-                    <a16:creationId xmlns:a16="http://schemas.microsoft.com/office/drawing/2014/main" id="{8BF6E980-B6CA-4FA2-A7E7-6A646644D3DA}"/>
-                  </a:ext>
-                </a:extLst>
-              </p:cNvPr>
-              <p:cNvSpPr/>
-              <p:nvPr/>
-            </p:nvSpPr>
-            <p:spPr>
-              <a:xfrm rot="5400000">
-                <a:off x="4395783" y="2568702"/>
-                <a:ext cx="388638" cy="367047"/>
-              </a:xfrm>
-              <a:prstGeom prst="ellipse">
-                <a:avLst/>
-              </a:prstGeom>
-              <a:solidFill>
-                <a:schemeClr val="accent1"/>
-              </a:solidFill>
-              <a:ln>
-                <a:solidFill>
-                  <a:schemeClr val="accent1"/>
-                </a:solidFill>
-              </a:ln>
-            </p:spPr>
-            <p:style>
-              <a:lnRef idx="2">
-                <a:schemeClr val="accent1">
-                  <a:shade val="50000"/>
-                </a:schemeClr>
-              </a:lnRef>
-              <a:fillRef idx="1">
-                <a:schemeClr val="accent1"/>
-              </a:fillRef>
-              <a:effectRef idx="0">
-                <a:schemeClr val="accent1"/>
-              </a:effectRef>
-              <a:fontRef idx="minor">
-                <a:schemeClr val="lt1"/>
-              </a:fontRef>
-            </p:style>
-            <p:txBody>
-              <a:bodyPr rtlCol="0" anchor="ctr"/>
-              <a:lstStyle/>
-              <a:p>
-                <a:pPr algn="ctr"/>
-                <a:r>
-                  <a:rPr lang="en-GB" dirty="0" err="1"/>
-                  <a:t>Cys</a:t>
-                </a:r>
-                <a:endParaRPr lang="ru-RU" dirty="0"/>
-              </a:p>
-            </p:txBody>
-          </p:sp>
-          <p:cxnSp>
-            <p:nvCxnSpPr>
-              <p:cNvPr id="171" name="Прямая соединительная линия 38">
-                <a:extLst>
-                  <a:ext uri="{FF2B5EF4-FFF2-40B4-BE49-F238E27FC236}">
-                    <a16:creationId xmlns:a16="http://schemas.microsoft.com/office/drawing/2014/main" id="{F05D3A3F-49F5-4D8F-86CD-59F0C1BECCB8}"/>
-                  </a:ext>
-                </a:extLst>
-              </p:cNvPr>
-              <p:cNvCxnSpPr>
-                <a:cxnSpLocks/>
-              </p:cNvCxnSpPr>
-              <p:nvPr/>
-            </p:nvCxnSpPr>
-            <p:spPr>
-              <a:xfrm flipH="1">
-                <a:off x="4590100" y="2111692"/>
-                <a:ext cx="233902" cy="640533"/>
-              </a:xfrm>
-              <a:prstGeom prst="line">
-                <a:avLst/>
-              </a:prstGeom>
-              <a:ln w="57150"/>
-            </p:spPr>
-            <p:style>
-              <a:lnRef idx="1">
-                <a:schemeClr val="dk1"/>
-              </a:lnRef>
-              <a:fillRef idx="0">
-                <a:schemeClr val="dk1"/>
-              </a:fillRef>
-              <a:effectRef idx="0">
-                <a:schemeClr val="dk1"/>
-              </a:effectRef>
-              <a:fontRef idx="minor">
-                <a:schemeClr val="tx1"/>
-              </a:fontRef>
-            </p:style>
-          </p:cxnSp>
-          <p:cxnSp>
-            <p:nvCxnSpPr>
-              <p:cNvPr id="133" name="Прямая соединительная линия 40">
-                <a:extLst>
-                  <a:ext uri="{FF2B5EF4-FFF2-40B4-BE49-F238E27FC236}">
-                    <a16:creationId xmlns:a16="http://schemas.microsoft.com/office/drawing/2014/main" id="{5DA4AAF6-FF66-4E12-9772-55A898490BDD}"/>
-                  </a:ext>
-                </a:extLst>
-              </p:cNvPr>
-              <p:cNvCxnSpPr>
-                <a:cxnSpLocks/>
-              </p:cNvCxnSpPr>
-              <p:nvPr/>
-            </p:nvCxnSpPr>
-            <p:spPr>
-              <a:xfrm>
-                <a:off x="4440763" y="1553924"/>
-                <a:ext cx="377842" cy="557767"/>
-              </a:xfrm>
-              <a:prstGeom prst="line">
-                <a:avLst/>
-              </a:prstGeom>
-              <a:ln w="57150"/>
-            </p:spPr>
-            <p:style>
-              <a:lnRef idx="1">
-                <a:schemeClr val="dk1"/>
-              </a:lnRef>
-              <a:fillRef idx="0">
-                <a:schemeClr val="dk1"/>
-              </a:fillRef>
-              <a:effectRef idx="0">
-                <a:schemeClr val="dk1"/>
-              </a:effectRef>
-              <a:fontRef idx="minor">
-                <a:schemeClr val="tx1"/>
-              </a:fontRef>
-            </p:style>
-          </p:cxnSp>
-          <p:sp>
-            <p:nvSpPr>
-              <p:cNvPr id="134" name="Овал 41">
-                <a:extLst>
-                  <a:ext uri="{FF2B5EF4-FFF2-40B4-BE49-F238E27FC236}">
-                    <a16:creationId xmlns:a16="http://schemas.microsoft.com/office/drawing/2014/main" id="{77843E7F-E6E3-4BF5-A426-5B00E8E76E2A}"/>
-                  </a:ext>
-                </a:extLst>
-              </p:cNvPr>
-              <p:cNvSpPr/>
-              <p:nvPr/>
-            </p:nvSpPr>
-            <p:spPr>
-              <a:xfrm rot="5400000">
-                <a:off x="4624288" y="1928168"/>
-                <a:ext cx="388638" cy="367047"/>
-              </a:xfrm>
-              <a:prstGeom prst="ellipse">
-                <a:avLst/>
-              </a:prstGeom>
-              <a:solidFill>
-                <a:srgbClr val="E66C6C"/>
-              </a:solidFill>
-              <a:ln>
-                <a:solidFill>
-                  <a:srgbClr val="E66C6C"/>
-                </a:solidFill>
-              </a:ln>
-            </p:spPr>
-            <p:style>
-              <a:lnRef idx="2">
-                <a:schemeClr val="accent1">
-                  <a:shade val="50000"/>
-                </a:schemeClr>
-              </a:lnRef>
-              <a:fillRef idx="1">
-                <a:schemeClr val="accent1"/>
-              </a:fillRef>
-              <a:effectRef idx="0">
-                <a:schemeClr val="accent1"/>
-              </a:effectRef>
-              <a:fontRef idx="minor">
-                <a:schemeClr val="lt1"/>
-              </a:fontRef>
-            </p:style>
-            <p:txBody>
-              <a:bodyPr rtlCol="0" anchor="ctr"/>
-              <a:lstStyle/>
-              <a:p>
-                <a:pPr algn="ctr"/>
-                <a:r>
-                  <a:rPr lang="en-GB" dirty="0" err="1"/>
-                  <a:t>Gly</a:t>
-                </a:r>
-                <a:endParaRPr lang="ru-RU" dirty="0"/>
-              </a:p>
-            </p:txBody>
-          </p:sp>
-          <p:sp>
-            <p:nvSpPr>
-              <p:cNvPr id="135" name="Овал 42">
-                <a:extLst>
-                  <a:ext uri="{FF2B5EF4-FFF2-40B4-BE49-F238E27FC236}">
-                    <a16:creationId xmlns:a16="http://schemas.microsoft.com/office/drawing/2014/main" id="{E45DCDFF-FC96-436D-B4AD-7A67429B8F24}"/>
-                  </a:ext>
-                </a:extLst>
-              </p:cNvPr>
-              <p:cNvSpPr/>
-              <p:nvPr/>
-            </p:nvSpPr>
-            <p:spPr>
-              <a:xfrm rot="5400000">
-                <a:off x="4246446" y="1391992"/>
-                <a:ext cx="388638" cy="367047"/>
-              </a:xfrm>
-              <a:prstGeom prst="ellipse">
-                <a:avLst/>
-              </a:prstGeom>
-              <a:solidFill>
-                <a:srgbClr val="5CBDD0"/>
-              </a:solidFill>
-              <a:ln>
-                <a:solidFill>
-                  <a:srgbClr val="5CBDD0"/>
-                </a:solidFill>
-              </a:ln>
-            </p:spPr>
-            <p:style>
-              <a:lnRef idx="2">
-                <a:schemeClr val="accent1">
-                  <a:shade val="50000"/>
-                </a:schemeClr>
-              </a:lnRef>
-              <a:fillRef idx="1">
-                <a:schemeClr val="accent1"/>
-              </a:fillRef>
-              <a:effectRef idx="0">
-                <a:schemeClr val="accent1"/>
-              </a:effectRef>
-              <a:fontRef idx="minor">
-                <a:schemeClr val="lt1"/>
-              </a:fontRef>
-            </p:style>
-            <p:txBody>
-              <a:bodyPr rtlCol="0" anchor="ctr"/>
-              <a:lstStyle/>
-              <a:p>
-                <a:pPr algn="ctr"/>
-                <a:r>
-                  <a:rPr lang="en-GB" dirty="0"/>
-                  <a:t>Ser</a:t>
-                </a:r>
-                <a:endParaRPr lang="ru-RU" dirty="0"/>
-              </a:p>
-            </p:txBody>
-          </p:sp>
-          <p:sp>
-            <p:nvSpPr>
-              <p:cNvPr id="165" name="Овал 39">
-                <a:extLst>
-                  <a:ext uri="{FF2B5EF4-FFF2-40B4-BE49-F238E27FC236}">
-                    <a16:creationId xmlns:a16="http://schemas.microsoft.com/office/drawing/2014/main" id="{EDF7532F-8A5C-4382-BC9B-5BDA45DE6122}"/>
-                  </a:ext>
-                </a:extLst>
-              </p:cNvPr>
-              <p:cNvSpPr/>
-              <p:nvPr/>
-            </p:nvSpPr>
-            <p:spPr>
-              <a:xfrm rot="5400000">
-                <a:off x="4395782" y="2568702"/>
-                <a:ext cx="388638" cy="367047"/>
-              </a:xfrm>
-              <a:prstGeom prst="ellipse">
-                <a:avLst/>
-              </a:prstGeom>
-              <a:solidFill>
-                <a:schemeClr val="accent1"/>
-              </a:solidFill>
-              <a:ln>
-                <a:solidFill>
-                  <a:schemeClr val="accent1"/>
-                </a:solidFill>
-              </a:ln>
-            </p:spPr>
-            <p:style>
-              <a:lnRef idx="2">
-                <a:schemeClr val="accent1">
-                  <a:shade val="50000"/>
-                </a:schemeClr>
-              </a:lnRef>
-              <a:fillRef idx="1">
-                <a:schemeClr val="accent1"/>
-              </a:fillRef>
-              <a:effectRef idx="0">
-                <a:schemeClr val="accent1"/>
-              </a:effectRef>
-              <a:fontRef idx="minor">
-                <a:schemeClr val="lt1"/>
-              </a:fontRef>
-            </p:style>
-            <p:txBody>
-              <a:bodyPr rtlCol="0" anchor="ctr"/>
-              <a:lstStyle/>
-              <a:p>
-                <a:pPr algn="ctr"/>
-                <a:r>
-                  <a:rPr lang="en-GB" dirty="0" err="1"/>
-                  <a:t>Cys</a:t>
-                </a:r>
-                <a:endParaRPr lang="ru-RU" dirty="0"/>
-              </a:p>
-            </p:txBody>
-          </p:sp>
-          <p:sp>
-            <p:nvSpPr>
-              <p:cNvPr id="172" name="Овал 39">
-                <a:extLst>
-                  <a:ext uri="{FF2B5EF4-FFF2-40B4-BE49-F238E27FC236}">
-                    <a16:creationId xmlns:a16="http://schemas.microsoft.com/office/drawing/2014/main" id="{87920C91-1E4B-4E5C-8F38-9FBADBA8D479}"/>
-                  </a:ext>
-                </a:extLst>
-              </p:cNvPr>
-              <p:cNvSpPr/>
-              <p:nvPr/>
-            </p:nvSpPr>
-            <p:spPr>
-              <a:xfrm rot="5400000">
-                <a:off x="4395781" y="2568702"/>
-                <a:ext cx="388638" cy="367047"/>
-              </a:xfrm>
-              <a:prstGeom prst="ellipse">
-                <a:avLst/>
-              </a:prstGeom>
-              <a:solidFill>
-                <a:schemeClr val="accent1"/>
-              </a:solidFill>
-              <a:ln>
-                <a:solidFill>
-                  <a:schemeClr val="accent1"/>
-                </a:solidFill>
-              </a:ln>
-            </p:spPr>
-            <p:style>
-              <a:lnRef idx="2">
-                <a:schemeClr val="accent1">
-                  <a:shade val="50000"/>
-                </a:schemeClr>
-              </a:lnRef>
-              <a:fillRef idx="1">
-                <a:schemeClr val="accent1"/>
-              </a:fillRef>
-              <a:effectRef idx="0">
-                <a:schemeClr val="accent1"/>
-              </a:effectRef>
-              <a:fontRef idx="minor">
-                <a:schemeClr val="lt1"/>
-              </a:fontRef>
-            </p:style>
-            <p:txBody>
-              <a:bodyPr rtlCol="0" anchor="ctr"/>
-              <a:lstStyle/>
-              <a:p>
-                <a:pPr algn="ctr"/>
-                <a:r>
-                  <a:rPr lang="en-GB" dirty="0" err="1"/>
-                  <a:t>Cys</a:t>
-                </a:r>
-                <a:endParaRPr lang="ru-RU" dirty="0"/>
-              </a:p>
-            </p:txBody>
-          </p:sp>
-        </p:grpSp>
-        <mc:AlternateContent xmlns:mc="http://schemas.openxmlformats.org/markup-compatibility/2006" xmlns:a14="http://schemas.microsoft.com/office/drawing/2010/main">
-          <mc:Choice Requires="a14">
-            <p:sp>
-              <p:nvSpPr>
-                <p:cNvPr id="120" name="TextBox 119">
-                  <a:extLst>
-                    <a:ext uri="{FF2B5EF4-FFF2-40B4-BE49-F238E27FC236}">
-                      <a16:creationId xmlns:a16="http://schemas.microsoft.com/office/drawing/2014/main" id="{1E5FC773-88C3-4FC3-9087-917B53B806D0}"/>
-                    </a:ext>
-                  </a:extLst>
-                </p:cNvPr>
-                <p:cNvSpPr txBox="1"/>
-                <p:nvPr/>
-              </p:nvSpPr>
-              <p:spPr>
-                <a:xfrm>
-                  <a:off x="5190308" y="3366117"/>
-                  <a:ext cx="1878222" cy="523220"/>
-                </a:xfrm>
-                <a:prstGeom prst="rect">
-                  <a:avLst/>
-                </a:prstGeom>
-                <a:noFill/>
-              </p:spPr>
-              <p:txBody>
-                <a:bodyPr wrap="square" rtlCol="0">
-                  <a:spAutoFit/>
-                </a:bodyPr>
-                <a:lstStyle/>
-                <a:p>
-                  <a:pPr/>
-                  <a14:m>
-                    <m:oMathPara xmlns:m="http://schemas.openxmlformats.org/officeDocument/2006/math">
-                      <m:oMathParaPr>
-                        <m:jc m:val="centerGroup"/>
-                      </m:oMathParaPr>
-                      <m:oMath xmlns:m="http://schemas.openxmlformats.org/officeDocument/2006/math">
-                        <m:r>
-                          <m:rPr>
-                            <m:sty m:val="p"/>
-                          </m:rPr>
-                          <a:rPr lang="en-GB" sz="2800" smtClean="0">
-                            <a:latin typeface="Cambria Math" panose="02040503050406030204" pitchFamily="18" charset="0"/>
-                          </a:rPr>
-                          <m:t>H</m:t>
-                        </m:r>
-                        <m:r>
-                          <m:rPr>
-                            <m:sty m:val="p"/>
-                          </m:rPr>
-                          <a:rPr lang="en-GB" sz="2800" b="0" i="0" smtClean="0">
-                            <a:latin typeface="Cambria Math" panose="02040503050406030204" pitchFamily="18" charset="0"/>
-                          </a:rPr>
-                          <m:t>Cl</m:t>
-                        </m:r>
-                      </m:oMath>
-                    </m:oMathPara>
-                  </a14:m>
-                  <a:endParaRPr lang="ru-RU" sz="2800" dirty="0"/>
-                </a:p>
-              </p:txBody>
-            </p:sp>
-          </mc:Choice>
-          <mc:Fallback xmlns="">
-            <p:sp>
-              <p:nvSpPr>
-                <p:cNvPr id="120" name="TextBox 119">
-                  <a:extLst>
-                    <a:ext uri="{FF2B5EF4-FFF2-40B4-BE49-F238E27FC236}">
-                      <a16:creationId xmlns:a16="http://schemas.microsoft.com/office/drawing/2014/main" id="{1E5FC773-88C3-4FC3-9087-917B53B806D0}"/>
-                    </a:ext>
-                  </a:extLst>
-                </p:cNvPr>
-                <p:cNvSpPr txBox="1">
-                  <a:spLocks noRot="1" noChangeAspect="1" noMove="1" noResize="1" noEditPoints="1" noAdjustHandles="1" noChangeArrowheads="1" noChangeShapeType="1" noTextEdit="1"/>
-                </p:cNvSpPr>
-                <p:nvPr/>
-              </p:nvSpPr>
-              <p:spPr>
-                <a:xfrm>
-                  <a:off x="5190308" y="3366117"/>
-                  <a:ext cx="1878222" cy="523220"/>
-                </a:xfrm>
-                <a:prstGeom prst="rect">
-                  <a:avLst/>
-                </a:prstGeom>
-                <a:blipFill>
-                  <a:blip r:embed="rId8"/>
-                  <a:stretch>
-                    <a:fillRect/>
-                  </a:stretch>
-                </a:blipFill>
-              </p:spPr>
-              <p:txBody>
-                <a:bodyPr/>
-                <a:lstStyle/>
-                <a:p>
-                  <a:r>
-                    <a:rPr lang="ru-RU">
-                      <a:noFill/>
-                    </a:rPr>
-                    <a:t> </a:t>
-                  </a:r>
-                </a:p>
-              </p:txBody>
-            </p:sp>
-          </mc:Fallback>
-        </mc:AlternateContent>
-        <p:sp>
-          <p:nvSpPr>
-            <p:cNvPr id="121" name="Arrow: Right 120">
-              <a:extLst>
-                <a:ext uri="{FF2B5EF4-FFF2-40B4-BE49-F238E27FC236}">
-                  <a16:creationId xmlns:a16="http://schemas.microsoft.com/office/drawing/2014/main" id="{50731104-FE96-456C-B6ED-CF0DF1613989}"/>
-                </a:ext>
-              </a:extLst>
-            </p:cNvPr>
-            <p:cNvSpPr/>
-            <p:nvPr/>
-          </p:nvSpPr>
-          <p:spPr>
-            <a:xfrm>
-              <a:off x="3515557" y="2627788"/>
-              <a:ext cx="621437" cy="452763"/>
-            </a:xfrm>
-            <a:prstGeom prst="rightArrow">
-              <a:avLst/>
-            </a:prstGeom>
-            <a:solidFill>
-              <a:srgbClr val="D03839"/>
-            </a:solidFill>
-            <a:ln>
-              <a:solidFill>
-                <a:srgbClr val="D03839"/>
-              </a:solidFill>
-            </a:ln>
-          </p:spPr>
-          <p:style>
-            <a:lnRef idx="2">
-              <a:schemeClr val="accent1">
-                <a:shade val="50000"/>
-              </a:schemeClr>
-            </a:lnRef>
-            <a:fillRef idx="1">
-              <a:schemeClr val="accent1"/>
-            </a:fillRef>
-            <a:effectRef idx="0">
-              <a:schemeClr val="accent1"/>
-            </a:effectRef>
-            <a:fontRef idx="minor">
-              <a:schemeClr val="lt1"/>
-            </a:fontRef>
-          </p:style>
-          <p:txBody>
-            <a:bodyPr rtlCol="0" anchor="ctr"/>
-            <a:lstStyle/>
-            <a:p>
-              <a:pPr algn="ctr"/>
-              <a:endParaRPr lang="ru-RU" dirty="0"/>
-            </a:p>
-          </p:txBody>
-        </p:sp>
-        <p:cxnSp>
-          <p:nvCxnSpPr>
-            <p:cNvPr id="122" name="Прямая соединительная линия 38">
-              <a:extLst>
-                <a:ext uri="{FF2B5EF4-FFF2-40B4-BE49-F238E27FC236}">
-                  <a16:creationId xmlns:a16="http://schemas.microsoft.com/office/drawing/2014/main" id="{BC517150-FAC2-4D6F-88BE-862438BF161E}"/>
-                </a:ext>
-              </a:extLst>
-            </p:cNvPr>
-            <p:cNvCxnSpPr>
-              <a:cxnSpLocks/>
-              <a:endCxn id="127" idx="4"/>
-            </p:cNvCxnSpPr>
-            <p:nvPr/>
-          </p:nvCxnSpPr>
-          <p:spPr>
-            <a:xfrm>
-              <a:off x="6917485" y="1429305"/>
-              <a:ext cx="26269" cy="916095"/>
-            </a:xfrm>
-            <a:prstGeom prst="line">
-              <a:avLst/>
-            </a:prstGeom>
-            <a:ln w="57150"/>
-          </p:spPr>
-          <p:style>
-            <a:lnRef idx="1">
-              <a:schemeClr val="dk1"/>
-            </a:lnRef>
-            <a:fillRef idx="0">
-              <a:schemeClr val="dk1"/>
-            </a:fillRef>
-            <a:effectRef idx="0">
-              <a:schemeClr val="dk1"/>
-            </a:effectRef>
-            <a:fontRef idx="minor">
-              <a:schemeClr val="tx1"/>
-            </a:fontRef>
-          </p:style>
-        </p:cxnSp>
-        <p:grpSp>
-          <p:nvGrpSpPr>
-            <p:cNvPr id="123" name="Группа 1">
-              <a:extLst>
-                <a:ext uri="{FF2B5EF4-FFF2-40B4-BE49-F238E27FC236}">
-                  <a16:creationId xmlns:a16="http://schemas.microsoft.com/office/drawing/2014/main" id="{48A0A8F1-E97B-4DF5-A85C-9D24A5FE3C91}"/>
-                </a:ext>
-              </a:extLst>
-            </p:cNvPr>
-            <p:cNvGrpSpPr>
-              <a:grpSpLocks noChangeAspect="1"/>
-            </p:cNvGrpSpPr>
-            <p:nvPr/>
-          </p:nvGrpSpPr>
-          <p:grpSpPr>
-            <a:xfrm rot="16200000">
-              <a:off x="5190311" y="509865"/>
-              <a:ext cx="1359411" cy="2856736"/>
-              <a:chOff x="4257241" y="1381197"/>
-              <a:chExt cx="744889" cy="1565348"/>
-            </a:xfrm>
-          </p:grpSpPr>
-          <p:cxnSp>
-            <p:nvCxnSpPr>
-              <p:cNvPr id="185" name="Прямая соединительная линия 38">
-                <a:extLst>
-                  <a:ext uri="{FF2B5EF4-FFF2-40B4-BE49-F238E27FC236}">
-                    <a16:creationId xmlns:a16="http://schemas.microsoft.com/office/drawing/2014/main" id="{A072E575-89FB-4E11-930C-C358DEBD8522}"/>
-                  </a:ext>
-                </a:extLst>
-              </p:cNvPr>
-              <p:cNvCxnSpPr>
-                <a:cxnSpLocks/>
-              </p:cNvCxnSpPr>
-              <p:nvPr/>
-            </p:nvCxnSpPr>
-            <p:spPr>
-              <a:xfrm flipH="1">
-                <a:off x="4590101" y="2111692"/>
-                <a:ext cx="233902" cy="640533"/>
-              </a:xfrm>
-              <a:prstGeom prst="line">
-                <a:avLst/>
-              </a:prstGeom>
-              <a:ln w="57150"/>
-            </p:spPr>
-            <p:style>
-              <a:lnRef idx="1">
-                <a:schemeClr val="dk1"/>
-              </a:lnRef>
-              <a:fillRef idx="0">
-                <a:schemeClr val="dk1"/>
-              </a:fillRef>
-              <a:effectRef idx="0">
-                <a:schemeClr val="dk1"/>
-              </a:effectRef>
-              <a:fontRef idx="minor">
-                <a:schemeClr val="tx1"/>
-              </a:fontRef>
-            </p:style>
-          </p:cxnSp>
-          <p:cxnSp>
-            <p:nvCxnSpPr>
-              <p:cNvPr id="126" name="Прямая соединительная линия 38">
-                <a:extLst>
-                  <a:ext uri="{FF2B5EF4-FFF2-40B4-BE49-F238E27FC236}">
-                    <a16:creationId xmlns:a16="http://schemas.microsoft.com/office/drawing/2014/main" id="{DEC89017-502F-4867-9290-F7B83FF32A05}"/>
-                  </a:ext>
-                </a:extLst>
-              </p:cNvPr>
-              <p:cNvCxnSpPr>
-                <a:cxnSpLocks/>
-              </p:cNvCxnSpPr>
-              <p:nvPr/>
-            </p:nvCxnSpPr>
-            <p:spPr>
-              <a:xfrm flipH="1">
-                <a:off x="4590102" y="2111692"/>
-                <a:ext cx="233902" cy="640533"/>
-              </a:xfrm>
-              <a:prstGeom prst="line">
-                <a:avLst/>
-              </a:prstGeom>
-              <a:ln w="57150"/>
-            </p:spPr>
-            <p:style>
-              <a:lnRef idx="1">
-                <a:schemeClr val="dk1"/>
-              </a:lnRef>
-              <a:fillRef idx="0">
-                <a:schemeClr val="dk1"/>
-              </a:fillRef>
-              <a:effectRef idx="0">
-                <a:schemeClr val="dk1"/>
-              </a:effectRef>
-              <a:fontRef idx="minor">
-                <a:schemeClr val="tx1"/>
-              </a:fontRef>
-            </p:style>
-          </p:cxnSp>
-          <p:sp>
-            <p:nvSpPr>
-              <p:cNvPr id="127" name="Овал 39">
-                <a:extLst>
-                  <a:ext uri="{FF2B5EF4-FFF2-40B4-BE49-F238E27FC236}">
-                    <a16:creationId xmlns:a16="http://schemas.microsoft.com/office/drawing/2014/main" id="{AFA61CA3-44DC-4DD0-B3D4-8F6B375C860B}"/>
-                  </a:ext>
-                </a:extLst>
-              </p:cNvPr>
-              <p:cNvSpPr/>
-              <p:nvPr/>
-            </p:nvSpPr>
-            <p:spPr>
-              <a:xfrm rot="5400000">
-                <a:off x="4395783" y="2568702"/>
-                <a:ext cx="388638" cy="367047"/>
-              </a:xfrm>
-              <a:prstGeom prst="ellipse">
-                <a:avLst/>
-              </a:prstGeom>
-              <a:solidFill>
-                <a:schemeClr val="accent1"/>
-              </a:solidFill>
-              <a:ln>
-                <a:solidFill>
-                  <a:schemeClr val="accent1"/>
-                </a:solidFill>
-              </a:ln>
-            </p:spPr>
-            <p:style>
-              <a:lnRef idx="2">
-                <a:schemeClr val="accent1">
-                  <a:shade val="50000"/>
-                </a:schemeClr>
-              </a:lnRef>
-              <a:fillRef idx="1">
-                <a:schemeClr val="accent1"/>
-              </a:fillRef>
-              <a:effectRef idx="0">
-                <a:schemeClr val="accent1"/>
-              </a:effectRef>
-              <a:fontRef idx="minor">
-                <a:schemeClr val="lt1"/>
-              </a:fontRef>
-            </p:style>
-            <p:txBody>
-              <a:bodyPr rtlCol="0" anchor="ctr"/>
-              <a:lstStyle/>
-              <a:p>
-                <a:pPr algn="ctr"/>
-                <a:r>
-                  <a:rPr lang="en-GB" dirty="0" err="1"/>
-                  <a:t>Cys</a:t>
-                </a:r>
-                <a:endParaRPr lang="ru-RU" dirty="0"/>
-              </a:p>
-            </p:txBody>
-          </p:sp>
-          <p:cxnSp>
-            <p:nvCxnSpPr>
-              <p:cNvPr id="128" name="Прямая соединительная линия 40">
-                <a:extLst>
-                  <a:ext uri="{FF2B5EF4-FFF2-40B4-BE49-F238E27FC236}">
-                    <a16:creationId xmlns:a16="http://schemas.microsoft.com/office/drawing/2014/main" id="{8A19597D-C95A-4F0E-AF62-861BDFC8A285}"/>
-                  </a:ext>
-                </a:extLst>
-              </p:cNvPr>
-              <p:cNvCxnSpPr>
-                <a:cxnSpLocks/>
-              </p:cNvCxnSpPr>
-              <p:nvPr/>
-            </p:nvCxnSpPr>
-            <p:spPr>
-              <a:xfrm>
-                <a:off x="4440763" y="1553924"/>
-                <a:ext cx="377842" cy="557767"/>
-              </a:xfrm>
-              <a:prstGeom prst="line">
-                <a:avLst/>
-              </a:prstGeom>
-              <a:ln w="57150"/>
-            </p:spPr>
-            <p:style>
-              <a:lnRef idx="1">
-                <a:schemeClr val="dk1"/>
-              </a:lnRef>
-              <a:fillRef idx="0">
-                <a:schemeClr val="dk1"/>
-              </a:fillRef>
-              <a:effectRef idx="0">
-                <a:schemeClr val="dk1"/>
-              </a:effectRef>
-              <a:fontRef idx="minor">
-                <a:schemeClr val="tx1"/>
-              </a:fontRef>
-            </p:style>
-          </p:cxnSp>
-          <p:sp>
-            <p:nvSpPr>
-              <p:cNvPr id="129" name="Овал 41">
-                <a:extLst>
-                  <a:ext uri="{FF2B5EF4-FFF2-40B4-BE49-F238E27FC236}">
-                    <a16:creationId xmlns:a16="http://schemas.microsoft.com/office/drawing/2014/main" id="{101CC7CA-1C9A-4C1E-9F33-24FBF29CF39B}"/>
-                  </a:ext>
-                </a:extLst>
-              </p:cNvPr>
-              <p:cNvSpPr/>
-              <p:nvPr/>
-            </p:nvSpPr>
-            <p:spPr>
-              <a:xfrm rot="5400000">
-                <a:off x="4624288" y="1928168"/>
-                <a:ext cx="388638" cy="367047"/>
-              </a:xfrm>
-              <a:prstGeom prst="ellipse">
-                <a:avLst/>
-              </a:prstGeom>
-              <a:solidFill>
-                <a:srgbClr val="E66C6C"/>
-              </a:solidFill>
-              <a:ln>
-                <a:solidFill>
-                  <a:srgbClr val="E66C6C"/>
-                </a:solidFill>
-              </a:ln>
-            </p:spPr>
-            <p:style>
-              <a:lnRef idx="2">
-                <a:schemeClr val="accent1">
-                  <a:shade val="50000"/>
-                </a:schemeClr>
-              </a:lnRef>
-              <a:fillRef idx="1">
-                <a:schemeClr val="accent1"/>
-              </a:fillRef>
-              <a:effectRef idx="0">
-                <a:schemeClr val="accent1"/>
-              </a:effectRef>
-              <a:fontRef idx="minor">
-                <a:schemeClr val="lt1"/>
-              </a:fontRef>
-            </p:style>
-            <p:txBody>
-              <a:bodyPr rtlCol="0" anchor="ctr"/>
-              <a:lstStyle/>
-              <a:p>
-                <a:pPr algn="ctr"/>
-                <a:r>
-                  <a:rPr lang="en-GB" dirty="0" err="1"/>
-                  <a:t>Gly</a:t>
-                </a:r>
-                <a:endParaRPr lang="ru-RU" dirty="0"/>
-              </a:p>
-            </p:txBody>
-          </p:sp>
-          <p:sp>
-            <p:nvSpPr>
-              <p:cNvPr id="130" name="Овал 42">
-                <a:extLst>
-                  <a:ext uri="{FF2B5EF4-FFF2-40B4-BE49-F238E27FC236}">
-                    <a16:creationId xmlns:a16="http://schemas.microsoft.com/office/drawing/2014/main" id="{CE9266DF-6367-4809-88F1-D862959D4DA0}"/>
-                  </a:ext>
-                </a:extLst>
-              </p:cNvPr>
-              <p:cNvSpPr/>
-              <p:nvPr/>
-            </p:nvSpPr>
-            <p:spPr>
-              <a:xfrm rot="5400000">
-                <a:off x="4246446" y="1391992"/>
-                <a:ext cx="388638" cy="367047"/>
-              </a:xfrm>
-              <a:prstGeom prst="ellipse">
-                <a:avLst/>
-              </a:prstGeom>
-              <a:solidFill>
-                <a:srgbClr val="5CBDD0"/>
-              </a:solidFill>
-              <a:ln>
-                <a:solidFill>
-                  <a:srgbClr val="5CBDD0"/>
-                </a:solidFill>
-              </a:ln>
-            </p:spPr>
-            <p:style>
-              <a:lnRef idx="2">
-                <a:schemeClr val="accent1">
-                  <a:shade val="50000"/>
-                </a:schemeClr>
-              </a:lnRef>
-              <a:fillRef idx="1">
-                <a:schemeClr val="accent1"/>
-              </a:fillRef>
-              <a:effectRef idx="0">
-                <a:schemeClr val="accent1"/>
-              </a:effectRef>
-              <a:fontRef idx="minor">
-                <a:schemeClr val="lt1"/>
-              </a:fontRef>
-            </p:style>
-            <p:txBody>
-              <a:bodyPr rtlCol="0" anchor="ctr"/>
-              <a:lstStyle/>
-              <a:p>
-                <a:pPr algn="ctr"/>
-                <a:r>
-                  <a:rPr lang="en-GB" dirty="0"/>
-                  <a:t>Ser</a:t>
-                </a:r>
-                <a:endParaRPr lang="ru-RU" dirty="0"/>
-              </a:p>
-            </p:txBody>
-          </p:sp>
-          <p:cxnSp>
-            <p:nvCxnSpPr>
-              <p:cNvPr id="186" name="Прямая соединительная линия 40">
-                <a:extLst>
-                  <a:ext uri="{FF2B5EF4-FFF2-40B4-BE49-F238E27FC236}">
-                    <a16:creationId xmlns:a16="http://schemas.microsoft.com/office/drawing/2014/main" id="{DA689284-F696-4A5B-A564-A93C9B769CFE}"/>
-                  </a:ext>
-                </a:extLst>
-              </p:cNvPr>
-              <p:cNvCxnSpPr>
-                <a:cxnSpLocks/>
-              </p:cNvCxnSpPr>
-              <p:nvPr/>
-            </p:nvCxnSpPr>
-            <p:spPr>
-              <a:xfrm>
-                <a:off x="4440762" y="1553925"/>
-                <a:ext cx="377842" cy="557767"/>
-              </a:xfrm>
-              <a:prstGeom prst="line">
-                <a:avLst/>
-              </a:prstGeom>
-              <a:ln w="57150"/>
-            </p:spPr>
-            <p:style>
-              <a:lnRef idx="1">
-                <a:schemeClr val="dk1"/>
-              </a:lnRef>
-              <a:fillRef idx="0">
-                <a:schemeClr val="dk1"/>
-              </a:fillRef>
-              <a:effectRef idx="0">
-                <a:schemeClr val="dk1"/>
-              </a:effectRef>
-              <a:fontRef idx="minor">
-                <a:schemeClr val="tx1"/>
-              </a:fontRef>
-            </p:style>
-          </p:cxnSp>
-          <p:sp>
-            <p:nvSpPr>
-              <p:cNvPr id="187" name="Овал 41">
-                <a:extLst>
-                  <a:ext uri="{FF2B5EF4-FFF2-40B4-BE49-F238E27FC236}">
-                    <a16:creationId xmlns:a16="http://schemas.microsoft.com/office/drawing/2014/main" id="{714703DD-E6E7-43BA-A6F3-C864D6C60A28}"/>
-                  </a:ext>
-                </a:extLst>
-              </p:cNvPr>
-              <p:cNvSpPr/>
-              <p:nvPr/>
-            </p:nvSpPr>
-            <p:spPr>
-              <a:xfrm rot="5400000">
-                <a:off x="4624287" y="1928169"/>
-                <a:ext cx="388638" cy="367047"/>
-              </a:xfrm>
-              <a:prstGeom prst="ellipse">
-                <a:avLst/>
-              </a:prstGeom>
-              <a:solidFill>
-                <a:srgbClr val="E66C6C"/>
-              </a:solidFill>
-              <a:ln>
-                <a:solidFill>
-                  <a:srgbClr val="E66C6C"/>
-                </a:solidFill>
-              </a:ln>
-            </p:spPr>
-            <p:style>
-              <a:lnRef idx="2">
-                <a:schemeClr val="accent1">
-                  <a:shade val="50000"/>
-                </a:schemeClr>
-              </a:lnRef>
-              <a:fillRef idx="1">
-                <a:schemeClr val="accent1"/>
-              </a:fillRef>
-              <a:effectRef idx="0">
-                <a:schemeClr val="accent1"/>
-              </a:effectRef>
-              <a:fontRef idx="minor">
-                <a:schemeClr val="lt1"/>
-              </a:fontRef>
-            </p:style>
-            <p:txBody>
-              <a:bodyPr rtlCol="0" anchor="ctr"/>
-              <a:lstStyle/>
-              <a:p>
-                <a:pPr algn="ctr"/>
-                <a:r>
-                  <a:rPr lang="en-GB" dirty="0" err="1"/>
-                  <a:t>Gly</a:t>
-                </a:r>
-                <a:endParaRPr lang="ru-RU" dirty="0"/>
-              </a:p>
-            </p:txBody>
-          </p:sp>
-          <p:sp>
-            <p:nvSpPr>
-              <p:cNvPr id="188" name="Овал 42">
-                <a:extLst>
-                  <a:ext uri="{FF2B5EF4-FFF2-40B4-BE49-F238E27FC236}">
-                    <a16:creationId xmlns:a16="http://schemas.microsoft.com/office/drawing/2014/main" id="{167A1492-0D19-42F0-9D23-473178605AB9}"/>
-                  </a:ext>
-                </a:extLst>
-              </p:cNvPr>
-              <p:cNvSpPr/>
-              <p:nvPr/>
-            </p:nvSpPr>
-            <p:spPr>
-              <a:xfrm rot="5400000">
-                <a:off x="4246446" y="1391993"/>
-                <a:ext cx="388638" cy="367047"/>
-              </a:xfrm>
-              <a:prstGeom prst="ellipse">
-                <a:avLst/>
-              </a:prstGeom>
-              <a:solidFill>
-                <a:srgbClr val="5CBDD0"/>
-              </a:solidFill>
-              <a:ln>
-                <a:solidFill>
-                  <a:srgbClr val="5CBDD0"/>
-                </a:solidFill>
-              </a:ln>
-            </p:spPr>
-            <p:style>
-              <a:lnRef idx="2">
-                <a:schemeClr val="accent1">
-                  <a:shade val="50000"/>
-                </a:schemeClr>
-              </a:lnRef>
-              <a:fillRef idx="1">
-                <a:schemeClr val="accent1"/>
-              </a:fillRef>
-              <a:effectRef idx="0">
-                <a:schemeClr val="accent1"/>
-              </a:effectRef>
-              <a:fontRef idx="minor">
-                <a:schemeClr val="lt1"/>
-              </a:fontRef>
-            </p:style>
-            <p:txBody>
-              <a:bodyPr rtlCol="0" anchor="ctr"/>
-              <a:lstStyle/>
-              <a:p>
-                <a:pPr algn="ctr"/>
-                <a:r>
-                  <a:rPr lang="en-GB" dirty="0"/>
-                  <a:t>Ser</a:t>
-                </a:r>
-                <a:endParaRPr lang="ru-RU" dirty="0"/>
-              </a:p>
-            </p:txBody>
-          </p:sp>
-        </p:grpSp>
-        <mc:AlternateContent xmlns:mc="http://schemas.openxmlformats.org/markup-compatibility/2006" xmlns:a14="http://schemas.microsoft.com/office/drawing/2010/main">
-          <mc:Choice Requires="a14">
-            <p:sp>
-              <p:nvSpPr>
-                <p:cNvPr id="124" name="TextBox 123">
-                  <a:extLst>
-                    <a:ext uri="{FF2B5EF4-FFF2-40B4-BE49-F238E27FC236}">
-                      <a16:creationId xmlns:a16="http://schemas.microsoft.com/office/drawing/2014/main" id="{58660459-86FC-41EC-8833-090D65A64638}"/>
-                    </a:ext>
-                  </a:extLst>
-                </p:cNvPr>
-                <p:cNvSpPr txBox="1"/>
-                <p:nvPr/>
-              </p:nvSpPr>
-              <p:spPr>
-                <a:xfrm>
-                  <a:off x="6004643" y="983235"/>
-                  <a:ext cx="1878222" cy="523220"/>
-                </a:xfrm>
-                <a:prstGeom prst="rect">
-                  <a:avLst/>
-                </a:prstGeom>
-                <a:noFill/>
-              </p:spPr>
-              <p:txBody>
-                <a:bodyPr wrap="square" rtlCol="0">
-                  <a:spAutoFit/>
-                </a:bodyPr>
-                <a:lstStyle/>
-                <a:p>
-                  <a:pPr/>
-                  <a14:m>
-                    <m:oMathPara xmlns:m="http://schemas.openxmlformats.org/officeDocument/2006/math">
-                      <m:oMathParaPr>
-                        <m:jc m:val="centerGroup"/>
-                      </m:oMathParaPr>
-                      <m:oMath xmlns:m="http://schemas.openxmlformats.org/officeDocument/2006/math">
-                        <m:r>
-                          <m:rPr>
-                            <m:sty m:val="p"/>
-                          </m:rPr>
-                          <a:rPr lang="en-GB" sz="2800">
-                            <a:latin typeface="Cambria Math" panose="02040503050406030204" pitchFamily="18" charset="0"/>
-                          </a:rPr>
-                          <m:t>C</m:t>
-                        </m:r>
-                        <m:sSub>
-                          <m:sSubPr>
-                            <m:ctrlPr>
-                              <a:rPr lang="en-GB" sz="2800" i="1">
-                                <a:latin typeface="Cambria Math" panose="02040503050406030204" pitchFamily="18" charset="0"/>
-                              </a:rPr>
-                            </m:ctrlPr>
-                          </m:sSubPr>
-                          <m:e>
-                            <m:r>
-                              <m:rPr>
-                                <m:sty m:val="p"/>
-                              </m:rPr>
-                              <a:rPr lang="en-GB" sz="2800">
-                                <a:latin typeface="Cambria Math" panose="02040503050406030204" pitchFamily="18" charset="0"/>
-                              </a:rPr>
-                              <m:t>H</m:t>
-                            </m:r>
-                          </m:e>
-                          <m:sub>
-                            <m:r>
-                              <a:rPr lang="en-GB" sz="2800">
-                                <a:latin typeface="Cambria Math" panose="02040503050406030204" pitchFamily="18" charset="0"/>
-                              </a:rPr>
-                              <m:t>3</m:t>
-                            </m:r>
-                          </m:sub>
-                        </m:sSub>
-                      </m:oMath>
-                    </m:oMathPara>
-                  </a14:m>
-                  <a:endParaRPr lang="ru-RU" sz="2800" dirty="0"/>
-                </a:p>
-              </p:txBody>
-            </p:sp>
-          </mc:Choice>
-          <mc:Fallback xmlns="">
-            <p:sp>
-              <p:nvSpPr>
-                <p:cNvPr id="124" name="TextBox 123">
-                  <a:extLst>
-                    <a:ext uri="{FF2B5EF4-FFF2-40B4-BE49-F238E27FC236}">
-                      <a16:creationId xmlns:a16="http://schemas.microsoft.com/office/drawing/2014/main" id="{58660459-86FC-41EC-8833-090D65A64638}"/>
-                    </a:ext>
-                  </a:extLst>
-                </p:cNvPr>
-                <p:cNvSpPr txBox="1">
-                  <a:spLocks noRot="1" noChangeAspect="1" noMove="1" noResize="1" noEditPoints="1" noAdjustHandles="1" noChangeArrowheads="1" noChangeShapeType="1" noTextEdit="1"/>
-                </p:cNvSpPr>
-                <p:nvPr/>
-              </p:nvSpPr>
-              <p:spPr>
-                <a:xfrm>
-                  <a:off x="6004643" y="983235"/>
-                  <a:ext cx="1878222" cy="523220"/>
-                </a:xfrm>
-                <a:prstGeom prst="rect">
-                  <a:avLst/>
-                </a:prstGeom>
-                <a:blipFill>
-                  <a:blip r:embed="rId9"/>
-                  <a:stretch>
-                    <a:fillRect/>
-                  </a:stretch>
-                </a:blipFill>
-              </p:spPr>
-              <p:txBody>
-                <a:bodyPr/>
-                <a:lstStyle/>
-                <a:p>
-                  <a:r>
-                    <a:rPr lang="ru-RU">
-                      <a:noFill/>
-                    </a:rPr>
-                    <a:t> </a:t>
-                  </a:r>
-                </a:p>
-              </p:txBody>
-            </p:sp>
-          </mc:Fallback>
-        </mc:AlternateContent>
-        <mc:AlternateContent xmlns:mc="http://schemas.openxmlformats.org/markup-compatibility/2006" xmlns:a14="http://schemas.microsoft.com/office/drawing/2010/main">
-          <mc:Choice Requires="a14">
-            <p:sp>
-              <p:nvSpPr>
-                <p:cNvPr id="125" name="TextBox 124">
-                  <a:extLst>
-                    <a:ext uri="{FF2B5EF4-FFF2-40B4-BE49-F238E27FC236}">
-                      <a16:creationId xmlns:a16="http://schemas.microsoft.com/office/drawing/2014/main" id="{4571084D-F820-4421-9CFF-7AFC9ACA875D}"/>
-                    </a:ext>
-                  </a:extLst>
-                </p:cNvPr>
-                <p:cNvSpPr txBox="1"/>
-                <p:nvPr/>
-              </p:nvSpPr>
-              <p:spPr>
-                <a:xfrm>
-                  <a:off x="963681" y="3366117"/>
-                  <a:ext cx="1878222" cy="523220"/>
-                </a:xfrm>
-                <a:prstGeom prst="rect">
-                  <a:avLst/>
-                </a:prstGeom>
-                <a:noFill/>
-              </p:spPr>
-              <p:txBody>
-                <a:bodyPr wrap="square" rtlCol="0">
-                  <a:spAutoFit/>
-                </a:bodyPr>
-                <a:lstStyle/>
-                <a:p>
-                  <a:pPr/>
-                  <a14:m>
-                    <m:oMathPara xmlns:m="http://schemas.openxmlformats.org/officeDocument/2006/math">
-                      <m:oMathParaPr>
-                        <m:jc m:val="centerGroup"/>
-                      </m:oMathParaPr>
-                      <m:oMath xmlns:m="http://schemas.openxmlformats.org/officeDocument/2006/math">
-                        <m:r>
-                          <m:rPr>
-                            <m:sty m:val="p"/>
-                          </m:rPr>
-                          <a:rPr lang="en-GB" sz="2800">
-                            <a:latin typeface="Cambria Math" panose="02040503050406030204" pitchFamily="18" charset="0"/>
-                          </a:rPr>
-                          <m:t>C</m:t>
-                        </m:r>
-                        <m:sSub>
-                          <m:sSubPr>
-                            <m:ctrlPr>
-                              <a:rPr lang="en-GB" sz="2800" i="1">
-                                <a:latin typeface="Cambria Math" panose="02040503050406030204" pitchFamily="18" charset="0"/>
-                              </a:rPr>
-                            </m:ctrlPr>
-                          </m:sSubPr>
-                          <m:e>
-                            <m:r>
-                              <m:rPr>
-                                <m:sty m:val="p"/>
-                              </m:rPr>
-                              <a:rPr lang="en-GB" sz="2800">
-                                <a:latin typeface="Cambria Math" panose="02040503050406030204" pitchFamily="18" charset="0"/>
-                              </a:rPr>
-                              <m:t>H</m:t>
-                            </m:r>
-                          </m:e>
-                          <m:sub>
-                            <m:r>
-                              <a:rPr lang="en-GB" sz="2800">
-                                <a:latin typeface="Cambria Math" panose="02040503050406030204" pitchFamily="18" charset="0"/>
-                              </a:rPr>
-                              <m:t>3</m:t>
-                            </m:r>
-                          </m:sub>
-                        </m:sSub>
-                        <m:r>
-                          <m:rPr>
-                            <m:sty m:val="p"/>
-                          </m:rPr>
-                          <a:rPr lang="en-GB" sz="2800" b="0" i="0" smtClean="0">
-                            <a:latin typeface="Cambria Math" panose="02040503050406030204" pitchFamily="18" charset="0"/>
-                          </a:rPr>
-                          <m:t>Cl</m:t>
-                        </m:r>
-                      </m:oMath>
-                    </m:oMathPara>
-                  </a14:m>
-                  <a:endParaRPr lang="ru-RU" sz="2800" dirty="0"/>
-                </a:p>
-              </p:txBody>
-            </p:sp>
-          </mc:Choice>
-          <mc:Fallback xmlns="">
-            <p:sp>
-              <p:nvSpPr>
-                <p:cNvPr id="125" name="TextBox 124">
-                  <a:extLst>
-                    <a:ext uri="{FF2B5EF4-FFF2-40B4-BE49-F238E27FC236}">
-                      <a16:creationId xmlns:a16="http://schemas.microsoft.com/office/drawing/2014/main" id="{4571084D-F820-4421-9CFF-7AFC9ACA875D}"/>
-                    </a:ext>
-                  </a:extLst>
-                </p:cNvPr>
-                <p:cNvSpPr txBox="1">
-                  <a:spLocks noRot="1" noChangeAspect="1" noMove="1" noResize="1" noEditPoints="1" noAdjustHandles="1" noChangeArrowheads="1" noChangeShapeType="1" noTextEdit="1"/>
-                </p:cNvSpPr>
-                <p:nvPr/>
-              </p:nvSpPr>
-              <p:spPr>
-                <a:xfrm>
-                  <a:off x="963681" y="3366117"/>
-                  <a:ext cx="1878222" cy="523220"/>
-                </a:xfrm>
-                <a:prstGeom prst="rect">
-                  <a:avLst/>
-                </a:prstGeom>
-                <a:blipFill>
-                  <a:blip r:embed="rId10"/>
-                  <a:stretch>
-                    <a:fillRect/>
-                  </a:stretch>
-                </a:blipFill>
-              </p:spPr>
-              <p:txBody>
-                <a:bodyPr/>
-                <a:lstStyle/>
-                <a:p>
-                  <a:r>
-                    <a:rPr lang="ru-RU">
-                      <a:noFill/>
-                    </a:rPr>
-                    <a:t> </a:t>
-                  </a:r>
-                </a:p>
-              </p:txBody>
-            </p:sp>
-          </mc:Fallback>
-        </mc:AlternateContent>
-      </p:grpSp>
       <p:grpSp>
         <p:nvGrpSpPr>
           <p:cNvPr id="202" name="Group 201">
@@ -10368,9 +8958,9 @@
         <p:grpSpPr>
           <a:xfrm>
             <a:off x="13246669" y="12357140"/>
-            <a:ext cx="3805044" cy="2615594"/>
+            <a:ext cx="3805044" cy="2554039"/>
             <a:chOff x="13854781" y="12419082"/>
-            <a:chExt cx="3805044" cy="2615594"/>
+            <a:chExt cx="3805044" cy="2554039"/>
           </a:xfrm>
         </p:grpSpPr>
         <p:pic>
@@ -10435,7 +9025,7 @@
           <p:spPr>
             <a:xfrm>
               <a:off x="13854781" y="14511456"/>
-              <a:ext cx="3805044" cy="523220"/>
+              <a:ext cx="3805044" cy="461665"/>
             </a:xfrm>
             <a:prstGeom prst="rect">
               <a:avLst/>
@@ -10450,10 +9040,10 @@
             <a:p>
               <a:pPr algn="ctr"/>
               <a:r>
-                <a:rPr lang="en-GB" sz="2800" dirty="0"/>
+                <a:rPr lang="en-GB" sz="2400" dirty="0"/>
                 <a:t>Mass - spectrometer</a:t>
               </a:r>
-              <a:endParaRPr lang="ru-RU" sz="2800" dirty="0"/>
+              <a:endParaRPr lang="ru-RU" sz="2400" dirty="0"/>
             </a:p>
           </p:txBody>
         </p:sp>
@@ -10473,9 +9063,9 @@
         <p:grpSpPr>
           <a:xfrm>
             <a:off x="14214617" y="16581973"/>
-            <a:ext cx="1873189" cy="2111765"/>
+            <a:ext cx="1873189" cy="2050210"/>
             <a:chOff x="14390197" y="17295332"/>
-            <a:chExt cx="1873189" cy="2111765"/>
+            <a:chExt cx="1873189" cy="2050210"/>
           </a:xfrm>
         </p:grpSpPr>
         <p:grpSp>
@@ -10898,7 +9488,7 @@
           <p:spPr>
             <a:xfrm>
               <a:off x="14390197" y="18883877"/>
-              <a:ext cx="1873189" cy="523220"/>
+              <a:ext cx="1873189" cy="461665"/>
             </a:xfrm>
             <a:prstGeom prst="rect">
               <a:avLst/>
@@ -10913,10 +9503,10 @@
             <a:p>
               <a:pPr algn="ctr"/>
               <a:r>
-                <a:rPr lang="en-GB" sz="2800" dirty="0"/>
+                <a:rPr lang="en-GB" sz="2400" dirty="0"/>
                 <a:t>File .pep</a:t>
               </a:r>
-              <a:endParaRPr lang="ru-RU" sz="2800" dirty="0"/>
+              <a:endParaRPr lang="ru-RU" sz="2400" dirty="0"/>
             </a:p>
           </p:txBody>
         </p:sp>
@@ -10938,9 +9528,9 @@
         <p:grpSpPr>
           <a:xfrm>
             <a:off x="9795666" y="16486663"/>
-            <a:ext cx="2605612" cy="2208480"/>
+            <a:ext cx="2605612" cy="2146925"/>
             <a:chOff x="2432481" y="2562929"/>
-            <a:chExt cx="2982898" cy="2528264"/>
+            <a:chExt cx="2982898" cy="2457796"/>
           </a:xfrm>
         </p:grpSpPr>
         <p:sp>
@@ -11625,7 +10215,7 @@
           <p:spPr>
             <a:xfrm>
               <a:off x="2874466" y="4492212"/>
-              <a:ext cx="2001262" cy="598981"/>
+              <a:ext cx="2001262" cy="528513"/>
             </a:xfrm>
             <a:prstGeom prst="rect">
               <a:avLst/>
@@ -11640,10 +10230,10 @@
             <a:p>
               <a:pPr algn="ctr"/>
               <a:r>
-                <a:rPr lang="en-GB" sz="2800" dirty="0"/>
+                <a:rPr lang="en-GB" sz="2400" dirty="0"/>
                 <a:t>Interface</a:t>
               </a:r>
-              <a:endParaRPr lang="ru-RU" sz="2800" dirty="0"/>
+              <a:endParaRPr lang="ru-RU" sz="2400" dirty="0"/>
             </a:p>
           </p:txBody>
         </p:sp>
@@ -11662,10 +10252,10 @@
         </p:nvGrpSpPr>
         <p:grpSpPr>
           <a:xfrm>
-            <a:off x="17629755" y="12563055"/>
-            <a:ext cx="3115310" cy="2623857"/>
+            <a:off x="17629755" y="12563054"/>
+            <a:ext cx="3115310" cy="2561422"/>
             <a:chOff x="18854872" y="12415221"/>
-            <a:chExt cx="3361509" cy="2619455"/>
+            <a:chExt cx="3361509" cy="2557125"/>
           </a:xfrm>
         </p:grpSpPr>
         <p:pic>
@@ -11718,8 +10308,8 @@
           </p:nvSpPr>
           <p:spPr>
             <a:xfrm>
-              <a:off x="18974485" y="14511456"/>
-              <a:ext cx="3150704" cy="523220"/>
+              <a:off x="18974484" y="14511456"/>
+              <a:ext cx="3150703" cy="460890"/>
             </a:xfrm>
             <a:prstGeom prst="rect">
               <a:avLst/>
@@ -11734,7 +10324,7 @@
             <a:p>
               <a:pPr algn="ctr"/>
               <a:r>
-                <a:rPr lang="en-GB" sz="2800" dirty="0"/>
+                <a:rPr lang="en-GB" sz="2400" dirty="0"/>
                 <a:t>Mass spectrum</a:t>
               </a:r>
             </a:p>
@@ -11805,9 +10395,9 @@
         <p:grpSpPr>
           <a:xfrm>
             <a:off x="9556923" y="12952330"/>
-            <a:ext cx="2950673" cy="2366018"/>
+            <a:ext cx="2950673" cy="2242908"/>
             <a:chOff x="9252427" y="12947095"/>
-            <a:chExt cx="2950673" cy="2366018"/>
+            <a:chExt cx="2950673" cy="2242908"/>
           </a:xfrm>
         </p:grpSpPr>
         <p:grpSp>
@@ -12098,7 +10688,7 @@
           <p:spPr>
             <a:xfrm>
               <a:off x="9252427" y="14359006"/>
-              <a:ext cx="2950673" cy="954107"/>
+              <a:ext cx="2950673" cy="830997"/>
             </a:xfrm>
             <a:prstGeom prst="rect">
               <a:avLst/>
@@ -12113,17 +10703,17 @@
             <a:p>
               <a:pPr algn="ctr"/>
               <a:r>
-                <a:rPr lang="en-GB" sz="2800" dirty="0"/>
+                <a:rPr lang="en-GB" sz="2400" dirty="0"/>
                 <a:t>The investigated</a:t>
               </a:r>
             </a:p>
             <a:p>
               <a:pPr algn="ctr"/>
               <a:r>
-                <a:rPr lang="en-GB" sz="2800" dirty="0"/>
+                <a:rPr lang="en-GB" sz="2400" dirty="0"/>
                 <a:t> peptide</a:t>
               </a:r>
-              <a:endParaRPr lang="ru-RU" sz="2800" dirty="0"/>
+              <a:endParaRPr lang="ru-RU" sz="2400" dirty="0"/>
             </a:p>
           </p:txBody>
         </p:sp>
@@ -12142,10 +10732,10 @@
         </p:nvGrpSpPr>
         <p:grpSpPr>
           <a:xfrm>
-            <a:off x="17602591" y="16296175"/>
-            <a:ext cx="3142474" cy="2448166"/>
+            <a:off x="17602591" y="16296174"/>
+            <a:ext cx="3142474" cy="2400004"/>
             <a:chOff x="23785555" y="12522197"/>
-            <a:chExt cx="3275124" cy="2512479"/>
+            <a:chExt cx="3275124" cy="2463052"/>
           </a:xfrm>
         </p:grpSpPr>
         <p:grpSp>
@@ -12643,7 +11233,7 @@
           <p:spPr>
             <a:xfrm>
               <a:off x="23909975" y="14511456"/>
-              <a:ext cx="3150704" cy="523220"/>
+              <a:ext cx="3150704" cy="473793"/>
             </a:xfrm>
             <a:prstGeom prst="rect">
               <a:avLst/>
@@ -12658,7 +11248,7 @@
             <a:p>
               <a:pPr algn="ctr"/>
               <a:r>
-                <a:rPr lang="en-GB" sz="2800" dirty="0"/>
+                <a:rPr lang="en-GB" sz="2400" dirty="0"/>
                 <a:t>Mass spectrum</a:t>
               </a:r>
             </a:p>
@@ -13099,7 +11689,7 @@
             </a:pPr>
             <a:r>
               <a:rPr lang="en-GB" sz="2400" dirty="0"/>
-              <a:t>Read file</a:t>
+              <a:t>Learn how to read file</a:t>
             </a:r>
             <a:r>
               <a:rPr lang="ru-RU" sz="2400" dirty="0"/>
@@ -13118,7 +11708,7 @@
             </a:pPr>
             <a:r>
               <a:rPr lang="en-GB" sz="2400" dirty="0"/>
-              <a:t>The allocation of positions in peptide, where any modifications could happen</a:t>
+              <a:t>Learn how to find positions in the peptide where a substitution or a PTM could occur</a:t>
             </a:r>
             <a:endParaRPr lang="ru-RU" sz="2400" dirty="0"/>
           </a:p>
@@ -13304,7 +11894,7 @@
         <p:grpSpPr>
           <a:xfrm>
             <a:off x="737132" y="19429350"/>
-            <a:ext cx="28800949" cy="10692589"/>
+            <a:ext cx="28800949" cy="13449122"/>
             <a:chOff x="737132" y="5178823"/>
             <a:chExt cx="28800949" cy="14750398"/>
           </a:xfrm>
@@ -13376,7 +11966,7 @@
           <p:spPr>
             <a:xfrm>
               <a:off x="2971799" y="5178823"/>
-              <a:ext cx="6589407" cy="1213014"/>
+              <a:ext cx="5740401" cy="1120397"/>
             </a:xfrm>
             <a:prstGeom prst="roundRect">
               <a:avLst/>
@@ -13410,275 +12000,25 @@
               <a:pPr algn="ctr"/>
               <a:r>
                 <a:rPr lang="en-GB" sz="5400" dirty="0">
+                  <a:effectLst>
+                    <a:outerShdw blurRad="38100" dist="38100" dir="2700000" algn="tl">
+                      <a:srgbClr val="000000">
+                        <a:alpha val="43137"/>
+                      </a:srgbClr>
+                    </a:outerShdw>
+                  </a:effectLst>
                   <a:latin typeface="+mj-lt"/>
                 </a:rPr>
                 <a:t>Methodology</a:t>
               </a:r>
               <a:endParaRPr lang="ru-RU" sz="5400" dirty="0">
-                <a:latin typeface="+mj-lt"/>
-              </a:endParaRPr>
-            </a:p>
-          </p:txBody>
-        </p:sp>
-      </p:grpSp>
-      <p:grpSp>
-        <p:nvGrpSpPr>
-          <p:cNvPr id="316" name="Group 315">
-            <a:extLst>
-              <a:ext uri="{FF2B5EF4-FFF2-40B4-BE49-F238E27FC236}">
-                <a16:creationId xmlns:a16="http://schemas.microsoft.com/office/drawing/2014/main" id="{F21A83E7-54AB-4EBA-A12A-C0745FA17368}"/>
-              </a:ext>
-            </a:extLst>
-          </p:cNvPr>
-          <p:cNvGrpSpPr/>
-          <p:nvPr/>
-        </p:nvGrpSpPr>
-        <p:grpSpPr>
-          <a:xfrm>
-            <a:off x="593463" y="30422079"/>
-            <a:ext cx="17551496" cy="11794363"/>
-            <a:chOff x="737132" y="5081147"/>
-            <a:chExt cx="28800949" cy="14848074"/>
-          </a:xfrm>
-        </p:grpSpPr>
-        <p:sp>
-          <p:nvSpPr>
-            <p:cNvPr id="317" name="Rectangle: Rounded Corners 316">
-              <a:extLst>
-                <a:ext uri="{FF2B5EF4-FFF2-40B4-BE49-F238E27FC236}">
-                  <a16:creationId xmlns:a16="http://schemas.microsoft.com/office/drawing/2014/main" id="{7ECB2EDA-6654-41FB-8B92-F72807646A8F}"/>
-                </a:ext>
-              </a:extLst>
-            </p:cNvPr>
-            <p:cNvSpPr/>
-            <p:nvPr/>
-          </p:nvSpPr>
-          <p:spPr>
-            <a:xfrm>
-              <a:off x="737132" y="5689596"/>
-              <a:ext cx="28800949" cy="14239625"/>
-            </a:xfrm>
-            <a:prstGeom prst="roundRect">
-              <a:avLst/>
-            </a:prstGeom>
-            <a:noFill/>
-            <a:ln w="101600">
-              <a:solidFill>
-                <a:srgbClr val="D03839"/>
-              </a:solidFill>
-            </a:ln>
-          </p:spPr>
-          <p:style>
-            <a:lnRef idx="2">
-              <a:schemeClr val="accent1">
-                <a:shade val="50000"/>
-              </a:schemeClr>
-            </a:lnRef>
-            <a:fillRef idx="1">
-              <a:schemeClr val="accent1"/>
-            </a:fillRef>
-            <a:effectRef idx="0">
-              <a:schemeClr val="accent1"/>
-            </a:effectRef>
-            <a:fontRef idx="minor">
-              <a:schemeClr val="lt1"/>
-            </a:fontRef>
-          </p:style>
-          <p:txBody>
-            <a:bodyPr rtlCol="0" anchor="ctr"/>
-            <a:lstStyle/>
-            <a:p>
-              <a:pPr algn="ctr"/>
-              <a:endParaRPr lang="ru-RU" dirty="0"/>
-            </a:p>
-          </p:txBody>
-        </p:sp>
-        <p:sp>
-          <p:nvSpPr>
-            <p:cNvPr id="318" name="TextBox 317">
-              <a:extLst>
-                <a:ext uri="{FF2B5EF4-FFF2-40B4-BE49-F238E27FC236}">
-                  <a16:creationId xmlns:a16="http://schemas.microsoft.com/office/drawing/2014/main" id="{6384C662-5C48-4DA8-80D0-07DC9591369B}"/>
-                </a:ext>
-              </a:extLst>
-            </p:cNvPr>
-            <p:cNvSpPr txBox="1"/>
-            <p:nvPr/>
-          </p:nvSpPr>
-          <p:spPr>
-            <a:xfrm>
-              <a:off x="2971802" y="5081147"/>
-              <a:ext cx="13848923" cy="1330446"/>
-            </a:xfrm>
-            <a:prstGeom prst="roundRect">
-              <a:avLst/>
-            </a:prstGeom>
-            <a:ln w="76200">
-              <a:solidFill>
-                <a:srgbClr val="D03839"/>
-              </a:solidFill>
-            </a:ln>
-          </p:spPr>
-          <p:style>
-            <a:lnRef idx="2">
-              <a:schemeClr val="accent2"/>
-            </a:lnRef>
-            <a:fillRef idx="1">
-              <a:schemeClr val="lt1"/>
-            </a:fillRef>
-            <a:effectRef idx="0">
-              <a:schemeClr val="accent2"/>
-            </a:effectRef>
-            <a:fontRef idx="minor">
-              <a:schemeClr val="dk1"/>
-            </a:fontRef>
-          </p:style>
-          <p:txBody>
-            <a:bodyPr wrap="square" rtlCol="0">
-              <a:spAutoFit/>
-            </a:bodyPr>
-            <a:lstStyle/>
-            <a:p>
-              <a:pPr algn="ctr"/>
-              <a:r>
-                <a:rPr lang="en-GB" sz="5400" dirty="0">
-                  <a:latin typeface="+mj-lt"/>
-                </a:rPr>
-                <a:t>Results and conclusions</a:t>
-              </a:r>
-              <a:endParaRPr lang="ru-RU" sz="5400" dirty="0">
-                <a:latin typeface="+mj-lt"/>
-              </a:endParaRPr>
-            </a:p>
-          </p:txBody>
-        </p:sp>
-      </p:grpSp>
-      <p:grpSp>
-        <p:nvGrpSpPr>
-          <p:cNvPr id="319" name="Group 318">
-            <a:extLst>
-              <a:ext uri="{FF2B5EF4-FFF2-40B4-BE49-F238E27FC236}">
-                <a16:creationId xmlns:a16="http://schemas.microsoft.com/office/drawing/2014/main" id="{F011907D-1315-4717-AA83-62C47238DAD0}"/>
-              </a:ext>
-            </a:extLst>
-          </p:cNvPr>
-          <p:cNvGrpSpPr/>
-          <p:nvPr/>
-        </p:nvGrpSpPr>
-        <p:grpSpPr>
-          <a:xfrm>
-            <a:off x="19071340" y="30422079"/>
-            <a:ext cx="10466741" cy="11794364"/>
-            <a:chOff x="737132" y="5081147"/>
-            <a:chExt cx="28800949" cy="14848074"/>
-          </a:xfrm>
-        </p:grpSpPr>
-        <p:sp>
-          <p:nvSpPr>
-            <p:cNvPr id="320" name="Rectangle: Rounded Corners 319">
-              <a:extLst>
-                <a:ext uri="{FF2B5EF4-FFF2-40B4-BE49-F238E27FC236}">
-                  <a16:creationId xmlns:a16="http://schemas.microsoft.com/office/drawing/2014/main" id="{BE104BAD-EA87-4343-94D7-1A20805BF739}"/>
-                </a:ext>
-              </a:extLst>
-            </p:cNvPr>
-            <p:cNvSpPr/>
-            <p:nvPr/>
-          </p:nvSpPr>
-          <p:spPr>
-            <a:xfrm>
-              <a:off x="737132" y="5689596"/>
-              <a:ext cx="28800949" cy="14239625"/>
-            </a:xfrm>
-            <a:prstGeom prst="roundRect">
-              <a:avLst/>
-            </a:prstGeom>
-            <a:noFill/>
-            <a:ln w="101600">
-              <a:solidFill>
-                <a:srgbClr val="D03839"/>
-              </a:solidFill>
-            </a:ln>
-          </p:spPr>
-          <p:style>
-            <a:lnRef idx="2">
-              <a:schemeClr val="accent1">
-                <a:shade val="50000"/>
-              </a:schemeClr>
-            </a:lnRef>
-            <a:fillRef idx="1">
-              <a:schemeClr val="accent1"/>
-            </a:fillRef>
-            <a:effectRef idx="0">
-              <a:schemeClr val="accent1"/>
-            </a:effectRef>
-            <a:fontRef idx="minor">
-              <a:schemeClr val="lt1"/>
-            </a:fontRef>
-          </p:style>
-          <p:txBody>
-            <a:bodyPr rtlCol="0" anchor="ctr"/>
-            <a:lstStyle/>
-            <a:p>
-              <a:pPr algn="ctr"/>
-              <a:endParaRPr lang="ru-RU" dirty="0"/>
-            </a:p>
-          </p:txBody>
-        </p:sp>
-        <p:sp>
-          <p:nvSpPr>
-            <p:cNvPr id="321" name="TextBox 320">
-              <a:extLst>
-                <a:ext uri="{FF2B5EF4-FFF2-40B4-BE49-F238E27FC236}">
-                  <a16:creationId xmlns:a16="http://schemas.microsoft.com/office/drawing/2014/main" id="{B4979B12-68CF-4A66-922F-724308FABED4}"/>
-                </a:ext>
-              </a:extLst>
-            </p:cNvPr>
-            <p:cNvSpPr txBox="1"/>
-            <p:nvPr/>
-          </p:nvSpPr>
-          <p:spPr>
-            <a:xfrm>
-              <a:off x="2971802" y="5081147"/>
-              <a:ext cx="14357828" cy="1330446"/>
-            </a:xfrm>
-            <a:prstGeom prst="roundRect">
-              <a:avLst/>
-            </a:prstGeom>
-            <a:ln w="76200">
-              <a:solidFill>
-                <a:srgbClr val="D03839"/>
-              </a:solidFill>
-            </a:ln>
-          </p:spPr>
-          <p:style>
-            <a:lnRef idx="2">
-              <a:schemeClr val="accent2"/>
-            </a:lnRef>
-            <a:fillRef idx="1">
-              <a:schemeClr val="lt1"/>
-            </a:fillRef>
-            <a:effectRef idx="0">
-              <a:schemeClr val="accent2"/>
-            </a:effectRef>
-            <a:fontRef idx="minor">
-              <a:schemeClr val="dk1"/>
-            </a:fontRef>
-          </p:style>
-          <p:txBody>
-            <a:bodyPr wrap="square" rtlCol="0">
-              <a:spAutoFit/>
-            </a:bodyPr>
-            <a:lstStyle/>
-            <a:p>
-              <a:pPr algn="ctr"/>
-              <a:r>
-                <a:rPr lang="en-GB" sz="5400" dirty="0">
-                  <a:latin typeface="+mj-lt"/>
-                </a:rPr>
-                <a:t>References</a:t>
-              </a:r>
-              <a:endParaRPr lang="ru-RU" sz="5400" dirty="0">
+                <a:effectLst>
+                  <a:outerShdw blurRad="38100" dist="38100" dir="2700000" algn="tl">
+                    <a:srgbClr val="000000">
+                      <a:alpha val="43137"/>
+                    </a:srgbClr>
+                  </a:outerShdw>
+                </a:effectLst>
                 <a:latin typeface="+mj-lt"/>
               </a:endParaRPr>
             </a:p>
@@ -13699,7 +12039,7 @@
         </p:nvSpPr>
         <p:spPr>
           <a:xfrm>
-            <a:off x="12649431" y="16346977"/>
+            <a:off x="12672877" y="16346977"/>
             <a:ext cx="1828800" cy="1828800"/>
           </a:xfrm>
           <a:prstGeom prst="ellipse">
@@ -13754,7 +12094,7 @@
         <p:spPr>
           <a:xfrm>
             <a:off x="9397999" y="21215107"/>
-            <a:ext cx="46892" cy="8477736"/>
+            <a:ext cx="54448" cy="11010807"/>
           </a:xfrm>
           <a:prstGeom prst="line">
             <a:avLst/>
@@ -13794,7 +12134,7 @@
         </p:nvSpPr>
         <p:spPr>
           <a:xfrm>
-            <a:off x="1355209" y="20583295"/>
+            <a:off x="1355209" y="20511491"/>
             <a:ext cx="4284974" cy="646331"/>
           </a:xfrm>
           <a:prstGeom prst="rect">
@@ -13830,8 +12170,8 @@
         </p:nvGrpSpPr>
         <p:grpSpPr>
           <a:xfrm>
-            <a:off x="2908214" y="21503337"/>
-            <a:ext cx="4849190" cy="2231603"/>
+            <a:off x="2509793" y="21470291"/>
+            <a:ext cx="5187078" cy="2566407"/>
             <a:chOff x="1918180" y="21611042"/>
             <a:chExt cx="4849190" cy="2231603"/>
           </a:xfrm>
@@ -13888,10 +12228,10 @@
           </p:nvGrpSpPr>
           <p:grpSpPr>
             <a:xfrm>
-              <a:off x="3635956" y="22400655"/>
-              <a:ext cx="652376" cy="652376"/>
-              <a:chOff x="3461616" y="21828369"/>
-              <a:chExt cx="1977032" cy="1977032"/>
+              <a:off x="3635954" y="22400655"/>
+              <a:ext cx="652376" cy="652377"/>
+              <a:chOff x="3461611" y="21828369"/>
+              <a:chExt cx="1977033" cy="1977035"/>
             </a:xfrm>
           </p:grpSpPr>
           <p:sp>
@@ -13960,7 +12300,111 @@
             </p:nvSpPr>
             <p:spPr>
               <a:xfrm rot="5400000">
-                <a:off x="4347984" y="21776473"/>
+                <a:off x="4347980" y="21847525"/>
+                <a:ext cx="204296" cy="1977032"/>
+              </a:xfrm>
+              <a:prstGeom prst="rect">
+                <a:avLst/>
+              </a:prstGeom>
+              <a:solidFill>
+                <a:srgbClr val="D03839"/>
+              </a:solidFill>
+              <a:ln>
+                <a:noFill/>
+              </a:ln>
+            </p:spPr>
+            <p:style>
+              <a:lnRef idx="2">
+                <a:schemeClr val="accent1">
+                  <a:shade val="50000"/>
+                </a:schemeClr>
+              </a:lnRef>
+              <a:fillRef idx="1">
+                <a:schemeClr val="accent1"/>
+              </a:fillRef>
+              <a:effectRef idx="0">
+                <a:schemeClr val="accent1"/>
+              </a:effectRef>
+              <a:fontRef idx="minor">
+                <a:schemeClr val="lt1"/>
+              </a:fontRef>
+            </p:style>
+            <p:txBody>
+              <a:bodyPr rtlCol="0" anchor="ctr"/>
+              <a:lstStyle/>
+              <a:p>
+                <a:pPr algn="ctr"/>
+                <a:endParaRPr lang="en-US"/>
+              </a:p>
+            </p:txBody>
+          </p:sp>
+          <p:sp>
+            <p:nvSpPr>
+              <p:cNvPr id="296" name="Rectangle 295">
+                <a:extLst>
+                  <a:ext uri="{FF2B5EF4-FFF2-40B4-BE49-F238E27FC236}">
+                    <a16:creationId xmlns:a16="http://schemas.microsoft.com/office/drawing/2014/main" id="{EE1FE821-0114-44BC-A545-C69DB5544069}"/>
+                  </a:ext>
+                </a:extLst>
+              </p:cNvPr>
+              <p:cNvSpPr/>
+              <p:nvPr/>
+            </p:nvSpPr>
+            <p:spPr>
+              <a:xfrm>
+                <a:off x="4385493" y="21828372"/>
+                <a:ext cx="204296" cy="1977032"/>
+              </a:xfrm>
+              <a:prstGeom prst="rect">
+                <a:avLst/>
+              </a:prstGeom>
+              <a:solidFill>
+                <a:srgbClr val="D03839"/>
+              </a:solidFill>
+              <a:ln>
+                <a:noFill/>
+              </a:ln>
+            </p:spPr>
+            <p:style>
+              <a:lnRef idx="2">
+                <a:schemeClr val="accent1">
+                  <a:shade val="50000"/>
+                </a:schemeClr>
+              </a:lnRef>
+              <a:fillRef idx="1">
+                <a:schemeClr val="accent1"/>
+              </a:fillRef>
+              <a:effectRef idx="0">
+                <a:schemeClr val="accent1"/>
+              </a:effectRef>
+              <a:fontRef idx="minor">
+                <a:schemeClr val="lt1"/>
+              </a:fontRef>
+            </p:style>
+            <p:txBody>
+              <a:bodyPr rtlCol="0" anchor="ctr"/>
+              <a:lstStyle/>
+              <a:p>
+                <a:pPr algn="ctr"/>
+                <a:endParaRPr lang="en-US" dirty="0"/>
+              </a:p>
+            </p:txBody>
+          </p:sp>
+          <p:sp>
+            <p:nvSpPr>
+              <p:cNvPr id="297" name="Rectangle 296">
+                <a:extLst>
+                  <a:ext uri="{FF2B5EF4-FFF2-40B4-BE49-F238E27FC236}">
+                    <a16:creationId xmlns:a16="http://schemas.microsoft.com/office/drawing/2014/main" id="{FB240F33-04DE-4DFF-A309-8DEDFE50301A}"/>
+                  </a:ext>
+                </a:extLst>
+              </p:cNvPr>
+              <p:cNvSpPr/>
+              <p:nvPr/>
+            </p:nvSpPr>
+            <p:spPr>
+              <a:xfrm rot="5400000">
+                <a:off x="4347979" y="21847528"/>
                 <a:ext cx="204296" cy="1977032"/>
               </a:xfrm>
               <a:prstGeom prst="rect">
@@ -14038,504 +12482,6 @@
           </p:txBody>
         </p:sp>
       </p:grpSp>
-      <p:sp>
-        <p:nvSpPr>
-          <p:cNvPr id="235" name="TextBox 234">
-            <a:extLst>
-              <a:ext uri="{FF2B5EF4-FFF2-40B4-BE49-F238E27FC236}">
-                <a16:creationId xmlns:a16="http://schemas.microsoft.com/office/drawing/2014/main" id="{3BF40822-13A2-4114-B5E5-519282915914}"/>
-              </a:ext>
-            </a:extLst>
-          </p:cNvPr>
-          <p:cNvSpPr txBox="1"/>
-          <p:nvPr/>
-        </p:nvSpPr>
-        <p:spPr>
-          <a:xfrm>
-            <a:off x="1429093" y="24019330"/>
-            <a:ext cx="4284974" cy="646331"/>
-          </a:xfrm>
-          <a:prstGeom prst="rect">
-            <a:avLst/>
-          </a:prstGeom>
-          <a:noFill/>
-        </p:spPr>
-        <p:txBody>
-          <a:bodyPr wrap="square" rtlCol="0">
-            <a:spAutoFit/>
-          </a:bodyPr>
-          <a:lstStyle/>
-          <a:p>
-            <a:r>
-              <a:rPr lang="en-GB" sz="3600" dirty="0"/>
-              <a:t>Input and Output</a:t>
-            </a:r>
-          </a:p>
-        </p:txBody>
-      </p:sp>
-      <p:grpSp>
-        <p:nvGrpSpPr>
-          <p:cNvPr id="237" name="Group 236">
-            <a:extLst>
-              <a:ext uri="{FF2B5EF4-FFF2-40B4-BE49-F238E27FC236}">
-                <a16:creationId xmlns:a16="http://schemas.microsoft.com/office/drawing/2014/main" id="{D42ADA7C-3D0D-471E-B0FB-11024C01639E}"/>
-              </a:ext>
-            </a:extLst>
-          </p:cNvPr>
-          <p:cNvGrpSpPr/>
-          <p:nvPr/>
-        </p:nvGrpSpPr>
-        <p:grpSpPr>
-          <a:xfrm>
-            <a:off x="980938" y="25642536"/>
-            <a:ext cx="1873189" cy="2111765"/>
-            <a:chOff x="14390197" y="17295332"/>
-            <a:chExt cx="1873189" cy="2111765"/>
-          </a:xfrm>
-        </p:grpSpPr>
-        <p:grpSp>
-          <p:nvGrpSpPr>
-            <p:cNvPr id="238" name="Группа 36">
-              <a:extLst>
-                <a:ext uri="{FF2B5EF4-FFF2-40B4-BE49-F238E27FC236}">
-                  <a16:creationId xmlns:a16="http://schemas.microsoft.com/office/drawing/2014/main" id="{1A24BE58-FCA3-42A9-B167-213F2C376E5E}"/>
-                </a:ext>
-              </a:extLst>
-            </p:cNvPr>
-            <p:cNvGrpSpPr>
-              <a:grpSpLocks noChangeAspect="1"/>
-            </p:cNvGrpSpPr>
-            <p:nvPr/>
-          </p:nvGrpSpPr>
-          <p:grpSpPr>
-            <a:xfrm>
-              <a:off x="14847779" y="17295332"/>
-              <a:ext cx="958026" cy="1337732"/>
-              <a:chOff x="1553592" y="2281561"/>
-              <a:chExt cx="1455938" cy="2032987"/>
-            </a:xfrm>
-          </p:grpSpPr>
-          <p:sp>
-            <p:nvSpPr>
-              <p:cNvPr id="257" name="Прямоугольник: один усеченный угол 37">
-                <a:extLst>
-                  <a:ext uri="{FF2B5EF4-FFF2-40B4-BE49-F238E27FC236}">
-                    <a16:creationId xmlns:a16="http://schemas.microsoft.com/office/drawing/2014/main" id="{1BCF5F18-D49B-40E1-9141-6F44A73F9681}"/>
-                  </a:ext>
-                </a:extLst>
-              </p:cNvPr>
-              <p:cNvSpPr/>
-              <p:nvPr/>
-            </p:nvSpPr>
-            <p:spPr>
-              <a:xfrm>
-                <a:off x="1553592" y="2281561"/>
-                <a:ext cx="1455938" cy="2032987"/>
-              </a:xfrm>
-              <a:prstGeom prst="snip1Rect">
-                <a:avLst/>
-              </a:prstGeom>
-              <a:solidFill>
-                <a:schemeClr val="bg1"/>
-              </a:solidFill>
-              <a:ln w="28575">
-                <a:solidFill>
-                  <a:schemeClr val="tx1"/>
-                </a:solidFill>
-              </a:ln>
-            </p:spPr>
-            <p:style>
-              <a:lnRef idx="2">
-                <a:schemeClr val="accent1">
-                  <a:shade val="50000"/>
-                </a:schemeClr>
-              </a:lnRef>
-              <a:fillRef idx="1">
-                <a:schemeClr val="accent1"/>
-              </a:fillRef>
-              <a:effectRef idx="0">
-                <a:schemeClr val="accent1"/>
-              </a:effectRef>
-              <a:fontRef idx="minor">
-                <a:schemeClr val="lt1"/>
-              </a:fontRef>
-            </p:style>
-            <p:txBody>
-              <a:bodyPr rtlCol="0" anchor="ctr"/>
-              <a:lstStyle/>
-              <a:p>
-                <a:pPr algn="ctr"/>
-                <a:endParaRPr lang="ru-RU"/>
-              </a:p>
-            </p:txBody>
-          </p:sp>
-          <p:cxnSp>
-            <p:nvCxnSpPr>
-              <p:cNvPr id="258" name="Прямая соединительная линия 38">
-                <a:extLst>
-                  <a:ext uri="{FF2B5EF4-FFF2-40B4-BE49-F238E27FC236}">
-                    <a16:creationId xmlns:a16="http://schemas.microsoft.com/office/drawing/2014/main" id="{1486FCA4-FEB5-4A74-9AD6-55B10D472759}"/>
-                  </a:ext>
-                </a:extLst>
-              </p:cNvPr>
-              <p:cNvCxnSpPr/>
-              <p:nvPr/>
-            </p:nvCxnSpPr>
-            <p:spPr>
-              <a:xfrm>
-                <a:off x="1669001" y="2681056"/>
-                <a:ext cx="1029810" cy="0"/>
-              </a:xfrm>
-              <a:prstGeom prst="line">
-                <a:avLst/>
-              </a:prstGeom>
-              <a:ln w="19050">
-                <a:solidFill>
-                  <a:srgbClr val="FF5330"/>
-                </a:solidFill>
-              </a:ln>
-            </p:spPr>
-            <p:style>
-              <a:lnRef idx="1">
-                <a:schemeClr val="accent1"/>
-              </a:lnRef>
-              <a:fillRef idx="0">
-                <a:schemeClr val="accent1"/>
-              </a:fillRef>
-              <a:effectRef idx="0">
-                <a:schemeClr val="accent1"/>
-              </a:effectRef>
-              <a:fontRef idx="minor">
-                <a:schemeClr val="tx1"/>
-              </a:fontRef>
-            </p:style>
-          </p:cxnSp>
-          <p:cxnSp>
-            <p:nvCxnSpPr>
-              <p:cNvPr id="259" name="Прямая соединительная линия 39">
-                <a:extLst>
-                  <a:ext uri="{FF2B5EF4-FFF2-40B4-BE49-F238E27FC236}">
-                    <a16:creationId xmlns:a16="http://schemas.microsoft.com/office/drawing/2014/main" id="{8F7C2483-3384-4398-84D6-911D6F2270D9}"/>
-                  </a:ext>
-                </a:extLst>
-              </p:cNvPr>
-              <p:cNvCxnSpPr/>
-              <p:nvPr/>
-            </p:nvCxnSpPr>
-            <p:spPr>
-              <a:xfrm>
-                <a:off x="1669001" y="2834936"/>
-                <a:ext cx="1029810" cy="0"/>
-              </a:xfrm>
-              <a:prstGeom prst="line">
-                <a:avLst/>
-              </a:prstGeom>
-              <a:ln w="19050">
-                <a:solidFill>
-                  <a:srgbClr val="FF5330"/>
-                </a:solidFill>
-              </a:ln>
-            </p:spPr>
-            <p:style>
-              <a:lnRef idx="1">
-                <a:schemeClr val="accent1"/>
-              </a:lnRef>
-              <a:fillRef idx="0">
-                <a:schemeClr val="accent1"/>
-              </a:fillRef>
-              <a:effectRef idx="0">
-                <a:schemeClr val="accent1"/>
-              </a:effectRef>
-              <a:fontRef idx="minor">
-                <a:schemeClr val="tx1"/>
-              </a:fontRef>
-            </p:style>
-          </p:cxnSp>
-          <p:cxnSp>
-            <p:nvCxnSpPr>
-              <p:cNvPr id="260" name="Прямая соединительная линия 40">
-                <a:extLst>
-                  <a:ext uri="{FF2B5EF4-FFF2-40B4-BE49-F238E27FC236}">
-                    <a16:creationId xmlns:a16="http://schemas.microsoft.com/office/drawing/2014/main" id="{D6E4BD37-18F5-47FB-9CC8-ED87107D192F}"/>
-                  </a:ext>
-                </a:extLst>
-              </p:cNvPr>
-              <p:cNvCxnSpPr/>
-              <p:nvPr/>
-            </p:nvCxnSpPr>
-            <p:spPr>
-              <a:xfrm>
-                <a:off x="1669001" y="2971060"/>
-                <a:ext cx="1029810" cy="0"/>
-              </a:xfrm>
-              <a:prstGeom prst="line">
-                <a:avLst/>
-              </a:prstGeom>
-              <a:ln w="19050">
-                <a:solidFill>
-                  <a:srgbClr val="FF5330"/>
-                </a:solidFill>
-              </a:ln>
-            </p:spPr>
-            <p:style>
-              <a:lnRef idx="1">
-                <a:schemeClr val="accent1"/>
-              </a:lnRef>
-              <a:fillRef idx="0">
-                <a:schemeClr val="accent1"/>
-              </a:fillRef>
-              <a:effectRef idx="0">
-                <a:schemeClr val="accent1"/>
-              </a:effectRef>
-              <a:fontRef idx="minor">
-                <a:schemeClr val="tx1"/>
-              </a:fontRef>
-            </p:style>
-          </p:cxnSp>
-          <p:cxnSp>
-            <p:nvCxnSpPr>
-              <p:cNvPr id="261" name="Прямая соединительная линия 41">
-                <a:extLst>
-                  <a:ext uri="{FF2B5EF4-FFF2-40B4-BE49-F238E27FC236}">
-                    <a16:creationId xmlns:a16="http://schemas.microsoft.com/office/drawing/2014/main" id="{68C22510-7758-4C31-BF1F-62E1311B0E5A}"/>
-                  </a:ext>
-                </a:extLst>
-              </p:cNvPr>
-              <p:cNvCxnSpPr/>
-              <p:nvPr/>
-            </p:nvCxnSpPr>
-            <p:spPr>
-              <a:xfrm>
-                <a:off x="1669002" y="3120500"/>
-                <a:ext cx="1029810" cy="0"/>
-              </a:xfrm>
-              <a:prstGeom prst="line">
-                <a:avLst/>
-              </a:prstGeom>
-              <a:ln w="19050">
-                <a:solidFill>
-                  <a:srgbClr val="FF5330"/>
-                </a:solidFill>
-              </a:ln>
-            </p:spPr>
-            <p:style>
-              <a:lnRef idx="1">
-                <a:schemeClr val="accent1"/>
-              </a:lnRef>
-              <a:fillRef idx="0">
-                <a:schemeClr val="accent1"/>
-              </a:fillRef>
-              <a:effectRef idx="0">
-                <a:schemeClr val="accent1"/>
-              </a:effectRef>
-              <a:fontRef idx="minor">
-                <a:schemeClr val="tx1"/>
-              </a:fontRef>
-            </p:style>
-          </p:cxnSp>
-          <p:cxnSp>
-            <p:nvCxnSpPr>
-              <p:cNvPr id="262" name="Прямая соединительная линия 42">
-                <a:extLst>
-                  <a:ext uri="{FF2B5EF4-FFF2-40B4-BE49-F238E27FC236}">
-                    <a16:creationId xmlns:a16="http://schemas.microsoft.com/office/drawing/2014/main" id="{5D747298-A673-47D9-89D2-E311FD7D7A45}"/>
-                  </a:ext>
-                </a:extLst>
-              </p:cNvPr>
-              <p:cNvCxnSpPr/>
-              <p:nvPr/>
-            </p:nvCxnSpPr>
-            <p:spPr>
-              <a:xfrm>
-                <a:off x="1669002" y="3269943"/>
-                <a:ext cx="1029810" cy="0"/>
-              </a:xfrm>
-              <a:prstGeom prst="line">
-                <a:avLst/>
-              </a:prstGeom>
-              <a:ln w="19050">
-                <a:solidFill>
-                  <a:srgbClr val="FF5330"/>
-                </a:solidFill>
-              </a:ln>
-            </p:spPr>
-            <p:style>
-              <a:lnRef idx="1">
-                <a:schemeClr val="accent1"/>
-              </a:lnRef>
-              <a:fillRef idx="0">
-                <a:schemeClr val="accent1"/>
-              </a:fillRef>
-              <a:effectRef idx="0">
-                <a:schemeClr val="accent1"/>
-              </a:effectRef>
-              <a:fontRef idx="minor">
-                <a:schemeClr val="tx1"/>
-              </a:fontRef>
-            </p:style>
-          </p:cxnSp>
-          <p:cxnSp>
-            <p:nvCxnSpPr>
-              <p:cNvPr id="263" name="Прямая соединительная линия 43">
-                <a:extLst>
-                  <a:ext uri="{FF2B5EF4-FFF2-40B4-BE49-F238E27FC236}">
-                    <a16:creationId xmlns:a16="http://schemas.microsoft.com/office/drawing/2014/main" id="{6891DB14-F7D7-45AC-8336-6AD4F75E5FFE}"/>
-                  </a:ext>
-                </a:extLst>
-              </p:cNvPr>
-              <p:cNvCxnSpPr/>
-              <p:nvPr/>
-            </p:nvCxnSpPr>
-            <p:spPr>
-              <a:xfrm>
-                <a:off x="1665690" y="3425301"/>
-                <a:ext cx="1029810" cy="0"/>
-              </a:xfrm>
-              <a:prstGeom prst="line">
-                <a:avLst/>
-              </a:prstGeom>
-              <a:ln w="19050">
-                <a:solidFill>
-                  <a:srgbClr val="FF5330"/>
-                </a:solidFill>
-              </a:ln>
-            </p:spPr>
-            <p:style>
-              <a:lnRef idx="1">
-                <a:schemeClr val="accent1"/>
-              </a:lnRef>
-              <a:fillRef idx="0">
-                <a:schemeClr val="accent1"/>
-              </a:fillRef>
-              <a:effectRef idx="0">
-                <a:schemeClr val="accent1"/>
-              </a:effectRef>
-              <a:fontRef idx="minor">
-                <a:schemeClr val="tx1"/>
-              </a:fontRef>
-            </p:style>
-          </p:cxnSp>
-          <p:cxnSp>
-            <p:nvCxnSpPr>
-              <p:cNvPr id="278" name="Прямая соединительная линия 44">
-                <a:extLst>
-                  <a:ext uri="{FF2B5EF4-FFF2-40B4-BE49-F238E27FC236}">
-                    <a16:creationId xmlns:a16="http://schemas.microsoft.com/office/drawing/2014/main" id="{918488B9-AF91-4AEB-BF64-E0CF3E9EAA83}"/>
-                  </a:ext>
-                </a:extLst>
-              </p:cNvPr>
-              <p:cNvCxnSpPr/>
-              <p:nvPr/>
-            </p:nvCxnSpPr>
-            <p:spPr>
-              <a:xfrm>
-                <a:off x="1665690" y="3577701"/>
-                <a:ext cx="1029810" cy="0"/>
-              </a:xfrm>
-              <a:prstGeom prst="line">
-                <a:avLst/>
-              </a:prstGeom>
-              <a:ln w="19050">
-                <a:solidFill>
-                  <a:srgbClr val="FF5330"/>
-                </a:solidFill>
-              </a:ln>
-            </p:spPr>
-            <p:style>
-              <a:lnRef idx="1">
-                <a:schemeClr val="accent1"/>
-              </a:lnRef>
-              <a:fillRef idx="0">
-                <a:schemeClr val="accent1"/>
-              </a:fillRef>
-              <a:effectRef idx="0">
-                <a:schemeClr val="accent1"/>
-              </a:effectRef>
-              <a:fontRef idx="minor">
-                <a:schemeClr val="tx1"/>
-              </a:fontRef>
-            </p:style>
-          </p:cxnSp>
-          <p:cxnSp>
-            <p:nvCxnSpPr>
-              <p:cNvPr id="282" name="Прямая соединительная линия 45">
-                <a:extLst>
-                  <a:ext uri="{FF2B5EF4-FFF2-40B4-BE49-F238E27FC236}">
-                    <a16:creationId xmlns:a16="http://schemas.microsoft.com/office/drawing/2014/main" id="{75D5C720-641B-47AF-BF13-65EAA363D3C0}"/>
-                  </a:ext>
-                </a:extLst>
-              </p:cNvPr>
-              <p:cNvCxnSpPr/>
-              <p:nvPr/>
-            </p:nvCxnSpPr>
-            <p:spPr>
-              <a:xfrm>
-                <a:off x="1665690" y="3730101"/>
-                <a:ext cx="1029810" cy="0"/>
-              </a:xfrm>
-              <a:prstGeom prst="line">
-                <a:avLst/>
-              </a:prstGeom>
-              <a:ln w="19050">
-                <a:solidFill>
-                  <a:srgbClr val="FF5330"/>
-                </a:solidFill>
-              </a:ln>
-            </p:spPr>
-            <p:style>
-              <a:lnRef idx="1">
-                <a:schemeClr val="accent1"/>
-              </a:lnRef>
-              <a:fillRef idx="0">
-                <a:schemeClr val="accent1"/>
-              </a:fillRef>
-              <a:effectRef idx="0">
-                <a:schemeClr val="accent1"/>
-              </a:effectRef>
-              <a:fontRef idx="minor">
-                <a:schemeClr val="tx1"/>
-              </a:fontRef>
-            </p:style>
-          </p:cxnSp>
-        </p:grpSp>
-        <p:sp>
-          <p:nvSpPr>
-            <p:cNvPr id="256" name="TextBox 255">
-              <a:extLst>
-                <a:ext uri="{FF2B5EF4-FFF2-40B4-BE49-F238E27FC236}">
-                  <a16:creationId xmlns:a16="http://schemas.microsoft.com/office/drawing/2014/main" id="{C970A89F-2A37-4F87-9251-98FC71110884}"/>
-                </a:ext>
-              </a:extLst>
-            </p:cNvPr>
-            <p:cNvSpPr txBox="1"/>
-            <p:nvPr/>
-          </p:nvSpPr>
-          <p:spPr>
-            <a:xfrm>
-              <a:off x="14390197" y="18883877"/>
-              <a:ext cx="1873189" cy="523220"/>
-            </a:xfrm>
-            <a:prstGeom prst="rect">
-              <a:avLst/>
-            </a:prstGeom>
-            <a:noFill/>
-          </p:spPr>
-          <p:txBody>
-            <a:bodyPr wrap="square" rtlCol="0">
-              <a:spAutoFit/>
-            </a:bodyPr>
-            <a:lstStyle/>
-            <a:p>
-              <a:pPr algn="ctr"/>
-              <a:r>
-                <a:rPr lang="en-GB" sz="2800" dirty="0"/>
-                <a:t>File .pep</a:t>
-              </a:r>
-              <a:endParaRPr lang="ru-RU" sz="2800" dirty="0"/>
-            </a:p>
-          </p:txBody>
-        </p:sp>
-      </p:grpSp>
       <p:grpSp>
         <p:nvGrpSpPr>
           <p:cNvPr id="329" name="Группа 7">
@@ -14550,10 +12496,10 @@
         </p:nvGrpSpPr>
         <p:grpSpPr>
           <a:xfrm>
-            <a:off x="3165390" y="26991798"/>
-            <a:ext cx="2173137" cy="2111765"/>
-            <a:chOff x="-14018" y="3971689"/>
-            <a:chExt cx="2173137" cy="2111765"/>
+            <a:off x="4310860" y="30152076"/>
+            <a:ext cx="1902939" cy="2039283"/>
+            <a:chOff x="515125" y="3971689"/>
+            <a:chExt cx="1902939" cy="2039283"/>
           </a:xfrm>
         </p:grpSpPr>
         <p:grpSp>
@@ -14975,8 +12921,8 @@
           </p:nvSpPr>
           <p:spPr>
             <a:xfrm>
-              <a:off x="-14018" y="5560234"/>
-              <a:ext cx="2173137" cy="523220"/>
+              <a:off x="515125" y="5549307"/>
+              <a:ext cx="1902939" cy="461665"/>
             </a:xfrm>
             <a:prstGeom prst="rect">
               <a:avLst/>
@@ -14989,85 +12935,282 @@
             </a:bodyPr>
             <a:lstStyle/>
             <a:p>
-              <a:pPr algn="ctr"/>
               <a:r>
-                <a:rPr lang="en-US" sz="2800" dirty="0"/>
+                <a:rPr lang="en-US" sz="2400" dirty="0"/>
                 <a:t>File .</a:t>
               </a:r>
               <a:r>
-                <a:rPr lang="en-US" sz="2800" dirty="0" err="1"/>
+                <a:rPr lang="en-US" sz="2400" dirty="0" err="1"/>
                 <a:t>pepout</a:t>
               </a:r>
-              <a:endParaRPr lang="ru-RU" sz="2800" dirty="0"/>
+              <a:endParaRPr lang="ru-RU" sz="2400" dirty="0"/>
             </a:p>
           </p:txBody>
         </p:sp>
       </p:grpSp>
-      <p:sp>
-        <p:nvSpPr>
-          <p:cNvPr id="341" name="TextBox 340">
-            <a:extLst>
-              <a:ext uri="{FF2B5EF4-FFF2-40B4-BE49-F238E27FC236}">
-                <a16:creationId xmlns:a16="http://schemas.microsoft.com/office/drawing/2014/main" id="{229324FE-45A6-4B2B-914F-B163D3F4935B}"/>
-              </a:ext>
-            </a:extLst>
-          </p:cNvPr>
-          <p:cNvSpPr txBox="1"/>
-          <p:nvPr/>
-        </p:nvSpPr>
-        <p:spPr>
-          <a:xfrm>
-            <a:off x="5766907" y="26784159"/>
-            <a:ext cx="3488617" cy="3108543"/>
-          </a:xfrm>
-          <a:prstGeom prst="rect">
-            <a:avLst/>
-          </a:prstGeom>
-          <a:noFill/>
-        </p:spPr>
-        <p:txBody>
-          <a:bodyPr wrap="square" rtlCol="0">
-            <a:spAutoFit/>
-          </a:bodyPr>
-          <a:lstStyle/>
-          <a:p>
-            <a:r>
-              <a:rPr lang="en-US" sz="2800" dirty="0"/>
-              <a:t>YASSVRSPHPAIQPLQAPQPAVHVQ</a:t>
-            </a:r>
-          </a:p>
-          <a:p>
-            <a:r>
-              <a:rPr lang="en-US" sz="2800" dirty="0"/>
-              <a:t>Prefix selected</a:t>
-            </a:r>
-          </a:p>
-          <a:p>
-            <a:r>
-              <a:rPr lang="en-US" sz="2800" dirty="0"/>
-              <a:t>Possible modifications: </a:t>
-            </a:r>
-          </a:p>
-          <a:p>
-            <a:r>
-              <a:rPr lang="en-US" sz="2800" dirty="0"/>
-              <a:t>at position 16: A-&gt;V</a:t>
-            </a:r>
-          </a:p>
-          <a:p>
-            <a:r>
-              <a:rPr lang="en-US" sz="2800" dirty="0"/>
-              <a:t>at position 20: A-&gt;V</a:t>
-            </a:r>
-          </a:p>
-          <a:p>
-            <a:r>
-              <a:rPr lang="en-US" sz="2800" dirty="0"/>
-              <a:t>at position 24: Q-&gt;R</a:t>
-            </a:r>
-          </a:p>
-        </p:txBody>
-      </p:sp>
+      <mc:AlternateContent xmlns:mc="http://schemas.openxmlformats.org/markup-compatibility/2006">
+        <mc:Choice xmlns:a14="http://schemas.microsoft.com/office/drawing/2010/main" Requires="a14">
+          <p:sp>
+            <p:nvSpPr>
+              <p:cNvPr id="341" name="TextBox 340">
+                <a:extLst>
+                  <a:ext uri="{FF2B5EF4-FFF2-40B4-BE49-F238E27FC236}">
+                    <a16:creationId xmlns:a16="http://schemas.microsoft.com/office/drawing/2014/main" id="{229324FE-45A6-4B2B-914F-B163D3F4935B}"/>
+                  </a:ext>
+                </a:extLst>
+              </p:cNvPr>
+              <p:cNvSpPr txBox="1"/>
+              <p:nvPr/>
+            </p:nvSpPr>
+            <p:spPr>
+              <a:xfrm>
+                <a:off x="6040161" y="30074182"/>
+                <a:ext cx="3248637" cy="2062103"/>
+              </a:xfrm>
+              <a:prstGeom prst="rect">
+                <a:avLst/>
+              </a:prstGeom>
+              <a:noFill/>
+            </p:spPr>
+            <p:txBody>
+              <a:bodyPr wrap="square" rtlCol="0">
+                <a:spAutoFit/>
+              </a:bodyPr>
+              <a:lstStyle/>
+              <a:p>
+                <a:r>
+                  <a:rPr lang="en-US" sz="2400" dirty="0"/>
+                  <a:t>YASS</a:t>
+                </a:r>
+                <a14:m>
+                  <m:oMath xmlns:m="http://schemas.openxmlformats.org/officeDocument/2006/math">
+                    <m:sSup>
+                      <m:sSupPr>
+                        <m:ctrlPr>
+                          <a:rPr lang="en-US" sz="2000" dirty="0" smtClean="0">
+                            <a:latin typeface="Cambria Math" panose="02040503050406030204" pitchFamily="18" charset="0"/>
+                          </a:rPr>
+                        </m:ctrlPr>
+                      </m:sSupPr>
+                      <m:e>
+                        <m:r>
+                          <m:rPr>
+                            <m:sty m:val="p"/>
+                          </m:rPr>
+                          <a:rPr lang="en-GB" sz="2000" b="0" i="0" dirty="0" smtClean="0">
+                            <a:latin typeface="Cambria Math" panose="02040503050406030204" pitchFamily="18" charset="0"/>
+                          </a:rPr>
+                          <m:t>V</m:t>
+                        </m:r>
+                      </m:e>
+                      <m:sup>
+                        <m:r>
+                          <a:rPr lang="en-GB" sz="2000" b="0" i="0" dirty="0" smtClean="0">
+                            <a:latin typeface="Cambria Math" panose="02040503050406030204" pitchFamily="18" charset="0"/>
+                          </a:rPr>
+                          <m:t>5</m:t>
+                        </m:r>
+                      </m:sup>
+                    </m:sSup>
+                  </m:oMath>
+                </a14:m>
+                <a:r>
+                  <a:rPr lang="en-US" sz="2400" dirty="0"/>
+                  <a:t>RSPH</a:t>
+                </a:r>
+                <a14:m>
+                  <m:oMath xmlns:m="http://schemas.openxmlformats.org/officeDocument/2006/math">
+                    <m:sSup>
+                      <m:sSupPr>
+                        <m:ctrlPr>
+                          <a:rPr lang="en-US" sz="2000" dirty="0" smtClean="0">
+                            <a:latin typeface="Cambria Math" panose="02040503050406030204" pitchFamily="18" charset="0"/>
+                          </a:rPr>
+                        </m:ctrlPr>
+                      </m:sSupPr>
+                      <m:e>
+                        <m:r>
+                          <m:rPr>
+                            <m:sty m:val="p"/>
+                          </m:rPr>
+                          <a:rPr lang="en-GB" sz="2000" b="0" i="0" dirty="0" smtClean="0">
+                            <a:latin typeface="Cambria Math" panose="02040503050406030204" pitchFamily="18" charset="0"/>
+                          </a:rPr>
+                          <m:t>P</m:t>
+                        </m:r>
+                      </m:e>
+                      <m:sup>
+                        <m:r>
+                          <a:rPr lang="en-GB" sz="2000" b="0" i="0" dirty="0" smtClean="0">
+                            <a:latin typeface="Cambria Math" panose="02040503050406030204" pitchFamily="18" charset="0"/>
+                          </a:rPr>
+                          <m:t>10</m:t>
+                        </m:r>
+                      </m:sup>
+                    </m:sSup>
+                  </m:oMath>
+                </a14:m>
+                <a:r>
+                  <a:rPr lang="en-US" sz="2400" dirty="0"/>
+                  <a:t>AIQ</a:t>
+                </a:r>
+              </a:p>
+              <a:p>
+                <a:r>
+                  <a:rPr lang="en-US" sz="2400" dirty="0"/>
+                  <a:t>P</a:t>
+                </a:r>
+                <a14:m>
+                  <m:oMath xmlns:m="http://schemas.openxmlformats.org/officeDocument/2006/math">
+                    <m:sSup>
+                      <m:sSupPr>
+                        <m:ctrlPr>
+                          <a:rPr lang="en-US" sz="2000" dirty="0" smtClean="0">
+                            <a:latin typeface="Cambria Math" panose="02040503050406030204" pitchFamily="18" charset="0"/>
+                          </a:rPr>
+                        </m:ctrlPr>
+                      </m:sSupPr>
+                      <m:e>
+                        <m:r>
+                          <m:rPr>
+                            <m:sty m:val="p"/>
+                          </m:rPr>
+                          <a:rPr lang="en-GB" sz="2000" b="0" i="0" dirty="0" smtClean="0">
+                            <a:latin typeface="Cambria Math" panose="02040503050406030204" pitchFamily="18" charset="0"/>
+                          </a:rPr>
+                          <m:t>L</m:t>
+                        </m:r>
+                      </m:e>
+                      <m:sup>
+                        <m:r>
+                          <a:rPr lang="en-GB" sz="2000" b="0" i="0" dirty="0" smtClean="0">
+                            <a:latin typeface="Cambria Math" panose="02040503050406030204" pitchFamily="18" charset="0"/>
+                          </a:rPr>
+                          <m:t>15</m:t>
+                        </m:r>
+                      </m:sup>
+                    </m:sSup>
+                  </m:oMath>
+                </a14:m>
+                <a:r>
+                  <a:rPr lang="en-US" sz="2400" dirty="0"/>
+                  <a:t>QAPQ </a:t>
+                </a:r>
+                <a14:m>
+                  <m:oMath xmlns:m="http://schemas.openxmlformats.org/officeDocument/2006/math">
+                    <m:sSup>
+                      <m:sSupPr>
+                        <m:ctrlPr>
+                          <a:rPr lang="en-US" sz="2000" i="1" dirty="0">
+                            <a:latin typeface="Cambria Math" panose="02040503050406030204" pitchFamily="18" charset="0"/>
+                          </a:rPr>
+                        </m:ctrlPr>
+                      </m:sSupPr>
+                      <m:e>
+                        <m:r>
+                          <m:rPr>
+                            <m:sty m:val="p"/>
+                          </m:rPr>
+                          <a:rPr lang="en-GB" sz="2000" b="0" i="0" dirty="0" smtClean="0">
+                            <a:latin typeface="Cambria Math" panose="02040503050406030204" pitchFamily="18" charset="0"/>
+                          </a:rPr>
+                          <m:t>P</m:t>
+                        </m:r>
+                      </m:e>
+                      <m:sup>
+                        <m:r>
+                          <a:rPr lang="en-GB" sz="2000" b="0" i="0" dirty="0" smtClean="0">
+                            <a:latin typeface="Cambria Math" panose="02040503050406030204" pitchFamily="18" charset="0"/>
+                          </a:rPr>
+                          <m:t>20</m:t>
+                        </m:r>
+                      </m:sup>
+                    </m:sSup>
+                    <m:r>
+                      <a:rPr lang="en-GB" sz="2000" i="1" dirty="0">
+                        <a:latin typeface="Cambria Math" panose="02040503050406030204" pitchFamily="18" charset="0"/>
+                      </a:rPr>
+                      <m:t> </m:t>
+                    </m:r>
+                  </m:oMath>
+                </a14:m>
+                <a:r>
+                  <a:rPr lang="en-US" sz="2400" dirty="0"/>
+                  <a:t>AV</a:t>
+                </a:r>
+              </a:p>
+              <a:p>
+                <a:r>
+                  <a:rPr lang="en-US" sz="2000" dirty="0"/>
+                  <a:t>Prefix selected</a:t>
+                </a:r>
+              </a:p>
+              <a:p>
+                <a:r>
+                  <a:rPr lang="en-US" sz="2000" dirty="0"/>
+                  <a:t>Possible modifications: </a:t>
+                </a:r>
+              </a:p>
+              <a:p>
+                <a:r>
+                  <a:rPr lang="en-US" sz="2000" dirty="0"/>
+                  <a:t>at positions 11, 17, 21 A-&gt;V</a:t>
+                </a:r>
+              </a:p>
+              <a:p>
+                <a:r>
+                  <a:rPr lang="en-US" sz="2000" dirty="0"/>
+                  <a:t>at positions 13, 16, 19: Q-&gt;R</a:t>
+                </a:r>
+              </a:p>
+            </p:txBody>
+          </p:sp>
+        </mc:Choice>
+        <mc:Fallback>
+          <p:sp>
+            <p:nvSpPr>
+              <p:cNvPr id="341" name="TextBox 340">
+                <a:extLst>
+                  <a:ext uri="{FF2B5EF4-FFF2-40B4-BE49-F238E27FC236}">
+                    <a16:creationId xmlns:a16="http://schemas.microsoft.com/office/drawing/2014/main" id="{229324FE-45A6-4B2B-914F-B163D3F4935B}"/>
+                  </a:ext>
+                </a:extLst>
+              </p:cNvPr>
+              <p:cNvSpPr txBox="1">
+                <a:spLocks noRot="1" noChangeAspect="1" noMove="1" noResize="1" noEditPoints="1" noAdjustHandles="1" noChangeArrowheads="1" noChangeShapeType="1" noTextEdit="1"/>
+              </p:cNvSpPr>
+              <p:nvPr/>
+            </p:nvSpPr>
+            <p:spPr>
+              <a:xfrm>
+                <a:off x="6040161" y="30074182"/>
+                <a:ext cx="3248637" cy="2062103"/>
+              </a:xfrm>
+              <a:prstGeom prst="rect">
+                <a:avLst/>
+              </a:prstGeom>
+              <a:blipFill>
+                <a:blip r:embed="rId15"/>
+                <a:stretch>
+                  <a:fillRect l="-3002" t="-2360" b="-4130"/>
+                </a:stretch>
+              </a:blipFill>
+            </p:spPr>
+            <p:txBody>
+              <a:bodyPr/>
+              <a:lstStyle/>
+              <a:p>
+                <a:r>
+                  <a:rPr lang="en-US">
+                    <a:noFill/>
+                  </a:rPr>
+                  <a:t> </a:t>
+                </a:r>
+              </a:p>
+            </p:txBody>
+          </p:sp>
+        </mc:Fallback>
+      </mc:AlternateContent>
       <p:grpSp>
         <p:nvGrpSpPr>
           <p:cNvPr id="342" name="Группа 67">
@@ -15082,10 +13225,10 @@
         </p:nvGrpSpPr>
         <p:grpSpPr>
           <a:xfrm>
-            <a:off x="3546268" y="24920991"/>
-            <a:ext cx="5487538" cy="585330"/>
-            <a:chOff x="1235816" y="2992372"/>
-            <a:chExt cx="5487538" cy="585330"/>
+            <a:off x="4533472" y="27752531"/>
+            <a:ext cx="4619144" cy="480434"/>
+            <a:chOff x="1235816" y="2991222"/>
+            <a:chExt cx="4619144" cy="480434"/>
           </a:xfrm>
         </p:grpSpPr>
         <p:sp>
@@ -15102,14 +13245,14 @@
           </p:nvSpPr>
           <p:spPr>
             <a:xfrm>
-              <a:off x="1235816" y="2992372"/>
-              <a:ext cx="5487538" cy="436628"/>
+              <a:off x="1235816" y="2991222"/>
+              <a:ext cx="4619144" cy="437778"/>
             </a:xfrm>
             <a:prstGeom prst="rect">
               <a:avLst/>
             </a:prstGeom>
             <a:solidFill>
-              <a:srgbClr val="C00000"/>
+              <a:srgbClr val="E8D2C4"/>
             </a:solidFill>
             <a:ln>
               <a:solidFill>
@@ -15139,35 +13282,47 @@
             <a:p>
               <a:pPr algn="ctr"/>
               <a:r>
-                <a:rPr lang="en-GB" sz="2800" dirty="0"/>
-                <a:t>A   C   </a:t>
+                <a:rPr lang="en-GB" sz="2400" dirty="0">
+                  <a:solidFill>
+                    <a:schemeClr val="tx1"/>
+                  </a:solidFill>
+                </a:rPr>
+                <a:t>V   Q   S   </a:t>
               </a:r>
               <a:r>
-                <a:rPr lang="en-GB" sz="2800" dirty="0" err="1">
+                <a:rPr lang="en-GB" sz="2400" dirty="0" err="1">
                   <a:solidFill>
-                    <a:schemeClr val="bg1"/>
+                    <a:schemeClr val="tx1"/>
                   </a:solidFill>
                 </a:rPr>
-                <a:t>C</a:t>
+                <a:t>S</a:t>
               </a:r>
               <a:r>
-                <a:rPr lang="en-GB" sz="2800" dirty="0"/>
-                <a:t>   A   </a:t>
-              </a:r>
-              <a:r>
-                <a:rPr lang="en-GB" sz="2800" dirty="0" err="1">
+                <a:rPr lang="en-GB" sz="2400" dirty="0">
                   <a:solidFill>
-                    <a:schemeClr val="bg1"/>
+                    <a:schemeClr val="tx1"/>
                   </a:solidFill>
                 </a:rPr>
-                <a:t>A</a:t>
-              </a:r>
-              <a:r>
-                <a:rPr lang="en-GB" sz="2800" dirty="0"/>
                 <a:t>   </a:t>
               </a:r>
               <a:r>
-                <a:rPr lang="en-GB" sz="2800" dirty="0" err="1">
+                <a:rPr lang="en-GB" sz="2400" dirty="0" err="1">
+                  <a:solidFill>
+                    <a:schemeClr val="tx1"/>
+                  </a:solidFill>
+                </a:rPr>
+                <a:t>S</a:t>
+              </a:r>
+              <a:r>
+                <a:rPr lang="en-GB" sz="2400" dirty="0">
+                  <a:solidFill>
+                    <a:schemeClr val="tx1"/>
+                  </a:solidFill>
+                </a:rPr>
+                <a:t>   </a:t>
+              </a:r>
+              <a:r>
+                <a:rPr lang="en-GB" sz="2400" dirty="0">
                   <a:solidFill>
                     <a:srgbClr val="00FFFF"/>
                   </a:solidFill>
@@ -15175,23 +13330,23 @@
                 <a:t>A</a:t>
               </a:r>
               <a:r>
-                <a:rPr lang="en-GB" sz="2800" dirty="0"/>
+                <a:rPr lang="en-GB" sz="2400" dirty="0"/>
                 <a:t>   </a:t>
               </a:r>
               <a:r>
-                <a:rPr lang="en-GB" sz="2800" dirty="0">
+                <a:rPr lang="en-GB" sz="2400" dirty="0">
                   <a:solidFill>
-                    <a:schemeClr val="bg1"/>
+                    <a:schemeClr val="tx1"/>
                   </a:solidFill>
                 </a:rPr>
-                <a:t>C</a:t>
+                <a:t>R</a:t>
               </a:r>
               <a:r>
-                <a:rPr lang="en-GB" sz="2800" dirty="0"/>
+                <a:rPr lang="en-GB" sz="2400" dirty="0"/>
                 <a:t>   </a:t>
               </a:r>
               <a:r>
-                <a:rPr lang="en-GB" sz="2800" dirty="0" err="1">
+                <a:rPr lang="en-GB" sz="2400" dirty="0">
                   <a:solidFill>
                     <a:srgbClr val="0070C0"/>
                   </a:solidFill>
@@ -15199,34 +13354,46 @@
                 <a:t>C</a:t>
               </a:r>
               <a:r>
-                <a:rPr lang="en-GB" sz="2800" dirty="0"/>
+                <a:rPr lang="en-GB" sz="2400" dirty="0"/>
                 <a:t>   </a:t>
               </a:r>
               <a:r>
-                <a:rPr lang="en-GB" sz="2800" dirty="0">
+                <a:rPr lang="en-GB" sz="2400" dirty="0">
                   <a:solidFill>
-                    <a:schemeClr val="bg1"/>
+                    <a:schemeClr val="tx1"/>
+                  </a:solidFill>
+                </a:rPr>
+                <a:t>V   N</a:t>
+              </a:r>
+              <a:r>
+                <a:rPr lang="en-GB" sz="2400" dirty="0"/>
+                <a:t>   </a:t>
+              </a:r>
+              <a:r>
+                <a:rPr lang="en-GB" sz="2400" dirty="0">
+                  <a:solidFill>
+                    <a:srgbClr val="D03839"/>
                   </a:solidFill>
                 </a:rPr>
                 <a:t>G</a:t>
               </a:r>
               <a:r>
-                <a:rPr lang="en-GB" sz="2800" dirty="0"/>
-                <a:t>   A   </a:t>
+                <a:rPr lang="en-GB" sz="2400" dirty="0"/>
+                <a:t>   </a:t>
               </a:r>
               <a:r>
-                <a:rPr lang="en-GB" sz="2800" dirty="0">
+                <a:rPr lang="en-GB" sz="2400" dirty="0">
                   <a:solidFill>
-                    <a:srgbClr val="3CE016"/>
+                    <a:schemeClr val="tx1"/>
                   </a:solidFill>
                 </a:rPr>
-                <a:t>G</a:t>
+                <a:t>N</a:t>
               </a:r>
-              <a:r>
-                <a:rPr lang="en-GB" sz="2800" dirty="0"/>
-                <a:t>   T</a:t>
-              </a:r>
-              <a:endParaRPr lang="ru-RU" sz="2800" dirty="0"/>
+              <a:endParaRPr lang="ru-RU" sz="2400" dirty="0">
+                <a:solidFill>
+                  <a:schemeClr val="tx1"/>
+                </a:solidFill>
+              </a:endParaRPr>
             </a:p>
           </p:txBody>
         </p:sp>
@@ -15244,7 +13411,7 @@
           </p:nvCxnSpPr>
           <p:spPr>
             <a:xfrm>
-              <a:off x="3592038" y="3577702"/>
+              <a:off x="3129179" y="3459536"/>
               <a:ext cx="328473" cy="0"/>
             </a:xfrm>
             <a:prstGeom prst="line">
@@ -15281,7 +13448,7 @@
           </p:nvCxnSpPr>
           <p:spPr>
             <a:xfrm>
-              <a:off x="4470585" y="3577702"/>
+              <a:off x="3877488" y="3471656"/>
               <a:ext cx="328473" cy="0"/>
             </a:xfrm>
             <a:prstGeom prst="line">
@@ -15318,7 +13485,7 @@
           </p:nvCxnSpPr>
           <p:spPr>
             <a:xfrm>
-              <a:off x="5855854" y="3577702"/>
+              <a:off x="5036397" y="3471656"/>
               <a:ext cx="328473" cy="0"/>
             </a:xfrm>
             <a:prstGeom prst="line">
@@ -15344,42 +13511,6 @@
       </p:grpSp>
       <p:sp>
         <p:nvSpPr>
-          <p:cNvPr id="5" name="TextBox 4">
-            <a:extLst>
-              <a:ext uri="{FF2B5EF4-FFF2-40B4-BE49-F238E27FC236}">
-                <a16:creationId xmlns:a16="http://schemas.microsoft.com/office/drawing/2014/main" id="{F28C0B12-1A01-42A5-B1E2-AC7F5CAA79BC}"/>
-              </a:ext>
-            </a:extLst>
-          </p:cNvPr>
-          <p:cNvSpPr txBox="1"/>
-          <p:nvPr/>
-        </p:nvSpPr>
-        <p:spPr>
-          <a:xfrm>
-            <a:off x="5558982" y="25984177"/>
-            <a:ext cx="935399" cy="523220"/>
-          </a:xfrm>
-          <a:prstGeom prst="rect">
-            <a:avLst/>
-          </a:prstGeom>
-          <a:noFill/>
-        </p:spPr>
-        <p:txBody>
-          <a:bodyPr wrap="square" rtlCol="0">
-            <a:spAutoFit/>
-          </a:bodyPr>
-          <a:lstStyle/>
-          <a:p>
-            <a:pPr algn="ctr"/>
-            <a:r>
-              <a:rPr lang="en-US" sz="2800" dirty="0"/>
-              <a:t>and</a:t>
-            </a:r>
-          </a:p>
-        </p:txBody>
-      </p:sp>
-      <p:sp>
-        <p:nvSpPr>
           <p:cNvPr id="347" name="TextBox 346">
             <a:extLst>
               <a:ext uri="{FF2B5EF4-FFF2-40B4-BE49-F238E27FC236}">
@@ -15392,7 +13523,7 @@
         </p:nvSpPr>
         <p:spPr>
           <a:xfrm>
-            <a:off x="9704306" y="20583294"/>
+            <a:off x="9722506" y="20511491"/>
             <a:ext cx="4284974" cy="646331"/>
           </a:xfrm>
           <a:prstGeom prst="rect">
@@ -15428,7 +13559,7 @@
         </p:nvGrpSpPr>
         <p:grpSpPr>
           <a:xfrm>
-            <a:off x="9873228" y="21493772"/>
+            <a:off x="9873228" y="21089090"/>
             <a:ext cx="5550360" cy="3395095"/>
             <a:chOff x="9873228" y="21616976"/>
             <a:chExt cx="5664937" cy="3395095"/>
@@ -15449,7 +13580,7 @@
             <p:nvPr/>
           </p:nvPicPr>
           <p:blipFill>
-            <a:blip r:embed="rId15">
+            <a:blip r:embed="rId16">
               <a:extLst>
                 <a:ext uri="{28A0092B-C50C-407E-A947-70E740481C1C}">
                   <a14:useLocalDpi xmlns:a14="http://schemas.microsoft.com/office/drawing/2010/main" val="0"/>
@@ -15520,10 +13651,10 @@
         </p:nvGrpSpPr>
         <p:grpSpPr>
           <a:xfrm>
-            <a:off x="9873228" y="25099617"/>
-            <a:ext cx="5580468" cy="3779879"/>
-            <a:chOff x="9873228" y="25099617"/>
-            <a:chExt cx="5580468" cy="3779879"/>
+            <a:off x="9901682" y="26830185"/>
+            <a:ext cx="5580468" cy="3732987"/>
+            <a:chOff x="9873228" y="25146509"/>
+            <a:chExt cx="5580468" cy="3732987"/>
           </a:xfrm>
         </p:grpSpPr>
         <p:sp>
@@ -15540,7 +13671,7 @@
           </p:nvSpPr>
           <p:spPr>
             <a:xfrm>
-              <a:off x="9873228" y="25099617"/>
+              <a:off x="9873228" y="25146509"/>
               <a:ext cx="3926622" cy="523220"/>
             </a:xfrm>
             <a:prstGeom prst="rect">
@@ -15576,7 +13707,7 @@
             <p:nvPr/>
           </p:nvPicPr>
           <p:blipFill>
-            <a:blip r:embed="rId16" cstate="print">
+            <a:blip r:embed="rId17" cstate="print">
               <a:extLst>
                 <a:ext uri="{28A0092B-C50C-407E-A947-70E740481C1C}">
                   <a14:useLocalDpi xmlns:a14="http://schemas.microsoft.com/office/drawing/2010/main" val="0"/>
@@ -15612,10 +13743,10 @@
         </p:nvGrpSpPr>
         <p:grpSpPr>
           <a:xfrm>
-            <a:off x="16094397" y="21503337"/>
-            <a:ext cx="5500802" cy="2733290"/>
-            <a:chOff x="16094397" y="21503337"/>
-            <a:chExt cx="5500802" cy="2733290"/>
+            <a:off x="16036747" y="21059060"/>
+            <a:ext cx="5511327" cy="2142910"/>
+            <a:chOff x="15970409" y="21503150"/>
+            <a:chExt cx="5511327" cy="2142910"/>
           </a:xfrm>
         </p:grpSpPr>
         <p:sp>
@@ -15632,7 +13763,7 @@
           </p:nvSpPr>
           <p:spPr>
             <a:xfrm>
-              <a:off x="16094397" y="21503337"/>
+              <a:off x="15970409" y="21503150"/>
               <a:ext cx="4974534" cy="523220"/>
             </a:xfrm>
             <a:prstGeom prst="rect">
@@ -15666,7 +13797,7 @@
             <p:nvPr/>
           </p:nvPicPr>
           <p:blipFill>
-            <a:blip r:embed="rId17">
+            <a:blip r:embed="rId18">
               <a:extLst>
                 <a:ext uri="{28A0092B-C50C-407E-A947-70E740481C1C}">
                   <a14:useLocalDpi xmlns:a14="http://schemas.microsoft.com/office/drawing/2010/main" val="0"/>
@@ -15679,7 +13810,7 @@
           </p:blipFill>
           <p:spPr>
             <a:xfrm>
-              <a:off x="16135819" y="22656986"/>
+              <a:off x="16022356" y="22066419"/>
               <a:ext cx="5459380" cy="1579641"/>
             </a:xfrm>
             <a:prstGeom prst="rect">
@@ -15702,10 +13833,10 @@
         </p:nvGrpSpPr>
         <p:grpSpPr>
           <a:xfrm>
-            <a:off x="16135819" y="25099617"/>
-            <a:ext cx="5458968" cy="2845339"/>
-            <a:chOff x="16135819" y="25099617"/>
-            <a:chExt cx="5458968" cy="2845339"/>
+            <a:off x="16036747" y="25827491"/>
+            <a:ext cx="5511327" cy="2241040"/>
+            <a:chOff x="16041112" y="25078027"/>
+            <a:chExt cx="5511327" cy="2241040"/>
           </a:xfrm>
         </p:grpSpPr>
         <p:sp>
@@ -15722,7 +13853,7 @@
           </p:nvSpPr>
           <p:spPr>
             <a:xfrm>
-              <a:off x="16174713" y="25099617"/>
+              <a:off x="16041112" y="25078027"/>
               <a:ext cx="4974534" cy="523220"/>
             </a:xfrm>
             <a:prstGeom prst="rect">
@@ -15756,7 +13887,7 @@
             <p:nvPr/>
           </p:nvPicPr>
           <p:blipFill>
-            <a:blip r:embed="rId18">
+            <a:blip r:embed="rId19">
               <a:extLst>
                 <a:ext uri="{28A0092B-C50C-407E-A947-70E740481C1C}">
                   <a14:useLocalDpi xmlns:a14="http://schemas.microsoft.com/office/drawing/2010/main" val="0"/>
@@ -15769,7 +13900,7 @@
           </p:blipFill>
           <p:spPr>
             <a:xfrm>
-              <a:off x="16135819" y="26363044"/>
+              <a:off x="16093471" y="25737155"/>
               <a:ext cx="5458968" cy="1581912"/>
             </a:xfrm>
             <a:prstGeom prst="rect">
@@ -15790,22 +13921,21 @@
           <p:cNvPicPr/>
           <p:nvPr/>
         </p:nvPicPr>
-        <p:blipFill>
-          <a:blip r:embed="rId19" cstate="print">
+        <p:blipFill rotWithShape="1">
+          <a:blip r:embed="rId20" cstate="print">
             <a:extLst>
               <a:ext uri="{28A0092B-C50C-407E-A947-70E740481C1C}">
                 <a14:useLocalDpi xmlns:a14="http://schemas.microsoft.com/office/drawing/2010/main" val="0"/>
               </a:ext>
             </a:extLst>
           </a:blip>
-          <a:stretch>
-            <a:fillRect/>
-          </a:stretch>
+          <a:srcRect b="18025"/>
+          <a:stretch/>
         </p:blipFill>
         <p:spPr>
           <a:xfrm>
-            <a:off x="22307430" y="22325020"/>
-            <a:ext cx="6842778" cy="6554476"/>
+            <a:off x="22150336" y="20912945"/>
+            <a:ext cx="6842778" cy="5373058"/>
           </a:xfrm>
           <a:prstGeom prst="rect">
             <a:avLst/>
@@ -15826,7 +13956,7 @@
         </p:nvSpPr>
         <p:spPr>
           <a:xfrm>
-            <a:off x="22371638" y="21493772"/>
+            <a:off x="22032111" y="20236508"/>
             <a:ext cx="5459380" cy="523220"/>
           </a:xfrm>
           <a:prstGeom prst="rect">
@@ -15842,51 +13972,1066 @@
           <a:p>
             <a:r>
               <a:rPr lang="en-US" sz="2800" dirty="0"/>
-              <a:t>5. Information about substitutions</a:t>
+              <a:t>6. Information about substitutions</a:t>
             </a:r>
           </a:p>
         </p:txBody>
       </p:sp>
-      <p:pic>
-        <p:nvPicPr>
-          <p:cNvPr id="366" name="Рисунок 32">
+      <p:grpSp>
+        <p:nvGrpSpPr>
+          <p:cNvPr id="53" name="Group 52">
             <a:extLst>
               <a:ext uri="{FF2B5EF4-FFF2-40B4-BE49-F238E27FC236}">
-                <a16:creationId xmlns:a16="http://schemas.microsoft.com/office/drawing/2014/main" id="{6960D36E-115C-4C5A-A79C-D6092B2B713B}"/>
+                <a16:creationId xmlns:a16="http://schemas.microsoft.com/office/drawing/2014/main" id="{85207B7E-E31B-45EF-A8DB-CD0399633B4D}"/>
               </a:ext>
             </a:extLst>
           </p:cNvPr>
-          <p:cNvPicPr/>
+          <p:cNvGrpSpPr/>
           <p:nvPr/>
-        </p:nvPicPr>
-        <p:blipFill>
-          <a:blip r:embed="rId20" cstate="print">
+        </p:nvGrpSpPr>
+        <p:grpSpPr>
+          <a:xfrm>
+            <a:off x="593463" y="33247859"/>
+            <a:ext cx="17551496" cy="8968583"/>
+            <a:chOff x="593463" y="31879065"/>
+            <a:chExt cx="17551496" cy="10337377"/>
+          </a:xfrm>
+        </p:grpSpPr>
+        <p:grpSp>
+          <p:nvGrpSpPr>
+            <p:cNvPr id="316" name="Group 315">
+              <a:extLst>
+                <a:ext uri="{FF2B5EF4-FFF2-40B4-BE49-F238E27FC236}">
+                  <a16:creationId xmlns:a16="http://schemas.microsoft.com/office/drawing/2014/main" id="{F21A83E7-54AB-4EBA-A12A-C0745FA17368}"/>
+                </a:ext>
+              </a:extLst>
+            </p:cNvPr>
+            <p:cNvGrpSpPr/>
+            <p:nvPr/>
+          </p:nvGrpSpPr>
+          <p:grpSpPr>
+            <a:xfrm>
+              <a:off x="593463" y="31879065"/>
+              <a:ext cx="17551496" cy="10337377"/>
+              <a:chOff x="737132" y="4967292"/>
+              <a:chExt cx="28800949" cy="14961929"/>
+            </a:xfrm>
+          </p:grpSpPr>
+          <p:sp>
+            <p:nvSpPr>
+              <p:cNvPr id="317" name="Rectangle: Rounded Corners 316">
+                <a:extLst>
+                  <a:ext uri="{FF2B5EF4-FFF2-40B4-BE49-F238E27FC236}">
+                    <a16:creationId xmlns:a16="http://schemas.microsoft.com/office/drawing/2014/main" id="{7ECB2EDA-6654-41FB-8B92-F72807646A8F}"/>
+                  </a:ext>
+                </a:extLst>
+              </p:cNvPr>
+              <p:cNvSpPr/>
+              <p:nvPr/>
+            </p:nvSpPr>
+            <p:spPr>
+              <a:xfrm>
+                <a:off x="737132" y="5689596"/>
+                <a:ext cx="28800949" cy="14239625"/>
+              </a:xfrm>
+              <a:prstGeom prst="roundRect">
+                <a:avLst/>
+              </a:prstGeom>
+              <a:noFill/>
+              <a:ln w="101600">
+                <a:solidFill>
+                  <a:srgbClr val="D03839"/>
+                </a:solidFill>
+              </a:ln>
+            </p:spPr>
+            <p:style>
+              <a:lnRef idx="2">
+                <a:schemeClr val="accent1">
+                  <a:shade val="50000"/>
+                </a:schemeClr>
+              </a:lnRef>
+              <a:fillRef idx="1">
+                <a:schemeClr val="accent1"/>
+              </a:fillRef>
+              <a:effectRef idx="0">
+                <a:schemeClr val="accent1"/>
+              </a:effectRef>
+              <a:fontRef idx="minor">
+                <a:schemeClr val="lt1"/>
+              </a:fontRef>
+            </p:style>
+            <p:txBody>
+              <a:bodyPr rtlCol="0" anchor="ctr"/>
+              <a:lstStyle/>
+              <a:p>
+                <a:pPr algn="ctr"/>
+                <a:endParaRPr lang="ru-RU" dirty="0"/>
+              </a:p>
+            </p:txBody>
+          </p:sp>
+          <p:sp>
+            <p:nvSpPr>
+              <p:cNvPr id="318" name="TextBox 317">
+                <a:extLst>
+                  <a:ext uri="{FF2B5EF4-FFF2-40B4-BE49-F238E27FC236}">
+                    <a16:creationId xmlns:a16="http://schemas.microsoft.com/office/drawing/2014/main" id="{6384C662-5C48-4DA8-80D0-07DC9591369B}"/>
+                  </a:ext>
+                </a:extLst>
+              </p:cNvPr>
+              <p:cNvSpPr txBox="1"/>
+              <p:nvPr/>
+            </p:nvSpPr>
+            <p:spPr>
+              <a:xfrm>
+                <a:off x="2971802" y="4967292"/>
+                <a:ext cx="14949402" cy="1704221"/>
+              </a:xfrm>
+              <a:prstGeom prst="roundRect">
+                <a:avLst/>
+              </a:prstGeom>
+              <a:ln w="76200">
+                <a:solidFill>
+                  <a:srgbClr val="D03839"/>
+                </a:solidFill>
+              </a:ln>
+            </p:spPr>
+            <p:style>
+              <a:lnRef idx="2">
+                <a:schemeClr val="accent2"/>
+              </a:lnRef>
+              <a:fillRef idx="1">
+                <a:schemeClr val="lt1"/>
+              </a:fillRef>
+              <a:effectRef idx="0">
+                <a:schemeClr val="accent2"/>
+              </a:effectRef>
+              <a:fontRef idx="minor">
+                <a:schemeClr val="dk1"/>
+              </a:fontRef>
+            </p:style>
+            <p:txBody>
+              <a:bodyPr wrap="square" rtlCol="0">
+                <a:spAutoFit/>
+              </a:bodyPr>
+              <a:lstStyle/>
+              <a:p>
+                <a:pPr algn="ctr"/>
+                <a:r>
+                  <a:rPr lang="en-GB" sz="5400" dirty="0">
+                    <a:effectLst>
+                      <a:outerShdw blurRad="38100" dist="38100" dir="2700000" algn="tl">
+                        <a:srgbClr val="000000">
+                          <a:alpha val="43137"/>
+                        </a:srgbClr>
+                      </a:outerShdw>
+                    </a:effectLst>
+                    <a:latin typeface="+mj-lt"/>
+                  </a:rPr>
+                  <a:t>Results and conclusions</a:t>
+                </a:r>
+                <a:endParaRPr lang="ru-RU" sz="5400" dirty="0">
+                  <a:effectLst>
+                    <a:outerShdw blurRad="38100" dist="38100" dir="2700000" algn="tl">
+                      <a:srgbClr val="000000">
+                        <a:alpha val="43137"/>
+                      </a:srgbClr>
+                    </a:outerShdw>
+                  </a:effectLst>
+                  <a:latin typeface="+mj-lt"/>
+                </a:endParaRPr>
+              </a:p>
+            </p:txBody>
+          </p:sp>
+        </p:grpSp>
+        <p:pic>
+          <p:nvPicPr>
+            <p:cNvPr id="366" name="Рисунок 32">
+              <a:extLst>
+                <a:ext uri="{FF2B5EF4-FFF2-40B4-BE49-F238E27FC236}">
+                  <a16:creationId xmlns:a16="http://schemas.microsoft.com/office/drawing/2014/main" id="{6960D36E-115C-4C5A-A79C-D6092B2B713B}"/>
+                </a:ext>
+              </a:extLst>
+            </p:cNvPr>
+            <p:cNvPicPr/>
+            <p:nvPr/>
+          </p:nvPicPr>
+          <p:blipFill>
+            <a:blip r:embed="rId21" cstate="print">
+              <a:extLst>
+                <a:ext uri="{28A0092B-C50C-407E-A947-70E740481C1C}">
+                  <a14:useLocalDpi xmlns:a14="http://schemas.microsoft.com/office/drawing/2010/main" val="0"/>
+                </a:ext>
+              </a:extLst>
+            </a:blip>
+            <a:stretch>
+              <a:fillRect/>
+            </a:stretch>
+          </p:blipFill>
+          <p:spPr>
+            <a:xfrm>
+              <a:off x="1071478" y="33900351"/>
+              <a:ext cx="9456983" cy="5277496"/>
+            </a:xfrm>
+            <a:prstGeom prst="rect">
+              <a:avLst/>
+            </a:prstGeom>
+          </p:spPr>
+        </p:pic>
+        <p:sp>
+          <p:nvSpPr>
+            <p:cNvPr id="367" name="TextBox 366">
+              <a:extLst>
+                <a:ext uri="{FF2B5EF4-FFF2-40B4-BE49-F238E27FC236}">
+                  <a16:creationId xmlns:a16="http://schemas.microsoft.com/office/drawing/2014/main" id="{79FB7F0E-DDD3-49B7-8A57-41EE3A11B66F}"/>
+                </a:ext>
+              </a:extLst>
+            </p:cNvPr>
+            <p:cNvSpPr txBox="1"/>
+            <p:nvPr/>
+          </p:nvSpPr>
+          <p:spPr>
+            <a:xfrm>
+              <a:off x="1210450" y="33118070"/>
+              <a:ext cx="6144965" cy="562177"/>
+            </a:xfrm>
+            <a:prstGeom prst="rect">
+              <a:avLst/>
+            </a:prstGeom>
+            <a:noFill/>
+          </p:spPr>
+          <p:txBody>
+            <a:bodyPr wrap="square" rtlCol="0">
+              <a:spAutoFit/>
+            </a:bodyPr>
+            <a:lstStyle/>
+            <a:p>
+              <a:r>
+                <a:rPr lang="en-GB" sz="3600" dirty="0"/>
+                <a:t>General view of an application</a:t>
+              </a:r>
+              <a:endParaRPr lang="ru-RU" sz="3600" dirty="0"/>
+            </a:p>
+          </p:txBody>
+        </p:sp>
+        <p:sp>
+          <p:nvSpPr>
+            <p:cNvPr id="368" name="TextBox 367">
+              <a:extLst>
+                <a:ext uri="{FF2B5EF4-FFF2-40B4-BE49-F238E27FC236}">
+                  <a16:creationId xmlns:a16="http://schemas.microsoft.com/office/drawing/2014/main" id="{E630B123-9F06-4B51-BD0C-7C29C9F9E6F5}"/>
+                </a:ext>
+              </a:extLst>
+            </p:cNvPr>
+            <p:cNvSpPr txBox="1"/>
+            <p:nvPr/>
+          </p:nvSpPr>
+          <p:spPr>
+            <a:xfrm>
+              <a:off x="1210450" y="39279725"/>
+              <a:ext cx="6144965" cy="562177"/>
+            </a:xfrm>
+            <a:prstGeom prst="rect">
+              <a:avLst/>
+            </a:prstGeom>
+            <a:noFill/>
+          </p:spPr>
+          <p:txBody>
+            <a:bodyPr wrap="square" rtlCol="0">
+              <a:spAutoFit/>
+            </a:bodyPr>
+            <a:lstStyle/>
+            <a:p>
+              <a:r>
+                <a:rPr lang="en-GB" sz="3600" dirty="0"/>
+                <a:t>Additional functionality</a:t>
+              </a:r>
+              <a:endParaRPr lang="ru-RU" sz="3600" dirty="0"/>
+            </a:p>
+          </p:txBody>
+        </p:sp>
+        <p:sp>
+          <p:nvSpPr>
+            <p:cNvPr id="44" name="TextBox 43">
+              <a:extLst>
+                <a:ext uri="{FF2B5EF4-FFF2-40B4-BE49-F238E27FC236}">
+                  <a16:creationId xmlns:a16="http://schemas.microsoft.com/office/drawing/2014/main" id="{A9D583C4-0592-4A0F-88D8-B313756FE40C}"/>
+                </a:ext>
+              </a:extLst>
+            </p:cNvPr>
+            <p:cNvSpPr txBox="1"/>
+            <p:nvPr/>
+          </p:nvSpPr>
+          <p:spPr>
+            <a:xfrm>
+              <a:off x="1323834" y="40043115"/>
+              <a:ext cx="6842472" cy="1044044"/>
+            </a:xfrm>
+            <a:prstGeom prst="rect">
+              <a:avLst/>
+            </a:prstGeom>
+            <a:noFill/>
+          </p:spPr>
+          <p:txBody>
+            <a:bodyPr wrap="square" rtlCol="0">
+              <a:spAutoFit/>
+            </a:bodyPr>
+            <a:lstStyle/>
+            <a:p>
+              <a:pPr marL="514350" indent="-514350">
+                <a:buFont typeface="+mj-lt"/>
+                <a:buAutoNum type="arabicPeriod"/>
+              </a:pPr>
+              <a:r>
+                <a:rPr lang="en-US" sz="2400" dirty="0"/>
+                <a:t>Tab help</a:t>
+              </a:r>
+            </a:p>
+            <a:p>
+              <a:pPr marL="514350" indent="-514350">
+                <a:buFont typeface="+mj-lt"/>
+                <a:buAutoNum type="arabicPeriod"/>
+              </a:pPr>
+              <a:r>
+                <a:rPr lang="en-US" sz="2400" dirty="0"/>
+                <a:t>Hot keys</a:t>
+              </a:r>
+            </a:p>
+            <a:p>
+              <a:pPr marL="514350" indent="-514350">
+                <a:buFont typeface="+mj-lt"/>
+                <a:buAutoNum type="arabicPeriod"/>
+              </a:pPr>
+              <a:r>
+                <a:rPr lang="en-US" sz="2400" dirty="0"/>
+                <a:t>Hints on substitutions</a:t>
+              </a:r>
+            </a:p>
+          </p:txBody>
+        </p:sp>
+        <p:cxnSp>
+          <p:nvCxnSpPr>
+            <p:cNvPr id="369" name="Straight Connector 368">
+              <a:extLst>
+                <a:ext uri="{FF2B5EF4-FFF2-40B4-BE49-F238E27FC236}">
+                  <a16:creationId xmlns:a16="http://schemas.microsoft.com/office/drawing/2014/main" id="{5DBD37F5-EC48-4848-8183-20ABB9661B60}"/>
+                </a:ext>
+              </a:extLst>
+            </p:cNvPr>
+            <p:cNvCxnSpPr>
+              <a:cxnSpLocks/>
+            </p:cNvCxnSpPr>
+            <p:nvPr/>
+          </p:nvCxnSpPr>
+          <p:spPr>
+            <a:xfrm>
+              <a:off x="10756067" y="33680247"/>
+              <a:ext cx="0" cy="7992607"/>
+            </a:xfrm>
+            <a:prstGeom prst="line">
+              <a:avLst/>
+            </a:prstGeom>
+            <a:ln>
+              <a:solidFill>
+                <a:srgbClr val="D03839"/>
+              </a:solidFill>
+            </a:ln>
+          </p:spPr>
+          <p:style>
+            <a:lnRef idx="1">
+              <a:schemeClr val="dk1"/>
+            </a:lnRef>
+            <a:fillRef idx="0">
+              <a:schemeClr val="dk1"/>
+            </a:fillRef>
+            <a:effectRef idx="0">
+              <a:schemeClr val="dk1"/>
+            </a:effectRef>
+            <a:fontRef idx="minor">
+              <a:schemeClr val="tx1"/>
+            </a:fontRef>
+          </p:style>
+        </p:cxnSp>
+        <p:sp>
+          <p:nvSpPr>
+            <p:cNvPr id="370" name="TextBox 369">
+              <a:extLst>
+                <a:ext uri="{FF2B5EF4-FFF2-40B4-BE49-F238E27FC236}">
+                  <a16:creationId xmlns:a16="http://schemas.microsoft.com/office/drawing/2014/main" id="{DE4C2F58-56BD-4F06-B8C1-78750B650C1C}"/>
+                </a:ext>
+              </a:extLst>
+            </p:cNvPr>
+            <p:cNvSpPr txBox="1"/>
+            <p:nvPr/>
+          </p:nvSpPr>
+          <p:spPr>
+            <a:xfrm>
+              <a:off x="11068997" y="33122511"/>
+              <a:ext cx="2177669" cy="557736"/>
+            </a:xfrm>
+            <a:prstGeom prst="rect">
+              <a:avLst/>
+            </a:prstGeom>
+            <a:noFill/>
+          </p:spPr>
+          <p:txBody>
+            <a:bodyPr wrap="square" rtlCol="0">
+              <a:spAutoFit/>
+            </a:bodyPr>
+            <a:lstStyle/>
+            <a:p>
+              <a:r>
+                <a:rPr lang="en-GB" sz="3600" dirty="0"/>
+                <a:t>Testing</a:t>
+              </a:r>
+              <a:endParaRPr lang="ru-RU" sz="3600" dirty="0"/>
+            </a:p>
+          </p:txBody>
+        </p:sp>
+        <p:sp>
+          <p:nvSpPr>
+            <p:cNvPr id="371" name="TextBox 370">
+              <a:extLst>
+                <a:ext uri="{FF2B5EF4-FFF2-40B4-BE49-F238E27FC236}">
+                  <a16:creationId xmlns:a16="http://schemas.microsoft.com/office/drawing/2014/main" id="{7EE05855-E4DC-444C-B8EF-C4068274D8DE}"/>
+                </a:ext>
+              </a:extLst>
+            </p:cNvPr>
+            <p:cNvSpPr txBox="1"/>
+            <p:nvPr/>
+          </p:nvSpPr>
+          <p:spPr>
+            <a:xfrm>
+              <a:off x="11067452" y="37676551"/>
+              <a:ext cx="2606484" cy="562177"/>
+            </a:xfrm>
+            <a:prstGeom prst="rect">
+              <a:avLst/>
+            </a:prstGeom>
+            <a:noFill/>
+          </p:spPr>
+          <p:txBody>
+            <a:bodyPr wrap="square" rtlCol="0">
+              <a:spAutoFit/>
+            </a:bodyPr>
+            <a:lstStyle/>
+            <a:p>
+              <a:r>
+                <a:rPr lang="en-GB" sz="3600" dirty="0"/>
+                <a:t>Conclusion</a:t>
+              </a:r>
+              <a:endParaRPr lang="ru-RU" sz="3600" dirty="0"/>
+            </a:p>
+          </p:txBody>
+        </p:sp>
+        <p:sp>
+          <p:nvSpPr>
+            <p:cNvPr id="48" name="TextBox 47">
+              <a:extLst>
+                <a:ext uri="{FF2B5EF4-FFF2-40B4-BE49-F238E27FC236}">
+                  <a16:creationId xmlns:a16="http://schemas.microsoft.com/office/drawing/2014/main" id="{5AECD786-E340-49C9-917A-5221CD059DCE}"/>
+                </a:ext>
+              </a:extLst>
+            </p:cNvPr>
+            <p:cNvSpPr txBox="1"/>
+            <p:nvPr/>
+          </p:nvSpPr>
+          <p:spPr>
+            <a:xfrm>
+              <a:off x="11279879" y="33739303"/>
+              <a:ext cx="6341268" cy="2971508"/>
+            </a:xfrm>
+            <a:prstGeom prst="rect">
+              <a:avLst/>
+            </a:prstGeom>
+            <a:noFill/>
+          </p:spPr>
+          <p:txBody>
+            <a:bodyPr wrap="square" rtlCol="0">
+              <a:spAutoFit/>
+            </a:bodyPr>
+            <a:lstStyle/>
+            <a:p>
+              <a:pPr lvl="0"/>
+              <a:r>
+                <a:rPr lang="en-US" sz="2400" dirty="0"/>
+                <a:t>First peptide </a:t>
+              </a:r>
+              <a:r>
+                <a:rPr lang="ru-RU" sz="2400" dirty="0"/>
+                <a:t>YASSVRSPHPAIQPLQAPQPAVHVQGQEPLTASMLAAAPPQEQK</a:t>
+              </a:r>
+              <a:endParaRPr lang="en-US" sz="2400" dirty="0"/>
+            </a:p>
+            <a:p>
+              <a:r>
+                <a:rPr lang="en-US" sz="2400" dirty="0"/>
+                <a:t>In this peptide </a:t>
+              </a:r>
+              <a:r>
+                <a:rPr lang="en-GB" sz="2400" dirty="0"/>
+                <a:t>A</a:t>
+              </a:r>
+              <a:r>
+                <a:rPr lang="en-US" sz="2400" dirty="0"/>
+                <a:t>&gt;&gt;</a:t>
+              </a:r>
+              <a:r>
+                <a:rPr lang="en-GB" sz="2400" dirty="0"/>
+                <a:t>V and Q&gt;&gt;R </a:t>
+              </a:r>
+              <a:r>
+                <a:rPr lang="en-US" sz="2400" dirty="0"/>
+                <a:t>occurred (in the prefix).</a:t>
+              </a:r>
+            </a:p>
+            <a:p>
+              <a:r>
+                <a:rPr lang="en-US" sz="2400" dirty="0"/>
+                <a:t>Second peptide</a:t>
+              </a:r>
+            </a:p>
+            <a:p>
+              <a:pPr lvl="0"/>
+              <a:r>
+                <a:rPr lang="ru-RU" sz="2400" dirty="0"/>
+                <a:t>EAATQEDPEQVPELAAHEVSASEAEERPVAEEEILL</a:t>
+              </a:r>
+              <a:endParaRPr lang="en-US" sz="2400" dirty="0"/>
+            </a:p>
+            <a:p>
+              <a:r>
+                <a:rPr lang="en-US" sz="2400" dirty="0"/>
+                <a:t>In this peptide </a:t>
+              </a:r>
+              <a:r>
+                <a:rPr lang="en-GB" sz="2400" dirty="0"/>
+                <a:t>A</a:t>
+              </a:r>
+              <a:r>
+                <a:rPr lang="en-US" sz="2400" dirty="0"/>
+                <a:t>&gt;&gt;</a:t>
+              </a:r>
+              <a:r>
+                <a:rPr lang="en-GB" sz="2400" dirty="0"/>
+                <a:t>V </a:t>
+              </a:r>
+              <a:r>
+                <a:rPr lang="en-US" sz="2400" dirty="0"/>
+                <a:t>occurred (in the suffix) </a:t>
+              </a:r>
+            </a:p>
+            <a:p>
+              <a:endParaRPr lang="en-US" sz="2400" dirty="0"/>
+            </a:p>
+          </p:txBody>
+        </p:sp>
+        <p:sp>
+          <p:nvSpPr>
+            <p:cNvPr id="49" name="TextBox 48">
+              <a:extLst>
+                <a:ext uri="{FF2B5EF4-FFF2-40B4-BE49-F238E27FC236}">
+                  <a16:creationId xmlns:a16="http://schemas.microsoft.com/office/drawing/2014/main" id="{E8475689-85B5-4576-B75B-9B12B331E9EB}"/>
+                </a:ext>
+              </a:extLst>
+            </p:cNvPr>
+            <p:cNvSpPr txBox="1"/>
+            <p:nvPr/>
+          </p:nvSpPr>
+          <p:spPr>
+            <a:xfrm>
+              <a:off x="11284744" y="38297314"/>
+              <a:ext cx="6485460" cy="2329020"/>
+            </a:xfrm>
+            <a:prstGeom prst="rect">
+              <a:avLst/>
+            </a:prstGeom>
+            <a:noFill/>
+          </p:spPr>
+          <p:txBody>
+            <a:bodyPr wrap="square" rtlCol="0">
+              <a:spAutoFit/>
+            </a:bodyPr>
+            <a:lstStyle/>
+            <a:p>
+              <a:r>
+                <a:rPr lang="en-US" sz="2400" dirty="0"/>
+                <a:t>During this work, the software tool for analyzing data obtained from modified peptide has been developed. It has been tested, it works correctly.</a:t>
+              </a:r>
+            </a:p>
+            <a:p>
+              <a:r>
+                <a:rPr lang="en-GB" sz="2400" dirty="0"/>
+                <a:t>In the future, we intend to extend the functionality of </a:t>
+              </a:r>
+              <a:r>
+                <a:rPr lang="en-GB" sz="2400" dirty="0" err="1"/>
+                <a:t>MutationDetector</a:t>
+              </a:r>
+              <a:r>
+                <a:rPr lang="en-GB" sz="2400" dirty="0"/>
+                <a:t> in various ways thereby adapting it to solving special problems.</a:t>
+              </a:r>
+              <a:endParaRPr lang="en-US" sz="2400" dirty="0"/>
+            </a:p>
+            <a:p>
+              <a:endParaRPr lang="en-US" sz="2400" dirty="0"/>
+            </a:p>
+          </p:txBody>
+        </p:sp>
+      </p:grpSp>
+      <p:grpSp>
+        <p:nvGrpSpPr>
+          <p:cNvPr id="38" name="Group 37">
             <a:extLst>
-              <a:ext uri="{28A0092B-C50C-407E-A947-70E740481C1C}">
-                <a14:useLocalDpi xmlns:a14="http://schemas.microsoft.com/office/drawing/2010/main" val="0"/>
+              <a:ext uri="{FF2B5EF4-FFF2-40B4-BE49-F238E27FC236}">
+                <a16:creationId xmlns:a16="http://schemas.microsoft.com/office/drawing/2014/main" id="{E950D750-B296-494B-A614-7AE219C68C70}"/>
               </a:ext>
             </a:extLst>
-          </a:blip>
-          <a:stretch>
-            <a:fillRect/>
-          </a:stretch>
-        </p:blipFill>
-        <p:spPr>
+          </p:cNvPr>
+          <p:cNvGrpSpPr/>
+          <p:nvPr/>
+        </p:nvGrpSpPr>
+        <p:grpSpPr>
           <a:xfrm>
-            <a:off x="1071479" y="32655496"/>
-            <a:ext cx="9110268" cy="5421550"/>
+            <a:off x="19071340" y="33303546"/>
+            <a:ext cx="10466741" cy="8912897"/>
+            <a:chOff x="19071340" y="30422079"/>
+            <a:chExt cx="10466741" cy="11794364"/>
           </a:xfrm>
-          <a:prstGeom prst="rect">
-            <a:avLst/>
-          </a:prstGeom>
-        </p:spPr>
-      </p:pic>
+        </p:grpSpPr>
+        <p:grpSp>
+          <p:nvGrpSpPr>
+            <p:cNvPr id="319" name="Group 318">
+              <a:extLst>
+                <a:ext uri="{FF2B5EF4-FFF2-40B4-BE49-F238E27FC236}">
+                  <a16:creationId xmlns:a16="http://schemas.microsoft.com/office/drawing/2014/main" id="{F011907D-1315-4717-AA83-62C47238DAD0}"/>
+                </a:ext>
+              </a:extLst>
+            </p:cNvPr>
+            <p:cNvGrpSpPr/>
+            <p:nvPr/>
+          </p:nvGrpSpPr>
+          <p:grpSpPr>
+            <a:xfrm>
+              <a:off x="19071340" y="30422079"/>
+              <a:ext cx="10466741" cy="11794364"/>
+              <a:chOff x="737132" y="5081147"/>
+              <a:chExt cx="28800949" cy="14848074"/>
+            </a:xfrm>
+          </p:grpSpPr>
+          <p:sp>
+            <p:nvSpPr>
+              <p:cNvPr id="320" name="Rectangle: Rounded Corners 319">
+                <a:extLst>
+                  <a:ext uri="{FF2B5EF4-FFF2-40B4-BE49-F238E27FC236}">
+                    <a16:creationId xmlns:a16="http://schemas.microsoft.com/office/drawing/2014/main" id="{BE104BAD-EA87-4343-94D7-1A20805BF739}"/>
+                  </a:ext>
+                </a:extLst>
+              </p:cNvPr>
+              <p:cNvSpPr/>
+              <p:nvPr/>
+            </p:nvSpPr>
+            <p:spPr>
+              <a:xfrm>
+                <a:off x="737132" y="5689596"/>
+                <a:ext cx="28800949" cy="14239625"/>
+              </a:xfrm>
+              <a:prstGeom prst="roundRect">
+                <a:avLst/>
+              </a:prstGeom>
+              <a:noFill/>
+              <a:ln w="101600">
+                <a:solidFill>
+                  <a:srgbClr val="D03839"/>
+                </a:solidFill>
+              </a:ln>
+            </p:spPr>
+            <p:style>
+              <a:lnRef idx="2">
+                <a:schemeClr val="accent1">
+                  <a:shade val="50000"/>
+                </a:schemeClr>
+              </a:lnRef>
+              <a:fillRef idx="1">
+                <a:schemeClr val="accent1"/>
+              </a:fillRef>
+              <a:effectRef idx="0">
+                <a:schemeClr val="accent1"/>
+              </a:effectRef>
+              <a:fontRef idx="minor">
+                <a:schemeClr val="lt1"/>
+              </a:fontRef>
+            </p:style>
+            <p:txBody>
+              <a:bodyPr rtlCol="0" anchor="ctr"/>
+              <a:lstStyle/>
+              <a:p>
+                <a:pPr algn="ctr"/>
+                <a:endParaRPr lang="ru-RU" dirty="0"/>
+              </a:p>
+            </p:txBody>
+          </p:sp>
+          <p:sp>
+            <p:nvSpPr>
+              <p:cNvPr id="321" name="TextBox 320">
+                <a:extLst>
+                  <a:ext uri="{FF2B5EF4-FFF2-40B4-BE49-F238E27FC236}">
+                    <a16:creationId xmlns:a16="http://schemas.microsoft.com/office/drawing/2014/main" id="{B4979B12-68CF-4A66-922F-724308FABED4}"/>
+                  </a:ext>
+                </a:extLst>
+              </p:cNvPr>
+              <p:cNvSpPr txBox="1"/>
+              <p:nvPr/>
+            </p:nvSpPr>
+            <p:spPr>
+              <a:xfrm>
+                <a:off x="2971802" y="5081147"/>
+                <a:ext cx="12234622" cy="1701819"/>
+              </a:xfrm>
+              <a:prstGeom prst="roundRect">
+                <a:avLst/>
+              </a:prstGeom>
+              <a:ln w="76200">
+                <a:solidFill>
+                  <a:srgbClr val="D03839"/>
+                </a:solidFill>
+              </a:ln>
+            </p:spPr>
+            <p:style>
+              <a:lnRef idx="2">
+                <a:schemeClr val="accent2"/>
+              </a:lnRef>
+              <a:fillRef idx="1">
+                <a:schemeClr val="lt1"/>
+              </a:fillRef>
+              <a:effectRef idx="0">
+                <a:schemeClr val="accent2"/>
+              </a:effectRef>
+              <a:fontRef idx="minor">
+                <a:schemeClr val="dk1"/>
+              </a:fontRef>
+            </p:style>
+            <p:txBody>
+              <a:bodyPr wrap="square" rtlCol="0">
+                <a:spAutoFit/>
+              </a:bodyPr>
+              <a:lstStyle/>
+              <a:p>
+                <a:pPr algn="ctr"/>
+                <a:r>
+                  <a:rPr lang="en-GB" sz="5400" dirty="0">
+                    <a:effectLst>
+                      <a:outerShdw blurRad="38100" dist="38100" dir="2700000" algn="tl">
+                        <a:srgbClr val="000000">
+                          <a:alpha val="43137"/>
+                        </a:srgbClr>
+                      </a:outerShdw>
+                    </a:effectLst>
+                    <a:latin typeface="+mj-lt"/>
+                  </a:rPr>
+                  <a:t>References</a:t>
+                </a:r>
+                <a:endParaRPr lang="ru-RU" sz="5400" dirty="0">
+                  <a:effectLst>
+                    <a:outerShdw blurRad="38100" dist="38100" dir="2700000" algn="tl">
+                      <a:srgbClr val="000000">
+                        <a:alpha val="43137"/>
+                      </a:srgbClr>
+                    </a:outerShdw>
+                  </a:effectLst>
+                  <a:latin typeface="+mj-lt"/>
+                </a:endParaRPr>
+              </a:p>
+            </p:txBody>
+          </p:sp>
+        </p:grpSp>
+        <p:sp>
+          <p:nvSpPr>
+            <p:cNvPr id="50" name="TextBox 49">
+              <a:extLst>
+                <a:ext uri="{FF2B5EF4-FFF2-40B4-BE49-F238E27FC236}">
+                  <a16:creationId xmlns:a16="http://schemas.microsoft.com/office/drawing/2014/main" id="{C30F5B8E-ECBB-49BF-919E-FAB62C03B136}"/>
+                </a:ext>
+              </a:extLst>
+            </p:cNvPr>
+            <p:cNvSpPr txBox="1"/>
+            <p:nvPr/>
+          </p:nvSpPr>
+          <p:spPr>
+            <a:xfrm>
+              <a:off x="19538146" y="32051693"/>
+              <a:ext cx="9583146" cy="7848302"/>
+            </a:xfrm>
+            <a:prstGeom prst="rect">
+              <a:avLst/>
+            </a:prstGeom>
+            <a:noFill/>
+          </p:spPr>
+          <p:txBody>
+            <a:bodyPr wrap="square" rtlCol="0">
+              <a:spAutoFit/>
+            </a:bodyPr>
+            <a:lstStyle/>
+            <a:p>
+              <a:pPr marL="514350" lvl="0" indent="-514350">
+                <a:buFont typeface="+mj-lt"/>
+                <a:buAutoNum type="arabicPeriod"/>
+              </a:pPr>
+              <a:r>
+                <a:rPr lang="en-US" sz="2800" dirty="0"/>
+                <a:t>B. Lewin. </a:t>
+              </a:r>
+              <a:r>
+                <a:rPr lang="en-US" sz="2800" i="1" dirty="0"/>
+                <a:t>Cells</a:t>
+              </a:r>
+              <a:r>
+                <a:rPr lang="en-US" sz="2800" dirty="0"/>
+                <a:t>. </a:t>
+              </a:r>
+              <a:r>
+                <a:rPr lang="ru-RU" sz="2800" dirty="0"/>
+                <a:t>БИНОМ </a:t>
+              </a:r>
+              <a:r>
+                <a:rPr lang="en-US" sz="2800" dirty="0"/>
+                <a:t>Russia, 2011. 951 </a:t>
+              </a:r>
+              <a:r>
+                <a:rPr lang="ru-RU" sz="2800" dirty="0"/>
+                <a:t>с</a:t>
+              </a:r>
+              <a:r>
+                <a:rPr lang="en-US" sz="2800" dirty="0"/>
+                <a:t>.</a:t>
+              </a:r>
+            </a:p>
+            <a:p>
+              <a:pPr marL="514350" lvl="0" indent="-514350">
+                <a:buFont typeface="+mj-lt"/>
+                <a:buAutoNum type="arabicPeriod"/>
+              </a:pPr>
+              <a:r>
+                <a:rPr lang="en-US" sz="2800" dirty="0"/>
+                <a:t>S. </a:t>
+              </a:r>
+              <a:r>
+                <a:rPr lang="en-US" sz="2800" dirty="0" err="1"/>
+                <a:t>Nie</a:t>
+              </a:r>
+              <a:r>
+                <a:rPr lang="en-US" sz="2800" dirty="0"/>
+                <a:t>, H. Yin, Z. Tan, M. A. Anderson, M. T. Ruffin, D. M. Simeone, D. M. </a:t>
+              </a:r>
+              <a:r>
+                <a:rPr lang="en-US" sz="2800" dirty="0" err="1"/>
+                <a:t>Lubman</a:t>
+              </a:r>
+              <a:r>
+                <a:rPr lang="en-US" sz="2800" dirty="0"/>
+                <a:t>. </a:t>
+              </a:r>
+              <a:r>
+                <a:rPr lang="en-US" sz="2800" i="1" dirty="0"/>
+                <a:t>Quantitative Analysis of Single Amino Acid Variant Peptides Associated with Pancreatic Cancer in Serum by an Isobaric Labeling Quantitative Method</a:t>
+              </a:r>
+              <a:r>
+                <a:rPr lang="en-US" sz="2800" dirty="0"/>
+                <a:t>. J Proteome Res. 2014, 13(12):6058–6066.</a:t>
+              </a:r>
+            </a:p>
+            <a:p>
+              <a:pPr marL="514350" lvl="0" indent="-514350">
+                <a:buFont typeface="+mj-lt"/>
+                <a:buAutoNum type="arabicPeriod"/>
+              </a:pPr>
+              <a:r>
+                <a:rPr lang="en-US" sz="2800" dirty="0"/>
+                <a:t>K. </a:t>
+              </a:r>
+              <a:r>
+                <a:rPr lang="en-US" sz="2800" dirty="0" err="1"/>
+                <a:t>Vyatkina</a:t>
+              </a:r>
+              <a:r>
+                <a:rPr lang="en-US" sz="2800" dirty="0"/>
+                <a:t>, S. Wu, L. J. M. Dekker, M. M. </a:t>
+              </a:r>
+              <a:r>
+                <a:rPr lang="en-US" sz="2800" dirty="0" err="1"/>
+                <a:t>VanDuijn</a:t>
+              </a:r>
+              <a:r>
+                <a:rPr lang="en-US" sz="2800" dirty="0"/>
+                <a:t>, X. Liu, N. </a:t>
+              </a:r>
+              <a:r>
+                <a:rPr lang="en-US" sz="2800" dirty="0" err="1"/>
+                <a:t>Tolic</a:t>
+              </a:r>
+              <a:r>
+                <a:rPr lang="en-US" sz="2800" dirty="0"/>
+                <a:t>, M. </a:t>
+              </a:r>
+              <a:r>
+                <a:rPr lang="en-US" sz="2800" dirty="0" err="1"/>
+                <a:t>Dvorkin</a:t>
+              </a:r>
+              <a:r>
+                <a:rPr lang="en-US" sz="2800" dirty="0"/>
+                <a:t>, S. </a:t>
+              </a:r>
+              <a:r>
+                <a:rPr lang="en-US" sz="2800" dirty="0" err="1"/>
+                <a:t>Alexandrova</a:t>
+              </a:r>
+              <a:r>
+                <a:rPr lang="en-US" sz="2800" dirty="0"/>
+                <a:t>, T. M. </a:t>
+              </a:r>
+              <a:r>
+                <a:rPr lang="en-US" sz="2800" dirty="0" err="1"/>
+                <a:t>Luider</a:t>
+              </a:r>
+              <a:r>
+                <a:rPr lang="en-US" sz="2800" dirty="0"/>
+                <a:t>, L. </a:t>
+              </a:r>
+              <a:r>
+                <a:rPr lang="en-US" sz="2800" dirty="0" err="1"/>
+                <a:t>Pasa-Tolic</a:t>
+              </a:r>
+              <a:r>
+                <a:rPr lang="en-US" sz="2800" dirty="0"/>
+                <a:t>, P. A. </a:t>
+              </a:r>
+              <a:r>
+                <a:rPr lang="en-US" sz="2800" dirty="0" err="1"/>
+                <a:t>Pevzner</a:t>
+              </a:r>
+              <a:r>
+                <a:rPr lang="en-US" sz="2800" dirty="0"/>
+                <a:t>. </a:t>
+              </a:r>
+              <a:r>
+                <a:rPr lang="en-US" sz="2800" i="1" dirty="0"/>
+                <a:t>De Novo Sequencing of Peptides from Top-Down Tandem Mass Spectra</a:t>
+              </a:r>
+              <a:r>
+                <a:rPr lang="en-US" sz="2800" dirty="0"/>
+                <a:t>. J Proteome Res. 2015, 14(11):4450-4462.</a:t>
+              </a:r>
+            </a:p>
+            <a:p>
+              <a:pPr marL="514350" lvl="0" indent="-514350">
+                <a:buFont typeface="+mj-lt"/>
+                <a:buAutoNum type="arabicPeriod"/>
+              </a:pPr>
+              <a:r>
+                <a:rPr lang="en-US" sz="2800" dirty="0" err="1"/>
+                <a:t>Qisheng</a:t>
+              </a:r>
+              <a:r>
+                <a:rPr lang="en-US" sz="2800" dirty="0"/>
+                <a:t> Peng, </a:t>
+              </a:r>
+              <a:r>
+                <a:rPr lang="en-US" sz="2800" dirty="0" err="1"/>
+                <a:t>Zijian</a:t>
+              </a:r>
+              <a:r>
+                <a:rPr lang="en-US" sz="2800" dirty="0"/>
+                <a:t> Wang, </a:t>
+              </a:r>
+              <a:r>
+                <a:rPr lang="en-US" sz="2800" dirty="0" err="1"/>
+                <a:t>Donglin</a:t>
+              </a:r>
+              <a:r>
+                <a:rPr lang="en-US" sz="2800" dirty="0"/>
+                <a:t> Wu, </a:t>
+              </a:r>
+              <a:r>
+                <a:rPr lang="en-US" sz="2800" dirty="0" err="1"/>
+                <a:t>Xiaoou</a:t>
+              </a:r>
+              <a:r>
+                <a:rPr lang="en-US" sz="2800" dirty="0"/>
+                <a:t> Li, </a:t>
+              </a:r>
+              <a:r>
+                <a:rPr lang="en-US" sz="2800" dirty="0" err="1"/>
+                <a:t>Xiaofeng</a:t>
+              </a:r>
+              <a:r>
+                <a:rPr lang="en-US" sz="2800" dirty="0"/>
+                <a:t> Liu, </a:t>
+              </a:r>
+              <a:r>
+                <a:rPr lang="en-US" sz="2800" dirty="0" err="1"/>
+                <a:t>Wanchun</a:t>
+              </a:r>
+              <a:r>
+                <a:rPr lang="en-US" sz="2800" dirty="0"/>
+                <a:t> Sun, Ning Liu. </a:t>
+              </a:r>
+              <a:r>
+                <a:rPr lang="en-US" sz="2800" i="1" dirty="0"/>
+                <a:t>Identification of single amino acid substitutions (SAAS) in neuraminidase from influenza a virus (H1N1) via mass spectrometry analysis coupled with de novo peptide sequencing.</a:t>
+              </a:r>
+              <a:endParaRPr lang="en-US" sz="2800" dirty="0"/>
+            </a:p>
+            <a:p>
+              <a:r>
+                <a:rPr lang="en-US" sz="2800" dirty="0"/>
+                <a:t>      </a:t>
+              </a:r>
+              <a:r>
+                <a:rPr lang="ru-RU" sz="2800" dirty="0" err="1"/>
+                <a:t>Rapid</a:t>
+              </a:r>
+              <a:r>
+                <a:rPr lang="ru-RU" sz="2800" dirty="0"/>
+                <a:t> </a:t>
+              </a:r>
+              <a:r>
+                <a:rPr lang="ru-RU" sz="2800" dirty="0" err="1"/>
+                <a:t>Commun</a:t>
+              </a:r>
+              <a:r>
+                <a:rPr lang="ru-RU" sz="2800" dirty="0"/>
+                <a:t>. </a:t>
+              </a:r>
+              <a:r>
+                <a:rPr lang="ru-RU" sz="2800" dirty="0" err="1"/>
+                <a:t>Mass</a:t>
+              </a:r>
+              <a:r>
+                <a:rPr lang="ru-RU" sz="2800" dirty="0"/>
+                <a:t> </a:t>
+              </a:r>
+              <a:r>
+                <a:rPr lang="ru-RU" sz="2800" dirty="0" err="1"/>
+                <a:t>Spectrom</a:t>
+              </a:r>
+              <a:r>
+                <a:rPr lang="ru-RU" sz="2800" dirty="0"/>
+                <a:t>. 2016</a:t>
+              </a:r>
+              <a:endParaRPr lang="en-US" sz="2800" dirty="0"/>
+            </a:p>
+            <a:p>
+              <a:endParaRPr lang="en-US" sz="2800" dirty="0"/>
+            </a:p>
+          </p:txBody>
+        </p:sp>
+      </p:grpSp>
       <p:sp>
         <p:nvSpPr>
-          <p:cNvPr id="367" name="TextBox 366">
+          <p:cNvPr id="19" name="TextBox 18">
             <a:extLst>
               <a:ext uri="{FF2B5EF4-FFF2-40B4-BE49-F238E27FC236}">
-                <a16:creationId xmlns:a16="http://schemas.microsoft.com/office/drawing/2014/main" id="{79FB7F0E-DDD3-49B7-8A57-41EE3A11B66F}"/>
+                <a16:creationId xmlns:a16="http://schemas.microsoft.com/office/drawing/2014/main" id="{E2E9A123-FBA5-46B0-A824-8516EADB0E98}"/>
               </a:ext>
             </a:extLst>
           </p:cNvPr>
@@ -15895,8 +15040,2311 @@
         </p:nvSpPr>
         <p:spPr>
           <a:xfrm>
-            <a:off x="1210450" y="31756114"/>
-            <a:ext cx="6144965" cy="646331"/>
+            <a:off x="1360671" y="26725079"/>
+            <a:ext cx="1524776" cy="646331"/>
+          </a:xfrm>
+          <a:prstGeom prst="rect">
+            <a:avLst/>
+          </a:prstGeom>
+          <a:noFill/>
+        </p:spPr>
+        <p:txBody>
+          <a:bodyPr wrap="none" rtlCol="0">
+            <a:spAutoFit/>
+          </a:bodyPr>
+          <a:lstStyle/>
+          <a:p>
+            <a:r>
+              <a:rPr lang="en-GB" sz="3600" dirty="0"/>
+              <a:t>Output</a:t>
+            </a:r>
+            <a:endParaRPr lang="en-US" sz="3600" dirty="0"/>
+          </a:p>
+        </p:txBody>
+      </p:sp>
+      <p:sp>
+        <p:nvSpPr>
+          <p:cNvPr id="24" name="TextBox 23">
+            <a:extLst>
+              <a:ext uri="{FF2B5EF4-FFF2-40B4-BE49-F238E27FC236}">
+                <a16:creationId xmlns:a16="http://schemas.microsoft.com/office/drawing/2014/main" id="{130594E3-DE9A-45EA-9539-2F61962321DE}"/>
+              </a:ext>
+            </a:extLst>
+          </p:cNvPr>
+          <p:cNvSpPr txBox="1"/>
+          <p:nvPr/>
+        </p:nvSpPr>
+        <p:spPr>
+          <a:xfrm>
+            <a:off x="3792319" y="10783703"/>
+            <a:ext cx="1986809" cy="830997"/>
+          </a:xfrm>
+          <a:prstGeom prst="rect">
+            <a:avLst/>
+          </a:prstGeom>
+          <a:noFill/>
+        </p:spPr>
+        <p:txBody>
+          <a:bodyPr wrap="square" rtlCol="0">
+            <a:spAutoFit/>
+          </a:bodyPr>
+          <a:lstStyle/>
+          <a:p>
+            <a:pPr algn="ctr"/>
+            <a:r>
+              <a:rPr lang="en-GB" sz="2400" dirty="0"/>
+              <a:t>2 – 50 </a:t>
+            </a:r>
+          </a:p>
+          <a:p>
+            <a:pPr algn="ctr"/>
+            <a:r>
+              <a:rPr lang="en-GB" sz="2400" dirty="0"/>
+              <a:t>amino acids</a:t>
+            </a:r>
+            <a:endParaRPr lang="en-US" sz="2400" dirty="0"/>
+          </a:p>
+        </p:txBody>
+      </p:sp>
+      <p:sp>
+        <p:nvSpPr>
+          <p:cNvPr id="283" name="TextBox 282">
+            <a:extLst>
+              <a:ext uri="{FF2B5EF4-FFF2-40B4-BE49-F238E27FC236}">
+                <a16:creationId xmlns:a16="http://schemas.microsoft.com/office/drawing/2014/main" id="{2A5C6E87-5F02-47FE-B38C-583B16FD6317}"/>
+              </a:ext>
+            </a:extLst>
+          </p:cNvPr>
+          <p:cNvSpPr txBox="1"/>
+          <p:nvPr/>
+        </p:nvSpPr>
+        <p:spPr>
+          <a:xfrm>
+            <a:off x="1670490" y="10793186"/>
+            <a:ext cx="1986809" cy="830997"/>
+          </a:xfrm>
+          <a:prstGeom prst="rect">
+            <a:avLst/>
+          </a:prstGeom>
+          <a:noFill/>
+        </p:spPr>
+        <p:txBody>
+          <a:bodyPr wrap="square" rtlCol="0">
+            <a:spAutoFit/>
+          </a:bodyPr>
+          <a:lstStyle/>
+          <a:p>
+            <a:pPr algn="ctr"/>
+            <a:r>
+              <a:rPr lang="en-GB" sz="2400" dirty="0"/>
+              <a:t>&gt;50</a:t>
+            </a:r>
+          </a:p>
+          <a:p>
+            <a:pPr algn="ctr"/>
+            <a:r>
+              <a:rPr lang="en-GB" sz="2400" dirty="0"/>
+              <a:t> amino acids</a:t>
+            </a:r>
+            <a:endParaRPr lang="en-US" sz="2400" dirty="0"/>
+          </a:p>
+        </p:txBody>
+      </p:sp>
+      <p:sp>
+        <p:nvSpPr>
+          <p:cNvPr id="25" name="TextBox 24">
+            <a:extLst>
+              <a:ext uri="{FF2B5EF4-FFF2-40B4-BE49-F238E27FC236}">
+                <a16:creationId xmlns:a16="http://schemas.microsoft.com/office/drawing/2014/main" id="{A0857486-25A5-4191-BB9B-FC843B8C78D5}"/>
+              </a:ext>
+            </a:extLst>
+          </p:cNvPr>
+          <p:cNvSpPr txBox="1"/>
+          <p:nvPr/>
+        </p:nvSpPr>
+        <p:spPr>
+          <a:xfrm>
+            <a:off x="14417455" y="14935365"/>
+            <a:ext cx="2911994" cy="523220"/>
+          </a:xfrm>
+          <a:prstGeom prst="rect">
+            <a:avLst/>
+          </a:prstGeom>
+          <a:noFill/>
+        </p:spPr>
+        <p:txBody>
+          <a:bodyPr wrap="square" rtlCol="0">
+            <a:spAutoFit/>
+          </a:bodyPr>
+          <a:lstStyle/>
+          <a:p>
+            <a:endParaRPr lang="en-US" sz="2800" dirty="0"/>
+          </a:p>
+        </p:txBody>
+      </p:sp>
+      <p:sp>
+        <p:nvSpPr>
+          <p:cNvPr id="28" name="TextBox 27">
+            <a:extLst>
+              <a:ext uri="{FF2B5EF4-FFF2-40B4-BE49-F238E27FC236}">
+                <a16:creationId xmlns:a16="http://schemas.microsoft.com/office/drawing/2014/main" id="{EC1FD05E-938B-418B-B4C3-ECFFFE85B341}"/>
+              </a:ext>
+            </a:extLst>
+          </p:cNvPr>
+          <p:cNvSpPr txBox="1"/>
+          <p:nvPr/>
+        </p:nvSpPr>
+        <p:spPr>
+          <a:xfrm>
+            <a:off x="17844748" y="6886538"/>
+            <a:ext cx="3141559" cy="4893647"/>
+          </a:xfrm>
+          <a:prstGeom prst="rect">
+            <a:avLst/>
+          </a:prstGeom>
+          <a:noFill/>
+        </p:spPr>
+        <p:txBody>
+          <a:bodyPr wrap="square" rtlCol="0">
+            <a:spAutoFit/>
+          </a:bodyPr>
+          <a:lstStyle/>
+          <a:p>
+            <a:pPr lvl="0" eaLnBrk="0" fontAlgn="base" hangingPunct="0">
+              <a:spcBef>
+                <a:spcPct val="0"/>
+              </a:spcBef>
+              <a:spcAft>
+                <a:spcPct val="0"/>
+              </a:spcAft>
+            </a:pPr>
+            <a:r>
+              <a:rPr lang="en-US" altLang="en-US" sz="2400" dirty="0">
+                <a:solidFill>
+                  <a:srgbClr val="222222"/>
+                </a:solidFill>
+                <a:ea typeface="Calibri" panose="020F0502020204030204" pitchFamily="34" charset="0"/>
+                <a:cs typeface="Times New Roman" panose="02020603050405020304" pitchFamily="18" charset="0"/>
+              </a:rPr>
+              <a:t>Since three consequent nucleotides in a DNA strand, together forming a codon, encode an amino acid, </a:t>
+            </a:r>
+            <a:r>
+              <a:rPr lang="en-GB" altLang="en-US" sz="2400" dirty="0">
+                <a:solidFill>
+                  <a:srgbClr val="222222"/>
+                </a:solidFill>
+                <a:ea typeface="Calibri" panose="020F0502020204030204" pitchFamily="34" charset="0"/>
+                <a:cs typeface="Times New Roman" panose="02020603050405020304" pitchFamily="18" charset="0"/>
+              </a:rPr>
+              <a:t>SNP can lead to an </a:t>
+            </a:r>
+          </a:p>
+          <a:p>
+            <a:pPr lvl="0" eaLnBrk="0" fontAlgn="base" hangingPunct="0">
+              <a:spcBef>
+                <a:spcPct val="0"/>
+              </a:spcBef>
+              <a:spcAft>
+                <a:spcPct val="0"/>
+              </a:spcAft>
+            </a:pPr>
+            <a:r>
+              <a:rPr lang="en-GB" altLang="en-US" sz="2400" dirty="0">
+                <a:solidFill>
+                  <a:srgbClr val="222222"/>
+                </a:solidFill>
+                <a:ea typeface="Calibri" panose="020F0502020204030204" pitchFamily="34" charset="0"/>
+                <a:cs typeface="Times New Roman" panose="02020603050405020304" pitchFamily="18" charset="0"/>
+              </a:rPr>
+              <a:t>amino acid substitution, thereby implying </a:t>
+            </a:r>
+            <a:r>
+              <a:rPr lang="en-US" altLang="en-US" sz="2400" dirty="0">
+                <a:solidFill>
+                  <a:srgbClr val="222222"/>
+                </a:solidFill>
+                <a:ea typeface="Calibri" panose="020F0502020204030204" pitchFamily="34" charset="0"/>
+                <a:cs typeface="Times New Roman" panose="02020603050405020304" pitchFamily="18" charset="0"/>
+              </a:rPr>
+              <a:t>a change of the mass of the protein.</a:t>
+            </a:r>
+            <a:endParaRPr lang="en-US" altLang="en-US" sz="2400" dirty="0"/>
+          </a:p>
+          <a:p>
+            <a:r>
+              <a:rPr lang="en-GB" altLang="en-US" sz="2400" dirty="0">
+                <a:solidFill>
+                  <a:srgbClr val="222222"/>
+                </a:solidFill>
+                <a:ea typeface="Calibri" panose="020F0502020204030204" pitchFamily="34" charset="0"/>
+                <a:cs typeface="Times New Roman" panose="02020603050405020304" pitchFamily="18" charset="0"/>
+              </a:rPr>
+              <a:t> </a:t>
+            </a:r>
+            <a:endParaRPr lang="en-GB" altLang="en-US" sz="2400" dirty="0"/>
+          </a:p>
+          <a:p>
+            <a:endParaRPr lang="en-US" sz="2400" dirty="0"/>
+          </a:p>
+        </p:txBody>
+      </p:sp>
+      <p:grpSp>
+        <p:nvGrpSpPr>
+          <p:cNvPr id="30" name="Group 29">
+            <a:extLst>
+              <a:ext uri="{FF2B5EF4-FFF2-40B4-BE49-F238E27FC236}">
+                <a16:creationId xmlns:a16="http://schemas.microsoft.com/office/drawing/2014/main" id="{D9C07E7A-8662-4D39-80DB-5FB729DEEB72}"/>
+              </a:ext>
+            </a:extLst>
+          </p:cNvPr>
+          <p:cNvGrpSpPr/>
+          <p:nvPr/>
+        </p:nvGrpSpPr>
+        <p:grpSpPr>
+          <a:xfrm>
+            <a:off x="21905067" y="7085244"/>
+            <a:ext cx="7465614" cy="2906102"/>
+            <a:chOff x="21905067" y="7085244"/>
+            <a:chExt cx="7465614" cy="2906102"/>
+          </a:xfrm>
+        </p:grpSpPr>
+        <p:grpSp>
+          <p:nvGrpSpPr>
+            <p:cNvPr id="118" name="Group 117">
+              <a:extLst>
+                <a:ext uri="{FF2B5EF4-FFF2-40B4-BE49-F238E27FC236}">
+                  <a16:creationId xmlns:a16="http://schemas.microsoft.com/office/drawing/2014/main" id="{262FCB76-CB23-400B-B570-3B53DA7E4501}"/>
+                </a:ext>
+              </a:extLst>
+            </p:cNvPr>
+            <p:cNvGrpSpPr/>
+            <p:nvPr/>
+          </p:nvGrpSpPr>
+          <p:grpSpPr>
+            <a:xfrm>
+              <a:off x="21905067" y="7085244"/>
+              <a:ext cx="7465614" cy="2906102"/>
+              <a:chOff x="417251" y="983235"/>
+              <a:chExt cx="7465614" cy="2906102"/>
+            </a:xfrm>
+          </p:grpSpPr>
+          <p:grpSp>
+            <p:nvGrpSpPr>
+              <p:cNvPr id="119" name="Группа 1">
+                <a:extLst>
+                  <a:ext uri="{FF2B5EF4-FFF2-40B4-BE49-F238E27FC236}">
+                    <a16:creationId xmlns:a16="http://schemas.microsoft.com/office/drawing/2014/main" id="{5FC198F9-6186-4C60-B966-E7D46ABE7F2E}"/>
+                  </a:ext>
+                </a:extLst>
+              </p:cNvPr>
+              <p:cNvGrpSpPr>
+                <a:grpSpLocks noChangeAspect="1"/>
+              </p:cNvGrpSpPr>
+              <p:nvPr/>
+            </p:nvGrpSpPr>
+            <p:grpSpPr>
+              <a:xfrm rot="16200000">
+                <a:off x="1165913" y="519716"/>
+                <a:ext cx="1359411" cy="2856736"/>
+                <a:chOff x="4257241" y="1381197"/>
+                <a:chExt cx="744889" cy="1565348"/>
+              </a:xfrm>
+            </p:grpSpPr>
+            <p:cxnSp>
+              <p:nvCxnSpPr>
+                <p:cNvPr id="131" name="Прямая соединительная линия 38">
+                  <a:extLst>
+                    <a:ext uri="{FF2B5EF4-FFF2-40B4-BE49-F238E27FC236}">
+                      <a16:creationId xmlns:a16="http://schemas.microsoft.com/office/drawing/2014/main" id="{A11FE3D4-023B-406C-ACB8-236AFA090AAF}"/>
+                    </a:ext>
+                  </a:extLst>
+                </p:cNvPr>
+                <p:cNvCxnSpPr>
+                  <a:cxnSpLocks/>
+                </p:cNvCxnSpPr>
+                <p:nvPr/>
+              </p:nvCxnSpPr>
+              <p:spPr>
+                <a:xfrm flipH="1">
+                  <a:off x="4590102" y="2111692"/>
+                  <a:ext cx="233902" cy="640533"/>
+                </a:xfrm>
+                <a:prstGeom prst="line">
+                  <a:avLst/>
+                </a:prstGeom>
+                <a:ln w="57150"/>
+              </p:spPr>
+              <p:style>
+                <a:lnRef idx="1">
+                  <a:schemeClr val="dk1"/>
+                </a:lnRef>
+                <a:fillRef idx="0">
+                  <a:schemeClr val="dk1"/>
+                </a:fillRef>
+                <a:effectRef idx="0">
+                  <a:schemeClr val="dk1"/>
+                </a:effectRef>
+                <a:fontRef idx="minor">
+                  <a:schemeClr val="tx1"/>
+                </a:fontRef>
+              </p:style>
+            </p:cxnSp>
+            <p:cxnSp>
+              <p:nvCxnSpPr>
+                <p:cNvPr id="164" name="Прямая соединительная линия 38">
+                  <a:extLst>
+                    <a:ext uri="{FF2B5EF4-FFF2-40B4-BE49-F238E27FC236}">
+                      <a16:creationId xmlns:a16="http://schemas.microsoft.com/office/drawing/2014/main" id="{B82D7F73-6E4A-441E-AC07-2F9ABC660BEB}"/>
+                    </a:ext>
+                  </a:extLst>
+                </p:cNvPr>
+                <p:cNvCxnSpPr>
+                  <a:cxnSpLocks/>
+                </p:cNvCxnSpPr>
+                <p:nvPr/>
+              </p:nvCxnSpPr>
+              <p:spPr>
+                <a:xfrm flipH="1">
+                  <a:off x="4590101" y="2111692"/>
+                  <a:ext cx="233902" cy="640533"/>
+                </a:xfrm>
+                <a:prstGeom prst="line">
+                  <a:avLst/>
+                </a:prstGeom>
+                <a:ln w="57150"/>
+              </p:spPr>
+              <p:style>
+                <a:lnRef idx="1">
+                  <a:schemeClr val="dk1"/>
+                </a:lnRef>
+                <a:fillRef idx="0">
+                  <a:schemeClr val="dk1"/>
+                </a:fillRef>
+                <a:effectRef idx="0">
+                  <a:schemeClr val="dk1"/>
+                </a:effectRef>
+                <a:fontRef idx="minor">
+                  <a:schemeClr val="tx1"/>
+                </a:fontRef>
+              </p:style>
+            </p:cxnSp>
+            <p:sp>
+              <p:nvSpPr>
+                <p:cNvPr id="132" name="Овал 39">
+                  <a:extLst>
+                    <a:ext uri="{FF2B5EF4-FFF2-40B4-BE49-F238E27FC236}">
+                      <a16:creationId xmlns:a16="http://schemas.microsoft.com/office/drawing/2014/main" id="{8BF6E980-B6CA-4FA2-A7E7-6A646644D3DA}"/>
+                    </a:ext>
+                  </a:extLst>
+                </p:cNvPr>
+                <p:cNvSpPr/>
+                <p:nvPr/>
+              </p:nvSpPr>
+              <p:spPr>
+                <a:xfrm rot="5400000">
+                  <a:off x="4395783" y="2568702"/>
+                  <a:ext cx="388638" cy="367047"/>
+                </a:xfrm>
+                <a:prstGeom prst="ellipse">
+                  <a:avLst/>
+                </a:prstGeom>
+                <a:solidFill>
+                  <a:schemeClr val="accent1"/>
+                </a:solidFill>
+                <a:ln>
+                  <a:solidFill>
+                    <a:schemeClr val="accent1"/>
+                  </a:solidFill>
+                </a:ln>
+              </p:spPr>
+              <p:style>
+                <a:lnRef idx="2">
+                  <a:schemeClr val="accent1">
+                    <a:shade val="50000"/>
+                  </a:schemeClr>
+                </a:lnRef>
+                <a:fillRef idx="1">
+                  <a:schemeClr val="accent1"/>
+                </a:fillRef>
+                <a:effectRef idx="0">
+                  <a:schemeClr val="accent1"/>
+                </a:effectRef>
+                <a:fontRef idx="minor">
+                  <a:schemeClr val="lt1"/>
+                </a:fontRef>
+              </p:style>
+              <p:txBody>
+                <a:bodyPr rtlCol="0" anchor="ctr"/>
+                <a:lstStyle/>
+                <a:p>
+                  <a:pPr algn="ctr"/>
+                  <a:r>
+                    <a:rPr lang="en-GB" dirty="0" err="1"/>
+                    <a:t>Cys</a:t>
+                  </a:r>
+                  <a:endParaRPr lang="ru-RU" dirty="0"/>
+                </a:p>
+              </p:txBody>
+            </p:sp>
+            <p:cxnSp>
+              <p:nvCxnSpPr>
+                <p:cNvPr id="171" name="Прямая соединительная линия 38">
+                  <a:extLst>
+                    <a:ext uri="{FF2B5EF4-FFF2-40B4-BE49-F238E27FC236}">
+                      <a16:creationId xmlns:a16="http://schemas.microsoft.com/office/drawing/2014/main" id="{F05D3A3F-49F5-4D8F-86CD-59F0C1BECCB8}"/>
+                    </a:ext>
+                  </a:extLst>
+                </p:cNvPr>
+                <p:cNvCxnSpPr>
+                  <a:cxnSpLocks/>
+                </p:cNvCxnSpPr>
+                <p:nvPr/>
+              </p:nvCxnSpPr>
+              <p:spPr>
+                <a:xfrm flipH="1">
+                  <a:off x="4590100" y="2111692"/>
+                  <a:ext cx="233902" cy="640533"/>
+                </a:xfrm>
+                <a:prstGeom prst="line">
+                  <a:avLst/>
+                </a:prstGeom>
+                <a:ln w="57150"/>
+              </p:spPr>
+              <p:style>
+                <a:lnRef idx="1">
+                  <a:schemeClr val="dk1"/>
+                </a:lnRef>
+                <a:fillRef idx="0">
+                  <a:schemeClr val="dk1"/>
+                </a:fillRef>
+                <a:effectRef idx="0">
+                  <a:schemeClr val="dk1"/>
+                </a:effectRef>
+                <a:fontRef idx="minor">
+                  <a:schemeClr val="tx1"/>
+                </a:fontRef>
+              </p:style>
+            </p:cxnSp>
+            <p:cxnSp>
+              <p:nvCxnSpPr>
+                <p:cNvPr id="133" name="Прямая соединительная линия 40">
+                  <a:extLst>
+                    <a:ext uri="{FF2B5EF4-FFF2-40B4-BE49-F238E27FC236}">
+                      <a16:creationId xmlns:a16="http://schemas.microsoft.com/office/drawing/2014/main" id="{5DA4AAF6-FF66-4E12-9772-55A898490BDD}"/>
+                    </a:ext>
+                  </a:extLst>
+                </p:cNvPr>
+                <p:cNvCxnSpPr>
+                  <a:cxnSpLocks/>
+                </p:cNvCxnSpPr>
+                <p:nvPr/>
+              </p:nvCxnSpPr>
+              <p:spPr>
+                <a:xfrm>
+                  <a:off x="4440763" y="1553924"/>
+                  <a:ext cx="377842" cy="557767"/>
+                </a:xfrm>
+                <a:prstGeom prst="line">
+                  <a:avLst/>
+                </a:prstGeom>
+                <a:ln w="57150"/>
+              </p:spPr>
+              <p:style>
+                <a:lnRef idx="1">
+                  <a:schemeClr val="dk1"/>
+                </a:lnRef>
+                <a:fillRef idx="0">
+                  <a:schemeClr val="dk1"/>
+                </a:fillRef>
+                <a:effectRef idx="0">
+                  <a:schemeClr val="dk1"/>
+                </a:effectRef>
+                <a:fontRef idx="minor">
+                  <a:schemeClr val="tx1"/>
+                </a:fontRef>
+              </p:style>
+            </p:cxnSp>
+            <p:sp>
+              <p:nvSpPr>
+                <p:cNvPr id="134" name="Овал 41">
+                  <a:extLst>
+                    <a:ext uri="{FF2B5EF4-FFF2-40B4-BE49-F238E27FC236}">
+                      <a16:creationId xmlns:a16="http://schemas.microsoft.com/office/drawing/2014/main" id="{77843E7F-E6E3-4BF5-A426-5B00E8E76E2A}"/>
+                    </a:ext>
+                  </a:extLst>
+                </p:cNvPr>
+                <p:cNvSpPr/>
+                <p:nvPr/>
+              </p:nvSpPr>
+              <p:spPr>
+                <a:xfrm rot="5400000">
+                  <a:off x="4624288" y="1928168"/>
+                  <a:ext cx="388638" cy="367047"/>
+                </a:xfrm>
+                <a:prstGeom prst="ellipse">
+                  <a:avLst/>
+                </a:prstGeom>
+                <a:solidFill>
+                  <a:srgbClr val="E66C6C"/>
+                </a:solidFill>
+                <a:ln>
+                  <a:solidFill>
+                    <a:srgbClr val="E66C6C"/>
+                  </a:solidFill>
+                </a:ln>
+              </p:spPr>
+              <p:style>
+                <a:lnRef idx="2">
+                  <a:schemeClr val="accent1">
+                    <a:shade val="50000"/>
+                  </a:schemeClr>
+                </a:lnRef>
+                <a:fillRef idx="1">
+                  <a:schemeClr val="accent1"/>
+                </a:fillRef>
+                <a:effectRef idx="0">
+                  <a:schemeClr val="accent1"/>
+                </a:effectRef>
+                <a:fontRef idx="minor">
+                  <a:schemeClr val="lt1"/>
+                </a:fontRef>
+              </p:style>
+              <p:txBody>
+                <a:bodyPr rtlCol="0" anchor="ctr"/>
+                <a:lstStyle/>
+                <a:p>
+                  <a:pPr algn="ctr"/>
+                  <a:r>
+                    <a:rPr lang="en-GB" dirty="0" err="1"/>
+                    <a:t>Gly</a:t>
+                  </a:r>
+                  <a:endParaRPr lang="ru-RU" dirty="0"/>
+                </a:p>
+              </p:txBody>
+            </p:sp>
+            <p:sp>
+              <p:nvSpPr>
+                <p:cNvPr id="135" name="Овал 42">
+                  <a:extLst>
+                    <a:ext uri="{FF2B5EF4-FFF2-40B4-BE49-F238E27FC236}">
+                      <a16:creationId xmlns:a16="http://schemas.microsoft.com/office/drawing/2014/main" id="{E45DCDFF-FC96-436D-B4AD-7A67429B8F24}"/>
+                    </a:ext>
+                  </a:extLst>
+                </p:cNvPr>
+                <p:cNvSpPr/>
+                <p:nvPr/>
+              </p:nvSpPr>
+              <p:spPr>
+                <a:xfrm rot="5400000">
+                  <a:off x="4246446" y="1391992"/>
+                  <a:ext cx="388638" cy="367047"/>
+                </a:xfrm>
+                <a:prstGeom prst="ellipse">
+                  <a:avLst/>
+                </a:prstGeom>
+                <a:solidFill>
+                  <a:srgbClr val="5CBDD0"/>
+                </a:solidFill>
+                <a:ln>
+                  <a:solidFill>
+                    <a:srgbClr val="5CBDD0"/>
+                  </a:solidFill>
+                </a:ln>
+              </p:spPr>
+              <p:style>
+                <a:lnRef idx="2">
+                  <a:schemeClr val="accent1">
+                    <a:shade val="50000"/>
+                  </a:schemeClr>
+                </a:lnRef>
+                <a:fillRef idx="1">
+                  <a:schemeClr val="accent1"/>
+                </a:fillRef>
+                <a:effectRef idx="0">
+                  <a:schemeClr val="accent1"/>
+                </a:effectRef>
+                <a:fontRef idx="minor">
+                  <a:schemeClr val="lt1"/>
+                </a:fontRef>
+              </p:style>
+              <p:txBody>
+                <a:bodyPr rtlCol="0" anchor="ctr"/>
+                <a:lstStyle/>
+                <a:p>
+                  <a:pPr algn="ctr"/>
+                  <a:r>
+                    <a:rPr lang="en-GB" dirty="0"/>
+                    <a:t>Ser</a:t>
+                  </a:r>
+                  <a:endParaRPr lang="ru-RU" dirty="0"/>
+                </a:p>
+              </p:txBody>
+            </p:sp>
+            <p:sp>
+              <p:nvSpPr>
+                <p:cNvPr id="165" name="Овал 39">
+                  <a:extLst>
+                    <a:ext uri="{FF2B5EF4-FFF2-40B4-BE49-F238E27FC236}">
+                      <a16:creationId xmlns:a16="http://schemas.microsoft.com/office/drawing/2014/main" id="{EDF7532F-8A5C-4382-BC9B-5BDA45DE6122}"/>
+                    </a:ext>
+                  </a:extLst>
+                </p:cNvPr>
+                <p:cNvSpPr/>
+                <p:nvPr/>
+              </p:nvSpPr>
+              <p:spPr>
+                <a:xfrm rot="5400000">
+                  <a:off x="4395782" y="2568702"/>
+                  <a:ext cx="388638" cy="367047"/>
+                </a:xfrm>
+                <a:prstGeom prst="ellipse">
+                  <a:avLst/>
+                </a:prstGeom>
+                <a:solidFill>
+                  <a:schemeClr val="accent1"/>
+                </a:solidFill>
+                <a:ln>
+                  <a:solidFill>
+                    <a:schemeClr val="accent1"/>
+                  </a:solidFill>
+                </a:ln>
+              </p:spPr>
+              <p:style>
+                <a:lnRef idx="2">
+                  <a:schemeClr val="accent1">
+                    <a:shade val="50000"/>
+                  </a:schemeClr>
+                </a:lnRef>
+                <a:fillRef idx="1">
+                  <a:schemeClr val="accent1"/>
+                </a:fillRef>
+                <a:effectRef idx="0">
+                  <a:schemeClr val="accent1"/>
+                </a:effectRef>
+                <a:fontRef idx="minor">
+                  <a:schemeClr val="lt1"/>
+                </a:fontRef>
+              </p:style>
+              <p:txBody>
+                <a:bodyPr rtlCol="0" anchor="ctr"/>
+                <a:lstStyle/>
+                <a:p>
+                  <a:pPr algn="ctr"/>
+                  <a:r>
+                    <a:rPr lang="en-GB" dirty="0" err="1"/>
+                    <a:t>Cys</a:t>
+                  </a:r>
+                  <a:endParaRPr lang="ru-RU" dirty="0"/>
+                </a:p>
+              </p:txBody>
+            </p:sp>
+            <p:sp>
+              <p:nvSpPr>
+                <p:cNvPr id="172" name="Овал 39">
+                  <a:extLst>
+                    <a:ext uri="{FF2B5EF4-FFF2-40B4-BE49-F238E27FC236}">
+                      <a16:creationId xmlns:a16="http://schemas.microsoft.com/office/drawing/2014/main" id="{87920C91-1E4B-4E5C-8F38-9FBADBA8D479}"/>
+                    </a:ext>
+                  </a:extLst>
+                </p:cNvPr>
+                <p:cNvSpPr/>
+                <p:nvPr/>
+              </p:nvSpPr>
+              <p:spPr>
+                <a:xfrm rot="5400000">
+                  <a:off x="4395781" y="2568702"/>
+                  <a:ext cx="388638" cy="367047"/>
+                </a:xfrm>
+                <a:prstGeom prst="ellipse">
+                  <a:avLst/>
+                </a:prstGeom>
+                <a:solidFill>
+                  <a:schemeClr val="accent1"/>
+                </a:solidFill>
+                <a:ln>
+                  <a:solidFill>
+                    <a:schemeClr val="accent1"/>
+                  </a:solidFill>
+                </a:ln>
+              </p:spPr>
+              <p:style>
+                <a:lnRef idx="2">
+                  <a:schemeClr val="accent1">
+                    <a:shade val="50000"/>
+                  </a:schemeClr>
+                </a:lnRef>
+                <a:fillRef idx="1">
+                  <a:schemeClr val="accent1"/>
+                </a:fillRef>
+                <a:effectRef idx="0">
+                  <a:schemeClr val="accent1"/>
+                </a:effectRef>
+                <a:fontRef idx="minor">
+                  <a:schemeClr val="lt1"/>
+                </a:fontRef>
+              </p:style>
+              <p:txBody>
+                <a:bodyPr rtlCol="0" anchor="ctr"/>
+                <a:lstStyle/>
+                <a:p>
+                  <a:pPr algn="ctr"/>
+                  <a:r>
+                    <a:rPr lang="en-GB" dirty="0" err="1"/>
+                    <a:t>Cys</a:t>
+                  </a:r>
+                  <a:endParaRPr lang="ru-RU" dirty="0"/>
+                </a:p>
+              </p:txBody>
+            </p:sp>
+          </p:grpSp>
+          <mc:AlternateContent xmlns:mc="http://schemas.openxmlformats.org/markup-compatibility/2006">
+            <mc:Choice xmlns:a14="http://schemas.microsoft.com/office/drawing/2010/main" Requires="a14">
+              <p:sp>
+                <p:nvSpPr>
+                  <p:cNvPr id="120" name="TextBox 119">
+                    <a:extLst>
+                      <a:ext uri="{FF2B5EF4-FFF2-40B4-BE49-F238E27FC236}">
+                        <a16:creationId xmlns:a16="http://schemas.microsoft.com/office/drawing/2014/main" id="{1E5FC773-88C3-4FC3-9087-917B53B806D0}"/>
+                      </a:ext>
+                    </a:extLst>
+                  </p:cNvPr>
+                  <p:cNvSpPr txBox="1"/>
+                  <p:nvPr/>
+                </p:nvSpPr>
+                <p:spPr>
+                  <a:xfrm>
+                    <a:off x="5190308" y="3366117"/>
+                    <a:ext cx="1878222" cy="523220"/>
+                  </a:xfrm>
+                  <a:prstGeom prst="rect">
+                    <a:avLst/>
+                  </a:prstGeom>
+                  <a:noFill/>
+                </p:spPr>
+                <p:txBody>
+                  <a:bodyPr wrap="square" rtlCol="0">
+                    <a:spAutoFit/>
+                  </a:bodyPr>
+                  <a:lstStyle/>
+                  <a:p>
+                    <a:pPr/>
+                    <a14:m>
+                      <m:oMathPara xmlns:m="http://schemas.openxmlformats.org/officeDocument/2006/math">
+                        <m:oMathParaPr>
+                          <m:jc m:val="centerGroup"/>
+                        </m:oMathParaPr>
+                        <m:oMath xmlns:m="http://schemas.openxmlformats.org/officeDocument/2006/math">
+                          <m:r>
+                            <m:rPr>
+                              <m:sty m:val="p"/>
+                            </m:rPr>
+                            <a:rPr lang="en-GB" sz="2800" smtClean="0">
+                              <a:latin typeface="Cambria Math" panose="02040503050406030204" pitchFamily="18" charset="0"/>
+                            </a:rPr>
+                            <m:t>H</m:t>
+                          </m:r>
+                          <m:r>
+                            <a:rPr lang="en-GB" sz="2800">
+                              <a:latin typeface="Cambria Math" panose="02040503050406030204" pitchFamily="18" charset="0"/>
+                            </a:rPr>
+                            <m:t>∙</m:t>
+                          </m:r>
+                        </m:oMath>
+                      </m:oMathPara>
+                    </a14:m>
+                    <a:endParaRPr lang="ru-RU" sz="2800" dirty="0"/>
+                  </a:p>
+                </p:txBody>
+              </p:sp>
+            </mc:Choice>
+            <mc:Fallback>
+              <p:sp>
+                <p:nvSpPr>
+                  <p:cNvPr id="120" name="TextBox 119">
+                    <a:extLst>
+                      <a:ext uri="{FF2B5EF4-FFF2-40B4-BE49-F238E27FC236}">
+                        <a16:creationId xmlns:a16="http://schemas.microsoft.com/office/drawing/2014/main" id="{1E5FC773-88C3-4FC3-9087-917B53B806D0}"/>
+                      </a:ext>
+                    </a:extLst>
+                  </p:cNvPr>
+                  <p:cNvSpPr txBox="1">
+                    <a:spLocks noRot="1" noChangeAspect="1" noMove="1" noResize="1" noEditPoints="1" noAdjustHandles="1" noChangeArrowheads="1" noChangeShapeType="1" noTextEdit="1"/>
+                  </p:cNvSpPr>
+                  <p:nvPr/>
+                </p:nvSpPr>
+                <p:spPr>
+                  <a:xfrm>
+                    <a:off x="5190308" y="3366117"/>
+                    <a:ext cx="1878222" cy="523220"/>
+                  </a:xfrm>
+                  <a:prstGeom prst="rect">
+                    <a:avLst/>
+                  </a:prstGeom>
+                  <a:blipFill>
+                    <a:blip r:embed="rId22"/>
+                    <a:stretch>
+                      <a:fillRect/>
+                    </a:stretch>
+                  </a:blipFill>
+                </p:spPr>
+                <p:txBody>
+                  <a:bodyPr/>
+                  <a:lstStyle/>
+                  <a:p>
+                    <a:r>
+                      <a:rPr lang="en-US">
+                        <a:noFill/>
+                      </a:rPr>
+                      <a:t> </a:t>
+                    </a:r>
+                  </a:p>
+                </p:txBody>
+              </p:sp>
+            </mc:Fallback>
+          </mc:AlternateContent>
+          <p:sp>
+            <p:nvSpPr>
+              <p:cNvPr id="121" name="Arrow: Right 120">
+                <a:extLst>
+                  <a:ext uri="{FF2B5EF4-FFF2-40B4-BE49-F238E27FC236}">
+                    <a16:creationId xmlns:a16="http://schemas.microsoft.com/office/drawing/2014/main" id="{50731104-FE96-456C-B6ED-CF0DF1613989}"/>
+                  </a:ext>
+                </a:extLst>
+              </p:cNvPr>
+              <p:cNvSpPr/>
+              <p:nvPr/>
+            </p:nvSpPr>
+            <p:spPr>
+              <a:xfrm>
+                <a:off x="3515557" y="2627788"/>
+                <a:ext cx="621437" cy="452763"/>
+              </a:xfrm>
+              <a:prstGeom prst="rightArrow">
+                <a:avLst/>
+              </a:prstGeom>
+              <a:solidFill>
+                <a:srgbClr val="D03839"/>
+              </a:solidFill>
+              <a:ln>
+                <a:solidFill>
+                  <a:srgbClr val="D03839"/>
+                </a:solidFill>
+              </a:ln>
+            </p:spPr>
+            <p:style>
+              <a:lnRef idx="2">
+                <a:schemeClr val="accent1">
+                  <a:shade val="50000"/>
+                </a:schemeClr>
+              </a:lnRef>
+              <a:fillRef idx="1">
+                <a:schemeClr val="accent1"/>
+              </a:fillRef>
+              <a:effectRef idx="0">
+                <a:schemeClr val="accent1"/>
+              </a:effectRef>
+              <a:fontRef idx="minor">
+                <a:schemeClr val="lt1"/>
+              </a:fontRef>
+            </p:style>
+            <p:txBody>
+              <a:bodyPr rtlCol="0" anchor="ctr"/>
+              <a:lstStyle/>
+              <a:p>
+                <a:pPr algn="ctr"/>
+                <a:endParaRPr lang="ru-RU" dirty="0"/>
+              </a:p>
+            </p:txBody>
+          </p:sp>
+          <p:cxnSp>
+            <p:nvCxnSpPr>
+              <p:cNvPr id="122" name="Прямая соединительная линия 38">
+                <a:extLst>
+                  <a:ext uri="{FF2B5EF4-FFF2-40B4-BE49-F238E27FC236}">
+                    <a16:creationId xmlns:a16="http://schemas.microsoft.com/office/drawing/2014/main" id="{BC517150-FAC2-4D6F-88BE-862438BF161E}"/>
+                  </a:ext>
+                </a:extLst>
+              </p:cNvPr>
+              <p:cNvCxnSpPr>
+                <a:cxnSpLocks/>
+                <a:endCxn id="127" idx="4"/>
+              </p:cNvCxnSpPr>
+              <p:nvPr/>
+            </p:nvCxnSpPr>
+            <p:spPr>
+              <a:xfrm>
+                <a:off x="6917485" y="1429305"/>
+                <a:ext cx="26269" cy="916095"/>
+              </a:xfrm>
+              <a:prstGeom prst="line">
+                <a:avLst/>
+              </a:prstGeom>
+              <a:ln w="57150"/>
+            </p:spPr>
+            <p:style>
+              <a:lnRef idx="1">
+                <a:schemeClr val="dk1"/>
+              </a:lnRef>
+              <a:fillRef idx="0">
+                <a:schemeClr val="dk1"/>
+              </a:fillRef>
+              <a:effectRef idx="0">
+                <a:schemeClr val="dk1"/>
+              </a:effectRef>
+              <a:fontRef idx="minor">
+                <a:schemeClr val="tx1"/>
+              </a:fontRef>
+            </p:style>
+          </p:cxnSp>
+          <p:grpSp>
+            <p:nvGrpSpPr>
+              <p:cNvPr id="123" name="Группа 1">
+                <a:extLst>
+                  <a:ext uri="{FF2B5EF4-FFF2-40B4-BE49-F238E27FC236}">
+                    <a16:creationId xmlns:a16="http://schemas.microsoft.com/office/drawing/2014/main" id="{48A0A8F1-E97B-4DF5-A85C-9D24A5FE3C91}"/>
+                  </a:ext>
+                </a:extLst>
+              </p:cNvPr>
+              <p:cNvGrpSpPr>
+                <a:grpSpLocks noChangeAspect="1"/>
+              </p:cNvGrpSpPr>
+              <p:nvPr/>
+            </p:nvGrpSpPr>
+            <p:grpSpPr>
+              <a:xfrm rot="16200000">
+                <a:off x="5190311" y="509865"/>
+                <a:ext cx="1359411" cy="2856736"/>
+                <a:chOff x="4257241" y="1381197"/>
+                <a:chExt cx="744889" cy="1565348"/>
+              </a:xfrm>
+            </p:grpSpPr>
+            <p:cxnSp>
+              <p:nvCxnSpPr>
+                <p:cNvPr id="185" name="Прямая соединительная линия 38">
+                  <a:extLst>
+                    <a:ext uri="{FF2B5EF4-FFF2-40B4-BE49-F238E27FC236}">
+                      <a16:creationId xmlns:a16="http://schemas.microsoft.com/office/drawing/2014/main" id="{A072E575-89FB-4E11-930C-C358DEBD8522}"/>
+                    </a:ext>
+                  </a:extLst>
+                </p:cNvPr>
+                <p:cNvCxnSpPr>
+                  <a:cxnSpLocks/>
+                </p:cNvCxnSpPr>
+                <p:nvPr/>
+              </p:nvCxnSpPr>
+              <p:spPr>
+                <a:xfrm flipH="1">
+                  <a:off x="4590101" y="2111692"/>
+                  <a:ext cx="233902" cy="640533"/>
+                </a:xfrm>
+                <a:prstGeom prst="line">
+                  <a:avLst/>
+                </a:prstGeom>
+                <a:ln w="57150"/>
+              </p:spPr>
+              <p:style>
+                <a:lnRef idx="1">
+                  <a:schemeClr val="dk1"/>
+                </a:lnRef>
+                <a:fillRef idx="0">
+                  <a:schemeClr val="dk1"/>
+                </a:fillRef>
+                <a:effectRef idx="0">
+                  <a:schemeClr val="dk1"/>
+                </a:effectRef>
+                <a:fontRef idx="minor">
+                  <a:schemeClr val="tx1"/>
+                </a:fontRef>
+              </p:style>
+            </p:cxnSp>
+            <p:cxnSp>
+              <p:nvCxnSpPr>
+                <p:cNvPr id="126" name="Прямая соединительная линия 38">
+                  <a:extLst>
+                    <a:ext uri="{FF2B5EF4-FFF2-40B4-BE49-F238E27FC236}">
+                      <a16:creationId xmlns:a16="http://schemas.microsoft.com/office/drawing/2014/main" id="{DEC89017-502F-4867-9290-F7B83FF32A05}"/>
+                    </a:ext>
+                  </a:extLst>
+                </p:cNvPr>
+                <p:cNvCxnSpPr>
+                  <a:cxnSpLocks/>
+                </p:cNvCxnSpPr>
+                <p:nvPr/>
+              </p:nvCxnSpPr>
+              <p:spPr>
+                <a:xfrm flipH="1">
+                  <a:off x="4590102" y="2111692"/>
+                  <a:ext cx="233902" cy="640533"/>
+                </a:xfrm>
+                <a:prstGeom prst="line">
+                  <a:avLst/>
+                </a:prstGeom>
+                <a:ln w="57150"/>
+              </p:spPr>
+              <p:style>
+                <a:lnRef idx="1">
+                  <a:schemeClr val="dk1"/>
+                </a:lnRef>
+                <a:fillRef idx="0">
+                  <a:schemeClr val="dk1"/>
+                </a:fillRef>
+                <a:effectRef idx="0">
+                  <a:schemeClr val="dk1"/>
+                </a:effectRef>
+                <a:fontRef idx="minor">
+                  <a:schemeClr val="tx1"/>
+                </a:fontRef>
+              </p:style>
+            </p:cxnSp>
+            <p:sp>
+              <p:nvSpPr>
+                <p:cNvPr id="127" name="Овал 39">
+                  <a:extLst>
+                    <a:ext uri="{FF2B5EF4-FFF2-40B4-BE49-F238E27FC236}">
+                      <a16:creationId xmlns:a16="http://schemas.microsoft.com/office/drawing/2014/main" id="{AFA61CA3-44DC-4DD0-B3D4-8F6B375C860B}"/>
+                    </a:ext>
+                  </a:extLst>
+                </p:cNvPr>
+                <p:cNvSpPr/>
+                <p:nvPr/>
+              </p:nvSpPr>
+              <p:spPr>
+                <a:xfrm rot="5400000">
+                  <a:off x="4395783" y="2568702"/>
+                  <a:ext cx="388638" cy="367047"/>
+                </a:xfrm>
+                <a:prstGeom prst="ellipse">
+                  <a:avLst/>
+                </a:prstGeom>
+                <a:solidFill>
+                  <a:schemeClr val="accent1"/>
+                </a:solidFill>
+                <a:ln>
+                  <a:solidFill>
+                    <a:schemeClr val="accent1"/>
+                  </a:solidFill>
+                </a:ln>
+              </p:spPr>
+              <p:style>
+                <a:lnRef idx="2">
+                  <a:schemeClr val="accent1">
+                    <a:shade val="50000"/>
+                  </a:schemeClr>
+                </a:lnRef>
+                <a:fillRef idx="1">
+                  <a:schemeClr val="accent1"/>
+                </a:fillRef>
+                <a:effectRef idx="0">
+                  <a:schemeClr val="accent1"/>
+                </a:effectRef>
+                <a:fontRef idx="minor">
+                  <a:schemeClr val="lt1"/>
+                </a:fontRef>
+              </p:style>
+              <p:txBody>
+                <a:bodyPr rtlCol="0" anchor="ctr"/>
+                <a:lstStyle/>
+                <a:p>
+                  <a:pPr algn="ctr"/>
+                  <a:r>
+                    <a:rPr lang="en-GB" dirty="0" err="1"/>
+                    <a:t>Cys</a:t>
+                  </a:r>
+                  <a:endParaRPr lang="ru-RU" dirty="0"/>
+                </a:p>
+              </p:txBody>
+            </p:sp>
+            <p:cxnSp>
+              <p:nvCxnSpPr>
+                <p:cNvPr id="128" name="Прямая соединительная линия 40">
+                  <a:extLst>
+                    <a:ext uri="{FF2B5EF4-FFF2-40B4-BE49-F238E27FC236}">
+                      <a16:creationId xmlns:a16="http://schemas.microsoft.com/office/drawing/2014/main" id="{8A19597D-C95A-4F0E-AF62-861BDFC8A285}"/>
+                    </a:ext>
+                  </a:extLst>
+                </p:cNvPr>
+                <p:cNvCxnSpPr>
+                  <a:cxnSpLocks/>
+                </p:cNvCxnSpPr>
+                <p:nvPr/>
+              </p:nvCxnSpPr>
+              <p:spPr>
+                <a:xfrm>
+                  <a:off x="4440763" y="1553924"/>
+                  <a:ext cx="377842" cy="557767"/>
+                </a:xfrm>
+                <a:prstGeom prst="line">
+                  <a:avLst/>
+                </a:prstGeom>
+                <a:ln w="57150"/>
+              </p:spPr>
+              <p:style>
+                <a:lnRef idx="1">
+                  <a:schemeClr val="dk1"/>
+                </a:lnRef>
+                <a:fillRef idx="0">
+                  <a:schemeClr val="dk1"/>
+                </a:fillRef>
+                <a:effectRef idx="0">
+                  <a:schemeClr val="dk1"/>
+                </a:effectRef>
+                <a:fontRef idx="minor">
+                  <a:schemeClr val="tx1"/>
+                </a:fontRef>
+              </p:style>
+            </p:cxnSp>
+            <p:sp>
+              <p:nvSpPr>
+                <p:cNvPr id="129" name="Овал 41">
+                  <a:extLst>
+                    <a:ext uri="{FF2B5EF4-FFF2-40B4-BE49-F238E27FC236}">
+                      <a16:creationId xmlns:a16="http://schemas.microsoft.com/office/drawing/2014/main" id="{101CC7CA-1C9A-4C1E-9F33-24FBF29CF39B}"/>
+                    </a:ext>
+                  </a:extLst>
+                </p:cNvPr>
+                <p:cNvSpPr/>
+                <p:nvPr/>
+              </p:nvSpPr>
+              <p:spPr>
+                <a:xfrm rot="5400000">
+                  <a:off x="4624288" y="1928168"/>
+                  <a:ext cx="388638" cy="367047"/>
+                </a:xfrm>
+                <a:prstGeom prst="ellipse">
+                  <a:avLst/>
+                </a:prstGeom>
+                <a:solidFill>
+                  <a:srgbClr val="E66C6C"/>
+                </a:solidFill>
+                <a:ln>
+                  <a:solidFill>
+                    <a:srgbClr val="E66C6C"/>
+                  </a:solidFill>
+                </a:ln>
+              </p:spPr>
+              <p:style>
+                <a:lnRef idx="2">
+                  <a:schemeClr val="accent1">
+                    <a:shade val="50000"/>
+                  </a:schemeClr>
+                </a:lnRef>
+                <a:fillRef idx="1">
+                  <a:schemeClr val="accent1"/>
+                </a:fillRef>
+                <a:effectRef idx="0">
+                  <a:schemeClr val="accent1"/>
+                </a:effectRef>
+                <a:fontRef idx="minor">
+                  <a:schemeClr val="lt1"/>
+                </a:fontRef>
+              </p:style>
+              <p:txBody>
+                <a:bodyPr rtlCol="0" anchor="ctr"/>
+                <a:lstStyle/>
+                <a:p>
+                  <a:pPr algn="ctr"/>
+                  <a:r>
+                    <a:rPr lang="en-GB" dirty="0" err="1"/>
+                    <a:t>Gly</a:t>
+                  </a:r>
+                  <a:endParaRPr lang="ru-RU" dirty="0"/>
+                </a:p>
+              </p:txBody>
+            </p:sp>
+            <p:sp>
+              <p:nvSpPr>
+                <p:cNvPr id="130" name="Овал 42">
+                  <a:extLst>
+                    <a:ext uri="{FF2B5EF4-FFF2-40B4-BE49-F238E27FC236}">
+                      <a16:creationId xmlns:a16="http://schemas.microsoft.com/office/drawing/2014/main" id="{CE9266DF-6367-4809-88F1-D862959D4DA0}"/>
+                    </a:ext>
+                  </a:extLst>
+                </p:cNvPr>
+                <p:cNvSpPr/>
+                <p:nvPr/>
+              </p:nvSpPr>
+              <p:spPr>
+                <a:xfrm rot="5400000">
+                  <a:off x="4246446" y="1391992"/>
+                  <a:ext cx="388638" cy="367047"/>
+                </a:xfrm>
+                <a:prstGeom prst="ellipse">
+                  <a:avLst/>
+                </a:prstGeom>
+                <a:solidFill>
+                  <a:srgbClr val="5CBDD0"/>
+                </a:solidFill>
+                <a:ln>
+                  <a:solidFill>
+                    <a:srgbClr val="5CBDD0"/>
+                  </a:solidFill>
+                </a:ln>
+              </p:spPr>
+              <p:style>
+                <a:lnRef idx="2">
+                  <a:schemeClr val="accent1">
+                    <a:shade val="50000"/>
+                  </a:schemeClr>
+                </a:lnRef>
+                <a:fillRef idx="1">
+                  <a:schemeClr val="accent1"/>
+                </a:fillRef>
+                <a:effectRef idx="0">
+                  <a:schemeClr val="accent1"/>
+                </a:effectRef>
+                <a:fontRef idx="minor">
+                  <a:schemeClr val="lt1"/>
+                </a:fontRef>
+              </p:style>
+              <p:txBody>
+                <a:bodyPr rtlCol="0" anchor="ctr"/>
+                <a:lstStyle/>
+                <a:p>
+                  <a:pPr algn="ctr"/>
+                  <a:r>
+                    <a:rPr lang="en-GB" dirty="0"/>
+                    <a:t>Ser</a:t>
+                  </a:r>
+                  <a:endParaRPr lang="ru-RU" dirty="0"/>
+                </a:p>
+              </p:txBody>
+            </p:sp>
+            <p:cxnSp>
+              <p:nvCxnSpPr>
+                <p:cNvPr id="186" name="Прямая соединительная линия 40">
+                  <a:extLst>
+                    <a:ext uri="{FF2B5EF4-FFF2-40B4-BE49-F238E27FC236}">
+                      <a16:creationId xmlns:a16="http://schemas.microsoft.com/office/drawing/2014/main" id="{DA689284-F696-4A5B-A564-A93C9B769CFE}"/>
+                    </a:ext>
+                  </a:extLst>
+                </p:cNvPr>
+                <p:cNvCxnSpPr>
+                  <a:cxnSpLocks/>
+                </p:cNvCxnSpPr>
+                <p:nvPr/>
+              </p:nvCxnSpPr>
+              <p:spPr>
+                <a:xfrm>
+                  <a:off x="4440762" y="1553925"/>
+                  <a:ext cx="377842" cy="557767"/>
+                </a:xfrm>
+                <a:prstGeom prst="line">
+                  <a:avLst/>
+                </a:prstGeom>
+                <a:ln w="57150"/>
+              </p:spPr>
+              <p:style>
+                <a:lnRef idx="1">
+                  <a:schemeClr val="dk1"/>
+                </a:lnRef>
+                <a:fillRef idx="0">
+                  <a:schemeClr val="dk1"/>
+                </a:fillRef>
+                <a:effectRef idx="0">
+                  <a:schemeClr val="dk1"/>
+                </a:effectRef>
+                <a:fontRef idx="minor">
+                  <a:schemeClr val="tx1"/>
+                </a:fontRef>
+              </p:style>
+            </p:cxnSp>
+            <p:sp>
+              <p:nvSpPr>
+                <p:cNvPr id="187" name="Овал 41">
+                  <a:extLst>
+                    <a:ext uri="{FF2B5EF4-FFF2-40B4-BE49-F238E27FC236}">
+                      <a16:creationId xmlns:a16="http://schemas.microsoft.com/office/drawing/2014/main" id="{714703DD-E6E7-43BA-A6F3-C864D6C60A28}"/>
+                    </a:ext>
+                  </a:extLst>
+                </p:cNvPr>
+                <p:cNvSpPr/>
+                <p:nvPr/>
+              </p:nvSpPr>
+              <p:spPr>
+                <a:xfrm rot="5400000">
+                  <a:off x="4624287" y="1928169"/>
+                  <a:ext cx="388638" cy="367047"/>
+                </a:xfrm>
+                <a:prstGeom prst="ellipse">
+                  <a:avLst/>
+                </a:prstGeom>
+                <a:solidFill>
+                  <a:srgbClr val="E66C6C"/>
+                </a:solidFill>
+                <a:ln>
+                  <a:solidFill>
+                    <a:srgbClr val="E66C6C"/>
+                  </a:solidFill>
+                </a:ln>
+              </p:spPr>
+              <p:style>
+                <a:lnRef idx="2">
+                  <a:schemeClr val="accent1">
+                    <a:shade val="50000"/>
+                  </a:schemeClr>
+                </a:lnRef>
+                <a:fillRef idx="1">
+                  <a:schemeClr val="accent1"/>
+                </a:fillRef>
+                <a:effectRef idx="0">
+                  <a:schemeClr val="accent1"/>
+                </a:effectRef>
+                <a:fontRef idx="minor">
+                  <a:schemeClr val="lt1"/>
+                </a:fontRef>
+              </p:style>
+              <p:txBody>
+                <a:bodyPr rtlCol="0" anchor="ctr"/>
+                <a:lstStyle/>
+                <a:p>
+                  <a:pPr algn="ctr"/>
+                  <a:r>
+                    <a:rPr lang="en-GB" dirty="0" err="1"/>
+                    <a:t>Gly</a:t>
+                  </a:r>
+                  <a:endParaRPr lang="ru-RU" dirty="0"/>
+                </a:p>
+              </p:txBody>
+            </p:sp>
+            <p:sp>
+              <p:nvSpPr>
+                <p:cNvPr id="188" name="Овал 42">
+                  <a:extLst>
+                    <a:ext uri="{FF2B5EF4-FFF2-40B4-BE49-F238E27FC236}">
+                      <a16:creationId xmlns:a16="http://schemas.microsoft.com/office/drawing/2014/main" id="{167A1492-0D19-42F0-9D23-473178605AB9}"/>
+                    </a:ext>
+                  </a:extLst>
+                </p:cNvPr>
+                <p:cNvSpPr/>
+                <p:nvPr/>
+              </p:nvSpPr>
+              <p:spPr>
+                <a:xfrm rot="5400000">
+                  <a:off x="4246446" y="1391993"/>
+                  <a:ext cx="388638" cy="367047"/>
+                </a:xfrm>
+                <a:prstGeom prst="ellipse">
+                  <a:avLst/>
+                </a:prstGeom>
+                <a:solidFill>
+                  <a:srgbClr val="5CBDD0"/>
+                </a:solidFill>
+                <a:ln>
+                  <a:solidFill>
+                    <a:srgbClr val="5CBDD0"/>
+                  </a:solidFill>
+                </a:ln>
+              </p:spPr>
+              <p:style>
+                <a:lnRef idx="2">
+                  <a:schemeClr val="accent1">
+                    <a:shade val="50000"/>
+                  </a:schemeClr>
+                </a:lnRef>
+                <a:fillRef idx="1">
+                  <a:schemeClr val="accent1"/>
+                </a:fillRef>
+                <a:effectRef idx="0">
+                  <a:schemeClr val="accent1"/>
+                </a:effectRef>
+                <a:fontRef idx="minor">
+                  <a:schemeClr val="lt1"/>
+                </a:fontRef>
+              </p:style>
+              <p:txBody>
+                <a:bodyPr rtlCol="0" anchor="ctr"/>
+                <a:lstStyle/>
+                <a:p>
+                  <a:pPr algn="ctr"/>
+                  <a:r>
+                    <a:rPr lang="en-GB" dirty="0"/>
+                    <a:t>Ser</a:t>
+                  </a:r>
+                  <a:endParaRPr lang="ru-RU" dirty="0"/>
+                </a:p>
+              </p:txBody>
+            </p:sp>
+          </p:grpSp>
+          <mc:AlternateContent xmlns:mc="http://schemas.openxmlformats.org/markup-compatibility/2006" xmlns:a14="http://schemas.microsoft.com/office/drawing/2010/main">
+            <mc:Choice Requires="a14">
+              <p:sp>
+                <p:nvSpPr>
+                  <p:cNvPr id="124" name="TextBox 123">
+                    <a:extLst>
+                      <a:ext uri="{FF2B5EF4-FFF2-40B4-BE49-F238E27FC236}">
+                        <a16:creationId xmlns:a16="http://schemas.microsoft.com/office/drawing/2014/main" id="{58660459-86FC-41EC-8833-090D65A64638}"/>
+                      </a:ext>
+                    </a:extLst>
+                  </p:cNvPr>
+                  <p:cNvSpPr txBox="1"/>
+                  <p:nvPr/>
+                </p:nvSpPr>
+                <p:spPr>
+                  <a:xfrm>
+                    <a:off x="6004643" y="983235"/>
+                    <a:ext cx="1878222" cy="523220"/>
+                  </a:xfrm>
+                  <a:prstGeom prst="rect">
+                    <a:avLst/>
+                  </a:prstGeom>
+                  <a:noFill/>
+                </p:spPr>
+                <p:txBody>
+                  <a:bodyPr wrap="square" rtlCol="0">
+                    <a:spAutoFit/>
+                  </a:bodyPr>
+                  <a:lstStyle/>
+                  <a:p>
+                    <a:pPr/>
+                    <a14:m>
+                      <m:oMathPara xmlns:m="http://schemas.openxmlformats.org/officeDocument/2006/math">
+                        <m:oMathParaPr>
+                          <m:jc m:val="centerGroup"/>
+                        </m:oMathParaPr>
+                        <m:oMath xmlns:m="http://schemas.openxmlformats.org/officeDocument/2006/math">
+                          <m:r>
+                            <m:rPr>
+                              <m:sty m:val="p"/>
+                            </m:rPr>
+                            <a:rPr lang="en-GB" sz="2800">
+                              <a:latin typeface="Cambria Math" panose="02040503050406030204" pitchFamily="18" charset="0"/>
+                            </a:rPr>
+                            <m:t>C</m:t>
+                          </m:r>
+                          <m:sSub>
+                            <m:sSubPr>
+                              <m:ctrlPr>
+                                <a:rPr lang="en-GB" sz="2800" i="1">
+                                  <a:latin typeface="Cambria Math" panose="02040503050406030204" pitchFamily="18" charset="0"/>
+                                </a:rPr>
+                              </m:ctrlPr>
+                            </m:sSubPr>
+                            <m:e>
+                              <m:r>
+                                <m:rPr>
+                                  <m:sty m:val="p"/>
+                                </m:rPr>
+                                <a:rPr lang="en-GB" sz="2800">
+                                  <a:latin typeface="Cambria Math" panose="02040503050406030204" pitchFamily="18" charset="0"/>
+                                </a:rPr>
+                                <m:t>H</m:t>
+                              </m:r>
+                            </m:e>
+                            <m:sub>
+                              <m:r>
+                                <a:rPr lang="en-GB" sz="2800">
+                                  <a:latin typeface="Cambria Math" panose="02040503050406030204" pitchFamily="18" charset="0"/>
+                                </a:rPr>
+                                <m:t>3</m:t>
+                              </m:r>
+                            </m:sub>
+                          </m:sSub>
+                        </m:oMath>
+                      </m:oMathPara>
+                    </a14:m>
+                    <a:endParaRPr lang="ru-RU" sz="2800" dirty="0"/>
+                  </a:p>
+                </p:txBody>
+              </p:sp>
+            </mc:Choice>
+            <mc:Fallback xmlns="">
+              <p:sp>
+                <p:nvSpPr>
+                  <p:cNvPr id="124" name="TextBox 123">
+                    <a:extLst>
+                      <a:ext uri="{FF2B5EF4-FFF2-40B4-BE49-F238E27FC236}">
+                        <a16:creationId xmlns:a16="http://schemas.microsoft.com/office/drawing/2014/main" id="{58660459-86FC-41EC-8833-090D65A64638}"/>
+                      </a:ext>
+                    </a:extLst>
+                  </p:cNvPr>
+                  <p:cNvSpPr txBox="1">
+                    <a:spLocks noRot="1" noChangeAspect="1" noMove="1" noResize="1" noEditPoints="1" noAdjustHandles="1" noChangeArrowheads="1" noChangeShapeType="1" noTextEdit="1"/>
+                  </p:cNvSpPr>
+                  <p:nvPr/>
+                </p:nvSpPr>
+                <p:spPr>
+                  <a:xfrm>
+                    <a:off x="6004643" y="983235"/>
+                    <a:ext cx="1878222" cy="523220"/>
+                  </a:xfrm>
+                  <a:prstGeom prst="rect">
+                    <a:avLst/>
+                  </a:prstGeom>
+                  <a:blipFill>
+                    <a:blip r:embed="rId9"/>
+                    <a:stretch>
+                      <a:fillRect/>
+                    </a:stretch>
+                  </a:blipFill>
+                </p:spPr>
+                <p:txBody>
+                  <a:bodyPr/>
+                  <a:lstStyle/>
+                  <a:p>
+                    <a:r>
+                      <a:rPr lang="ru-RU">
+                        <a:noFill/>
+                      </a:rPr>
+                      <a:t> </a:t>
+                    </a:r>
+                  </a:p>
+                </p:txBody>
+              </p:sp>
+            </mc:Fallback>
+          </mc:AlternateContent>
+          <mc:AlternateContent xmlns:mc="http://schemas.openxmlformats.org/markup-compatibility/2006">
+            <mc:Choice xmlns:a14="http://schemas.microsoft.com/office/drawing/2010/main" Requires="a14">
+              <p:sp>
+                <p:nvSpPr>
+                  <p:cNvPr id="125" name="TextBox 124">
+                    <a:extLst>
+                      <a:ext uri="{FF2B5EF4-FFF2-40B4-BE49-F238E27FC236}">
+                        <a16:creationId xmlns:a16="http://schemas.microsoft.com/office/drawing/2014/main" id="{4571084D-F820-4421-9CFF-7AFC9ACA875D}"/>
+                      </a:ext>
+                    </a:extLst>
+                  </p:cNvPr>
+                  <p:cNvSpPr txBox="1"/>
+                  <p:nvPr/>
+                </p:nvSpPr>
+                <p:spPr>
+                  <a:xfrm>
+                    <a:off x="963681" y="3366117"/>
+                    <a:ext cx="1878222" cy="523220"/>
+                  </a:xfrm>
+                  <a:prstGeom prst="rect">
+                    <a:avLst/>
+                  </a:prstGeom>
+                  <a:noFill/>
+                </p:spPr>
+                <p:txBody>
+                  <a:bodyPr wrap="square" rtlCol="0">
+                    <a:spAutoFit/>
+                  </a:bodyPr>
+                  <a:lstStyle/>
+                  <a:p>
+                    <a:pPr/>
+                    <a14:m>
+                      <m:oMathPara xmlns:m="http://schemas.openxmlformats.org/officeDocument/2006/math">
+                        <m:oMathParaPr>
+                          <m:jc m:val="centerGroup"/>
+                        </m:oMathParaPr>
+                        <m:oMath xmlns:m="http://schemas.openxmlformats.org/officeDocument/2006/math">
+                          <m:r>
+                            <m:rPr>
+                              <m:sty m:val="p"/>
+                            </m:rPr>
+                            <a:rPr lang="en-GB" sz="2800">
+                              <a:latin typeface="Cambria Math" panose="02040503050406030204" pitchFamily="18" charset="0"/>
+                            </a:rPr>
+                            <m:t>C</m:t>
+                          </m:r>
+                          <m:sSub>
+                            <m:sSubPr>
+                              <m:ctrlPr>
+                                <a:rPr lang="en-GB" sz="2800" i="1">
+                                  <a:latin typeface="Cambria Math" panose="02040503050406030204" pitchFamily="18" charset="0"/>
+                                </a:rPr>
+                              </m:ctrlPr>
+                            </m:sSubPr>
+                            <m:e>
+                              <m:r>
+                                <m:rPr>
+                                  <m:sty m:val="p"/>
+                                </m:rPr>
+                                <a:rPr lang="en-GB" sz="2800">
+                                  <a:latin typeface="Cambria Math" panose="02040503050406030204" pitchFamily="18" charset="0"/>
+                                </a:rPr>
+                                <m:t>H</m:t>
+                              </m:r>
+                            </m:e>
+                            <m:sub>
+                              <m:r>
+                                <a:rPr lang="en-GB" sz="2800">
+                                  <a:latin typeface="Cambria Math" panose="02040503050406030204" pitchFamily="18" charset="0"/>
+                                </a:rPr>
+                                <m:t>3</m:t>
+                              </m:r>
+                            </m:sub>
+                          </m:sSub>
+                          <m:r>
+                            <a:rPr lang="en-GB" sz="2800">
+                              <a:latin typeface="Cambria Math" panose="02040503050406030204" pitchFamily="18" charset="0"/>
+                            </a:rPr>
+                            <m:t>∙</m:t>
+                          </m:r>
+                        </m:oMath>
+                      </m:oMathPara>
+                    </a14:m>
+                    <a:endParaRPr lang="ru-RU" sz="2800" dirty="0"/>
+                  </a:p>
+                </p:txBody>
+              </p:sp>
+            </mc:Choice>
+            <mc:Fallback>
+              <p:sp>
+                <p:nvSpPr>
+                  <p:cNvPr id="125" name="TextBox 124">
+                    <a:extLst>
+                      <a:ext uri="{FF2B5EF4-FFF2-40B4-BE49-F238E27FC236}">
+                        <a16:creationId xmlns:a16="http://schemas.microsoft.com/office/drawing/2014/main" id="{4571084D-F820-4421-9CFF-7AFC9ACA875D}"/>
+                      </a:ext>
+                    </a:extLst>
+                  </p:cNvPr>
+                  <p:cNvSpPr txBox="1">
+                    <a:spLocks noRot="1" noChangeAspect="1" noMove="1" noResize="1" noEditPoints="1" noAdjustHandles="1" noChangeArrowheads="1" noChangeShapeType="1" noTextEdit="1"/>
+                  </p:cNvSpPr>
+                  <p:nvPr/>
+                </p:nvSpPr>
+                <p:spPr>
+                  <a:xfrm>
+                    <a:off x="963681" y="3366117"/>
+                    <a:ext cx="1878222" cy="523220"/>
+                  </a:xfrm>
+                  <a:prstGeom prst="rect">
+                    <a:avLst/>
+                  </a:prstGeom>
+                  <a:blipFill>
+                    <a:blip r:embed="rId23"/>
+                    <a:stretch>
+                      <a:fillRect/>
+                    </a:stretch>
+                  </a:blipFill>
+                </p:spPr>
+                <p:txBody>
+                  <a:bodyPr/>
+                  <a:lstStyle/>
+                  <a:p>
+                    <a:r>
+                      <a:rPr lang="en-US">
+                        <a:noFill/>
+                      </a:rPr>
+                      <a:t> </a:t>
+                    </a:r>
+                  </a:p>
+                </p:txBody>
+              </p:sp>
+            </mc:Fallback>
+          </mc:AlternateContent>
+        </p:grpSp>
+        <p:grpSp>
+          <p:nvGrpSpPr>
+            <p:cNvPr id="29" name="Group 28">
+              <a:extLst>
+                <a:ext uri="{FF2B5EF4-FFF2-40B4-BE49-F238E27FC236}">
+                  <a16:creationId xmlns:a16="http://schemas.microsoft.com/office/drawing/2014/main" id="{70FB67A6-C009-4CE6-9667-07F37CD52173}"/>
+                </a:ext>
+              </a:extLst>
+            </p:cNvPr>
+            <p:cNvGrpSpPr>
+              <a:grpSpLocks noChangeAspect="1"/>
+            </p:cNvGrpSpPr>
+            <p:nvPr/>
+          </p:nvGrpSpPr>
+          <p:grpSpPr>
+            <a:xfrm>
+              <a:off x="23059602" y="8719430"/>
+              <a:ext cx="404276" cy="404276"/>
+              <a:chOff x="22905286" y="8541668"/>
+              <a:chExt cx="652376" cy="652376"/>
+            </a:xfrm>
+          </p:grpSpPr>
+          <p:sp>
+            <p:nvSpPr>
+              <p:cNvPr id="298" name="Rectangle 297">
+                <a:extLst>
+                  <a:ext uri="{FF2B5EF4-FFF2-40B4-BE49-F238E27FC236}">
+                    <a16:creationId xmlns:a16="http://schemas.microsoft.com/office/drawing/2014/main" id="{DE421241-D0A6-47AA-94AA-2C57678E081A}"/>
+                  </a:ext>
+                </a:extLst>
+              </p:cNvPr>
+              <p:cNvSpPr/>
+              <p:nvPr/>
+            </p:nvSpPr>
+            <p:spPr>
+              <a:xfrm>
+                <a:off x="23210146" y="8541668"/>
+                <a:ext cx="67413" cy="652376"/>
+              </a:xfrm>
+              <a:prstGeom prst="rect">
+                <a:avLst/>
+              </a:prstGeom>
+              <a:solidFill>
+                <a:srgbClr val="D03839"/>
+              </a:solidFill>
+              <a:ln>
+                <a:noFill/>
+              </a:ln>
+            </p:spPr>
+            <p:style>
+              <a:lnRef idx="2">
+                <a:schemeClr val="accent1">
+                  <a:shade val="50000"/>
+                </a:schemeClr>
+              </a:lnRef>
+              <a:fillRef idx="1">
+                <a:schemeClr val="accent1"/>
+              </a:fillRef>
+              <a:effectRef idx="0">
+                <a:schemeClr val="accent1"/>
+              </a:effectRef>
+              <a:fontRef idx="minor">
+                <a:schemeClr val="lt1"/>
+              </a:fontRef>
+            </p:style>
+            <p:txBody>
+              <a:bodyPr rtlCol="0" anchor="ctr"/>
+              <a:lstStyle/>
+              <a:p>
+                <a:pPr algn="ctr"/>
+                <a:endParaRPr lang="en-US" dirty="0"/>
+              </a:p>
+            </p:txBody>
+          </p:sp>
+          <p:sp>
+            <p:nvSpPr>
+              <p:cNvPr id="302" name="Rectangle 301">
+                <a:extLst>
+                  <a:ext uri="{FF2B5EF4-FFF2-40B4-BE49-F238E27FC236}">
+                    <a16:creationId xmlns:a16="http://schemas.microsoft.com/office/drawing/2014/main" id="{CF03A1C8-696D-48AF-A7D9-7928E5B55E31}"/>
+                  </a:ext>
+                </a:extLst>
+              </p:cNvPr>
+              <p:cNvSpPr/>
+              <p:nvPr/>
+            </p:nvSpPr>
+            <p:spPr>
+              <a:xfrm rot="5400000">
+                <a:off x="23197767" y="8547989"/>
+                <a:ext cx="67413" cy="652376"/>
+              </a:xfrm>
+              <a:prstGeom prst="rect">
+                <a:avLst/>
+              </a:prstGeom>
+              <a:solidFill>
+                <a:srgbClr val="D03839"/>
+              </a:solidFill>
+              <a:ln>
+                <a:noFill/>
+              </a:ln>
+            </p:spPr>
+            <p:style>
+              <a:lnRef idx="2">
+                <a:schemeClr val="accent1">
+                  <a:shade val="50000"/>
+                </a:schemeClr>
+              </a:lnRef>
+              <a:fillRef idx="1">
+                <a:schemeClr val="accent1"/>
+              </a:fillRef>
+              <a:effectRef idx="0">
+                <a:schemeClr val="accent1"/>
+              </a:effectRef>
+              <a:fontRef idx="minor">
+                <a:schemeClr val="lt1"/>
+              </a:fontRef>
+            </p:style>
+            <p:txBody>
+              <a:bodyPr rtlCol="0" anchor="ctr"/>
+              <a:lstStyle/>
+              <a:p>
+                <a:pPr algn="ctr"/>
+                <a:endParaRPr lang="en-US"/>
+              </a:p>
+            </p:txBody>
+          </p:sp>
+        </p:grpSp>
+        <p:grpSp>
+          <p:nvGrpSpPr>
+            <p:cNvPr id="303" name="Group 302">
+              <a:extLst>
+                <a:ext uri="{FF2B5EF4-FFF2-40B4-BE49-F238E27FC236}">
+                  <a16:creationId xmlns:a16="http://schemas.microsoft.com/office/drawing/2014/main" id="{16309E8B-3FA7-47EB-AE09-78F2E25F3DA7}"/>
+                </a:ext>
+              </a:extLst>
+            </p:cNvPr>
+            <p:cNvGrpSpPr>
+              <a:grpSpLocks noChangeAspect="1"/>
+            </p:cNvGrpSpPr>
+            <p:nvPr/>
+          </p:nvGrpSpPr>
+          <p:grpSpPr>
+            <a:xfrm>
+              <a:off x="27317237" y="8707698"/>
+              <a:ext cx="404276" cy="404276"/>
+              <a:chOff x="22905286" y="8541668"/>
+              <a:chExt cx="652376" cy="652376"/>
+            </a:xfrm>
+          </p:grpSpPr>
+          <p:sp>
+            <p:nvSpPr>
+              <p:cNvPr id="305" name="Rectangle 304">
+                <a:extLst>
+                  <a:ext uri="{FF2B5EF4-FFF2-40B4-BE49-F238E27FC236}">
+                    <a16:creationId xmlns:a16="http://schemas.microsoft.com/office/drawing/2014/main" id="{B1F4613A-4718-4FB0-94E8-04114F8F6727}"/>
+                  </a:ext>
+                </a:extLst>
+              </p:cNvPr>
+              <p:cNvSpPr/>
+              <p:nvPr/>
+            </p:nvSpPr>
+            <p:spPr>
+              <a:xfrm>
+                <a:off x="23210146" y="8541668"/>
+                <a:ext cx="67413" cy="652376"/>
+              </a:xfrm>
+              <a:prstGeom prst="rect">
+                <a:avLst/>
+              </a:prstGeom>
+              <a:solidFill>
+                <a:srgbClr val="D03839"/>
+              </a:solidFill>
+              <a:ln>
+                <a:noFill/>
+              </a:ln>
+            </p:spPr>
+            <p:style>
+              <a:lnRef idx="2">
+                <a:schemeClr val="accent1">
+                  <a:shade val="50000"/>
+                </a:schemeClr>
+              </a:lnRef>
+              <a:fillRef idx="1">
+                <a:schemeClr val="accent1"/>
+              </a:fillRef>
+              <a:effectRef idx="0">
+                <a:schemeClr val="accent1"/>
+              </a:effectRef>
+              <a:fontRef idx="minor">
+                <a:schemeClr val="lt1"/>
+              </a:fontRef>
+            </p:style>
+            <p:txBody>
+              <a:bodyPr rtlCol="0" anchor="ctr"/>
+              <a:lstStyle/>
+              <a:p>
+                <a:pPr algn="ctr"/>
+                <a:endParaRPr lang="en-US" dirty="0"/>
+              </a:p>
+            </p:txBody>
+          </p:sp>
+          <p:sp>
+            <p:nvSpPr>
+              <p:cNvPr id="307" name="Rectangle 306">
+                <a:extLst>
+                  <a:ext uri="{FF2B5EF4-FFF2-40B4-BE49-F238E27FC236}">
+                    <a16:creationId xmlns:a16="http://schemas.microsoft.com/office/drawing/2014/main" id="{99DC82C4-6803-4CDF-B797-EB0ACC6D72EC}"/>
+                  </a:ext>
+                </a:extLst>
+              </p:cNvPr>
+              <p:cNvSpPr/>
+              <p:nvPr/>
+            </p:nvSpPr>
+            <p:spPr>
+              <a:xfrm rot="5400000">
+                <a:off x="23197767" y="8547989"/>
+                <a:ext cx="67413" cy="652376"/>
+              </a:xfrm>
+              <a:prstGeom prst="rect">
+                <a:avLst/>
+              </a:prstGeom>
+              <a:solidFill>
+                <a:srgbClr val="D03839"/>
+              </a:solidFill>
+              <a:ln>
+                <a:noFill/>
+              </a:ln>
+            </p:spPr>
+            <p:style>
+              <a:lnRef idx="2">
+                <a:schemeClr val="accent1">
+                  <a:shade val="50000"/>
+                </a:schemeClr>
+              </a:lnRef>
+              <a:fillRef idx="1">
+                <a:schemeClr val="accent1"/>
+              </a:fillRef>
+              <a:effectRef idx="0">
+                <a:schemeClr val="accent1"/>
+              </a:effectRef>
+              <a:fontRef idx="minor">
+                <a:schemeClr val="lt1"/>
+              </a:fontRef>
+            </p:style>
+            <p:txBody>
+              <a:bodyPr rtlCol="0" anchor="ctr"/>
+              <a:lstStyle/>
+              <a:p>
+                <a:pPr algn="ctr"/>
+                <a:endParaRPr lang="en-US"/>
+              </a:p>
+            </p:txBody>
+          </p:sp>
+        </p:grpSp>
+      </p:grpSp>
+      <p:grpSp>
+        <p:nvGrpSpPr>
+          <p:cNvPr id="113" name="Group 112">
+            <a:extLst>
+              <a:ext uri="{FF2B5EF4-FFF2-40B4-BE49-F238E27FC236}">
+                <a16:creationId xmlns:a16="http://schemas.microsoft.com/office/drawing/2014/main" id="{55B28343-C7DF-42D5-80E3-4C3B198D1007}"/>
+              </a:ext>
+            </a:extLst>
+          </p:cNvPr>
+          <p:cNvGrpSpPr/>
+          <p:nvPr/>
+        </p:nvGrpSpPr>
+        <p:grpSpPr>
+          <a:xfrm>
+            <a:off x="4530908" y="28356464"/>
+            <a:ext cx="2290980" cy="1276857"/>
+            <a:chOff x="1106067" y="27813667"/>
+            <a:chExt cx="2290980" cy="1276857"/>
+          </a:xfrm>
+        </p:grpSpPr>
+        <p:grpSp>
+          <p:nvGrpSpPr>
+            <p:cNvPr id="35" name="Group 34">
+              <a:extLst>
+                <a:ext uri="{FF2B5EF4-FFF2-40B4-BE49-F238E27FC236}">
+                  <a16:creationId xmlns:a16="http://schemas.microsoft.com/office/drawing/2014/main" id="{A1985D4D-760D-4F8F-B824-EADC12BC1D34}"/>
+                </a:ext>
+              </a:extLst>
+            </p:cNvPr>
+            <p:cNvGrpSpPr/>
+            <p:nvPr/>
+          </p:nvGrpSpPr>
+          <p:grpSpPr>
+            <a:xfrm>
+              <a:off x="1106067" y="28242082"/>
+              <a:ext cx="1403726" cy="461665"/>
+              <a:chOff x="1319427" y="25674731"/>
+              <a:chExt cx="1403726" cy="461665"/>
+            </a:xfrm>
+          </p:grpSpPr>
+          <p:sp>
+            <p:nvSpPr>
+              <p:cNvPr id="33" name="Rectangle 32">
+                <a:extLst>
+                  <a:ext uri="{FF2B5EF4-FFF2-40B4-BE49-F238E27FC236}">
+                    <a16:creationId xmlns:a16="http://schemas.microsoft.com/office/drawing/2014/main" id="{49F62D14-FAA0-43E1-939C-114E4B9E3FE1}"/>
+                  </a:ext>
+                </a:extLst>
+              </p:cNvPr>
+              <p:cNvSpPr/>
+              <p:nvPr/>
+            </p:nvSpPr>
+            <p:spPr>
+              <a:xfrm>
+                <a:off x="1319427" y="25833587"/>
+                <a:ext cx="476054" cy="220336"/>
+              </a:xfrm>
+              <a:prstGeom prst="rect">
+                <a:avLst/>
+              </a:prstGeom>
+              <a:solidFill>
+                <a:srgbClr val="00FFFF"/>
+              </a:solidFill>
+              <a:ln>
+                <a:noFill/>
+              </a:ln>
+            </p:spPr>
+            <p:style>
+              <a:lnRef idx="2">
+                <a:schemeClr val="accent1">
+                  <a:shade val="50000"/>
+                </a:schemeClr>
+              </a:lnRef>
+              <a:fillRef idx="1">
+                <a:schemeClr val="accent1"/>
+              </a:fillRef>
+              <a:effectRef idx="0">
+                <a:schemeClr val="accent1"/>
+              </a:effectRef>
+              <a:fontRef idx="minor">
+                <a:schemeClr val="lt1"/>
+              </a:fontRef>
+            </p:style>
+            <p:txBody>
+              <a:bodyPr rtlCol="0" anchor="ctr"/>
+              <a:lstStyle/>
+              <a:p>
+                <a:pPr algn="ctr"/>
+                <a:endParaRPr lang="en-US"/>
+              </a:p>
+            </p:txBody>
+          </p:sp>
+          <p:sp>
+            <p:nvSpPr>
+              <p:cNvPr id="34" name="TextBox 33">
+                <a:extLst>
+                  <a:ext uri="{FF2B5EF4-FFF2-40B4-BE49-F238E27FC236}">
+                    <a16:creationId xmlns:a16="http://schemas.microsoft.com/office/drawing/2014/main" id="{C5A91C93-E630-4B45-BD3C-57791D495584}"/>
+                  </a:ext>
+                </a:extLst>
+              </p:cNvPr>
+              <p:cNvSpPr txBox="1"/>
+              <p:nvPr/>
+            </p:nvSpPr>
+            <p:spPr>
+              <a:xfrm>
+                <a:off x="1774957" y="25674731"/>
+                <a:ext cx="948196" cy="461665"/>
+              </a:xfrm>
+              <a:prstGeom prst="rect">
+                <a:avLst/>
+              </a:prstGeom>
+              <a:noFill/>
+            </p:spPr>
+            <p:txBody>
+              <a:bodyPr wrap="square" rtlCol="0">
+                <a:spAutoFit/>
+              </a:bodyPr>
+              <a:lstStyle/>
+              <a:p>
+                <a:r>
+                  <a:rPr lang="en-GB" sz="2400" dirty="0"/>
+                  <a:t>- both</a:t>
+                </a:r>
+                <a:endParaRPr lang="en-US" sz="2400" dirty="0"/>
+              </a:p>
+            </p:txBody>
+          </p:sp>
+        </p:grpSp>
+        <p:grpSp>
+          <p:nvGrpSpPr>
+            <p:cNvPr id="310" name="Group 309">
+              <a:extLst>
+                <a:ext uri="{FF2B5EF4-FFF2-40B4-BE49-F238E27FC236}">
+                  <a16:creationId xmlns:a16="http://schemas.microsoft.com/office/drawing/2014/main" id="{E8F1E258-E648-435D-A3F0-ADB2D4532B1F}"/>
+                </a:ext>
+              </a:extLst>
+            </p:cNvPr>
+            <p:cNvGrpSpPr/>
+            <p:nvPr/>
+          </p:nvGrpSpPr>
+          <p:grpSpPr>
+            <a:xfrm>
+              <a:off x="1106067" y="28628859"/>
+              <a:ext cx="2290980" cy="461665"/>
+              <a:chOff x="1319427" y="25674731"/>
+              <a:chExt cx="2290980" cy="461665"/>
+            </a:xfrm>
+          </p:grpSpPr>
+          <p:sp>
+            <p:nvSpPr>
+              <p:cNvPr id="311" name="Rectangle 310">
+                <a:extLst>
+                  <a:ext uri="{FF2B5EF4-FFF2-40B4-BE49-F238E27FC236}">
+                    <a16:creationId xmlns:a16="http://schemas.microsoft.com/office/drawing/2014/main" id="{06A81C8A-8DA7-4A8B-A94E-811F948CCB03}"/>
+                  </a:ext>
+                </a:extLst>
+              </p:cNvPr>
+              <p:cNvSpPr/>
+              <p:nvPr/>
+            </p:nvSpPr>
+            <p:spPr>
+              <a:xfrm>
+                <a:off x="1319427" y="25833587"/>
+                <a:ext cx="476054" cy="220336"/>
+              </a:xfrm>
+              <a:prstGeom prst="rect">
+                <a:avLst/>
+              </a:prstGeom>
+              <a:solidFill>
+                <a:srgbClr val="0070C0"/>
+              </a:solidFill>
+              <a:ln>
+                <a:noFill/>
+              </a:ln>
+            </p:spPr>
+            <p:style>
+              <a:lnRef idx="2">
+                <a:schemeClr val="accent1">
+                  <a:shade val="50000"/>
+                </a:schemeClr>
+              </a:lnRef>
+              <a:fillRef idx="1">
+                <a:schemeClr val="accent1"/>
+              </a:fillRef>
+              <a:effectRef idx="0">
+                <a:schemeClr val="accent1"/>
+              </a:effectRef>
+              <a:fontRef idx="minor">
+                <a:schemeClr val="lt1"/>
+              </a:fontRef>
+            </p:style>
+            <p:txBody>
+              <a:bodyPr rtlCol="0" anchor="ctr"/>
+              <a:lstStyle/>
+              <a:p>
+                <a:pPr algn="ctr"/>
+                <a:endParaRPr lang="en-US"/>
+              </a:p>
+            </p:txBody>
+          </p:sp>
+          <p:sp>
+            <p:nvSpPr>
+              <p:cNvPr id="312" name="TextBox 311">
+                <a:extLst>
+                  <a:ext uri="{FF2B5EF4-FFF2-40B4-BE49-F238E27FC236}">
+                    <a16:creationId xmlns:a16="http://schemas.microsoft.com/office/drawing/2014/main" id="{4E826DC7-FEB2-4A64-A69C-E3C90D19B486}"/>
+                  </a:ext>
+                </a:extLst>
+              </p:cNvPr>
+              <p:cNvSpPr txBox="1"/>
+              <p:nvPr/>
+            </p:nvSpPr>
+            <p:spPr>
+              <a:xfrm>
+                <a:off x="1774957" y="25674731"/>
+                <a:ext cx="1835450" cy="461665"/>
+              </a:xfrm>
+              <a:prstGeom prst="rect">
+                <a:avLst/>
+              </a:prstGeom>
+              <a:noFill/>
+            </p:spPr>
+            <p:txBody>
+              <a:bodyPr wrap="square" rtlCol="0">
+                <a:spAutoFit/>
+              </a:bodyPr>
+              <a:lstStyle/>
+              <a:p>
+                <a:r>
+                  <a:rPr lang="en-GB" sz="2400" dirty="0"/>
+                  <a:t>- substitution</a:t>
+                </a:r>
+                <a:endParaRPr lang="en-US" sz="2400" dirty="0"/>
+              </a:p>
+            </p:txBody>
+          </p:sp>
+        </p:grpSp>
+        <p:grpSp>
+          <p:nvGrpSpPr>
+            <p:cNvPr id="322" name="Group 321">
+              <a:extLst>
+                <a:ext uri="{FF2B5EF4-FFF2-40B4-BE49-F238E27FC236}">
+                  <a16:creationId xmlns:a16="http://schemas.microsoft.com/office/drawing/2014/main" id="{A4812390-80A2-43DF-BCF4-6EAA9E7E000B}"/>
+                </a:ext>
+              </a:extLst>
+            </p:cNvPr>
+            <p:cNvGrpSpPr/>
+            <p:nvPr/>
+          </p:nvGrpSpPr>
+          <p:grpSpPr>
+            <a:xfrm>
+              <a:off x="1106067" y="27813667"/>
+              <a:ext cx="1403726" cy="461665"/>
+              <a:chOff x="1319427" y="25674731"/>
+              <a:chExt cx="1403726" cy="461665"/>
+            </a:xfrm>
+          </p:grpSpPr>
+          <p:sp>
+            <p:nvSpPr>
+              <p:cNvPr id="323" name="Rectangle 322">
+                <a:extLst>
+                  <a:ext uri="{FF2B5EF4-FFF2-40B4-BE49-F238E27FC236}">
+                    <a16:creationId xmlns:a16="http://schemas.microsoft.com/office/drawing/2014/main" id="{4F75EA32-3049-4946-A641-0477BB53612C}"/>
+                  </a:ext>
+                </a:extLst>
+              </p:cNvPr>
+              <p:cNvSpPr/>
+              <p:nvPr/>
+            </p:nvSpPr>
+            <p:spPr>
+              <a:xfrm>
+                <a:off x="1319427" y="25833587"/>
+                <a:ext cx="476054" cy="220336"/>
+              </a:xfrm>
+              <a:prstGeom prst="rect">
+                <a:avLst/>
+              </a:prstGeom>
+              <a:solidFill>
+                <a:srgbClr val="C00000"/>
+              </a:solidFill>
+              <a:ln>
+                <a:noFill/>
+              </a:ln>
+            </p:spPr>
+            <p:style>
+              <a:lnRef idx="2">
+                <a:schemeClr val="accent1">
+                  <a:shade val="50000"/>
+                </a:schemeClr>
+              </a:lnRef>
+              <a:fillRef idx="1">
+                <a:schemeClr val="accent1"/>
+              </a:fillRef>
+              <a:effectRef idx="0">
+                <a:schemeClr val="accent1"/>
+              </a:effectRef>
+              <a:fontRef idx="minor">
+                <a:schemeClr val="lt1"/>
+              </a:fontRef>
+            </p:style>
+            <p:txBody>
+              <a:bodyPr rtlCol="0" anchor="ctr"/>
+              <a:lstStyle/>
+              <a:p>
+                <a:pPr algn="ctr"/>
+                <a:endParaRPr lang="en-US"/>
+              </a:p>
+            </p:txBody>
+          </p:sp>
+          <p:sp>
+            <p:nvSpPr>
+              <p:cNvPr id="324" name="TextBox 323">
+                <a:extLst>
+                  <a:ext uri="{FF2B5EF4-FFF2-40B4-BE49-F238E27FC236}">
+                    <a16:creationId xmlns:a16="http://schemas.microsoft.com/office/drawing/2014/main" id="{FDE0D0A1-B445-4C99-AFE1-0E86E090883F}"/>
+                  </a:ext>
+                </a:extLst>
+              </p:cNvPr>
+              <p:cNvSpPr txBox="1"/>
+              <p:nvPr/>
+            </p:nvSpPr>
+            <p:spPr>
+              <a:xfrm>
+                <a:off x="1774957" y="25674731"/>
+                <a:ext cx="948196" cy="461665"/>
+              </a:xfrm>
+              <a:prstGeom prst="rect">
+                <a:avLst/>
+              </a:prstGeom>
+              <a:noFill/>
+            </p:spPr>
+            <p:txBody>
+              <a:bodyPr wrap="square" rtlCol="0">
+                <a:spAutoFit/>
+              </a:bodyPr>
+              <a:lstStyle/>
+              <a:p>
+                <a:r>
+                  <a:rPr lang="en-GB" sz="2400" dirty="0"/>
+                  <a:t>- PTM</a:t>
+                </a:r>
+                <a:endParaRPr lang="en-US" sz="2400" dirty="0"/>
+              </a:p>
+            </p:txBody>
+          </p:sp>
+        </p:grpSp>
+      </p:grpSp>
+      <p:sp>
+        <p:nvSpPr>
+          <p:cNvPr id="36" name="TextBox 35">
+            <a:extLst>
+              <a:ext uri="{FF2B5EF4-FFF2-40B4-BE49-F238E27FC236}">
+                <a16:creationId xmlns:a16="http://schemas.microsoft.com/office/drawing/2014/main" id="{696985D2-54E6-47A2-AE10-03B650510274}"/>
+              </a:ext>
+            </a:extLst>
+          </p:cNvPr>
+          <p:cNvSpPr txBox="1"/>
+          <p:nvPr/>
+        </p:nvSpPr>
+        <p:spPr>
+          <a:xfrm>
+            <a:off x="1038266" y="27619406"/>
+            <a:ext cx="3323894" cy="2677656"/>
           </a:xfrm>
           <a:prstGeom prst="rect">
             <a:avLst/>
@@ -15910,19 +17358,27 @@
           <a:lstStyle/>
           <a:p>
             <a:r>
-              <a:rPr lang="en-GB" sz="3600" dirty="0"/>
-              <a:t>General view of an application</a:t>
+              <a:rPr lang="en-GB" sz="2400" dirty="0"/>
+              <a:t>The developed program gives to user as an output: first, the peptide with a highlighted positions, secondly, a .</a:t>
             </a:r>
-            <a:endParaRPr lang="ru-RU" sz="3600" dirty="0"/>
+            <a:r>
+              <a:rPr lang="en-GB" sz="2400" dirty="0" err="1"/>
+              <a:t>pepout</a:t>
+            </a:r>
+            <a:r>
+              <a:rPr lang="en-GB" sz="2400" dirty="0"/>
+              <a:t> file. You can see an example of this file.</a:t>
+            </a:r>
+            <a:endParaRPr lang="en-US" sz="2400" dirty="0"/>
           </a:p>
         </p:txBody>
       </p:sp>
       <p:sp>
         <p:nvSpPr>
-          <p:cNvPr id="368" name="TextBox 367">
+          <p:cNvPr id="37" name="TextBox 36">
             <a:extLst>
               <a:ext uri="{FF2B5EF4-FFF2-40B4-BE49-F238E27FC236}">
-                <a16:creationId xmlns:a16="http://schemas.microsoft.com/office/drawing/2014/main" id="{E630B123-9F06-4B51-BD0C-7C29C9F9E6F5}"/>
+                <a16:creationId xmlns:a16="http://schemas.microsoft.com/office/drawing/2014/main" id="{F6E5048D-D5CC-4EC3-9D45-CB5E099A5C38}"/>
               </a:ext>
             </a:extLst>
           </p:cNvPr>
@@ -15931,8 +17387,8 @@
         </p:nvSpPr>
         <p:spPr>
           <a:xfrm>
-            <a:off x="1210450" y="38840121"/>
-            <a:ext cx="6144965" cy="646331"/>
+            <a:off x="9909336" y="24489480"/>
+            <a:ext cx="5758989" cy="2308324"/>
           </a:xfrm>
           <a:prstGeom prst="rect">
             <a:avLst/>
@@ -15946,19 +17402,30 @@
           <a:lstStyle/>
           <a:p>
             <a:r>
-              <a:rPr lang="en-GB" sz="3600" dirty="0"/>
-              <a:t>Additional functionality</a:t>
+              <a:rPr lang="en-GB" sz="2400" dirty="0"/>
+              <a:t>In the top right corner there is a pull-down menu. There are three items: Find, Add, Generate res.  Item </a:t>
             </a:r>
-            <a:endParaRPr lang="ru-RU" sz="3600" dirty="0"/>
+            <a:r>
+              <a:rPr lang="en-US" sz="2400" dirty="0"/>
+              <a:t>“Find” allows user to search for peptides. Add allows user to add .pep files. “Generate res” allows user to generate .</a:t>
+            </a:r>
+            <a:r>
+              <a:rPr lang="en-US" sz="2400" dirty="0" err="1"/>
+              <a:t>pepout</a:t>
+            </a:r>
+            <a:r>
+              <a:rPr lang="en-US" sz="2400" dirty="0"/>
+              <a:t> files</a:t>
+            </a:r>
           </a:p>
         </p:txBody>
       </p:sp>
       <p:sp>
         <p:nvSpPr>
-          <p:cNvPr id="44" name="TextBox 43">
+          <p:cNvPr id="47" name="TextBox 46">
             <a:extLst>
               <a:ext uri="{FF2B5EF4-FFF2-40B4-BE49-F238E27FC236}">
-                <a16:creationId xmlns:a16="http://schemas.microsoft.com/office/drawing/2014/main" id="{A9D583C4-0592-4A0F-88D8-B313756FE40C}"/>
+                <a16:creationId xmlns:a16="http://schemas.microsoft.com/office/drawing/2014/main" id="{0ED7CD2B-C8DE-461B-AA5D-75CCEAE2B511}"/>
               </a:ext>
             </a:extLst>
           </p:cNvPr>
@@ -15967,110 +17434,8 @@
         </p:nvSpPr>
         <p:spPr>
           <a:xfrm>
-            <a:off x="1323834" y="39717785"/>
-            <a:ext cx="6842472" cy="1384995"/>
-          </a:xfrm>
-          <a:prstGeom prst="rect">
-            <a:avLst/>
-          </a:prstGeom>
-          <a:noFill/>
-        </p:spPr>
-        <p:txBody>
-          <a:bodyPr wrap="square" rtlCol="0">
-            <a:spAutoFit/>
-          </a:bodyPr>
-          <a:lstStyle/>
-          <a:p>
-            <a:pPr marL="514350" indent="-514350">
-              <a:buFont typeface="+mj-lt"/>
-              <a:buAutoNum type="arabicPeriod"/>
-            </a:pPr>
-            <a:r>
-              <a:rPr lang="en-US" sz="2800" dirty="0"/>
-              <a:t>Tab help</a:t>
-            </a:r>
-          </a:p>
-          <a:p>
-            <a:pPr marL="514350" indent="-514350">
-              <a:buFont typeface="+mj-lt"/>
-              <a:buAutoNum type="arabicPeriod"/>
-            </a:pPr>
-            <a:r>
-              <a:rPr lang="en-US" sz="2800" dirty="0"/>
-              <a:t>Hot keys</a:t>
-            </a:r>
-          </a:p>
-          <a:p>
-            <a:pPr marL="514350" indent="-514350">
-              <a:buFont typeface="+mj-lt"/>
-              <a:buAutoNum type="arabicPeriod"/>
-            </a:pPr>
-            <a:r>
-              <a:rPr lang="en-US" sz="2800" dirty="0"/>
-              <a:t>Hints on substitutions</a:t>
-            </a:r>
-          </a:p>
-        </p:txBody>
-      </p:sp>
-      <p:cxnSp>
-        <p:nvCxnSpPr>
-          <p:cNvPr id="369" name="Straight Connector 368">
-            <a:extLst>
-              <a:ext uri="{FF2B5EF4-FFF2-40B4-BE49-F238E27FC236}">
-                <a16:creationId xmlns:a16="http://schemas.microsoft.com/office/drawing/2014/main" id="{5DBD37F5-EC48-4848-8183-20ABB9661B60}"/>
-              </a:ext>
-            </a:extLst>
-          </p:cNvPr>
-          <p:cNvCxnSpPr>
-            <a:cxnSpLocks/>
-          </p:cNvCxnSpPr>
-          <p:nvPr/>
-        </p:nvCxnSpPr>
-        <p:spPr>
-          <a:xfrm>
-            <a:off x="10756067" y="32402445"/>
-            <a:ext cx="0" cy="9189039"/>
-          </a:xfrm>
-          <a:prstGeom prst="line">
-            <a:avLst/>
-          </a:prstGeom>
-          <a:ln>
-            <a:solidFill>
-              <a:srgbClr val="D03839"/>
-            </a:solidFill>
-          </a:ln>
-        </p:spPr>
-        <p:style>
-          <a:lnRef idx="1">
-            <a:schemeClr val="dk1"/>
-          </a:lnRef>
-          <a:fillRef idx="0">
-            <a:schemeClr val="dk1"/>
-          </a:fillRef>
-          <a:effectRef idx="0">
-            <a:schemeClr val="dk1"/>
-          </a:effectRef>
-          <a:fontRef idx="minor">
-            <a:schemeClr val="tx1"/>
-          </a:fontRef>
-        </p:style>
-      </p:cxnSp>
-      <p:sp>
-        <p:nvSpPr>
-          <p:cNvPr id="370" name="TextBox 369">
-            <a:extLst>
-              <a:ext uri="{FF2B5EF4-FFF2-40B4-BE49-F238E27FC236}">
-                <a16:creationId xmlns:a16="http://schemas.microsoft.com/office/drawing/2014/main" id="{DE4C2F58-56BD-4F06-B8C1-78750B650C1C}"/>
-              </a:ext>
-            </a:extLst>
-          </p:cNvPr>
-          <p:cNvSpPr txBox="1"/>
-          <p:nvPr/>
-        </p:nvSpPr>
-        <p:spPr>
-          <a:xfrm>
-            <a:off x="11068997" y="31761220"/>
-            <a:ext cx="2177669" cy="641225"/>
+            <a:off x="10005491" y="30683871"/>
+            <a:ext cx="5758989" cy="1938992"/>
           </a:xfrm>
           <a:prstGeom prst="rect">
             <a:avLst/>
@@ -16084,19 +17449,18 @@
           <a:lstStyle/>
           <a:p>
             <a:r>
-              <a:rPr lang="en-GB" sz="3600" dirty="0"/>
-              <a:t>Testing</a:t>
+              <a:rPr lang="en-US" sz="2400" dirty="0"/>
+              <a:t>If a user clicks a “find” item, the dialog window appears. Then when user inputs Some sequence of the amino acids, the peptides where this fragment is a suffix appears on the left part of this window and, </a:t>
             </a:r>
-            <a:endParaRPr lang="ru-RU" sz="3600" dirty="0"/>
           </a:p>
         </p:txBody>
       </p:sp>
       <p:sp>
         <p:nvSpPr>
-          <p:cNvPr id="371" name="TextBox 370">
+          <p:cNvPr id="51" name="TextBox 50">
             <a:extLst>
               <a:ext uri="{FF2B5EF4-FFF2-40B4-BE49-F238E27FC236}">
-                <a16:creationId xmlns:a16="http://schemas.microsoft.com/office/drawing/2014/main" id="{7EE05855-E4DC-444C-B8EF-C4068274D8DE}"/>
+                <a16:creationId xmlns:a16="http://schemas.microsoft.com/office/drawing/2014/main" id="{1F6BF970-B5DD-4EF0-B79B-CEBA5AA58449}"/>
               </a:ext>
             </a:extLst>
           </p:cNvPr>
@@ -16105,8 +17469,8 @@
         </p:nvSpPr>
         <p:spPr>
           <a:xfrm>
-            <a:off x="11067452" y="36996964"/>
-            <a:ext cx="2606484" cy="646331"/>
+            <a:off x="16036748" y="20236508"/>
+            <a:ext cx="5624790" cy="830997"/>
           </a:xfrm>
           <a:prstGeom prst="rect">
             <a:avLst/>
@@ -16120,19 +17484,18 @@
           <a:lstStyle/>
           <a:p>
             <a:r>
-              <a:rPr lang="en-GB" sz="3600" dirty="0"/>
-              <a:t>Conclusion</a:t>
+              <a:rPr lang="en-US" sz="2400" dirty="0"/>
+              <a:t>the peptides which just contain this fragment appears on the right part.</a:t>
             </a:r>
-            <a:endParaRPr lang="ru-RU" sz="3600" dirty="0"/>
           </a:p>
         </p:txBody>
       </p:sp>
       <p:sp>
         <p:nvSpPr>
-          <p:cNvPr id="48" name="TextBox 47">
+          <p:cNvPr id="52" name="TextBox 51">
             <a:extLst>
               <a:ext uri="{FF2B5EF4-FFF2-40B4-BE49-F238E27FC236}">
-                <a16:creationId xmlns:a16="http://schemas.microsoft.com/office/drawing/2014/main" id="{5AECD786-E340-49C9-917A-5221CD059DCE}"/>
+                <a16:creationId xmlns:a16="http://schemas.microsoft.com/office/drawing/2014/main" id="{0C78243C-27E9-4E55-9843-A5068A56E3D7}"/>
               </a:ext>
             </a:extLst>
           </p:cNvPr>
@@ -16141,110 +17504,8 @@
         </p:nvSpPr>
         <p:spPr>
           <a:xfrm>
-            <a:off x="11279879" y="32470341"/>
-            <a:ext cx="6341268" cy="4832092"/>
-          </a:xfrm>
-          <a:prstGeom prst="rect">
-            <a:avLst/>
-          </a:prstGeom>
-          <a:noFill/>
-        </p:spPr>
-        <p:txBody>
-          <a:bodyPr wrap="square" rtlCol="0">
-            <a:spAutoFit/>
-          </a:bodyPr>
-          <a:lstStyle/>
-          <a:p>
-            <a:pPr lvl="0"/>
-            <a:r>
-              <a:rPr lang="en-US" sz="2800" dirty="0"/>
-              <a:t>First peptide </a:t>
-            </a:r>
-            <a:r>
-              <a:rPr lang="ru-RU" sz="2800" dirty="0"/>
-              <a:t>YASSVRSPHPAIQPLQAPQPAVHVQGQEPLTASMLAAAPPQEQK</a:t>
-            </a:r>
-            <a:endParaRPr lang="en-US" sz="2800" dirty="0"/>
-          </a:p>
-          <a:p>
-            <a:r>
-              <a:rPr lang="en-US" sz="2800" dirty="0"/>
-              <a:t>In this peptide </a:t>
-            </a:r>
-            <a:r>
-              <a:rPr lang="en-GB" sz="2800" dirty="0"/>
-              <a:t>A</a:t>
-            </a:r>
-            <a:r>
-              <a:rPr lang="en-US" sz="2800" dirty="0"/>
-              <a:t>&gt;&gt;</a:t>
-            </a:r>
-            <a:r>
-              <a:rPr lang="en-GB" sz="2800" dirty="0"/>
-              <a:t>V and Q&gt;&gt;R </a:t>
-            </a:r>
-            <a:r>
-              <a:rPr lang="en-US" sz="2800" dirty="0"/>
-              <a:t>occurred (in the prefix).</a:t>
-            </a:r>
-          </a:p>
-          <a:p>
-            <a:r>
-              <a:rPr lang="en-US" sz="2800" dirty="0"/>
-              <a:t>Second peptide</a:t>
-            </a:r>
-          </a:p>
-          <a:p>
-            <a:pPr lvl="0"/>
-            <a:r>
-              <a:rPr lang="ru-RU" sz="2800" dirty="0"/>
-              <a:t>EAATQEDPEQVPELAAHEVSASEAEERPVAEEEILL</a:t>
-            </a:r>
-            <a:endParaRPr lang="en-US" sz="2800" dirty="0"/>
-          </a:p>
-          <a:p>
-            <a:r>
-              <a:rPr lang="en-US" sz="2800" dirty="0"/>
-              <a:t>In this peptide </a:t>
-            </a:r>
-            <a:r>
-              <a:rPr lang="en-GB" sz="2800" dirty="0"/>
-              <a:t>A</a:t>
-            </a:r>
-            <a:r>
-              <a:rPr lang="en-US" sz="2800" dirty="0"/>
-              <a:t>&gt;&gt;</a:t>
-            </a:r>
-            <a:r>
-              <a:rPr lang="en-GB" sz="2800" dirty="0"/>
-              <a:t>V </a:t>
-            </a:r>
-            <a:r>
-              <a:rPr lang="en-US" sz="2800" dirty="0"/>
-              <a:t>occurred (in the suffix) </a:t>
-            </a:r>
-          </a:p>
-          <a:p>
-            <a:endParaRPr lang="en-US" sz="2800" dirty="0"/>
-          </a:p>
-        </p:txBody>
-      </p:sp>
-      <p:sp>
-        <p:nvSpPr>
-          <p:cNvPr id="49" name="TextBox 48">
-            <a:extLst>
-              <a:ext uri="{FF2B5EF4-FFF2-40B4-BE49-F238E27FC236}">
-                <a16:creationId xmlns:a16="http://schemas.microsoft.com/office/drawing/2014/main" id="{E8475689-85B5-4576-B75B-9B12B331E9EB}"/>
-              </a:ext>
-            </a:extLst>
-          </p:cNvPr>
-          <p:cNvSpPr txBox="1"/>
-          <p:nvPr/>
-        </p:nvSpPr>
-        <p:spPr>
-          <a:xfrm>
-            <a:off x="11284744" y="37710651"/>
-            <a:ext cx="6485460" cy="3970318"/>
+            <a:off x="16036747" y="23475009"/>
+            <a:ext cx="5792119" cy="2308324"/>
           </a:xfrm>
           <a:prstGeom prst="rect">
             <a:avLst/>
@@ -16258,36 +17519,18 @@
           <a:lstStyle/>
           <a:p>
             <a:r>
-              <a:rPr lang="en-US" sz="2800" dirty="0"/>
-              <a:t>During this work, the software tool for analyzing data obtained from modified peptide has been developed. It has been tested, it works correctly.</a:t>
+              <a:rPr lang="en-US" sz="2400" dirty="0"/>
+              <a:t>When user clicks on some of the peptides which were in that window, the main frame appears. In the top there is a chosen sequence of amino acids. Just below there is a scrollable panel. There are buttons symbolizing amino acids.</a:t>
             </a:r>
-          </a:p>
-          <a:p>
-            <a:r>
-              <a:rPr lang="en-GB" sz="2800" dirty="0"/>
-              <a:t>In the future, we intend to extend the functionality of </a:t>
-            </a:r>
-            <a:r>
-              <a:rPr lang="en-GB" sz="2800" dirty="0" err="1"/>
-              <a:t>MutationDetector</a:t>
-            </a:r>
-            <a:r>
-              <a:rPr lang="en-GB" sz="2800" dirty="0"/>
-              <a:t> in various ways thereby adapting it to solving special problems.</a:t>
-            </a:r>
-            <a:endParaRPr lang="en-US" sz="2800" dirty="0"/>
-          </a:p>
-          <a:p>
-            <a:endParaRPr lang="en-US" sz="2800" dirty="0"/>
           </a:p>
         </p:txBody>
       </p:sp>
       <p:sp>
         <p:nvSpPr>
-          <p:cNvPr id="50" name="TextBox 49">
+          <p:cNvPr id="326" name="TextBox 325">
             <a:extLst>
               <a:ext uri="{FF2B5EF4-FFF2-40B4-BE49-F238E27FC236}">
-                <a16:creationId xmlns:a16="http://schemas.microsoft.com/office/drawing/2014/main" id="{C30F5B8E-ECBB-49BF-919E-FAB62C03B136}"/>
+                <a16:creationId xmlns:a16="http://schemas.microsoft.com/office/drawing/2014/main" id="{14C6ACA0-5539-4675-AF6A-62061D969F8D}"/>
               </a:ext>
             </a:extLst>
           </p:cNvPr>
@@ -16296,8 +17539,8 @@
         </p:nvSpPr>
         <p:spPr>
           <a:xfrm>
-            <a:off x="19540185" y="32563730"/>
-            <a:ext cx="9583146" cy="7848302"/>
+            <a:off x="16082858" y="28160628"/>
+            <a:ext cx="5792119" cy="1938992"/>
           </a:xfrm>
           <a:prstGeom prst="rect">
             <a:avLst/>
@@ -16310,255 +17553,1383 @@
           </a:bodyPr>
           <a:lstStyle/>
           <a:p>
-            <a:pPr marL="514350" lvl="0" indent="-514350">
-              <a:buFont typeface="+mj-lt"/>
-              <a:buAutoNum type="arabicPeriod"/>
-            </a:pPr>
             <a:r>
-              <a:rPr lang="en-US" sz="2800" dirty="0"/>
-              <a:t>B. Lewin. </a:t>
-            </a:r>
-            <a:r>
-              <a:rPr lang="en-US" sz="2800" i="1" dirty="0"/>
-              <a:t>Cells</a:t>
-            </a:r>
-            <a:r>
-              <a:rPr lang="en-US" sz="2800" dirty="0"/>
-              <a:t>. </a:t>
-            </a:r>
-            <a:r>
-              <a:rPr lang="ru-RU" sz="2800" dirty="0"/>
-              <a:t>БИНОМ </a:t>
-            </a:r>
-            <a:r>
-              <a:rPr lang="en-US" sz="2800" dirty="0"/>
-              <a:t>Russia, 2011. 951 </a:t>
-            </a:r>
-            <a:r>
-              <a:rPr lang="ru-RU" sz="2800" dirty="0"/>
-              <a:t>с</a:t>
-            </a:r>
-            <a:r>
-              <a:rPr lang="en-US" sz="2800" dirty="0"/>
-              <a:t>.</a:t>
+              <a:rPr lang="en-US" sz="2400" dirty="0"/>
+              <a:t>Also there are buttons “Handle prefix” and “Handle suffix”. When a user clicks on some of these buttons, user can then click on one of the amino acids (buttons in the scrollable panel). After that the algorithm begins.</a:t>
             </a:r>
           </a:p>
+        </p:txBody>
+      </p:sp>
+      <p:grpSp>
+        <p:nvGrpSpPr>
+          <p:cNvPr id="102" name="Group 101">
+            <a:extLst>
+              <a:ext uri="{FF2B5EF4-FFF2-40B4-BE49-F238E27FC236}">
+                <a16:creationId xmlns:a16="http://schemas.microsoft.com/office/drawing/2014/main" id="{0DF90F0A-2EDA-4B94-9FB7-B4AEA8E2CD18}"/>
+              </a:ext>
+            </a:extLst>
+          </p:cNvPr>
+          <p:cNvGrpSpPr/>
+          <p:nvPr/>
+        </p:nvGrpSpPr>
+        <p:grpSpPr>
+          <a:xfrm>
+            <a:off x="15935792" y="30245920"/>
+            <a:ext cx="5946948" cy="2338541"/>
+            <a:chOff x="16011992" y="30245920"/>
+            <a:chExt cx="5946948" cy="2338541"/>
+          </a:xfrm>
+        </p:grpSpPr>
+        <p:grpSp>
+          <p:nvGrpSpPr>
+            <p:cNvPr id="54" name="Group 53">
+              <a:extLst>
+                <a:ext uri="{FF2B5EF4-FFF2-40B4-BE49-F238E27FC236}">
+                  <a16:creationId xmlns:a16="http://schemas.microsoft.com/office/drawing/2014/main" id="{EFB6D440-C9C3-472E-8D68-20A563D6CD2D}"/>
+                </a:ext>
+              </a:extLst>
+            </p:cNvPr>
+            <p:cNvGrpSpPr/>
+            <p:nvPr/>
+          </p:nvGrpSpPr>
+          <p:grpSpPr>
+            <a:xfrm>
+              <a:off x="16011992" y="30245920"/>
+              <a:ext cx="5946948" cy="2338541"/>
+              <a:chOff x="22031842" y="20113863"/>
+              <a:chExt cx="5784980" cy="2338541"/>
+            </a:xfrm>
+          </p:grpSpPr>
+          <p:sp>
+            <p:nvSpPr>
+              <p:cNvPr id="328" name="TextBox 327">
+                <a:extLst>
+                  <a:ext uri="{FF2B5EF4-FFF2-40B4-BE49-F238E27FC236}">
+                    <a16:creationId xmlns:a16="http://schemas.microsoft.com/office/drawing/2014/main" id="{279B0DFA-052E-4788-A7C3-BE82E4E75933}"/>
+                  </a:ext>
+                </a:extLst>
+              </p:cNvPr>
+              <p:cNvSpPr txBox="1"/>
+              <p:nvPr/>
+            </p:nvSpPr>
+            <p:spPr>
+              <a:xfrm>
+                <a:off x="22144696" y="20113863"/>
+                <a:ext cx="2896282" cy="523220"/>
+              </a:xfrm>
+              <a:prstGeom prst="rect">
+                <a:avLst/>
+              </a:prstGeom>
+              <a:noFill/>
+            </p:spPr>
+            <p:txBody>
+              <a:bodyPr wrap="square" rtlCol="0">
+                <a:spAutoFit/>
+              </a:bodyPr>
+              <a:lstStyle/>
+              <a:p>
+                <a:r>
+                  <a:rPr lang="en-US" sz="2800" dirty="0"/>
+                  <a:t>5. The algorithm</a:t>
+                </a:r>
+              </a:p>
+            </p:txBody>
+          </p:sp>
+          <mc:AlternateContent xmlns:mc="http://schemas.openxmlformats.org/markup-compatibility/2006">
+            <mc:Choice xmlns:a14="http://schemas.microsoft.com/office/drawing/2010/main" Requires="a14">
+              <p:sp>
+                <p:nvSpPr>
+                  <p:cNvPr id="350" name="Callout: Right Arrow 349">
+                    <a:extLst>
+                      <a:ext uri="{FF2B5EF4-FFF2-40B4-BE49-F238E27FC236}">
+                        <a16:creationId xmlns:a16="http://schemas.microsoft.com/office/drawing/2014/main" id="{276F950C-80AA-4391-995F-68F8AF06F86B}"/>
+                      </a:ext>
+                    </a:extLst>
+                  </p:cNvPr>
+                  <p:cNvSpPr/>
+                  <p:nvPr/>
+                </p:nvSpPr>
+                <p:spPr>
+                  <a:xfrm>
+                    <a:off x="22250771" y="21146824"/>
+                    <a:ext cx="2911346" cy="1305580"/>
+                  </a:xfrm>
+                  <a:prstGeom prst="rightArrowCallout">
+                    <a:avLst>
+                      <a:gd name="adj1" fmla="val 25000"/>
+                      <a:gd name="adj2" fmla="val 25000"/>
+                      <a:gd name="adj3" fmla="val 25000"/>
+                      <a:gd name="adj4" fmla="val 79845"/>
+                    </a:avLst>
+                  </a:prstGeom>
+                  <a:noFill/>
+                  <a:ln w="28575">
+                    <a:solidFill>
+                      <a:srgbClr val="C00000"/>
+                    </a:solidFill>
+                  </a:ln>
+                </p:spPr>
+                <p:style>
+                  <a:lnRef idx="2">
+                    <a:schemeClr val="accent1">
+                      <a:shade val="50000"/>
+                    </a:schemeClr>
+                  </a:lnRef>
+                  <a:fillRef idx="1">
+                    <a:schemeClr val="accent1"/>
+                  </a:fillRef>
+                  <a:effectRef idx="0">
+                    <a:schemeClr val="accent1"/>
+                  </a:effectRef>
+                  <a:fontRef idx="minor">
+                    <a:schemeClr val="lt1"/>
+                  </a:fontRef>
+                </p:style>
+                <p:txBody>
+                  <a:bodyPr rtlCol="0" anchor="ctr"/>
+                  <a:lstStyle/>
+                  <a:p>
+                    <a:pPr algn="ctr"/>
+                    <a:r>
+                      <a:rPr lang="en-US" sz="2000" dirty="0">
+                        <a:solidFill>
+                          <a:schemeClr val="tx1"/>
+                        </a:solidFill>
+                      </a:rPr>
+                      <a:t>Count the error </a:t>
+                    </a:r>
+                  </a:p>
+                  <a:p>
+                    <a:pPr algn="ctr"/>
+                    <a:r>
+                      <a:rPr lang="en-SG" sz="1600" dirty="0">
+                        <a:solidFill>
+                          <a:schemeClr val="tx1"/>
+                        </a:solidFill>
+                      </a:rPr>
+                      <a:t>If prefix: </a:t>
+                    </a:r>
+                    <a14:m>
+                      <m:oMath xmlns:m="http://schemas.openxmlformats.org/officeDocument/2006/math">
+                        <m:r>
+                          <a:rPr lang="en-SG" sz="1600" i="1" smtClean="0">
+                            <a:solidFill>
+                              <a:schemeClr val="tx1"/>
+                            </a:solidFill>
+                          </a:rPr>
+                          <m:t>𝜀</m:t>
+                        </m:r>
+                        <m:r>
+                          <a:rPr lang="en-US" sz="1600" i="1">
+                            <a:solidFill>
+                              <a:schemeClr val="tx1"/>
+                            </a:solidFill>
+                          </a:rPr>
+                          <m:t>= </m:t>
+                        </m:r>
+                        <m:f>
+                          <m:fPr>
+                            <m:ctrlPr>
+                              <a:rPr lang="en-US" sz="1600" i="1">
+                                <a:solidFill>
+                                  <a:schemeClr val="tx1"/>
+                                </a:solidFill>
+                              </a:rPr>
+                            </m:ctrlPr>
+                          </m:fPr>
+                          <m:num>
+                            <m:sSub>
+                              <m:sSubPr>
+                                <m:ctrlPr>
+                                  <a:rPr lang="en-US" sz="1600" i="1">
+                                    <a:solidFill>
+                                      <a:schemeClr val="tx1"/>
+                                    </a:solidFill>
+                                  </a:rPr>
+                                </m:ctrlPr>
+                              </m:sSubPr>
+                              <m:e>
+                                <m:r>
+                                  <a:rPr lang="en-SG" sz="1600" i="1">
+                                    <a:solidFill>
+                                      <a:schemeClr val="tx1"/>
+                                    </a:solidFill>
+                                  </a:rPr>
+                                  <m:t>𝑀</m:t>
+                                </m:r>
+                              </m:e>
+                              <m:sub>
+                                <m:r>
+                                  <a:rPr lang="en-SG" sz="1600" i="1">
+                                    <a:solidFill>
+                                      <a:schemeClr val="tx1"/>
+                                    </a:solidFill>
+                                  </a:rPr>
+                                  <m:t>𝑖</m:t>
+                                </m:r>
+                              </m:sub>
+                            </m:sSub>
+                            <m:r>
+                              <a:rPr lang="en-US" sz="1600" i="1">
+                                <a:solidFill>
+                                  <a:schemeClr val="tx1"/>
+                                </a:solidFill>
+                              </a:rPr>
+                              <m:t>∗</m:t>
+                            </m:r>
+                            <m:r>
+                              <a:rPr lang="en-SG" sz="1600" i="1">
+                                <a:solidFill>
+                                  <a:schemeClr val="tx1"/>
+                                </a:solidFill>
+                              </a:rPr>
+                              <m:t>𝑝𝑝𝑚</m:t>
+                            </m:r>
+                          </m:num>
+                          <m:den>
+                            <m:sSup>
+                              <m:sSupPr>
+                                <m:ctrlPr>
+                                  <a:rPr lang="en-US" sz="1600" i="1">
+                                    <a:solidFill>
+                                      <a:schemeClr val="tx1"/>
+                                    </a:solidFill>
+                                  </a:rPr>
+                                </m:ctrlPr>
+                              </m:sSupPr>
+                              <m:e>
+                                <m:r>
+                                  <a:rPr lang="en-US" sz="1600" i="1">
+                                    <a:solidFill>
+                                      <a:schemeClr val="tx1"/>
+                                    </a:solidFill>
+                                  </a:rPr>
+                                  <m:t>10</m:t>
+                                </m:r>
+                              </m:e>
+                              <m:sup>
+                                <m:r>
+                                  <a:rPr lang="en-US" sz="1600" i="1">
+                                    <a:solidFill>
+                                      <a:schemeClr val="tx1"/>
+                                    </a:solidFill>
+                                  </a:rPr>
+                                  <m:t>6</m:t>
+                                </m:r>
+                              </m:sup>
+                            </m:sSup>
+                          </m:den>
+                        </m:f>
+                      </m:oMath>
+                    </a14:m>
+                    <a:r>
+                      <a:rPr lang="en-SG" sz="1600" dirty="0">
+                        <a:solidFill>
+                          <a:schemeClr val="tx1"/>
+                        </a:solidFill>
+                      </a:rPr>
+                      <a:t> </a:t>
+                    </a:r>
+                    <a:endParaRPr lang="en-US" sz="1600" dirty="0">
+                      <a:solidFill>
+                        <a:schemeClr val="tx1"/>
+                      </a:solidFill>
+                    </a:endParaRPr>
+                  </a:p>
+                  <a:p>
+                    <a:pPr algn="ctr"/>
+                    <a:r>
+                      <a:rPr lang="en-US" sz="1600" dirty="0">
+                        <a:solidFill>
+                          <a:schemeClr val="tx1"/>
+                        </a:solidFill>
+                      </a:rPr>
+                      <a:t>if suffix </a:t>
+                    </a:r>
+                    <a14:m>
+                      <m:oMath xmlns:m="http://schemas.openxmlformats.org/officeDocument/2006/math">
+                        <m:r>
+                          <a:rPr lang="en-SG" sz="1600" i="1">
+                            <a:solidFill>
+                              <a:schemeClr val="tx1"/>
+                            </a:solidFill>
+                            <a:latin typeface="Cambria Math" panose="02040503050406030204" pitchFamily="18" charset="0"/>
+                          </a:rPr>
+                          <m:t>𝜀</m:t>
+                        </m:r>
+                      </m:oMath>
+                    </a14:m>
+                    <a:r>
+                      <a:rPr lang="en-US" sz="1600" dirty="0">
+                        <a:solidFill>
+                          <a:schemeClr val="tx1"/>
+                        </a:solidFill>
+                      </a:rPr>
+                      <a:t> </a:t>
+                    </a:r>
+                    <a14:m>
+                      <m:oMath xmlns:m="http://schemas.openxmlformats.org/officeDocument/2006/math">
+                        <m:r>
+                          <a:rPr lang="en-US" sz="1600" i="1" smtClean="0">
+                            <a:solidFill>
+                              <a:schemeClr val="tx1"/>
+                            </a:solidFill>
+                          </a:rPr>
+                          <m:t>=</m:t>
+                        </m:r>
+                        <m:sSub>
+                          <m:sSubPr>
+                            <m:ctrlPr>
+                              <a:rPr lang="en-US" sz="1600" i="1">
+                                <a:solidFill>
+                                  <a:schemeClr val="tx1"/>
+                                </a:solidFill>
+                              </a:rPr>
+                            </m:ctrlPr>
+                          </m:sSubPr>
+                          <m:e>
+                            <m:r>
+                              <a:rPr lang="en-SG" sz="1600" i="1">
+                                <a:solidFill>
+                                  <a:schemeClr val="tx1"/>
+                                </a:solidFill>
+                              </a:rPr>
+                              <m:t>𝑀</m:t>
+                            </m:r>
+                          </m:e>
+                          <m:sub>
+                            <m:r>
+                              <a:rPr lang="en-US" sz="1600" i="1">
+                                <a:solidFill>
+                                  <a:schemeClr val="tx1"/>
+                                </a:solidFill>
+                              </a:rPr>
+                              <m:t>0</m:t>
+                            </m:r>
+                          </m:sub>
+                        </m:sSub>
+                        <m:r>
+                          <a:rPr lang="en-US" sz="1600" i="1">
+                            <a:solidFill>
+                              <a:schemeClr val="tx1"/>
+                            </a:solidFill>
+                          </a:rPr>
+                          <m:t>+ </m:t>
+                        </m:r>
+                        <m:f>
+                          <m:fPr>
+                            <m:ctrlPr>
+                              <a:rPr lang="en-US" sz="1600" i="1">
+                                <a:solidFill>
+                                  <a:schemeClr val="tx1"/>
+                                </a:solidFill>
+                              </a:rPr>
+                            </m:ctrlPr>
+                          </m:fPr>
+                          <m:num>
+                            <m:sSub>
+                              <m:sSubPr>
+                                <m:ctrlPr>
+                                  <a:rPr lang="en-US" sz="1600" i="1">
+                                    <a:solidFill>
+                                      <a:schemeClr val="tx1"/>
+                                    </a:solidFill>
+                                  </a:rPr>
+                                </m:ctrlPr>
+                              </m:sSubPr>
+                              <m:e>
+                                <m:r>
+                                  <a:rPr lang="en-SG" sz="1600" i="1">
+                                    <a:solidFill>
+                                      <a:schemeClr val="tx1"/>
+                                    </a:solidFill>
+                                  </a:rPr>
+                                  <m:t>𝑀</m:t>
+                                </m:r>
+                              </m:e>
+                              <m:sub>
+                                <m:r>
+                                  <a:rPr lang="en-SG" sz="1600" i="1">
+                                    <a:solidFill>
+                                      <a:schemeClr val="tx1"/>
+                                    </a:solidFill>
+                                  </a:rPr>
+                                  <m:t>𝑖</m:t>
+                                </m:r>
+                              </m:sub>
+                            </m:sSub>
+                            <m:r>
+                              <a:rPr lang="en-US" sz="1600" i="1">
+                                <a:solidFill>
+                                  <a:schemeClr val="tx1"/>
+                                </a:solidFill>
+                              </a:rPr>
+                              <m:t>∗</m:t>
+                            </m:r>
+                            <m:r>
+                              <a:rPr lang="en-SG" sz="1600" i="1">
+                                <a:solidFill>
+                                  <a:schemeClr val="tx1"/>
+                                </a:solidFill>
+                              </a:rPr>
+                              <m:t>𝑝𝑝𝑚</m:t>
+                            </m:r>
+                          </m:num>
+                          <m:den>
+                            <m:sSup>
+                              <m:sSupPr>
+                                <m:ctrlPr>
+                                  <a:rPr lang="en-US" sz="1600" i="1">
+                                    <a:solidFill>
+                                      <a:schemeClr val="tx1"/>
+                                    </a:solidFill>
+                                  </a:rPr>
+                                </m:ctrlPr>
+                              </m:sSupPr>
+                              <m:e>
+                                <m:r>
+                                  <a:rPr lang="en-US" sz="1600" i="1">
+                                    <a:solidFill>
+                                      <a:schemeClr val="tx1"/>
+                                    </a:solidFill>
+                                  </a:rPr>
+                                  <m:t>10</m:t>
+                                </m:r>
+                              </m:e>
+                              <m:sup>
+                                <m:r>
+                                  <a:rPr lang="en-US" sz="1600" i="1">
+                                    <a:solidFill>
+                                      <a:schemeClr val="tx1"/>
+                                    </a:solidFill>
+                                  </a:rPr>
+                                  <m:t>6</m:t>
+                                </m:r>
+                              </m:sup>
+                            </m:sSup>
+                          </m:den>
+                        </m:f>
+                      </m:oMath>
+                    </a14:m>
+                    <a:endParaRPr lang="en-US" dirty="0">
+                      <a:solidFill>
+                        <a:schemeClr val="tx1"/>
+                      </a:solidFill>
+                    </a:endParaRPr>
+                  </a:p>
+                </p:txBody>
+              </p:sp>
+            </mc:Choice>
+            <mc:Fallback>
+              <p:sp>
+                <p:nvSpPr>
+                  <p:cNvPr id="350" name="Callout: Right Arrow 349">
+                    <a:extLst>
+                      <a:ext uri="{FF2B5EF4-FFF2-40B4-BE49-F238E27FC236}">
+                        <a16:creationId xmlns:a16="http://schemas.microsoft.com/office/drawing/2014/main" id="{276F950C-80AA-4391-995F-68F8AF06F86B}"/>
+                      </a:ext>
+                    </a:extLst>
+                  </p:cNvPr>
+                  <p:cNvSpPr>
+                    <a:spLocks noRot="1" noChangeAspect="1" noMove="1" noResize="1" noEditPoints="1" noAdjustHandles="1" noChangeArrowheads="1" noChangeShapeType="1" noTextEdit="1"/>
+                  </p:cNvSpPr>
+                  <p:nvPr/>
+                </p:nvSpPr>
+                <p:spPr>
+                  <a:xfrm>
+                    <a:off x="22250771" y="21146824"/>
+                    <a:ext cx="2911346" cy="1305580"/>
+                  </a:xfrm>
+                  <a:prstGeom prst="rightArrowCallout">
+                    <a:avLst>
+                      <a:gd name="adj1" fmla="val 25000"/>
+                      <a:gd name="adj2" fmla="val 25000"/>
+                      <a:gd name="adj3" fmla="val 25000"/>
+                      <a:gd name="adj4" fmla="val 79845"/>
+                    </a:avLst>
+                  </a:prstGeom>
+                  <a:blipFill>
+                    <a:blip r:embed="rId24"/>
+                    <a:stretch>
+                      <a:fillRect/>
+                    </a:stretch>
+                  </a:blipFill>
+                  <a:ln w="28575">
+                    <a:solidFill>
+                      <a:srgbClr val="C00000"/>
+                    </a:solidFill>
+                  </a:ln>
+                </p:spPr>
+                <p:txBody>
+                  <a:bodyPr/>
+                  <a:lstStyle/>
+                  <a:p>
+                    <a:r>
+                      <a:rPr lang="en-US">
+                        <a:noFill/>
+                      </a:rPr>
+                      <a:t> </a:t>
+                    </a:r>
+                  </a:p>
+                </p:txBody>
+              </p:sp>
+            </mc:Fallback>
+          </mc:AlternateContent>
+          <p:sp>
+            <p:nvSpPr>
+              <p:cNvPr id="353" name="TextBox 352">
+                <a:extLst>
+                  <a:ext uri="{FF2B5EF4-FFF2-40B4-BE49-F238E27FC236}">
+                    <a16:creationId xmlns:a16="http://schemas.microsoft.com/office/drawing/2014/main" id="{851A48A1-486B-428F-B35D-1E40A6AE6BB0}"/>
+                  </a:ext>
+                </a:extLst>
+              </p:cNvPr>
+              <p:cNvSpPr txBox="1"/>
+              <p:nvPr/>
+            </p:nvSpPr>
+            <p:spPr>
+              <a:xfrm>
+                <a:off x="22031842" y="20590944"/>
+                <a:ext cx="5784980" cy="461665"/>
+              </a:xfrm>
+              <a:prstGeom prst="rect">
+                <a:avLst/>
+              </a:prstGeom>
+              <a:noFill/>
+            </p:spPr>
+            <p:txBody>
+              <a:bodyPr wrap="square" rtlCol="0">
+                <a:spAutoFit/>
+              </a:bodyPr>
+              <a:lstStyle/>
+              <a:p>
+                <a:pPr algn="ctr"/>
+                <a:r>
+                  <a:rPr lang="en-GB" sz="2400" dirty="0"/>
+                  <a:t>For each position in the suffix or in the prefix</a:t>
+                </a:r>
+                <a:endParaRPr lang="en-US" sz="2400" dirty="0"/>
+              </a:p>
+            </p:txBody>
+          </p:sp>
+        </p:grpSp>
+        <mc:AlternateContent xmlns:mc="http://schemas.openxmlformats.org/markup-compatibility/2006">
+          <mc:Choice xmlns:a14="http://schemas.microsoft.com/office/drawing/2010/main" Requires="a14">
+            <p:sp>
+              <p:nvSpPr>
+                <p:cNvPr id="55" name="Rectangle 54">
+                  <a:extLst>
+                    <a:ext uri="{FF2B5EF4-FFF2-40B4-BE49-F238E27FC236}">
+                      <a16:creationId xmlns:a16="http://schemas.microsoft.com/office/drawing/2014/main" id="{6C800EFD-B02D-4498-91F4-CBDDB34CA764}"/>
+                    </a:ext>
+                  </a:extLst>
+                </p:cNvPr>
+                <p:cNvSpPr/>
+                <p:nvPr/>
+              </p:nvSpPr>
+              <p:spPr>
+                <a:xfrm>
+                  <a:off x="19291617" y="31278881"/>
+                  <a:ext cx="2332657" cy="1305580"/>
+                </a:xfrm>
+                <a:prstGeom prst="rect">
+                  <a:avLst/>
+                </a:prstGeom>
+                <a:noFill/>
+                <a:ln w="28575">
+                  <a:solidFill>
+                    <a:srgbClr val="C00000"/>
+                  </a:solidFill>
+                </a:ln>
+              </p:spPr>
+              <p:style>
+                <a:lnRef idx="2">
+                  <a:schemeClr val="accent1">
+                    <a:shade val="50000"/>
+                  </a:schemeClr>
+                </a:lnRef>
+                <a:fillRef idx="1">
+                  <a:schemeClr val="accent1"/>
+                </a:fillRef>
+                <a:effectRef idx="0">
+                  <a:schemeClr val="accent1"/>
+                </a:effectRef>
+                <a:fontRef idx="minor">
+                  <a:schemeClr val="lt1"/>
+                </a:fontRef>
+              </p:style>
+              <p:txBody>
+                <a:bodyPr rtlCol="0" anchor="ctr"/>
+                <a:lstStyle/>
+                <a:p>
+                  <a:pPr algn="ctr"/>
+                  <a:r>
+                    <a:rPr lang="en-US" dirty="0">
+                      <a:solidFill>
+                        <a:schemeClr val="tx1"/>
+                      </a:solidFill>
+                    </a:rPr>
+                    <a:t>Check if there is a   sub or a PTM, with ∆m </a:t>
+                  </a:r>
+                  <a14:m>
+                    <m:oMath xmlns:m="http://schemas.openxmlformats.org/officeDocument/2006/math">
+                      <m:r>
+                        <a:rPr lang="en-US" i="1">
+                          <a:solidFill>
+                            <a:schemeClr val="tx1"/>
+                          </a:solidFill>
+                          <a:latin typeface="Cambria Math" panose="02040503050406030204" pitchFamily="18" charset="0"/>
+                          <a:ea typeface="Cambria Math" panose="02040503050406030204" pitchFamily="18" charset="0"/>
+                        </a:rPr>
+                        <m:t>∈</m:t>
+                      </m:r>
+                    </m:oMath>
+                  </a14:m>
+                  <a:endParaRPr lang="en-US" dirty="0">
+                    <a:solidFill>
+                      <a:schemeClr val="tx1"/>
+                    </a:solidFill>
+                  </a:endParaRPr>
+                </a:p>
+                <a:p>
+                  <a:pPr algn="ctr"/>
+                  <a:r>
+                    <a:rPr lang="en-US" dirty="0">
+                      <a:solidFill>
+                        <a:schemeClr val="tx1"/>
+                      </a:solidFill>
+                    </a:rPr>
+                    <a:t> (∆M - </a:t>
+                  </a:r>
+                  <a14:m>
+                    <m:oMath xmlns:m="http://schemas.openxmlformats.org/officeDocument/2006/math">
+                      <m:r>
+                        <a:rPr lang="en-SG" i="1">
+                          <a:solidFill>
+                            <a:schemeClr val="tx1"/>
+                          </a:solidFill>
+                          <a:latin typeface="Cambria Math" panose="02040503050406030204" pitchFamily="18" charset="0"/>
+                        </a:rPr>
+                        <m:t>𝜀</m:t>
+                      </m:r>
+                    </m:oMath>
+                  </a14:m>
+                  <a:r>
+                    <a:rPr lang="en-US" dirty="0">
+                      <a:solidFill>
+                        <a:schemeClr val="tx1"/>
+                      </a:solidFill>
+                    </a:rPr>
+                    <a:t>; ∆M + </a:t>
+                  </a:r>
+                  <a14:m>
+                    <m:oMath xmlns:m="http://schemas.openxmlformats.org/officeDocument/2006/math">
+                      <m:r>
+                        <a:rPr lang="en-SG" i="1">
+                          <a:solidFill>
+                            <a:schemeClr val="tx1"/>
+                          </a:solidFill>
+                          <a:latin typeface="Cambria Math" panose="02040503050406030204" pitchFamily="18" charset="0"/>
+                        </a:rPr>
+                        <m:t>𝜀</m:t>
+                      </m:r>
+                    </m:oMath>
+                  </a14:m>
+                  <a:r>
+                    <a:rPr lang="en-US" dirty="0">
+                      <a:solidFill>
+                        <a:schemeClr val="tx1"/>
+                      </a:solidFill>
+                    </a:rPr>
+                    <a:t>)  </a:t>
+                  </a:r>
+                  <a:endParaRPr lang="en-US" sz="1400" dirty="0">
+                    <a:solidFill>
+                      <a:schemeClr val="tx1"/>
+                    </a:solidFill>
+                  </a:endParaRPr>
+                </a:p>
+              </p:txBody>
+            </p:sp>
+          </mc:Choice>
+          <mc:Fallback>
+            <p:sp>
+              <p:nvSpPr>
+                <p:cNvPr id="55" name="Rectangle 54">
+                  <a:extLst>
+                    <a:ext uri="{FF2B5EF4-FFF2-40B4-BE49-F238E27FC236}">
+                      <a16:creationId xmlns:a16="http://schemas.microsoft.com/office/drawing/2014/main" id="{6C800EFD-B02D-4498-91F4-CBDDB34CA764}"/>
+                    </a:ext>
+                  </a:extLst>
+                </p:cNvPr>
+                <p:cNvSpPr>
+                  <a:spLocks noRot="1" noChangeAspect="1" noMove="1" noResize="1" noEditPoints="1" noAdjustHandles="1" noChangeArrowheads="1" noChangeShapeType="1" noTextEdit="1"/>
+                </p:cNvSpPr>
+                <p:nvPr/>
+              </p:nvSpPr>
+              <p:spPr>
+                <a:xfrm>
+                  <a:off x="19291617" y="31278881"/>
+                  <a:ext cx="2332657" cy="1305580"/>
+                </a:xfrm>
+                <a:prstGeom prst="rect">
+                  <a:avLst/>
+                </a:prstGeom>
+                <a:blipFill>
+                  <a:blip r:embed="rId25"/>
+                  <a:stretch>
+                    <a:fillRect l="-1289" r="-3093"/>
+                  </a:stretch>
+                </a:blipFill>
+                <a:ln w="28575">
+                  <a:solidFill>
+                    <a:srgbClr val="C00000"/>
+                  </a:solidFill>
+                </a:ln>
+              </p:spPr>
+              <p:txBody>
+                <a:bodyPr/>
+                <a:lstStyle/>
+                <a:p>
+                  <a:r>
+                    <a:rPr lang="en-US">
+                      <a:noFill/>
+                    </a:rPr>
+                    <a:t> </a:t>
+                  </a:r>
+                </a:p>
+              </p:txBody>
+            </p:sp>
+          </mc:Fallback>
+        </mc:AlternateContent>
+      </p:grpSp>
+      <p:sp>
+        <p:nvSpPr>
+          <p:cNvPr id="112" name="TextBox 111">
+            <a:extLst>
+              <a:ext uri="{FF2B5EF4-FFF2-40B4-BE49-F238E27FC236}">
+                <a16:creationId xmlns:a16="http://schemas.microsoft.com/office/drawing/2014/main" id="{38E88E81-A5D2-44C2-95F8-C5D62346775F}"/>
+              </a:ext>
+            </a:extLst>
+          </p:cNvPr>
+          <p:cNvSpPr txBox="1"/>
+          <p:nvPr/>
+        </p:nvSpPr>
+        <p:spPr>
+          <a:xfrm>
+            <a:off x="22150336" y="26542664"/>
+            <a:ext cx="6842777" cy="6370975"/>
+          </a:xfrm>
+          <a:prstGeom prst="rect">
+            <a:avLst/>
+          </a:prstGeom>
+          <a:noFill/>
+        </p:spPr>
+        <p:txBody>
+          <a:bodyPr wrap="square" rtlCol="0">
+            <a:spAutoFit/>
+          </a:bodyPr>
+          <a:lstStyle/>
           <a:p>
-            <a:pPr marL="514350" lvl="0" indent="-514350">
-              <a:buFont typeface="+mj-lt"/>
-              <a:buAutoNum type="arabicPeriod"/>
-            </a:pPr>
             <a:r>
-              <a:rPr lang="en-US" sz="2800" dirty="0"/>
-              <a:t>S. </a:t>
+              <a:rPr lang="en-US" sz="2400" dirty="0"/>
+              <a:t>When a user clicks on one of the “A”s  in the top sequence, first of these “A”s appears on the purple background since the remaining appear on pale green background, because first “A” does not fit the conditions since the mistake is not enough big (mass of prefix is not big enough). </a:t>
             </a:r>
-            <a:r>
-              <a:rPr lang="en-US" sz="2800" dirty="0" err="1"/>
-              <a:t>Nie</a:t>
-            </a:r>
-            <a:r>
-              <a:rPr lang="en-US" sz="2800" dirty="0"/>
-              <a:t>, H. Yin, Z. Tan, M. A. Anderson, M. T. Ruffin, D. M. Simeone, D. M. </a:t>
-            </a:r>
-            <a:r>
-              <a:rPr lang="en-US" sz="2800" dirty="0" err="1"/>
-              <a:t>Lubman</a:t>
-            </a:r>
-            <a:r>
-              <a:rPr lang="en-US" sz="2800" dirty="0"/>
-              <a:t>. </a:t>
-            </a:r>
-            <a:r>
-              <a:rPr lang="en-US" sz="2800" i="1" dirty="0"/>
-              <a:t>Quantitative Analysis of Single Amino Acid Variant Peptides Associated with Pancreatic Cancer in Serum by an Isobaric Labeling Quantitative Method</a:t>
-            </a:r>
-            <a:r>
-              <a:rPr lang="en-US" sz="2800" dirty="0"/>
-              <a:t>. J Proteome Res. 2014, 13(12):6058–6066.</a:t>
-            </a:r>
-          </a:p>
-          <a:p>
-            <a:pPr marL="514350" lvl="0" indent="-514350">
-              <a:buFont typeface="+mj-lt"/>
-              <a:buAutoNum type="arabicPeriod"/>
-            </a:pPr>
-            <a:r>
-              <a:rPr lang="en-US" sz="2800" dirty="0"/>
-              <a:t>K. </a:t>
-            </a:r>
-            <a:r>
-              <a:rPr lang="en-US" sz="2800" dirty="0" err="1"/>
-              <a:t>Vyatkina</a:t>
-            </a:r>
-            <a:r>
-              <a:rPr lang="en-US" sz="2800" dirty="0"/>
-              <a:t>, S. Wu, L. J. M. Dekker, M. M. </a:t>
-            </a:r>
-            <a:r>
-              <a:rPr lang="en-US" sz="2800" dirty="0" err="1"/>
-              <a:t>VanDuijn</a:t>
-            </a:r>
-            <a:r>
-              <a:rPr lang="en-US" sz="2800" dirty="0"/>
-              <a:t>, X. Liu, N. </a:t>
-            </a:r>
-            <a:r>
-              <a:rPr lang="en-US" sz="2800" dirty="0" err="1"/>
-              <a:t>Tolic</a:t>
-            </a:r>
-            <a:r>
-              <a:rPr lang="en-US" sz="2800" dirty="0"/>
-              <a:t>, M. </a:t>
-            </a:r>
-            <a:r>
-              <a:rPr lang="en-US" sz="2800" dirty="0" err="1"/>
-              <a:t>Dvorkin</a:t>
-            </a:r>
-            <a:r>
-              <a:rPr lang="en-US" sz="2800" dirty="0"/>
-              <a:t>, S. </a:t>
-            </a:r>
-            <a:r>
-              <a:rPr lang="en-US" sz="2800" dirty="0" err="1"/>
-              <a:t>Alexandrova</a:t>
-            </a:r>
-            <a:r>
-              <a:rPr lang="en-US" sz="2800" dirty="0"/>
-              <a:t>, T. M. </a:t>
-            </a:r>
-            <a:r>
-              <a:rPr lang="en-US" sz="2800" dirty="0" err="1"/>
-              <a:t>Luider</a:t>
-            </a:r>
-            <a:r>
-              <a:rPr lang="en-US" sz="2800" dirty="0"/>
-              <a:t>, L. </a:t>
-            </a:r>
-            <a:r>
-              <a:rPr lang="en-US" sz="2800" dirty="0" err="1"/>
-              <a:t>Pasa-Tolic</a:t>
-            </a:r>
-            <a:r>
-              <a:rPr lang="en-US" sz="2800" dirty="0"/>
-              <a:t>, P. A. </a:t>
-            </a:r>
-            <a:r>
-              <a:rPr lang="en-US" sz="2800" dirty="0" err="1"/>
-              <a:t>Pevzner</a:t>
-            </a:r>
-            <a:r>
-              <a:rPr lang="en-US" sz="2800" dirty="0"/>
-              <a:t>. </a:t>
-            </a:r>
-            <a:r>
-              <a:rPr lang="en-US" sz="2800" i="1" dirty="0"/>
-              <a:t>De Novo Sequencing of Peptides from Top-Down Tandem Mass Spectra</a:t>
-            </a:r>
-            <a:r>
-              <a:rPr lang="en-US" sz="2800" dirty="0"/>
-              <a:t>. J Proteome Res. 2015, 14(11):4450-4462.</a:t>
-            </a:r>
-          </a:p>
-          <a:p>
-            <a:pPr marL="514350" lvl="0" indent="-514350">
-              <a:buFont typeface="+mj-lt"/>
-              <a:buAutoNum type="arabicPeriod"/>
-            </a:pPr>
-            <a:r>
-              <a:rPr lang="en-US" sz="2800" dirty="0" err="1"/>
-              <a:t>Qisheng</a:t>
-            </a:r>
-            <a:r>
-              <a:rPr lang="en-US" sz="2800" dirty="0"/>
-              <a:t> Peng, </a:t>
-            </a:r>
-            <a:r>
-              <a:rPr lang="en-US" sz="2800" dirty="0" err="1"/>
-              <a:t>Zijian</a:t>
-            </a:r>
-            <a:r>
-              <a:rPr lang="en-US" sz="2800" dirty="0"/>
-              <a:t> Wang, </a:t>
-            </a:r>
-            <a:r>
-              <a:rPr lang="en-US" sz="2800" dirty="0" err="1"/>
-              <a:t>Donglin</a:t>
-            </a:r>
-            <a:r>
-              <a:rPr lang="en-US" sz="2800" dirty="0"/>
-              <a:t> Wu, </a:t>
-            </a:r>
-            <a:r>
-              <a:rPr lang="en-US" sz="2800" dirty="0" err="1"/>
-              <a:t>Xiaoou</a:t>
-            </a:r>
-            <a:r>
-              <a:rPr lang="en-US" sz="2800" dirty="0"/>
-              <a:t> Li, </a:t>
-            </a:r>
-            <a:r>
-              <a:rPr lang="en-US" sz="2800" dirty="0" err="1"/>
-              <a:t>Xiaofeng</a:t>
-            </a:r>
-            <a:r>
-              <a:rPr lang="en-US" sz="2800" dirty="0"/>
-              <a:t> Liu, </a:t>
-            </a:r>
-            <a:r>
-              <a:rPr lang="en-US" sz="2800" dirty="0" err="1"/>
-              <a:t>Wanchun</a:t>
-            </a:r>
-            <a:r>
-              <a:rPr lang="en-US" sz="2800" dirty="0"/>
-              <a:t> Sun, Ning Liu. </a:t>
-            </a:r>
-            <a:r>
-              <a:rPr lang="en-US" sz="2800" i="1" dirty="0"/>
-              <a:t>Identification of single amino acid substitutions (SAAS) in neuraminidase from influenza a virus (H1N1) via mass spectrometry analysis coupled with de novo peptide sequencing.</a:t>
-            </a:r>
-            <a:endParaRPr lang="en-US" sz="2800" dirty="0"/>
+            <a:endParaRPr lang="en-US" altLang="en-US" sz="2400" dirty="0">
+              <a:solidFill>
+                <a:srgbClr val="000000"/>
+              </a:solidFill>
+              <a:ea typeface="Times New Roman" panose="02020603050405020304" pitchFamily="18" charset="0"/>
+              <a:cs typeface="Times New Roman" panose="02020603050405020304" pitchFamily="18" charset="0"/>
+            </a:endParaRPr>
           </a:p>
           <a:p>
             <a:r>
-              <a:rPr lang="en-US" sz="2800" dirty="0"/>
-              <a:t>      </a:t>
+              <a:rPr lang="en-US" altLang="en-US" sz="2400" dirty="0">
+                <a:solidFill>
+                  <a:srgbClr val="000000"/>
+                </a:solidFill>
+                <a:ea typeface="Times New Roman" panose="02020603050405020304" pitchFamily="18" charset="0"/>
+                <a:cs typeface="Times New Roman" panose="02020603050405020304" pitchFamily="18" charset="0"/>
+              </a:rPr>
+              <a:t>The substitution which could occur in those positions is A &gt;&gt; V some of the codons (encoding these amino acids) are connected with colorful lines. They are connected because the only difference between them is one nucleotide. For example, codon GCA encode A, GTA encode V, the difference between them is that on the second position there are different nucleotides. If SNP in which nucleotide C substitutes with nucleotide T occurs, a substitution A&gt;&gt;V occurs. </a:t>
             </a:r>
-            <a:r>
-              <a:rPr lang="ru-RU" sz="2800" dirty="0" err="1"/>
-              <a:t>Rapid</a:t>
-            </a:r>
-            <a:r>
-              <a:rPr lang="ru-RU" sz="2800" dirty="0"/>
-              <a:t> </a:t>
-            </a:r>
-            <a:r>
-              <a:rPr lang="ru-RU" sz="2800" dirty="0" err="1"/>
-              <a:t>Commun</a:t>
-            </a:r>
-            <a:r>
-              <a:rPr lang="ru-RU" sz="2800" dirty="0"/>
-              <a:t>. </a:t>
-            </a:r>
-            <a:r>
-              <a:rPr lang="ru-RU" sz="2800" dirty="0" err="1"/>
-              <a:t>Mass</a:t>
-            </a:r>
-            <a:r>
-              <a:rPr lang="ru-RU" sz="2800" dirty="0"/>
-              <a:t> </a:t>
-            </a:r>
-            <a:r>
-              <a:rPr lang="ru-RU" sz="2800" dirty="0" err="1"/>
-              <a:t>Spectrom</a:t>
-            </a:r>
-            <a:r>
-              <a:rPr lang="ru-RU" sz="2800" dirty="0"/>
-              <a:t>. 2016</a:t>
-            </a:r>
-            <a:endParaRPr lang="en-US" sz="2800" dirty="0"/>
+            <a:endParaRPr lang="en-US" altLang="en-US" sz="2400" dirty="0">
+              <a:cs typeface="Times New Roman" panose="02020603050405020304" pitchFamily="18" charset="0"/>
+            </a:endParaRPr>
           </a:p>
           <a:p>
-            <a:endParaRPr lang="en-US" sz="2800" dirty="0"/>
+            <a:endParaRPr lang="en-US" sz="2400" dirty="0">
+              <a:cs typeface="Times New Roman" panose="02020603050405020304" pitchFamily="18" charset="0"/>
+            </a:endParaRPr>
+          </a:p>
+        </p:txBody>
+      </p:sp>
+      <p:sp>
+        <p:nvSpPr>
+          <p:cNvPr id="374" name="TextBox 373">
+            <a:extLst>
+              <a:ext uri="{FF2B5EF4-FFF2-40B4-BE49-F238E27FC236}">
+                <a16:creationId xmlns:a16="http://schemas.microsoft.com/office/drawing/2014/main" id="{2C6405EC-3D86-4538-A219-43EB35765B82}"/>
+              </a:ext>
+            </a:extLst>
+          </p:cNvPr>
+          <p:cNvSpPr txBox="1"/>
+          <p:nvPr/>
+        </p:nvSpPr>
+        <p:spPr>
+          <a:xfrm>
+            <a:off x="1325042" y="24019030"/>
+            <a:ext cx="1181734" cy="646331"/>
+          </a:xfrm>
+          <a:prstGeom prst="rect">
+            <a:avLst/>
+          </a:prstGeom>
+          <a:noFill/>
+        </p:spPr>
+        <p:txBody>
+          <a:bodyPr wrap="none" rtlCol="0">
+            <a:spAutoFit/>
+          </a:bodyPr>
+          <a:lstStyle/>
+          <a:p>
+            <a:r>
+              <a:rPr lang="en-GB" sz="3600" dirty="0"/>
+              <a:t>Input</a:t>
+            </a:r>
+          </a:p>
+        </p:txBody>
+      </p:sp>
+      <p:grpSp>
+        <p:nvGrpSpPr>
+          <p:cNvPr id="375" name="Group 374">
+            <a:extLst>
+              <a:ext uri="{FF2B5EF4-FFF2-40B4-BE49-F238E27FC236}">
+                <a16:creationId xmlns:a16="http://schemas.microsoft.com/office/drawing/2014/main" id="{2625CADA-89F4-4052-A8DA-2A521B7C29E2}"/>
+              </a:ext>
+            </a:extLst>
+          </p:cNvPr>
+          <p:cNvGrpSpPr/>
+          <p:nvPr/>
+        </p:nvGrpSpPr>
+        <p:grpSpPr>
+          <a:xfrm>
+            <a:off x="4356392" y="24704334"/>
+            <a:ext cx="1470897" cy="1940206"/>
+            <a:chOff x="14789776" y="17295332"/>
+            <a:chExt cx="1470897" cy="1940206"/>
+          </a:xfrm>
+        </p:grpSpPr>
+        <p:grpSp>
+          <p:nvGrpSpPr>
+            <p:cNvPr id="376" name="Группа 36">
+              <a:extLst>
+                <a:ext uri="{FF2B5EF4-FFF2-40B4-BE49-F238E27FC236}">
+                  <a16:creationId xmlns:a16="http://schemas.microsoft.com/office/drawing/2014/main" id="{CC1BC274-8695-4537-B18B-B77BC779DB1C}"/>
+                </a:ext>
+              </a:extLst>
+            </p:cNvPr>
+            <p:cNvGrpSpPr>
+              <a:grpSpLocks noChangeAspect="1"/>
+            </p:cNvGrpSpPr>
+            <p:nvPr/>
+          </p:nvGrpSpPr>
+          <p:grpSpPr>
+            <a:xfrm>
+              <a:off x="14847779" y="17295332"/>
+              <a:ext cx="958026" cy="1337732"/>
+              <a:chOff x="1553592" y="2281561"/>
+              <a:chExt cx="1455938" cy="2032987"/>
+            </a:xfrm>
+          </p:grpSpPr>
+          <p:sp>
+            <p:nvSpPr>
+              <p:cNvPr id="378" name="Прямоугольник: один усеченный угол 37">
+                <a:extLst>
+                  <a:ext uri="{FF2B5EF4-FFF2-40B4-BE49-F238E27FC236}">
+                    <a16:creationId xmlns:a16="http://schemas.microsoft.com/office/drawing/2014/main" id="{E4B44B5F-AA51-4AC0-852D-21A49B5F7768}"/>
+                  </a:ext>
+                </a:extLst>
+              </p:cNvPr>
+              <p:cNvSpPr/>
+              <p:nvPr/>
+            </p:nvSpPr>
+            <p:spPr>
+              <a:xfrm>
+                <a:off x="1553592" y="2281561"/>
+                <a:ext cx="1455938" cy="2032987"/>
+              </a:xfrm>
+              <a:prstGeom prst="snip1Rect">
+                <a:avLst/>
+              </a:prstGeom>
+              <a:solidFill>
+                <a:schemeClr val="bg1"/>
+              </a:solidFill>
+              <a:ln w="28575">
+                <a:solidFill>
+                  <a:schemeClr val="tx1"/>
+                </a:solidFill>
+              </a:ln>
+            </p:spPr>
+            <p:style>
+              <a:lnRef idx="2">
+                <a:schemeClr val="accent1">
+                  <a:shade val="50000"/>
+                </a:schemeClr>
+              </a:lnRef>
+              <a:fillRef idx="1">
+                <a:schemeClr val="accent1"/>
+              </a:fillRef>
+              <a:effectRef idx="0">
+                <a:schemeClr val="accent1"/>
+              </a:effectRef>
+              <a:fontRef idx="minor">
+                <a:schemeClr val="lt1"/>
+              </a:fontRef>
+            </p:style>
+            <p:txBody>
+              <a:bodyPr rtlCol="0" anchor="ctr"/>
+              <a:lstStyle/>
+              <a:p>
+                <a:pPr algn="ctr"/>
+                <a:endParaRPr lang="ru-RU"/>
+              </a:p>
+            </p:txBody>
+          </p:sp>
+          <p:cxnSp>
+            <p:nvCxnSpPr>
+              <p:cNvPr id="379" name="Прямая соединительная линия 38">
+                <a:extLst>
+                  <a:ext uri="{FF2B5EF4-FFF2-40B4-BE49-F238E27FC236}">
+                    <a16:creationId xmlns:a16="http://schemas.microsoft.com/office/drawing/2014/main" id="{E69E7DE9-BEEB-4F1B-B3C7-662B03B71324}"/>
+                  </a:ext>
+                </a:extLst>
+              </p:cNvPr>
+              <p:cNvCxnSpPr/>
+              <p:nvPr/>
+            </p:nvCxnSpPr>
+            <p:spPr>
+              <a:xfrm>
+                <a:off x="1669001" y="2681056"/>
+                <a:ext cx="1029810" cy="0"/>
+              </a:xfrm>
+              <a:prstGeom prst="line">
+                <a:avLst/>
+              </a:prstGeom>
+              <a:ln w="19050">
+                <a:solidFill>
+                  <a:srgbClr val="FF5330"/>
+                </a:solidFill>
+              </a:ln>
+            </p:spPr>
+            <p:style>
+              <a:lnRef idx="1">
+                <a:schemeClr val="accent1"/>
+              </a:lnRef>
+              <a:fillRef idx="0">
+                <a:schemeClr val="accent1"/>
+              </a:fillRef>
+              <a:effectRef idx="0">
+                <a:schemeClr val="accent1"/>
+              </a:effectRef>
+              <a:fontRef idx="minor">
+                <a:schemeClr val="tx1"/>
+              </a:fontRef>
+            </p:style>
+          </p:cxnSp>
+          <p:cxnSp>
+            <p:nvCxnSpPr>
+              <p:cNvPr id="380" name="Прямая соединительная линия 39">
+                <a:extLst>
+                  <a:ext uri="{FF2B5EF4-FFF2-40B4-BE49-F238E27FC236}">
+                    <a16:creationId xmlns:a16="http://schemas.microsoft.com/office/drawing/2014/main" id="{85EF0697-FC41-45A8-9609-F5045803A711}"/>
+                  </a:ext>
+                </a:extLst>
+              </p:cNvPr>
+              <p:cNvCxnSpPr/>
+              <p:nvPr/>
+            </p:nvCxnSpPr>
+            <p:spPr>
+              <a:xfrm>
+                <a:off x="1669001" y="2834936"/>
+                <a:ext cx="1029810" cy="0"/>
+              </a:xfrm>
+              <a:prstGeom prst="line">
+                <a:avLst/>
+              </a:prstGeom>
+              <a:ln w="19050">
+                <a:solidFill>
+                  <a:srgbClr val="FF5330"/>
+                </a:solidFill>
+              </a:ln>
+            </p:spPr>
+            <p:style>
+              <a:lnRef idx="1">
+                <a:schemeClr val="accent1"/>
+              </a:lnRef>
+              <a:fillRef idx="0">
+                <a:schemeClr val="accent1"/>
+              </a:fillRef>
+              <a:effectRef idx="0">
+                <a:schemeClr val="accent1"/>
+              </a:effectRef>
+              <a:fontRef idx="minor">
+                <a:schemeClr val="tx1"/>
+              </a:fontRef>
+            </p:style>
+          </p:cxnSp>
+          <p:cxnSp>
+            <p:nvCxnSpPr>
+              <p:cNvPr id="381" name="Прямая соединительная линия 40">
+                <a:extLst>
+                  <a:ext uri="{FF2B5EF4-FFF2-40B4-BE49-F238E27FC236}">
+                    <a16:creationId xmlns:a16="http://schemas.microsoft.com/office/drawing/2014/main" id="{A547F735-5B58-4AE6-BA5C-265338A8A720}"/>
+                  </a:ext>
+                </a:extLst>
+              </p:cNvPr>
+              <p:cNvCxnSpPr/>
+              <p:nvPr/>
+            </p:nvCxnSpPr>
+            <p:spPr>
+              <a:xfrm>
+                <a:off x="1669001" y="2971060"/>
+                <a:ext cx="1029810" cy="0"/>
+              </a:xfrm>
+              <a:prstGeom prst="line">
+                <a:avLst/>
+              </a:prstGeom>
+              <a:ln w="19050">
+                <a:solidFill>
+                  <a:srgbClr val="FF5330"/>
+                </a:solidFill>
+              </a:ln>
+            </p:spPr>
+            <p:style>
+              <a:lnRef idx="1">
+                <a:schemeClr val="accent1"/>
+              </a:lnRef>
+              <a:fillRef idx="0">
+                <a:schemeClr val="accent1"/>
+              </a:fillRef>
+              <a:effectRef idx="0">
+                <a:schemeClr val="accent1"/>
+              </a:effectRef>
+              <a:fontRef idx="minor">
+                <a:schemeClr val="tx1"/>
+              </a:fontRef>
+            </p:style>
+          </p:cxnSp>
+          <p:cxnSp>
+            <p:nvCxnSpPr>
+              <p:cNvPr id="382" name="Прямая соединительная линия 41">
+                <a:extLst>
+                  <a:ext uri="{FF2B5EF4-FFF2-40B4-BE49-F238E27FC236}">
+                    <a16:creationId xmlns:a16="http://schemas.microsoft.com/office/drawing/2014/main" id="{8AE9C675-118E-4413-96BA-722EFB89805C}"/>
+                  </a:ext>
+                </a:extLst>
+              </p:cNvPr>
+              <p:cNvCxnSpPr/>
+              <p:nvPr/>
+            </p:nvCxnSpPr>
+            <p:spPr>
+              <a:xfrm>
+                <a:off x="1669002" y="3120500"/>
+                <a:ext cx="1029810" cy="0"/>
+              </a:xfrm>
+              <a:prstGeom prst="line">
+                <a:avLst/>
+              </a:prstGeom>
+              <a:ln w="19050">
+                <a:solidFill>
+                  <a:srgbClr val="FF5330"/>
+                </a:solidFill>
+              </a:ln>
+            </p:spPr>
+            <p:style>
+              <a:lnRef idx="1">
+                <a:schemeClr val="accent1"/>
+              </a:lnRef>
+              <a:fillRef idx="0">
+                <a:schemeClr val="accent1"/>
+              </a:fillRef>
+              <a:effectRef idx="0">
+                <a:schemeClr val="accent1"/>
+              </a:effectRef>
+              <a:fontRef idx="minor">
+                <a:schemeClr val="tx1"/>
+              </a:fontRef>
+            </p:style>
+          </p:cxnSp>
+          <p:cxnSp>
+            <p:nvCxnSpPr>
+              <p:cNvPr id="383" name="Прямая соединительная линия 42">
+                <a:extLst>
+                  <a:ext uri="{FF2B5EF4-FFF2-40B4-BE49-F238E27FC236}">
+                    <a16:creationId xmlns:a16="http://schemas.microsoft.com/office/drawing/2014/main" id="{DCCEF350-C19E-47E8-8113-E101083B350F}"/>
+                  </a:ext>
+                </a:extLst>
+              </p:cNvPr>
+              <p:cNvCxnSpPr/>
+              <p:nvPr/>
+            </p:nvCxnSpPr>
+            <p:spPr>
+              <a:xfrm>
+                <a:off x="1669002" y="3269943"/>
+                <a:ext cx="1029810" cy="0"/>
+              </a:xfrm>
+              <a:prstGeom prst="line">
+                <a:avLst/>
+              </a:prstGeom>
+              <a:ln w="19050">
+                <a:solidFill>
+                  <a:srgbClr val="FF5330"/>
+                </a:solidFill>
+              </a:ln>
+            </p:spPr>
+            <p:style>
+              <a:lnRef idx="1">
+                <a:schemeClr val="accent1"/>
+              </a:lnRef>
+              <a:fillRef idx="0">
+                <a:schemeClr val="accent1"/>
+              </a:fillRef>
+              <a:effectRef idx="0">
+                <a:schemeClr val="accent1"/>
+              </a:effectRef>
+              <a:fontRef idx="minor">
+                <a:schemeClr val="tx1"/>
+              </a:fontRef>
+            </p:style>
+          </p:cxnSp>
+          <p:cxnSp>
+            <p:nvCxnSpPr>
+              <p:cNvPr id="384" name="Прямая соединительная линия 43">
+                <a:extLst>
+                  <a:ext uri="{FF2B5EF4-FFF2-40B4-BE49-F238E27FC236}">
+                    <a16:creationId xmlns:a16="http://schemas.microsoft.com/office/drawing/2014/main" id="{9C0CD1EF-C2DC-43FD-A1F2-FA367FAEF0CF}"/>
+                  </a:ext>
+                </a:extLst>
+              </p:cNvPr>
+              <p:cNvCxnSpPr/>
+              <p:nvPr/>
+            </p:nvCxnSpPr>
+            <p:spPr>
+              <a:xfrm>
+                <a:off x="1665690" y="3425301"/>
+                <a:ext cx="1029810" cy="0"/>
+              </a:xfrm>
+              <a:prstGeom prst="line">
+                <a:avLst/>
+              </a:prstGeom>
+              <a:ln w="19050">
+                <a:solidFill>
+                  <a:srgbClr val="FF5330"/>
+                </a:solidFill>
+              </a:ln>
+            </p:spPr>
+            <p:style>
+              <a:lnRef idx="1">
+                <a:schemeClr val="accent1"/>
+              </a:lnRef>
+              <a:fillRef idx="0">
+                <a:schemeClr val="accent1"/>
+              </a:fillRef>
+              <a:effectRef idx="0">
+                <a:schemeClr val="accent1"/>
+              </a:effectRef>
+              <a:fontRef idx="minor">
+                <a:schemeClr val="tx1"/>
+              </a:fontRef>
+            </p:style>
+          </p:cxnSp>
+          <p:cxnSp>
+            <p:nvCxnSpPr>
+              <p:cNvPr id="385" name="Прямая соединительная линия 44">
+                <a:extLst>
+                  <a:ext uri="{FF2B5EF4-FFF2-40B4-BE49-F238E27FC236}">
+                    <a16:creationId xmlns:a16="http://schemas.microsoft.com/office/drawing/2014/main" id="{088B8CA3-689B-4A9C-902B-1E2908D515BB}"/>
+                  </a:ext>
+                </a:extLst>
+              </p:cNvPr>
+              <p:cNvCxnSpPr/>
+              <p:nvPr/>
+            </p:nvCxnSpPr>
+            <p:spPr>
+              <a:xfrm>
+                <a:off x="1665690" y="3577701"/>
+                <a:ext cx="1029810" cy="0"/>
+              </a:xfrm>
+              <a:prstGeom prst="line">
+                <a:avLst/>
+              </a:prstGeom>
+              <a:ln w="19050">
+                <a:solidFill>
+                  <a:srgbClr val="FF5330"/>
+                </a:solidFill>
+              </a:ln>
+            </p:spPr>
+            <p:style>
+              <a:lnRef idx="1">
+                <a:schemeClr val="accent1"/>
+              </a:lnRef>
+              <a:fillRef idx="0">
+                <a:schemeClr val="accent1"/>
+              </a:fillRef>
+              <a:effectRef idx="0">
+                <a:schemeClr val="accent1"/>
+              </a:effectRef>
+              <a:fontRef idx="minor">
+                <a:schemeClr val="tx1"/>
+              </a:fontRef>
+            </p:style>
+          </p:cxnSp>
+          <p:cxnSp>
+            <p:nvCxnSpPr>
+              <p:cNvPr id="386" name="Прямая соединительная линия 45">
+                <a:extLst>
+                  <a:ext uri="{FF2B5EF4-FFF2-40B4-BE49-F238E27FC236}">
+                    <a16:creationId xmlns:a16="http://schemas.microsoft.com/office/drawing/2014/main" id="{DBA3EE21-6254-488D-9320-97FC1B78B705}"/>
+                  </a:ext>
+                </a:extLst>
+              </p:cNvPr>
+              <p:cNvCxnSpPr/>
+              <p:nvPr/>
+            </p:nvCxnSpPr>
+            <p:spPr>
+              <a:xfrm>
+                <a:off x="1665690" y="3730101"/>
+                <a:ext cx="1029810" cy="0"/>
+              </a:xfrm>
+              <a:prstGeom prst="line">
+                <a:avLst/>
+              </a:prstGeom>
+              <a:ln w="19050">
+                <a:solidFill>
+                  <a:srgbClr val="FF5330"/>
+                </a:solidFill>
+              </a:ln>
+            </p:spPr>
+            <p:style>
+              <a:lnRef idx="1">
+                <a:schemeClr val="accent1"/>
+              </a:lnRef>
+              <a:fillRef idx="0">
+                <a:schemeClr val="accent1"/>
+              </a:fillRef>
+              <a:effectRef idx="0">
+                <a:schemeClr val="accent1"/>
+              </a:effectRef>
+              <a:fontRef idx="minor">
+                <a:schemeClr val="tx1"/>
+              </a:fontRef>
+            </p:style>
+          </p:cxnSp>
+        </p:grpSp>
+        <p:sp>
+          <p:nvSpPr>
+            <p:cNvPr id="377" name="TextBox 376">
+              <a:extLst>
+                <a:ext uri="{FF2B5EF4-FFF2-40B4-BE49-F238E27FC236}">
+                  <a16:creationId xmlns:a16="http://schemas.microsoft.com/office/drawing/2014/main" id="{3E7E2276-2025-4CEF-B982-FEF2F9D9956F}"/>
+                </a:ext>
+              </a:extLst>
+            </p:cNvPr>
+            <p:cNvSpPr txBox="1"/>
+            <p:nvPr/>
+          </p:nvSpPr>
+          <p:spPr>
+            <a:xfrm>
+              <a:off x="14789776" y="18773873"/>
+              <a:ext cx="1470897" cy="461665"/>
+            </a:xfrm>
+            <a:prstGeom prst="rect">
+              <a:avLst/>
+            </a:prstGeom>
+            <a:noFill/>
+          </p:spPr>
+          <p:txBody>
+            <a:bodyPr wrap="square" rtlCol="0">
+              <a:spAutoFit/>
+            </a:bodyPr>
+            <a:lstStyle/>
+            <a:p>
+              <a:r>
+                <a:rPr lang="en-GB" sz="2400" dirty="0"/>
+                <a:t>File .pep</a:t>
+              </a:r>
+              <a:endParaRPr lang="ru-RU" sz="2400" dirty="0"/>
+            </a:p>
+          </p:txBody>
+        </p:sp>
+      </p:grpSp>
+      <p:sp>
+        <p:nvSpPr>
+          <p:cNvPr id="387" name="TextBox 386">
+            <a:extLst>
+              <a:ext uri="{FF2B5EF4-FFF2-40B4-BE49-F238E27FC236}">
+                <a16:creationId xmlns:a16="http://schemas.microsoft.com/office/drawing/2014/main" id="{69B5B37F-D4D3-406B-9E73-45E3E2C4773D}"/>
+              </a:ext>
+            </a:extLst>
+          </p:cNvPr>
+          <p:cNvSpPr txBox="1"/>
+          <p:nvPr/>
+        </p:nvSpPr>
+        <p:spPr>
+          <a:xfrm>
+            <a:off x="1075033" y="24653674"/>
+            <a:ext cx="3323894" cy="1569660"/>
+          </a:xfrm>
+          <a:prstGeom prst="rect">
+            <a:avLst/>
+          </a:prstGeom>
+          <a:noFill/>
+        </p:spPr>
+        <p:txBody>
+          <a:bodyPr wrap="square" rtlCol="0">
+            <a:spAutoFit/>
+          </a:bodyPr>
+          <a:lstStyle/>
+          <a:p>
+            <a:r>
+              <a:rPr lang="en-GB" sz="2400" dirty="0"/>
+              <a:t>The developed interface as an input takes a .pep file. You can see an example of such file.</a:t>
+            </a:r>
+            <a:endParaRPr lang="en-US" sz="2400" dirty="0"/>
+          </a:p>
+        </p:txBody>
+      </p:sp>
+      <p:sp>
+        <p:nvSpPr>
+          <p:cNvPr id="115" name="TextBox 114">
+            <a:extLst>
+              <a:ext uri="{FF2B5EF4-FFF2-40B4-BE49-F238E27FC236}">
+                <a16:creationId xmlns:a16="http://schemas.microsoft.com/office/drawing/2014/main" id="{CF88C10E-42AF-44E8-B74A-33C76422ECD3}"/>
+              </a:ext>
+            </a:extLst>
+          </p:cNvPr>
+          <p:cNvSpPr txBox="1"/>
+          <p:nvPr/>
+        </p:nvSpPr>
+        <p:spPr>
+          <a:xfrm>
+            <a:off x="5779128" y="24704334"/>
+            <a:ext cx="3526240" cy="1569660"/>
+          </a:xfrm>
+          <a:prstGeom prst="rect">
+            <a:avLst/>
+          </a:prstGeom>
+          <a:noFill/>
+        </p:spPr>
+        <p:txBody>
+          <a:bodyPr wrap="square" rtlCol="0">
+            <a:spAutoFit/>
+          </a:bodyPr>
+          <a:lstStyle/>
+          <a:p>
+            <a:r>
+              <a:rPr lang="en-US" sz="2400" dirty="0"/>
+              <a:t>YASSVRSPHPAIQPLQAPQPAVHVQGQEPLTASMLAAAPP SMLA prefix 4653.40152Da</a:t>
+            </a:r>
           </a:p>
         </p:txBody>
       </p:sp>

--- a/Poster.pptx
+++ b/Poster.pptx
@@ -3856,41 +3856,6 @@
           </a:prstGeom>
         </p:spPr>
       </p:pic>
-      <p:pic>
-        <p:nvPicPr>
-          <p:cNvPr id="12" name="Picture 11">
-            <a:extLst>
-              <a:ext uri="{FF2B5EF4-FFF2-40B4-BE49-F238E27FC236}">
-                <a16:creationId xmlns:a16="http://schemas.microsoft.com/office/drawing/2014/main" id="{88C777C8-B282-4906-A3E8-2FBA14949101}"/>
-              </a:ext>
-            </a:extLst>
-          </p:cNvPr>
-          <p:cNvPicPr>
-            <a:picLocks noChangeAspect="1"/>
-          </p:cNvPicPr>
-          <p:nvPr/>
-        </p:nvPicPr>
-        <p:blipFill rotWithShape="1">
-          <a:blip r:embed="rId5">
-            <a:extLst>
-              <a:ext uri="{28A0092B-C50C-407E-A947-70E740481C1C}">
-                <a14:useLocalDpi xmlns:a14="http://schemas.microsoft.com/office/drawing/2010/main" val="0"/>
-              </a:ext>
-            </a:extLst>
-          </a:blip>
-          <a:srcRect l="23409" t="18850" r="23077" b="19110"/>
-          <a:stretch/>
-        </p:blipFill>
-        <p:spPr>
-          <a:xfrm>
-            <a:off x="2306503" y="652891"/>
-            <a:ext cx="3155028" cy="3657600"/>
-          </a:xfrm>
-          <a:prstGeom prst="rect">
-            <a:avLst/>
-          </a:prstGeom>
-        </p:spPr>
-      </p:pic>
       <p:grpSp>
         <p:nvGrpSpPr>
           <p:cNvPr id="136" name="Group 135">
@@ -7137,7 +7102,7 @@
                 <a:avLst/>
               </a:prstGeom>
               <a:blipFill>
-                <a:blip r:embed="rId6"/>
+                <a:blip r:embed="rId5"/>
                 <a:stretch>
                   <a:fillRect/>
                 </a:stretch>
@@ -18933,6 +18898,42 @@
           </a:p>
         </p:txBody>
       </p:sp>
+      <p:pic>
+        <p:nvPicPr>
+          <p:cNvPr id="144" name="Picture 143">
+            <a:extLst>
+              <a:ext uri="{FF2B5EF4-FFF2-40B4-BE49-F238E27FC236}">
+                <a16:creationId xmlns:a16="http://schemas.microsoft.com/office/drawing/2014/main" id="{E5988F76-91AF-46CE-BC95-8ACBA7911354}"/>
+              </a:ext>
+            </a:extLst>
+          </p:cNvPr>
+          <p:cNvPicPr>
+            <a:picLocks noChangeAspect="1"/>
+          </p:cNvPicPr>
+          <p:nvPr/>
+        </p:nvPicPr>
+        <p:blipFill>
+          <a:blip r:embed="rId26">
+            <a:extLst>
+              <a:ext uri="{28A0092B-C50C-407E-A947-70E740481C1C}">
+                <a14:useLocalDpi xmlns:a14="http://schemas.microsoft.com/office/drawing/2010/main" val="0"/>
+              </a:ext>
+            </a:extLst>
+          </a:blip>
+          <a:stretch>
+            <a:fillRect/>
+          </a:stretch>
+        </p:blipFill>
+        <p:spPr>
+          <a:xfrm>
+            <a:off x="2381122" y="652891"/>
+            <a:ext cx="3259061" cy="3657600"/>
+          </a:xfrm>
+          <a:prstGeom prst="rect">
+            <a:avLst/>
+          </a:prstGeom>
+        </p:spPr>
+      </p:pic>
     </p:spTree>
     <p:extLst>
       <p:ext uri="{BB962C8B-B14F-4D97-AF65-F5344CB8AC3E}">

--- a/Poster.pptx
+++ b/Poster.pptx
@@ -197,7 +197,7 @@
           <a:p>
             <a:fld id="{29E37857-226D-4CCF-AA19-1158A5C8DCFA}" type="datetimeFigureOut">
               <a:rPr lang="ru-RU" smtClean="0"/>
-              <a:t>31.01.2019</a:t>
+              <a:t>02.02.2019</a:t>
             </a:fld>
             <a:endParaRPr lang="ru-RU"/>
           </a:p>
@@ -698,7 +698,7 @@
           <a:p>
             <a:fld id="{5B93D758-17FF-452C-8428-2406E710DDE8}" type="datetimeFigureOut">
               <a:rPr lang="ru-RU" smtClean="0"/>
-              <a:t>31.01.2019</a:t>
+              <a:t>02.02.2019</a:t>
             </a:fld>
             <a:endParaRPr lang="ru-RU"/>
           </a:p>
@@ -898,7 +898,7 @@
           <a:p>
             <a:fld id="{5B93D758-17FF-452C-8428-2406E710DDE8}" type="datetimeFigureOut">
               <a:rPr lang="ru-RU" smtClean="0"/>
-              <a:t>31.01.2019</a:t>
+              <a:t>02.02.2019</a:t>
             </a:fld>
             <a:endParaRPr lang="ru-RU"/>
           </a:p>
@@ -1108,7 +1108,7 @@
           <a:p>
             <a:fld id="{5B93D758-17FF-452C-8428-2406E710DDE8}" type="datetimeFigureOut">
               <a:rPr lang="ru-RU" smtClean="0"/>
-              <a:t>31.01.2019</a:t>
+              <a:t>02.02.2019</a:t>
             </a:fld>
             <a:endParaRPr lang="ru-RU"/>
           </a:p>
@@ -1308,7 +1308,7 @@
           <a:p>
             <a:fld id="{5B93D758-17FF-452C-8428-2406E710DDE8}" type="datetimeFigureOut">
               <a:rPr lang="ru-RU" smtClean="0"/>
-              <a:t>31.01.2019</a:t>
+              <a:t>02.02.2019</a:t>
             </a:fld>
             <a:endParaRPr lang="ru-RU"/>
           </a:p>
@@ -1584,7 +1584,7 @@
           <a:p>
             <a:fld id="{5B93D758-17FF-452C-8428-2406E710DDE8}" type="datetimeFigureOut">
               <a:rPr lang="ru-RU" smtClean="0"/>
-              <a:t>31.01.2019</a:t>
+              <a:t>02.02.2019</a:t>
             </a:fld>
             <a:endParaRPr lang="ru-RU"/>
           </a:p>
@@ -1852,7 +1852,7 @@
           <a:p>
             <a:fld id="{5B93D758-17FF-452C-8428-2406E710DDE8}" type="datetimeFigureOut">
               <a:rPr lang="ru-RU" smtClean="0"/>
-              <a:t>31.01.2019</a:t>
+              <a:t>02.02.2019</a:t>
             </a:fld>
             <a:endParaRPr lang="ru-RU"/>
           </a:p>
@@ -2267,7 +2267,7 @@
           <a:p>
             <a:fld id="{5B93D758-17FF-452C-8428-2406E710DDE8}" type="datetimeFigureOut">
               <a:rPr lang="ru-RU" smtClean="0"/>
-              <a:t>31.01.2019</a:t>
+              <a:t>02.02.2019</a:t>
             </a:fld>
             <a:endParaRPr lang="ru-RU"/>
           </a:p>
@@ -2409,7 +2409,7 @@
           <a:p>
             <a:fld id="{5B93D758-17FF-452C-8428-2406E710DDE8}" type="datetimeFigureOut">
               <a:rPr lang="ru-RU" smtClean="0"/>
-              <a:t>31.01.2019</a:t>
+              <a:t>02.02.2019</a:t>
             </a:fld>
             <a:endParaRPr lang="ru-RU"/>
           </a:p>
@@ -2522,7 +2522,7 @@
           <a:p>
             <a:fld id="{5B93D758-17FF-452C-8428-2406E710DDE8}" type="datetimeFigureOut">
               <a:rPr lang="ru-RU" smtClean="0"/>
-              <a:t>31.01.2019</a:t>
+              <a:t>02.02.2019</a:t>
             </a:fld>
             <a:endParaRPr lang="ru-RU"/>
           </a:p>
@@ -2835,7 +2835,7 @@
           <a:p>
             <a:fld id="{5B93D758-17FF-452C-8428-2406E710DDE8}" type="datetimeFigureOut">
               <a:rPr lang="ru-RU" smtClean="0"/>
-              <a:t>31.01.2019</a:t>
+              <a:t>02.02.2019</a:t>
             </a:fld>
             <a:endParaRPr lang="ru-RU"/>
           </a:p>
@@ -3124,7 +3124,7 @@
           <a:p>
             <a:fld id="{5B93D758-17FF-452C-8428-2406E710DDE8}" type="datetimeFigureOut">
               <a:rPr lang="ru-RU" smtClean="0"/>
-              <a:t>31.01.2019</a:t>
+              <a:t>02.02.2019</a:t>
             </a:fld>
             <a:endParaRPr lang="ru-RU"/>
           </a:p>
@@ -3367,7 +3367,7 @@
           <a:p>
             <a:fld id="{5B93D758-17FF-452C-8428-2406E710DDE8}" type="datetimeFigureOut">
               <a:rPr lang="ru-RU" smtClean="0"/>
-              <a:t>31.01.2019</a:t>
+              <a:t>02.02.2019</a:t>
             </a:fld>
             <a:endParaRPr lang="ru-RU"/>
           </a:p>
@@ -4830,6 +4830,15 @@
           <p:blipFill>
             <a:blip r:embed="rId6" cstate="print">
               <a:extLst>
+                <a:ext uri="{BEBA8EAE-BF5A-486C-A8C5-ECC9F3942E4B}">
+                  <a14:imgProps xmlns:a14="http://schemas.microsoft.com/office/drawing/2010/main">
+                    <a14:imgLayer r:embed="rId7">
+                      <a14:imgEffect>
+                        <a14:brightnessContrast bright="-22000" contrast="48000"/>
+                      </a14:imgEffect>
+                    </a14:imgLayer>
+                  </a14:imgProps>
+                </a:ext>
                 <a:ext uri="{28A0092B-C50C-407E-A947-70E740481C1C}">
                   <a14:useLocalDpi xmlns:a14="http://schemas.microsoft.com/office/drawing/2010/main" val="0"/>
                 </a:ext>
@@ -4899,7 +4908,7 @@
         </p:nvGrpSpPr>
         <p:grpSpPr>
           <a:xfrm>
-            <a:off x="16065607" y="28613682"/>
+            <a:off x="16065607" y="28590153"/>
             <a:ext cx="5511327" cy="2241040"/>
             <a:chOff x="16041112" y="25078027"/>
             <a:chExt cx="5511327" cy="2241040"/>
@@ -4953,8 +4962,17 @@
             <p:nvPr/>
           </p:nvPicPr>
           <p:blipFill>
-            <a:blip r:embed="rId7">
+            <a:blip r:embed="rId8">
               <a:extLst>
+                <a:ext uri="{BEBA8EAE-BF5A-486C-A8C5-ECC9F3942E4B}">
+                  <a14:imgProps xmlns:a14="http://schemas.microsoft.com/office/drawing/2010/main">
+                    <a14:imgLayer r:embed="rId9">
+                      <a14:imgEffect>
+                        <a14:brightnessContrast bright="-24000" contrast="53000"/>
+                      </a14:imgEffect>
+                    </a14:imgLayer>
+                  </a14:imgProps>
+                </a:ext>
                 <a:ext uri="{28A0092B-C50C-407E-A947-70E740481C1C}">
                   <a14:useLocalDpi xmlns:a14="http://schemas.microsoft.com/office/drawing/2010/main" val="0"/>
                 </a:ext>
@@ -5154,8 +5172,17 @@
             <p:nvPr/>
           </p:nvPicPr>
           <p:blipFill>
-            <a:blip r:embed="rId8" cstate="print">
+            <a:blip r:embed="rId10" cstate="print">
               <a:extLst>
+                <a:ext uri="{BEBA8EAE-BF5A-486C-A8C5-ECC9F3942E4B}">
+                  <a14:imgProps xmlns:a14="http://schemas.microsoft.com/office/drawing/2010/main">
+                    <a14:imgLayer r:embed="rId11">
+                      <a14:imgEffect>
+                        <a14:brightnessContrast bright="-23000" contrast="63000"/>
+                      </a14:imgEffect>
+                    </a14:imgLayer>
+                  </a14:imgProps>
+                </a:ext>
                 <a:ext uri="{28A0092B-C50C-407E-A947-70E740481C1C}">
                   <a14:useLocalDpi xmlns:a14="http://schemas.microsoft.com/office/drawing/2010/main" val="0"/>
                 </a:ext>
@@ -5170,9 +5197,20 @@
               <a:off x="1071478" y="33900351"/>
               <a:ext cx="9456983" cy="5277496"/>
             </a:xfrm>
-            <a:prstGeom prst="rect">
-              <a:avLst/>
+            <a:prstGeom prst="roundRect">
+              <a:avLst>
+                <a:gd name="adj" fmla="val 8594"/>
+              </a:avLst>
             </a:prstGeom>
+            <a:solidFill>
+              <a:srgbClr val="FFFFFF">
+                <a:shade val="85000"/>
+              </a:srgbClr>
+            </a:solidFill>
+            <a:ln>
+              <a:noFill/>
+            </a:ln>
+            <a:effectLst/>
           </p:spPr>
         </p:pic>
         <p:sp>
@@ -5189,7 +5227,7 @@
           </p:nvSpPr>
           <p:spPr>
             <a:xfrm>
-              <a:off x="1210450" y="33118070"/>
+              <a:off x="1059233" y="33118070"/>
               <a:ext cx="6144965" cy="562177"/>
             </a:xfrm>
             <a:prstGeom prst="rect">
@@ -5225,7 +5263,7 @@
           </p:nvSpPr>
           <p:spPr>
             <a:xfrm>
-              <a:off x="1210450" y="39279725"/>
+              <a:off x="1073034" y="39231414"/>
               <a:ext cx="6144965" cy="562177"/>
             </a:xfrm>
             <a:prstGeom prst="rect">
@@ -5399,7 +5437,7 @@
           </p:nvSpPr>
           <p:spPr>
             <a:xfrm>
-              <a:off x="11067452" y="37676551"/>
+              <a:off x="11065554" y="37869897"/>
               <a:ext cx="2606484" cy="562177"/>
             </a:xfrm>
             <a:prstGeom prst="rect">
@@ -5435,7 +5473,7 @@
           </p:nvSpPr>
           <p:spPr>
             <a:xfrm>
-              <a:off x="11279879" y="33739303"/>
+              <a:off x="11082621" y="33882628"/>
               <a:ext cx="6341268" cy="3512022"/>
             </a:xfrm>
             <a:prstGeom prst="rect">
@@ -5462,7 +5500,7 @@
               <a:r>
                 <a:rPr lang="en-US" sz="2400" dirty="0">
                   <a:solidFill>
-                    <a:schemeClr val="accent1"/>
+                    <a:srgbClr val="3D12F6"/>
                   </a:solidFill>
                 </a:rPr>
                 <a:t>A</a:t>
@@ -5474,7 +5512,7 @@
               <a:r>
                 <a:rPr lang="en-US" sz="2400" dirty="0">
                   <a:solidFill>
-                    <a:schemeClr val="accent1"/>
+                    <a:srgbClr val="3D12F6"/>
                   </a:solidFill>
                 </a:rPr>
                 <a:t>Q</a:t>
@@ -5486,7 +5524,7 @@
               <a:r>
                 <a:rPr lang="en-US" sz="2400" dirty="0">
                   <a:solidFill>
-                    <a:schemeClr val="accent1"/>
+                    <a:srgbClr val="3D12F6"/>
                   </a:solidFill>
                 </a:rPr>
                 <a:t>QA</a:t>
@@ -5498,7 +5536,7 @@
               <a:r>
                 <a:rPr lang="en-US" sz="2400" dirty="0">
                   <a:solidFill>
-                    <a:schemeClr val="accent1"/>
+                    <a:srgbClr val="3D12F6"/>
                   </a:solidFill>
                 </a:rPr>
                 <a:t>Q</a:t>
@@ -5510,7 +5548,7 @@
               <a:r>
                 <a:rPr lang="en-US" sz="2400" dirty="0">
                   <a:solidFill>
-                    <a:schemeClr val="accent1"/>
+                    <a:srgbClr val="3D12F6"/>
                   </a:solidFill>
                 </a:rPr>
                 <a:t>A</a:t>
@@ -5522,7 +5560,7 @@
               <a:r>
                 <a:rPr lang="en-US" sz="2400" dirty="0">
                   <a:solidFill>
-                    <a:schemeClr val="accent1"/>
+                    <a:srgbClr val="3D12F6"/>
                   </a:solidFill>
                 </a:rPr>
                 <a:t>Q</a:t>
@@ -5534,7 +5572,7 @@
               <a:r>
                 <a:rPr lang="en-US" sz="2400" dirty="0">
                   <a:solidFill>
-                    <a:schemeClr val="accent1"/>
+                    <a:srgbClr val="3D12F6"/>
                   </a:solidFill>
                 </a:rPr>
                 <a:t>Q</a:t>
@@ -6673,7 +6711,7 @@
           <p:nvPr/>
         </p:nvPicPr>
         <p:blipFill>
-          <a:blip r:embed="rId9">
+          <a:blip r:embed="rId12">
             <a:extLst>
               <a:ext uri="{28A0092B-C50C-407E-A947-70E740481C1C}">
                 <a14:useLocalDpi xmlns:a14="http://schemas.microsoft.com/office/drawing/2010/main" val="0"/>
@@ -7577,8 +7615,8 @@
           </a:fontRef>
         </p:style>
       </p:cxnSp>
-      <mc:AlternateContent xmlns:mc="http://schemas.openxmlformats.org/markup-compatibility/2006">
-        <mc:Choice xmlns:a14="http://schemas.microsoft.com/office/drawing/2010/main" Requires="a14">
+      <mc:AlternateContent xmlns:mc="http://schemas.openxmlformats.org/markup-compatibility/2006" xmlns:a14="http://schemas.microsoft.com/office/drawing/2010/main">
+        <mc:Choice Requires="a14">
           <p:sp>
             <p:nvSpPr>
               <p:cNvPr id="351" name="TextBox 350">
@@ -7815,7 +7853,7 @@
             </p:txBody>
           </p:sp>
         </mc:Choice>
-        <mc:Fallback>
+        <mc:Fallback xmlns="">
           <p:sp>
             <p:nvSpPr>
               <p:cNvPr id="351" name="TextBox 350">
@@ -7939,7 +7977,7 @@
                 </a:solidFill>
                 <a:cs typeface="Times New Roman" panose="02020603050405020304" pitchFamily="18" charset="0"/>
               </a:rPr>
-              <a:t>SNP – is a substitution of nucleotide in a DNA strand. Since codons encode amino acid, SNP can lead to substitution of amino acid </a:t>
+              <a:t>SNP is a substitution of nucleotide in a DNA strand. Since codons encode amino acid, SNP can lead to substitution of amino acid </a:t>
             </a:r>
             <a:endParaRPr lang="en-US" altLang="en-US" sz="2400" dirty="0"/>
           </a:p>
@@ -7991,7 +8029,7 @@
           <a:p>
             <a:r>
               <a:rPr lang="en-GB" sz="2400" dirty="0"/>
-              <a:t>PTM – is a change of </a:t>
+              <a:t>PTM is a change of </a:t>
             </a:r>
           </a:p>
           <a:p>
@@ -10644,10 +10682,10 @@
         </p:nvGrpSpPr>
         <p:grpSpPr>
           <a:xfrm>
-            <a:off x="3929092" y="14302810"/>
-            <a:ext cx="3805044" cy="1940782"/>
-            <a:chOff x="13854583" y="13108467"/>
-            <a:chExt cx="3805044" cy="1940782"/>
+            <a:off x="3961465" y="14302810"/>
+            <a:ext cx="3805044" cy="1940271"/>
+            <a:chOff x="13886956" y="13108467"/>
+            <a:chExt cx="3805044" cy="1940271"/>
           </a:xfrm>
         </p:grpSpPr>
         <p:pic>
@@ -10709,7 +10747,7 @@
           </p:nvSpPr>
           <p:spPr>
             <a:xfrm>
-              <a:off x="13854583" y="14587584"/>
+              <a:off x="13886956" y="14587073"/>
               <a:ext cx="3805044" cy="461665"/>
             </a:xfrm>
             <a:prstGeom prst="rect">
@@ -11201,7 +11239,7 @@
         </p:nvSpPr>
         <p:spPr>
           <a:xfrm>
-            <a:off x="15685024" y="15809975"/>
+            <a:off x="15731246" y="15809975"/>
             <a:ext cx="1873189" cy="461665"/>
           </a:xfrm>
           <a:prstGeom prst="rect">
@@ -11241,9 +11279,9 @@
         <p:grpSpPr>
           <a:xfrm>
             <a:off x="18891400" y="14113652"/>
-            <a:ext cx="2549306" cy="2157989"/>
+            <a:ext cx="2549306" cy="2157988"/>
             <a:chOff x="2433077" y="2562239"/>
-            <a:chExt cx="2982898" cy="2525027"/>
+            <a:chExt cx="2982898" cy="2525026"/>
           </a:xfrm>
         </p:grpSpPr>
         <p:sp>
@@ -11927,7 +11965,7 @@
           </p:nvSpPr>
           <p:spPr>
             <a:xfrm>
-              <a:off x="2874466" y="4547079"/>
+              <a:off x="2828376" y="4547078"/>
               <a:ext cx="2001262" cy="540187"/>
             </a:xfrm>
             <a:prstGeom prst="rect">
@@ -12014,10 +12052,10 @@
         </p:nvGrpSpPr>
         <p:grpSpPr>
           <a:xfrm>
-            <a:off x="8556614" y="13768037"/>
-            <a:ext cx="5740650" cy="2503603"/>
-            <a:chOff x="8092026" y="13844253"/>
-            <a:chExt cx="5740650" cy="2503603"/>
+            <a:off x="8556615" y="13768039"/>
+            <a:ext cx="5740649" cy="2518328"/>
+            <a:chOff x="8092027" y="13844255"/>
+            <a:chExt cx="5740649" cy="2518328"/>
           </a:xfrm>
         </p:grpSpPr>
         <p:grpSp>
@@ -12034,10 +12072,10 @@
           </p:nvGrpSpPr>
           <p:grpSpPr>
             <a:xfrm>
-              <a:off x="8092026" y="13844253"/>
-              <a:ext cx="4507014" cy="2503603"/>
+              <a:off x="8092027" y="13844255"/>
+              <a:ext cx="4415394" cy="2518328"/>
               <a:chOff x="18854872" y="12415809"/>
-              <a:chExt cx="4863198" cy="2499404"/>
+              <a:chExt cx="4764337" cy="2514104"/>
             </a:xfrm>
           </p:grpSpPr>
           <p:pic>
@@ -12090,7 +12128,7 @@
             </p:nvSpPr>
             <p:spPr>
               <a:xfrm>
-                <a:off x="20567367" y="14454323"/>
+                <a:off x="20468506" y="14469023"/>
                 <a:ext cx="3150703" cy="460890"/>
               </a:xfrm>
               <a:prstGeom prst="rect">
@@ -12981,7 +13019,7 @@
         </p:nvSpPr>
         <p:spPr>
           <a:xfrm>
-            <a:off x="1325740" y="15809976"/>
+            <a:off x="1403953" y="15809975"/>
             <a:ext cx="1727120" cy="475631"/>
           </a:xfrm>
           <a:prstGeom prst="rect">
@@ -13004,8 +13042,8 @@
           </a:p>
         </p:txBody>
       </p:sp>
-      <mc:AlternateContent xmlns:mc="http://schemas.openxmlformats.org/markup-compatibility/2006">
-        <mc:Choice xmlns:a14="http://schemas.microsoft.com/office/drawing/2010/main" Requires="a14">
+      <mc:AlternateContent xmlns:mc="http://schemas.openxmlformats.org/markup-compatibility/2006" xmlns:a14="http://schemas.microsoft.com/office/drawing/2010/main">
+        <mc:Choice Requires="a14">
           <p:sp>
             <p:nvSpPr>
               <p:cNvPr id="503" name="TextBox 502">
@@ -13086,7 +13124,7 @@
             </p:txBody>
           </p:sp>
         </mc:Choice>
-        <mc:Fallback>
+        <mc:Fallback xmlns="">
           <p:sp>
             <p:nvSpPr>
               <p:cNvPr id="503" name="TextBox 502">
@@ -13261,7 +13299,7 @@
         </p:nvSpPr>
         <p:spPr>
           <a:xfrm>
-            <a:off x="22032111" y="15064586"/>
+            <a:off x="22382188" y="15064173"/>
             <a:ext cx="7015024" cy="1337732"/>
           </a:xfrm>
           <a:prstGeom prst="rect">
@@ -13462,7 +13500,7 @@
         </p:nvSpPr>
         <p:spPr>
           <a:xfrm>
-            <a:off x="22032111" y="16133549"/>
+            <a:off x="22382188" y="16133136"/>
             <a:ext cx="7357534" cy="2000548"/>
           </a:xfrm>
           <a:prstGeom prst="rect">
@@ -13538,7 +13576,7 @@
         </p:nvSpPr>
         <p:spPr>
           <a:xfrm>
-            <a:off x="22052192" y="14301903"/>
+            <a:off x="22402269" y="14301490"/>
             <a:ext cx="2198405" cy="646331"/>
           </a:xfrm>
           <a:prstGeom prst="rect">
@@ -13717,8 +13755,8 @@
         </p:nvSpPr>
         <p:spPr>
           <a:xfrm>
-            <a:off x="18635512" y="16194024"/>
-            <a:ext cx="3193353" cy="2308324"/>
+            <a:off x="18635513" y="16194024"/>
+            <a:ext cx="3069268" cy="2308324"/>
           </a:xfrm>
           <a:prstGeom prst="rect">
             <a:avLst/>
@@ -14041,7 +14079,7 @@
               <p:nvPr>
                 <p:extLst>
                   <p:ext uri="{D42A27DB-BD31-4B8C-83A1-F6EECF244321}">
-                    <p14:modId xmlns:p14="http://schemas.microsoft.com/office/powerpoint/2010/main" val="1802713209"/>
+                    <p14:modId xmlns:p14="http://schemas.microsoft.com/office/powerpoint/2010/main" val="3475306428"/>
                   </p:ext>
                 </p:extLst>
               </p:nvPr>
@@ -14219,9 +14257,7 @@
                           <a:r>
                             <a:rPr lang="en-US" sz="2400" dirty="0">
                               <a:solidFill>
-                                <a:schemeClr val="accent1">
-                                  <a:lumMod val="75000"/>
-                                </a:schemeClr>
+                                <a:srgbClr val="3D12F6"/>
                               </a:solidFill>
                             </a:rPr>
                             <a:t>A</a:t>
@@ -14233,9 +14269,7 @@
                           <a:r>
                             <a:rPr lang="en-US" sz="2400" dirty="0">
                               <a:solidFill>
-                                <a:schemeClr val="accent1">
-                                  <a:lumMod val="75000"/>
-                                </a:schemeClr>
+                                <a:srgbClr val="3D12F6"/>
                               </a:solidFill>
                             </a:rPr>
                             <a:t>Q</a:t>
@@ -14279,9 +14313,7 @@
                           <a:r>
                             <a:rPr lang="en-US" sz="2400" dirty="0">
                               <a:solidFill>
-                                <a:schemeClr val="accent1">
-                                  <a:lumMod val="75000"/>
-                                </a:schemeClr>
+                                <a:srgbClr val="3D12F6"/>
                               </a:solidFill>
                             </a:rPr>
                             <a:t>QA</a:t>
@@ -14433,7 +14465,7 @@
               <p:nvPr>
                 <p:extLst>
                   <p:ext uri="{D42A27DB-BD31-4B8C-83A1-F6EECF244321}">
-                    <p14:modId xmlns:p14="http://schemas.microsoft.com/office/powerpoint/2010/main" val="1802713209"/>
+                    <p14:modId xmlns:p14="http://schemas.microsoft.com/office/powerpoint/2010/main" val="3475306428"/>
                   </p:ext>
                 </p:extLst>
               </p:nvPr>
@@ -14985,7 +15017,9 @@
             <a:ext cx="7692432" cy="4807154"/>
           </a:xfrm>
           <a:prstGeom prst="roundRect">
-            <a:avLst/>
+            <a:avLst>
+              <a:gd name="adj" fmla="val 20081"/>
+            </a:avLst>
           </a:prstGeom>
           <a:noFill/>
           <a:ln w="101600">
@@ -15054,6 +15088,15 @@
           <p:blipFill>
             <a:blip r:embed="rId38">
               <a:extLst>
+                <a:ext uri="{BEBA8EAE-BF5A-486C-A8C5-ECC9F3942E4B}">
+                  <a14:imgProps xmlns:a14="http://schemas.microsoft.com/office/drawing/2010/main">
+                    <a14:imgLayer r:embed="rId39">
+                      <a14:imgEffect>
+                        <a14:brightnessContrast bright="-24000" contrast="60000"/>
+                      </a14:imgEffect>
+                    </a14:imgLayer>
+                  </a14:imgProps>
+                </a:ext>
                 <a:ext uri="{28A0092B-C50C-407E-A947-70E740481C1C}">
                   <a14:useLocalDpi xmlns:a14="http://schemas.microsoft.com/office/drawing/2010/main" val="0"/>
                 </a:ext>
@@ -15514,8 +15557,8 @@
               </a:p>
             </p:txBody>
           </p:sp>
-          <mc:AlternateContent xmlns:mc="http://schemas.openxmlformats.org/markup-compatibility/2006">
-            <mc:Choice xmlns:a14="http://schemas.microsoft.com/office/drawing/2010/main" Requires="a14">
+          <mc:AlternateContent xmlns:mc="http://schemas.openxmlformats.org/markup-compatibility/2006" xmlns:a14="http://schemas.microsoft.com/office/drawing/2010/main">
+            <mc:Choice Requires="a14">
               <p:sp>
                 <p:nvSpPr>
                   <p:cNvPr id="242" name="Rectangle 241">
@@ -15697,7 +15740,7 @@
                 </p:txBody>
               </p:sp>
             </mc:Choice>
-            <mc:Fallback>
+            <mc:Fallback xmlns="">
               <p:sp>
                 <p:nvSpPr>
                   <p:cNvPr id="242" name="Rectangle 241">
@@ -15721,7 +15764,7 @@
                     <a:avLst/>
                   </a:prstGeom>
                   <a:blipFill>
-                    <a:blip r:embed="rId39"/>
+                    <a:blip r:embed="rId40"/>
                     <a:stretch>
                       <a:fillRect/>
                     </a:stretch>
@@ -15748,8 +15791,8 @@
               </p:sp>
             </mc:Fallback>
           </mc:AlternateContent>
-          <mc:AlternateContent xmlns:mc="http://schemas.openxmlformats.org/markup-compatibility/2006">
-            <mc:Choice xmlns:a14="http://schemas.microsoft.com/office/drawing/2010/main" Requires="a14">
+          <mc:AlternateContent xmlns:mc="http://schemas.openxmlformats.org/markup-compatibility/2006" xmlns:a14="http://schemas.microsoft.com/office/drawing/2010/main">
+            <mc:Choice Requires="a14">
               <p:sp>
                 <p:nvSpPr>
                   <p:cNvPr id="243" name="Rectangle 242">
@@ -15974,7 +16017,7 @@
                 </p:txBody>
               </p:sp>
             </mc:Choice>
-            <mc:Fallback>
+            <mc:Fallback xmlns="">
               <p:sp>
                 <p:nvSpPr>
                   <p:cNvPr id="243" name="Rectangle 242">
@@ -15998,7 +16041,7 @@
                     <a:avLst/>
                   </a:prstGeom>
                   <a:blipFill>
-                    <a:blip r:embed="rId40"/>
+                    <a:blip r:embed="rId41"/>
                     <a:stretch>
                       <a:fillRect/>
                     </a:stretch>
@@ -16025,8 +16068,8 @@
               </p:sp>
             </mc:Fallback>
           </mc:AlternateContent>
-          <mc:AlternateContent xmlns:mc="http://schemas.openxmlformats.org/markup-compatibility/2006">
-            <mc:Choice xmlns:a14="http://schemas.microsoft.com/office/drawing/2010/main" Requires="a14">
+          <mc:AlternateContent xmlns:mc="http://schemas.openxmlformats.org/markup-compatibility/2006" xmlns:a14="http://schemas.microsoft.com/office/drawing/2010/main">
+            <mc:Choice Requires="a14">
               <p:sp>
                 <p:nvSpPr>
                   <p:cNvPr id="245" name="Rectangle 244">
@@ -16201,7 +16244,7 @@
                 </p:txBody>
               </p:sp>
             </mc:Choice>
-            <mc:Fallback>
+            <mc:Fallback xmlns="">
               <p:sp>
                 <p:nvSpPr>
                   <p:cNvPr id="245" name="Rectangle 244">
@@ -16225,7 +16268,7 @@
                     <a:avLst/>
                   </a:prstGeom>
                   <a:blipFill>
-                    <a:blip r:embed="rId41"/>
+                    <a:blip r:embed="rId42"/>
                     <a:stretch>
                       <a:fillRect/>
                     </a:stretch>
@@ -16410,8 +16453,17 @@
               <p:nvPr/>
             </p:nvPicPr>
             <p:blipFill rotWithShape="1">
-              <a:blip r:embed="rId42" cstate="print">
+              <a:blip r:embed="rId43" cstate="print">
                 <a:extLst>
+                  <a:ext uri="{BEBA8EAE-BF5A-486C-A8C5-ECC9F3942E4B}">
+                    <a14:imgProps xmlns:a14="http://schemas.microsoft.com/office/drawing/2010/main">
+                      <a14:imgLayer r:embed="rId44">
+                        <a14:imgEffect>
+                          <a14:brightnessContrast bright="-24000" contrast="54000"/>
+                        </a14:imgEffect>
+                      </a14:imgLayer>
+                    </a14:imgProps>
+                  </a:ext>
                   <a:ext uri="{28A0092B-C50C-407E-A947-70E740481C1C}">
                     <a14:useLocalDpi xmlns:a14="http://schemas.microsoft.com/office/drawing/2010/main" val="0"/>
                   </a:ext>
@@ -16707,7 +16759,7 @@
             </p:nvSpPr>
             <p:spPr>
               <a:xfrm>
-                <a:off x="11367528" y="39068487"/>
+                <a:off x="11082621" y="39149654"/>
                 <a:ext cx="5578384" cy="2324098"/>
               </a:xfrm>
               <a:prstGeom prst="rect">
@@ -16802,16 +16854,16 @@
             </p:nvSpPr>
             <p:spPr>
               <a:xfrm>
-                <a:off x="11367528" y="39068487"/>
+                <a:off x="11082621" y="39149654"/>
                 <a:ext cx="5578384" cy="2324098"/>
               </a:xfrm>
               <a:prstGeom prst="rect">
                 <a:avLst/>
               </a:prstGeom>
               <a:blipFill>
-                <a:blip r:embed="rId43"/>
+                <a:blip r:embed="rId45"/>
                 <a:stretch>
-                  <a:fillRect l="-1749" t="-2100" b="-4987"/>
+                  <a:fillRect l="-1639" t="-2100" b="-4987"/>
                 </a:stretch>
               </a:blipFill>
             </p:spPr>
@@ -16830,6 +16882,42 @@
           </p:sp>
         </mc:Fallback>
       </mc:AlternateContent>
+      <p:sp>
+        <p:nvSpPr>
+          <p:cNvPr id="232" name="TextBox 231">
+            <a:extLst>
+              <a:ext uri="{FF2B5EF4-FFF2-40B4-BE49-F238E27FC236}">
+                <a16:creationId xmlns:a16="http://schemas.microsoft.com/office/drawing/2014/main" id="{5B00E7C7-20FA-42AC-9CF8-FF651CEA6D71}"/>
+              </a:ext>
+            </a:extLst>
+          </p:cNvPr>
+          <p:cNvSpPr txBox="1"/>
+          <p:nvPr/>
+        </p:nvSpPr>
+        <p:spPr>
+          <a:xfrm>
+            <a:off x="24617619" y="9834278"/>
+            <a:ext cx="1804600" cy="461665"/>
+          </a:xfrm>
+          <a:prstGeom prst="rect">
+            <a:avLst/>
+          </a:prstGeom>
+          <a:noFill/>
+        </p:spPr>
+        <p:txBody>
+          <a:bodyPr wrap="square" rtlCol="0">
+            <a:spAutoFit/>
+          </a:bodyPr>
+          <a:lstStyle/>
+          <a:p>
+            <a:pPr algn="ctr"/>
+            <a:r>
+              <a:rPr lang="en-US" sz="2400" dirty="0"/>
+              <a:t>Peptide</a:t>
+            </a:r>
+          </a:p>
+        </p:txBody>
+      </p:sp>
     </p:spTree>
     <p:extLst>
       <p:ext uri="{BB962C8B-B14F-4D97-AF65-F5344CB8AC3E}">

--- a/Poster.pptx
+++ b/Poster.pptx
@@ -5579,7 +5579,7 @@
               </a:r>
               <a:r>
                 <a:rPr lang="en-US" sz="2400" dirty="0"/>
-                <a:t>EPLTASMLAAAPPQEQK      SMLA      prefix         4653.40152</a:t>
+                <a:t>EPLTASMLAASMLA      prefix         4653.40152</a:t>
               </a:r>
             </a:p>
             <a:p>
@@ -12052,10 +12052,10 @@
         </p:nvGrpSpPr>
         <p:grpSpPr>
           <a:xfrm>
-            <a:off x="8556615" y="13768039"/>
-            <a:ext cx="5740649" cy="2518328"/>
-            <a:chOff x="8092027" y="13844255"/>
-            <a:chExt cx="5740649" cy="2518328"/>
+            <a:off x="8556614" y="13768042"/>
+            <a:ext cx="5740650" cy="2472125"/>
+            <a:chOff x="8092026" y="13844258"/>
+            <a:chExt cx="5740650" cy="2472125"/>
           </a:xfrm>
         </p:grpSpPr>
         <p:grpSp>
@@ -12072,10 +12072,10 @@
           </p:nvGrpSpPr>
           <p:grpSpPr>
             <a:xfrm>
-              <a:off x="8092027" y="13844255"/>
-              <a:ext cx="4415394" cy="2518328"/>
+              <a:off x="8092026" y="13844258"/>
+              <a:ext cx="4415392" cy="2472125"/>
               <a:chOff x="18854872" y="12415809"/>
-              <a:chExt cx="4764337" cy="2514104"/>
+              <a:chExt cx="4764335" cy="2467978"/>
             </a:xfrm>
           </p:grpSpPr>
           <p:pic>
@@ -12128,7 +12128,7 @@
             </p:nvSpPr>
             <p:spPr>
               <a:xfrm>
-                <a:off x="20468506" y="14469023"/>
+                <a:off x="20468504" y="14422897"/>
                 <a:ext cx="3150703" cy="460890"/>
               </a:xfrm>
               <a:prstGeom prst="rect">
@@ -14062,8 +14062,8 @@
           </a:fontRef>
         </p:style>
       </p:cxnSp>
-      <mc:AlternateContent xmlns:mc="http://schemas.openxmlformats.org/markup-compatibility/2006">
-        <mc:Choice xmlns:a14="http://schemas.microsoft.com/office/drawing/2010/main" Requires="a14">
+      <mc:AlternateContent xmlns:mc="http://schemas.openxmlformats.org/markup-compatibility/2006" xmlns:a14="http://schemas.microsoft.com/office/drawing/2010/main">
+        <mc:Choice Requires="a14">
           <p:graphicFrame>
             <p:nvGraphicFramePr>
               <p:cNvPr id="266" name="Table 265">
@@ -14449,7 +14449,7 @@
             </a:graphic>
           </p:graphicFrame>
         </mc:Choice>
-        <mc:Fallback>
+        <mc:Fallback xmlns="">
           <p:graphicFrame>
             <p:nvGraphicFramePr>
               <p:cNvPr id="266" name="Table 265">
@@ -16511,8 +16511,12 @@
               <a:lstStyle/>
               <a:p>
                 <a:r>
+                  <a:rPr lang="ru-RU" sz="2800" dirty="0"/>
+                  <a:t>5</a:t>
+                </a:r>
+                <a:r>
                   <a:rPr lang="en-US" sz="2800" dirty="0"/>
-                  <a:t>6. Information about substitutions</a:t>
+                  <a:t>. Information about substitutions</a:t>
                 </a:r>
               </a:p>
             </p:txBody>
@@ -16743,8 +16747,8 @@
           </a:p>
         </p:txBody>
       </p:sp>
-      <mc:AlternateContent xmlns:mc="http://schemas.openxmlformats.org/markup-compatibility/2006">
-        <mc:Choice xmlns:a14="http://schemas.microsoft.com/office/drawing/2010/main" Requires="a14">
+      <mc:AlternateContent xmlns:mc="http://schemas.openxmlformats.org/markup-compatibility/2006" xmlns:a14="http://schemas.microsoft.com/office/drawing/2010/main">
+        <mc:Choice Requires="a14">
           <p:sp>
             <p:nvSpPr>
               <p:cNvPr id="22" name="TextBox 21">
@@ -16837,7 +16841,7 @@
             </p:txBody>
           </p:sp>
         </mc:Choice>
-        <mc:Fallback>
+        <mc:Fallback xmlns="">
           <p:sp>
             <p:nvSpPr>
               <p:cNvPr id="22" name="TextBox 21">
